--- a/spring13/slides13/ranvar-expect-intro.pptx
+++ b/spring13/slides13/ranvar-expect-intro.pptx
@@ -2681,11 +2681,11 @@
             </a:pPr>
             <a:r>
               <a:rPr lang="en-US" dirty="0" err="1" smtClean="0"/>
-              <a:t>lec</a:t>
+              <a:t>expect_intro</a:t>
             </a:r>
             <a:r>
               <a:rPr lang="en-US" dirty="0" smtClean="0"/>
-              <a:t> 12F.</a:t>
+              <a:t>.</a:t>
             </a:r>
             <a:fld id="{FC9265C7-2444-489D-860F-86AAC4235083}" type="slidenum">
               <a:rPr lang="en-US" smtClean="0"/>
@@ -2703,9 +2703,16 @@
   <p:clrMapOvr>
     <a:masterClrMapping/>
   </p:clrMapOvr>
-  <p:transition xmlns:p14="http://schemas.microsoft.com/office/powerpoint/2010/main">
+  <p:transition xmlns:p14="http://schemas.microsoft.com/office/powerpoint/2010/main" spd="slow" advClick="0">
     <p:fade/>
   </p:transition>
+  <p:timing>
+    <p:tnLst>
+      <p:par>
+        <p:cTn xmlns:p14="http://schemas.microsoft.com/office/powerpoint/2010/main" id="1" dur="indefinite" restart="never" nodeType="tmRoot"/>
+      </p:par>
+    </p:tnLst>
+  </p:timing>
 </p:sldLayout>
 </file>
 
@@ -2856,11 +2863,11 @@
             </a:pPr>
             <a:r>
               <a:rPr lang="en-US" dirty="0" err="1" smtClean="0"/>
-              <a:t>lec</a:t>
+              <a:t>expect_intro</a:t>
             </a:r>
             <a:r>
               <a:rPr lang="en-US" dirty="0" smtClean="0"/>
-              <a:t> 12F.</a:t>
+              <a:t>.</a:t>
             </a:r>
             <a:fld id="{7886A709-CED2-48A3-8616-B2655C008ECB}" type="slidenum">
               <a:rPr lang="en-US" smtClean="0"/>
@@ -2878,7 +2885,7 @@
   <p:clrMapOvr>
     <a:masterClrMapping/>
   </p:clrMapOvr>
-  <p:transition xmlns:p14="http://schemas.microsoft.com/office/powerpoint/2010/main">
+  <p:transition xmlns:p14="http://schemas.microsoft.com/office/powerpoint/2010/main" spd="slow" advClick="0">
     <p:fade/>
   </p:transition>
 </p:sldLayout>
@@ -2952,11 +2959,11 @@
             </a:pPr>
             <a:r>
               <a:rPr lang="en-US" dirty="0" err="1" smtClean="0"/>
-              <a:t>lec</a:t>
+              <a:t>expect_intro</a:t>
             </a:r>
             <a:r>
               <a:rPr lang="en-US" dirty="0" smtClean="0"/>
-              <a:t> 12F.</a:t>
+              <a:t>.</a:t>
             </a:r>
             <a:fld id="{9B55653B-1858-43BF-A49A-533C730B553F}" type="slidenum">
               <a:rPr lang="en-US" smtClean="0"/>
@@ -2974,7 +2981,7 @@
   <p:clrMapOvr>
     <a:masterClrMapping/>
   </p:clrMapOvr>
-  <p:transition xmlns:p14="http://schemas.microsoft.com/office/powerpoint/2010/main">
+  <p:transition xmlns:p14="http://schemas.microsoft.com/office/powerpoint/2010/main" spd="slow" advClick="0">
     <p:fade/>
   </p:transition>
 </p:sldLayout>
@@ -3021,11 +3028,11 @@
             </a:pPr>
             <a:r>
               <a:rPr lang="en-US" dirty="0" err="1" smtClean="0"/>
-              <a:t>lec</a:t>
+              <a:t>expect_intro</a:t>
             </a:r>
             <a:r>
               <a:rPr lang="en-US" dirty="0" smtClean="0"/>
-              <a:t> 12F.</a:t>
+              <a:t>.</a:t>
             </a:r>
             <a:fld id="{4E62291C-8AD8-4AE0-8F6D-A8437E91FB33}" type="slidenum">
               <a:rPr lang="en-US" smtClean="0"/>
@@ -3043,9 +3050,16 @@
   <p:clrMapOvr>
     <a:masterClrMapping/>
   </p:clrMapOvr>
-  <p:transition xmlns:p14="http://schemas.microsoft.com/office/powerpoint/2010/main">
+  <p:transition xmlns:p14="http://schemas.microsoft.com/office/powerpoint/2010/main" spd="slow" advClick="0">
     <p:fade/>
   </p:transition>
+  <p:timing>
+    <p:tnLst>
+      <p:par>
+        <p:cTn xmlns:p14="http://schemas.microsoft.com/office/powerpoint/2010/main" id="1" dur="indefinite" restart="never" nodeType="tmRoot"/>
+      </p:par>
+    </p:tnLst>
+  </p:timing>
 </p:sldLayout>
 </file>
 
@@ -3232,11 +3246,11 @@
             </a:pPr>
             <a:r>
               <a:rPr lang="en-US" dirty="0" err="1" smtClean="0"/>
-              <a:t>lec</a:t>
+              <a:t>expect_intro</a:t>
             </a:r>
             <a:r>
               <a:rPr lang="en-US" dirty="0" smtClean="0"/>
-              <a:t> 12F.</a:t>
+              <a:t>.</a:t>
             </a:r>
             <a:fld id="{7886A709-CED2-48A3-8616-B2655C008ECB}" type="slidenum">
               <a:rPr lang="en-US" smtClean="0"/>
@@ -3332,7 +3346,7 @@
                 <a:uFillTx/>
                 <a:latin typeface="Comic Sans MS" pitchFamily="66" charset="0"/>
               </a:rPr>
-              <a:t>Albert R Meyer,            May 4, 2012</a:t>
+              <a:t>Albert R Meyer,            May 8, 2013</a:t>
             </a:r>
             <a:endParaRPr kumimoji="0" lang="en-US" sz="1200" b="0" i="0" u="none" strike="noStrike" kern="1200" cap="none" spc="0" normalizeH="0" baseline="0" noProof="0" dirty="0">
               <a:ln>
@@ -3382,7 +3396,7 @@
     <p:sldLayoutId id="2147483809" r:id="rId3"/>
     <p:sldLayoutId id="2147483810" r:id="rId4"/>
   </p:sldLayoutIdLst>
-  <p:transition xmlns:p14="http://schemas.microsoft.com/office/powerpoint/2010/main">
+  <p:transition xmlns:p14="http://schemas.microsoft.com/office/powerpoint/2010/main" spd="slow" advClick="0">
     <p:fade/>
   </p:transition>
   <p:timing>
@@ -3931,12 +3945,12 @@
               <a:defRPr/>
             </a:pPr>
             <a:r>
-              <a:rPr lang="en-US" dirty="0" err="1"/>
-              <a:t>lec</a:t>
+              <a:rPr lang="en-US" dirty="0" err="1" smtClean="0"/>
+              <a:t>expect_intro</a:t>
             </a:r>
             <a:r>
               <a:rPr lang="en-US" dirty="0" smtClean="0"/>
-              <a:t> 12F.</a:t>
+              <a:t>.</a:t>
             </a:r>
             <a:fld id="{93DA0692-DAF7-4AFE-9BE7-E02439D3694A}" type="slidenum">
               <a:rPr lang="en-US" smtClean="0"/>
@@ -3954,9 +3968,14 @@
   <p:clrMapOvr>
     <a:masterClrMapping/>
   </p:clrMapOvr>
-  <p:transition xmlns:p14="http://schemas.microsoft.com/office/powerpoint/2010/main">
-    <p:fade/>
-  </p:transition>
+  <mc:AlternateContent xmlns:mc="http://schemas.openxmlformats.org/markup-compatibility/2006" xmlns:p14="http://schemas.microsoft.com/office/powerpoint/2010/main">
+    <mc:Choice Requires="p14">
+      <p:transition p14:dur="0" advClick="0"/>
+    </mc:Choice>
+    <mc:Fallback xmlns="">
+      <p:transition xmlns:p14="http://schemas.microsoft.com/office/powerpoint/2010/main" advClick="0"/>
+    </mc:Fallback>
+  </mc:AlternateContent>
   <p:timing>
     <p:tnLst>
       <p:par>
@@ -4000,7 +4019,7 @@
           <a:graphicData uri="http://schemas.openxmlformats.org/presentationml/2006/ole">
             <mc:AlternateContent xmlns:mc="http://schemas.openxmlformats.org/markup-compatibility/2006">
               <mc:Choice xmlns:v="urn:schemas-microsoft-com:vml" Requires="v">
-                <p:oleObj spid="_x0000_s176162" name="Equation" r:id="rId4" imgW="2006280" imgH="812520" progId="Equation.DSMT4">
+                <p:oleObj spid="_x0000_s176170" name="Equation" r:id="rId4" imgW="2006280" imgH="812520" progId="Equation.DSMT4">
                   <p:embed/>
                 </p:oleObj>
               </mc:Choice>
@@ -4261,18 +4280,18 @@
               <a:defRPr/>
             </a:pPr>
             <a:r>
-              <a:rPr lang="en-US" sz="1200" dirty="0" err="1">
+              <a:rPr lang="en-US" sz="1200" dirty="0" err="1" smtClean="0">
                 <a:latin typeface="Comic Sans MS"/>
                 <a:cs typeface="Comic Sans MS"/>
               </a:rPr>
-              <a:t>lec</a:t>
+              <a:t>expect_intro</a:t>
             </a:r>
             <a:r>
               <a:rPr lang="en-US" sz="1200" dirty="0" smtClean="0">
                 <a:latin typeface="Comic Sans MS"/>
                 <a:cs typeface="Comic Sans MS"/>
               </a:rPr>
-              <a:t> 12F.</a:t>
+              <a:t>.</a:t>
             </a:r>
             <a:fld id="{93DA0692-DAF7-4AFE-9BE7-E02439D3694A}" type="slidenum">
               <a:rPr lang="en-US" sz="1200" smtClean="0">
@@ -4318,18 +4337,18 @@
               <a:defRPr/>
             </a:pPr>
             <a:r>
-              <a:rPr lang="en-US" sz="1200" dirty="0" err="1">
+              <a:rPr lang="en-US" sz="1200" dirty="0" err="1" smtClean="0">
                 <a:latin typeface="Comic Sans MS"/>
                 <a:cs typeface="Comic Sans MS"/>
               </a:rPr>
-              <a:t>lec</a:t>
+              <a:t>expect_intro</a:t>
             </a:r>
             <a:r>
               <a:rPr lang="en-US" sz="1200" dirty="0" smtClean="0">
                 <a:latin typeface="Comic Sans MS"/>
                 <a:cs typeface="Comic Sans MS"/>
               </a:rPr>
-              <a:t> 12F.</a:t>
+              <a:t>.</a:t>
             </a:r>
             <a:fld id="{93DA0692-DAF7-4AFE-9BE7-E02439D3694A}" type="slidenum">
               <a:rPr lang="en-US" sz="1200" smtClean="0">
@@ -4413,18 +4432,9 @@
   <p:clrMapOvr>
     <a:masterClrMapping/>
   </p:clrMapOvr>
-  <mc:AlternateContent xmlns:mc="http://schemas.openxmlformats.org/markup-compatibility/2006" xmlns:p14="http://schemas.microsoft.com/office/powerpoint/2010/main">
-    <mc:Choice Requires="p14">
-      <p:transition p14:dur="200">
-        <p:fade/>
-      </p:transition>
-    </mc:Choice>
-    <mc:Fallback xmlns="">
-      <p:transition xmlns:p14="http://schemas.microsoft.com/office/powerpoint/2010/main">
-        <p:fade/>
-      </p:transition>
-    </mc:Fallback>
-  </mc:AlternateContent>
+  <p:transition xmlns:p14="http://schemas.microsoft.com/office/powerpoint/2010/main" spd="slow" advClick="0">
+    <p:fade/>
+  </p:transition>
   <p:timing>
     <p:tnLst>
       <p:par>
@@ -4905,18 +4915,18 @@
               <a:defRPr/>
             </a:pPr>
             <a:r>
-              <a:rPr lang="en-US" sz="1200" dirty="0" err="1">
+              <a:rPr lang="en-US" sz="1200" dirty="0" err="1" smtClean="0">
                 <a:latin typeface="Comic Sans MS"/>
                 <a:cs typeface="Comic Sans MS"/>
               </a:rPr>
-              <a:t>lec</a:t>
+              <a:t>expect_intro</a:t>
             </a:r>
             <a:r>
               <a:rPr lang="en-US" sz="1200" dirty="0" smtClean="0">
                 <a:latin typeface="Comic Sans MS"/>
                 <a:cs typeface="Comic Sans MS"/>
               </a:rPr>
-              <a:t> 12F.</a:t>
+              <a:t>.</a:t>
             </a:r>
             <a:fld id="{93DA0692-DAF7-4AFE-9BE7-E02439D3694A}" type="slidenum">
               <a:rPr lang="en-US" sz="1200" smtClean="0">
@@ -5000,7 +5010,7 @@
   <p:clrMapOvr>
     <a:masterClrMapping/>
   </p:clrMapOvr>
-  <p:transition xmlns:p14="http://schemas.microsoft.com/office/powerpoint/2010/main">
+  <p:transition xmlns:p14="http://schemas.microsoft.com/office/powerpoint/2010/main" spd="slow" advClick="0">
     <p:fade/>
   </p:transition>
   <p:timing>
@@ -5308,18 +5318,18 @@
               <a:defRPr/>
             </a:pPr>
             <a:r>
-              <a:rPr lang="en-US" sz="1200" dirty="0" err="1">
+              <a:rPr lang="en-US" sz="1200" dirty="0" err="1" smtClean="0">
                 <a:latin typeface="Comic Sans MS"/>
                 <a:cs typeface="Comic Sans MS"/>
               </a:rPr>
-              <a:t>lec</a:t>
+              <a:t>expect_intro</a:t>
             </a:r>
             <a:r>
               <a:rPr lang="en-US" sz="1200" dirty="0" smtClean="0">
                 <a:latin typeface="Comic Sans MS"/>
                 <a:cs typeface="Comic Sans MS"/>
               </a:rPr>
-              <a:t> 12F.</a:t>
+              <a:t>.</a:t>
             </a:r>
             <a:fld id="{93DA0692-DAF7-4AFE-9BE7-E02439D3694A}" type="slidenum">
               <a:rPr lang="en-US" sz="1200" smtClean="0">
@@ -5343,9 +5353,18 @@
   <p:clrMapOvr>
     <a:masterClrMapping/>
   </p:clrMapOvr>
-  <p:transition xmlns:p14="http://schemas.microsoft.com/office/powerpoint/2010/main" spd="slow">
-    <p:fade thruBlk="1"/>
-  </p:transition>
+  <mc:AlternateContent xmlns:mc="http://schemas.openxmlformats.org/markup-compatibility/2006" xmlns:p14="http://schemas.microsoft.com/office/powerpoint/2010/main">
+    <mc:Choice Requires="p14">
+      <p:transition spd="slow" p14:dur="1100" advClick="0">
+        <p:fade thruBlk="1"/>
+      </p:transition>
+    </mc:Choice>
+    <mc:Fallback xmlns="">
+      <p:transition xmlns:p14="http://schemas.microsoft.com/office/powerpoint/2010/main" spd="slow" advClick="0">
+        <p:fade thruBlk="1"/>
+      </p:transition>
+    </mc:Fallback>
+  </mc:AlternateContent>
   <p:timing>
     <p:tnLst>
       <p:par>
@@ -5846,27 +5865,7 @@
                 <a:latin typeface="Comic Sans MS" pitchFamily="66" charset="0"/>
                 <a:sym typeface="Symbol" pitchFamily="18" charset="2"/>
               </a:rPr>
-              <a:t>R </a:t>
-            </a:r>
-            <a:r>
-              <a:rPr lang="en-US" sz="6600" i="0" dirty="0" smtClean="0">
-                <a:solidFill>
-                  <a:srgbClr val="0000FF"/>
-                </a:solidFill>
-                <a:latin typeface="Comic Sans MS" pitchFamily="66" charset="0"/>
-                <a:sym typeface="Symbol" pitchFamily="18" charset="2"/>
-              </a:rPr>
-              <a:t>= </a:t>
-            </a:r>
-            <a:r>
-              <a:rPr lang="en-US" sz="6600" i="0" dirty="0" smtClean="0">
-                <a:solidFill>
-                  <a:srgbClr val="0000FF"/>
-                </a:solidFill>
-                <a:latin typeface="Comic Sans MS" pitchFamily="66" charset="0"/>
-                <a:sym typeface="Symbol" pitchFamily="18" charset="2"/>
-              </a:rPr>
-              <a:t>v</a:t>
+              <a:t>R = v</a:t>
             </a:r>
             <a:r>
               <a:rPr lang="en-US" sz="6600" i="0" dirty="0" smtClean="0">
@@ -5963,7 +5962,7 @@
           <a:graphicData uri="http://schemas.openxmlformats.org/presentationml/2006/ole">
             <mc:AlternateContent xmlns:mc="http://schemas.openxmlformats.org/markup-compatibility/2006">
               <mc:Choice xmlns:v="urn:schemas-microsoft-com:vml" Requires="v">
-                <p:oleObj spid="_x0000_s182307" name="Equation" r:id="rId4" imgW="419040" imgH="419040" progId="Equation.DSMT4">
+                <p:oleObj spid="_x0000_s182315" name="Equation" r:id="rId4" imgW="419040" imgH="419040" progId="Equation.DSMT4">
                   <p:embed/>
                 </p:oleObj>
               </mc:Choice>
@@ -6139,18 +6138,18 @@
               <a:defRPr/>
             </a:pPr>
             <a:r>
-              <a:rPr lang="en-US" sz="1200" dirty="0" err="1">
+              <a:rPr lang="en-US" sz="1200" dirty="0" err="1" smtClean="0">
                 <a:latin typeface="Comic Sans MS"/>
                 <a:cs typeface="Comic Sans MS"/>
               </a:rPr>
-              <a:t>lec</a:t>
+              <a:t>expect_intro</a:t>
             </a:r>
             <a:r>
               <a:rPr lang="en-US" sz="1200" dirty="0" smtClean="0">
                 <a:latin typeface="Comic Sans MS"/>
                 <a:cs typeface="Comic Sans MS"/>
               </a:rPr>
-              <a:t> 12F.</a:t>
+              <a:t>.</a:t>
             </a:r>
             <a:fld id="{93DA0692-DAF7-4AFE-9BE7-E02439D3694A}" type="slidenum">
               <a:rPr lang="en-US" sz="1200" smtClean="0">
@@ -6174,18 +6173,9 @@
   <p:clrMapOvr>
     <a:masterClrMapping/>
   </p:clrMapOvr>
-  <mc:AlternateContent xmlns:mc="http://schemas.openxmlformats.org/markup-compatibility/2006" xmlns:p14="http://schemas.microsoft.com/office/powerpoint/2010/main">
-    <mc:Choice Requires="p14">
-      <p:transition spd="med" p14:dur="700">
-        <p:fade/>
-      </p:transition>
-    </mc:Choice>
-    <mc:Fallback xmlns="">
-      <p:transition xmlns:p14="http://schemas.microsoft.com/office/powerpoint/2010/main" spd="med">
-        <p:fade/>
-      </p:transition>
-    </mc:Fallback>
-  </mc:AlternateContent>
+  <p:transition xmlns:p14="http://schemas.microsoft.com/office/powerpoint/2010/main" spd="slow" advClick="0">
+    <p:fade/>
+  </p:transition>
   <p:timing>
     <p:tnLst>
       <p:par>
@@ -6511,7 +6501,7 @@
           <a:graphicData uri="http://schemas.openxmlformats.org/presentationml/2006/ole">
             <mc:AlternateContent xmlns:mc="http://schemas.openxmlformats.org/markup-compatibility/2006">
               <mc:Choice xmlns:v="urn:schemas-microsoft-com:vml" Requires="v">
-                <p:oleObj spid="_x0000_s184355" name="Equation" r:id="rId4" imgW="1485900" imgH="406400" progId="Equation.DSMT4">
+                <p:oleObj spid="_x0000_s184363" name="Equation" r:id="rId4" imgW="1485900" imgH="406400" progId="Equation.DSMT4">
                   <p:embed/>
                 </p:oleObj>
               </mc:Choice>
@@ -6727,18 +6717,18 @@
               <a:defRPr/>
             </a:pPr>
             <a:r>
-              <a:rPr lang="en-US" sz="1200" dirty="0" err="1">
+              <a:rPr lang="en-US" sz="1200" dirty="0" err="1" smtClean="0">
                 <a:latin typeface="Comic Sans MS"/>
                 <a:cs typeface="Comic Sans MS"/>
               </a:rPr>
-              <a:t>lec</a:t>
+              <a:t>expect_intro</a:t>
             </a:r>
             <a:r>
               <a:rPr lang="en-US" sz="1200" dirty="0" smtClean="0">
                 <a:latin typeface="Comic Sans MS"/>
                 <a:cs typeface="Comic Sans MS"/>
               </a:rPr>
-              <a:t> 12F.</a:t>
+              <a:t>.</a:t>
             </a:r>
             <a:fld id="{93DA0692-DAF7-4AFE-9BE7-E02439D3694A}" type="slidenum">
               <a:rPr lang="en-US" sz="1200" smtClean="0">
@@ -6762,18 +6752,9 @@
   <p:clrMapOvr>
     <a:masterClrMapping/>
   </p:clrMapOvr>
-  <mc:AlternateContent xmlns:mc="http://schemas.openxmlformats.org/markup-compatibility/2006" xmlns:p14="http://schemas.microsoft.com/office/powerpoint/2010/main">
-    <mc:Choice Requires="p14">
-      <p:transition spd="slow" p14:dur="1100">
-        <p:fade/>
-      </p:transition>
-    </mc:Choice>
-    <mc:Fallback xmlns="">
-      <p:transition xmlns:p14="http://schemas.microsoft.com/office/powerpoint/2010/main" spd="slow">
-        <p:fade/>
-      </p:transition>
-    </mc:Fallback>
-  </mc:AlternateContent>
+  <p:transition xmlns:p14="http://schemas.microsoft.com/office/powerpoint/2010/main" spd="slow" advClick="0">
+    <p:fade/>
+  </p:transition>
   <p:timing>
     <p:tnLst>
       <p:par>
@@ -6959,7 +6940,7 @@
           <a:graphicData uri="http://schemas.openxmlformats.org/presentationml/2006/ole">
             <mc:AlternateContent xmlns:mc="http://schemas.openxmlformats.org/markup-compatibility/2006">
               <mc:Choice xmlns:v="urn:schemas-microsoft-com:vml" Requires="v">
-                <p:oleObj spid="_x0000_s186402" name="Equation" r:id="rId4" imgW="1524000" imgH="406400" progId="Equation.DSMT4">
+                <p:oleObj spid="_x0000_s186410" name="Equation" r:id="rId4" imgW="1524000" imgH="406400" progId="Equation.DSMT4">
                   <p:embed/>
                 </p:oleObj>
               </mc:Choice>
@@ -7058,18 +7039,18 @@
               <a:defRPr/>
             </a:pPr>
             <a:r>
-              <a:rPr lang="en-US" sz="1200" dirty="0" err="1">
+              <a:rPr lang="en-US" sz="1200" dirty="0" err="1" smtClean="0">
                 <a:latin typeface="Comic Sans MS"/>
                 <a:cs typeface="Comic Sans MS"/>
               </a:rPr>
-              <a:t>lec</a:t>
+              <a:t>expect_intro</a:t>
             </a:r>
             <a:r>
               <a:rPr lang="en-US" sz="1200" dirty="0" smtClean="0">
                 <a:latin typeface="Comic Sans MS"/>
                 <a:cs typeface="Comic Sans MS"/>
               </a:rPr>
-              <a:t> 12F.</a:t>
+              <a:t>.</a:t>
             </a:r>
             <a:fld id="{93DA0692-DAF7-4AFE-9BE7-E02439D3694A}" type="slidenum">
               <a:rPr lang="en-US" sz="1200" smtClean="0">
@@ -7093,7 +7074,7 @@
   <p:clrMapOvr>
     <a:masterClrMapping/>
   </p:clrMapOvr>
-  <p:transition xmlns:p14="http://schemas.microsoft.com/office/powerpoint/2010/main" spd="slow">
+  <p:transition xmlns:p14="http://schemas.microsoft.com/office/powerpoint/2010/main" spd="slow" advClick="0">
     <p:fade thruBlk="1"/>
   </p:transition>
   <p:timing>
@@ -7179,7 +7160,7 @@
           <a:graphicData uri="http://schemas.openxmlformats.org/presentationml/2006/ole">
             <mc:AlternateContent xmlns:mc="http://schemas.openxmlformats.org/markup-compatibility/2006">
               <mc:Choice xmlns:v="urn:schemas-microsoft-com:vml" Requires="v">
-                <p:oleObj spid="_x0000_s188516" name="Equation" r:id="rId4" imgW="1816100" imgH="406400" progId="Equation.DSMT4">
+                <p:oleObj spid="_x0000_s188536" name="Equation" r:id="rId4" imgW="1816100" imgH="406400" progId="Equation.DSMT4">
                   <p:embed/>
                 </p:oleObj>
               </mc:Choice>
@@ -7241,7 +7222,7 @@
           <a:graphicData uri="http://schemas.openxmlformats.org/presentationml/2006/ole">
             <mc:AlternateContent xmlns:mc="http://schemas.openxmlformats.org/markup-compatibility/2006">
               <mc:Choice xmlns:v="urn:schemas-microsoft-com:vml" Requires="v">
-                <p:oleObj spid="_x0000_s188517" name="Equation" r:id="rId6" imgW="1409700" imgH="533400" progId="Equation.DSMT4">
+                <p:oleObj spid="_x0000_s188537" name="Equation" r:id="rId6" imgW="1409700" imgH="533400" progId="Equation.DSMT4">
                   <p:embed/>
                 </p:oleObj>
               </mc:Choice>
@@ -7311,7 +7292,7 @@
           <a:graphicData uri="http://schemas.openxmlformats.org/presentationml/2006/ole">
             <mc:AlternateContent xmlns:mc="http://schemas.openxmlformats.org/markup-compatibility/2006">
               <mc:Choice xmlns:v="urn:schemas-microsoft-com:vml" Requires="v">
-                <p:oleObj spid="_x0000_s188518" name="Equation" r:id="rId8" imgW="1244600" imgH="406400" progId="Equation.DSMT4">
+                <p:oleObj spid="_x0000_s188538" name="Equation" r:id="rId8" imgW="1244600" imgH="406400" progId="Equation.DSMT4">
                   <p:embed/>
                 </p:oleObj>
               </mc:Choice>
@@ -7418,18 +7399,18 @@
               <a:defRPr/>
             </a:pPr>
             <a:r>
-              <a:rPr lang="en-US" sz="1200" dirty="0" err="1">
+              <a:rPr lang="en-US" sz="1200" dirty="0" err="1" smtClean="0">
                 <a:latin typeface="Comic Sans MS"/>
                 <a:cs typeface="Comic Sans MS"/>
               </a:rPr>
-              <a:t>lec</a:t>
+              <a:t>expect_intro</a:t>
             </a:r>
             <a:r>
               <a:rPr lang="en-US" sz="1200" dirty="0" smtClean="0">
                 <a:latin typeface="Comic Sans MS"/>
                 <a:cs typeface="Comic Sans MS"/>
               </a:rPr>
-              <a:t> 12F.</a:t>
+              <a:t>.</a:t>
             </a:r>
             <a:fld id="{93DA0692-DAF7-4AFE-9BE7-E02439D3694A}" type="slidenum">
               <a:rPr lang="en-US" sz="1200" smtClean="0">
@@ -7453,7 +7434,7 @@
   <p:clrMapOvr>
     <a:masterClrMapping/>
   </p:clrMapOvr>
-  <p:transition xmlns:p14="http://schemas.microsoft.com/office/powerpoint/2010/main">
+  <p:transition xmlns:p14="http://schemas.microsoft.com/office/powerpoint/2010/main" spd="slow" advClick="0">
     <p:fade/>
   </p:transition>
   <p:timing>
@@ -7668,7 +7649,7 @@
           <a:graphicData uri="http://schemas.openxmlformats.org/presentationml/2006/ole">
             <mc:AlternateContent xmlns:mc="http://schemas.openxmlformats.org/markup-compatibility/2006">
               <mc:Choice xmlns:v="urn:schemas-microsoft-com:vml" Requires="v">
-                <p:oleObj spid="_x0000_s571427" name="Equation" r:id="rId4" imgW="1816100" imgH="406400" progId="Equation.DSMT4">
+                <p:oleObj spid="_x0000_s571453" name="Equation" r:id="rId4" imgW="1816100" imgH="406400" progId="Equation.DSMT4">
                   <p:embed/>
                 </p:oleObj>
               </mc:Choice>
@@ -7730,7 +7711,7 @@
           <a:graphicData uri="http://schemas.openxmlformats.org/presentationml/2006/ole">
             <mc:AlternateContent xmlns:mc="http://schemas.openxmlformats.org/markup-compatibility/2006">
               <mc:Choice xmlns:v="urn:schemas-microsoft-com:vml" Requires="v">
-                <p:oleObj spid="_x0000_s571428" name="Equation" r:id="rId6" imgW="1143000" imgH="406400" progId="Equation.DSMT4">
+                <p:oleObj spid="_x0000_s571454" name="Equation" r:id="rId6" imgW="1143000" imgH="406400" progId="Equation.DSMT4">
                   <p:embed/>
                 </p:oleObj>
               </mc:Choice>
@@ -7800,7 +7781,7 @@
           <a:graphicData uri="http://schemas.openxmlformats.org/presentationml/2006/ole">
             <mc:AlternateContent xmlns:mc="http://schemas.openxmlformats.org/markup-compatibility/2006">
               <mc:Choice xmlns:v="urn:schemas-microsoft-com:vml" Requires="v">
-                <p:oleObj spid="_x0000_s571429" name="Equation" r:id="rId8" imgW="1409700" imgH="533400" progId="Equation.DSMT4">
+                <p:oleObj spid="_x0000_s571455" name="Equation" r:id="rId8" imgW="1409700" imgH="533400" progId="Equation.DSMT4">
                   <p:embed/>
                 </p:oleObj>
               </mc:Choice>
@@ -7907,18 +7888,18 @@
               <a:defRPr/>
             </a:pPr>
             <a:r>
-              <a:rPr lang="en-US" sz="1200" dirty="0" err="1">
+              <a:rPr lang="en-US" sz="1200" dirty="0" err="1" smtClean="0">
                 <a:latin typeface="Comic Sans MS"/>
                 <a:cs typeface="Comic Sans MS"/>
               </a:rPr>
-              <a:t>lec</a:t>
+              <a:t>expect_intro</a:t>
             </a:r>
             <a:r>
               <a:rPr lang="en-US" sz="1200" dirty="0" smtClean="0">
                 <a:latin typeface="Comic Sans MS"/>
                 <a:cs typeface="Comic Sans MS"/>
               </a:rPr>
-              <a:t> 12F.</a:t>
+              <a:t>.</a:t>
             </a:r>
             <a:fld id="{93DA0692-DAF7-4AFE-9BE7-E02439D3694A}" type="slidenum">
               <a:rPr lang="en-US" sz="1200" smtClean="0">
@@ -7959,7 +7940,7 @@
           <a:graphicData uri="http://schemas.openxmlformats.org/presentationml/2006/ole">
             <mc:AlternateContent xmlns:mc="http://schemas.openxmlformats.org/markup-compatibility/2006">
               <mc:Choice xmlns:v="urn:schemas-microsoft-com:vml" Requires="v">
-                <p:oleObj spid="_x0000_s571430" name="Equation" r:id="rId10" imgW="1485900" imgH="406400" progId="Equation.DSMT4">
+                <p:oleObj spid="_x0000_s571456" name="Equation" r:id="rId10" imgW="1485900" imgH="406400" progId="Equation.DSMT4">
                   <p:embed/>
                 </p:oleObj>
               </mc:Choice>
@@ -8017,18 +7998,9 @@
   <p:clrMapOvr>
     <a:masterClrMapping/>
   </p:clrMapOvr>
-  <mc:AlternateContent xmlns:mc="http://schemas.openxmlformats.org/markup-compatibility/2006" xmlns:p14="http://schemas.microsoft.com/office/powerpoint/2010/main">
-    <mc:Choice Requires="p14">
-      <p:transition spd="med" p14:dur="700">
-        <p:fade/>
-      </p:transition>
-    </mc:Choice>
-    <mc:Fallback xmlns="">
-      <p:transition xmlns:p14="http://schemas.microsoft.com/office/powerpoint/2010/main" spd="med">
-        <p:fade/>
-      </p:transition>
-    </mc:Fallback>
-  </mc:AlternateContent>
+  <p:transition xmlns:p14="http://schemas.microsoft.com/office/powerpoint/2010/main" spd="slow" advClick="0">
+    <p:fade/>
+  </p:transition>
   <p:timing>
     <p:tnLst>
       <p:par>
@@ -8261,7 +8233,7 @@
           <a:graphicData uri="http://schemas.openxmlformats.org/presentationml/2006/ole">
             <mc:AlternateContent xmlns:mc="http://schemas.openxmlformats.org/markup-compatibility/2006">
               <mc:Choice xmlns:v="urn:schemas-microsoft-com:vml" Requires="v">
-                <p:oleObj spid="_x0000_s190498" name="Equation" r:id="rId4" imgW="914400" imgH="220320" progId="Equation.DSMT4">
+                <p:oleObj spid="_x0000_s190506" name="Equation" r:id="rId4" imgW="914400" imgH="220320" progId="Equation.DSMT4">
                   <p:embed/>
                 </p:oleObj>
               </mc:Choice>
@@ -8527,18 +8499,18 @@
               <a:defRPr/>
             </a:pPr>
             <a:r>
-              <a:rPr lang="en-US" sz="1200" dirty="0" err="1">
+              <a:rPr lang="en-US" sz="1200" dirty="0" err="1" smtClean="0">
                 <a:latin typeface="Comic Sans MS"/>
                 <a:cs typeface="Comic Sans MS"/>
               </a:rPr>
-              <a:t>lec</a:t>
+              <a:t>expect_intro</a:t>
             </a:r>
             <a:r>
               <a:rPr lang="en-US" sz="1200" dirty="0" smtClean="0">
                 <a:latin typeface="Comic Sans MS"/>
                 <a:cs typeface="Comic Sans MS"/>
               </a:rPr>
-              <a:t> 12F.</a:t>
+              <a:t>.</a:t>
             </a:r>
             <a:fld id="{93DA0692-DAF7-4AFE-9BE7-E02439D3694A}" type="slidenum">
               <a:rPr lang="en-US" sz="1200" smtClean="0">
@@ -8562,7 +8534,7 @@
   <p:clrMapOvr>
     <a:masterClrMapping/>
   </p:clrMapOvr>
-  <p:transition xmlns:p14="http://schemas.microsoft.com/office/powerpoint/2010/main" spd="slow">
+  <p:transition xmlns:p14="http://schemas.microsoft.com/office/powerpoint/2010/main" spd="slow" advClick="0">
     <p:fade thruBlk="1"/>
   </p:transition>
   <p:timing>
@@ -8726,18 +8698,18 @@
               <a:defRPr/>
             </a:pPr>
             <a:r>
-              <a:rPr lang="en-US" sz="1200" dirty="0" err="1">
+              <a:rPr lang="en-US" sz="1200" dirty="0" err="1" smtClean="0">
                 <a:latin typeface="Comic Sans MS"/>
                 <a:cs typeface="Comic Sans MS"/>
               </a:rPr>
-              <a:t>lec</a:t>
+              <a:t>expect_intro</a:t>
             </a:r>
             <a:r>
               <a:rPr lang="en-US" sz="1200" dirty="0" smtClean="0">
                 <a:latin typeface="Comic Sans MS"/>
                 <a:cs typeface="Comic Sans MS"/>
               </a:rPr>
-              <a:t> 12F.</a:t>
+              <a:t>.</a:t>
             </a:r>
             <a:fld id="{93DA0692-DAF7-4AFE-9BE7-E02439D3694A}" type="slidenum">
               <a:rPr lang="en-US" sz="1200" smtClean="0">
@@ -8761,9 +8733,18 @@
   <p:clrMapOvr>
     <a:masterClrMapping/>
   </p:clrMapOvr>
-  <p:transition xmlns:p14="http://schemas.microsoft.com/office/powerpoint/2010/main">
-    <p:fade thruBlk="1"/>
-  </p:transition>
+  <mc:AlternateContent xmlns:mc="http://schemas.openxmlformats.org/markup-compatibility/2006" xmlns:p14="http://schemas.microsoft.com/office/powerpoint/2010/main">
+    <mc:Choice Requires="p14">
+      <p:transition spd="slow" p14:dur="900" advClick="0">
+        <p:fade thruBlk="1"/>
+      </p:transition>
+    </mc:Choice>
+    <mc:Fallback xmlns="">
+      <p:transition xmlns:p14="http://schemas.microsoft.com/office/powerpoint/2010/main" spd="slow" advClick="0">
+        <p:fade thruBlk="1"/>
+      </p:transition>
+    </mc:Fallback>
+  </mc:AlternateContent>
   <p:timing>
     <p:tnLst>
       <p:par>
@@ -8878,12 +8859,12 @@
               <a:defRPr/>
             </a:pPr>
             <a:r>
-              <a:rPr lang="en-US" dirty="0" err="1"/>
-              <a:t>lec</a:t>
+              <a:rPr lang="en-US" dirty="0" err="1" smtClean="0"/>
+              <a:t>expect_intro</a:t>
             </a:r>
             <a:r>
               <a:rPr lang="en-US" dirty="0" smtClean="0"/>
-              <a:t> 12F.</a:t>
+              <a:t>.</a:t>
             </a:r>
             <a:fld id="{93DA0692-DAF7-4AFE-9BE7-E02439D3694A}" type="slidenum">
               <a:rPr lang="en-US" smtClean="0"/>
@@ -8901,7 +8882,7 @@
   <p:clrMapOvr>
     <a:masterClrMapping/>
   </p:clrMapOvr>
-  <p:transition xmlns:p14="http://schemas.microsoft.com/office/powerpoint/2010/main">
+  <p:transition xmlns:p14="http://schemas.microsoft.com/office/powerpoint/2010/main" spd="slow" advClick="0">
     <p:fade/>
   </p:transition>
   <p:timing>
@@ -9069,18 +9050,18 @@
               <a:defRPr/>
             </a:pPr>
             <a:r>
-              <a:rPr lang="en-US" sz="1200" dirty="0" err="1">
+              <a:rPr lang="en-US" sz="1200" dirty="0" err="1" smtClean="0">
                 <a:latin typeface="Comic Sans MS"/>
                 <a:cs typeface="Comic Sans MS"/>
               </a:rPr>
-              <a:t>lec</a:t>
+              <a:t>expect_intro</a:t>
             </a:r>
             <a:r>
               <a:rPr lang="en-US" sz="1200" dirty="0" smtClean="0">
                 <a:latin typeface="Comic Sans MS"/>
                 <a:cs typeface="Comic Sans MS"/>
               </a:rPr>
-              <a:t> 12F.</a:t>
+              <a:t>.</a:t>
             </a:r>
             <a:fld id="{93DA0692-DAF7-4AFE-9BE7-E02439D3694A}" type="slidenum">
               <a:rPr lang="en-US" sz="1200" smtClean="0">
@@ -9164,9 +9145,18 @@
   <p:clrMapOvr>
     <a:masterClrMapping/>
   </p:clrMapOvr>
-  <p:transition xmlns:p14="http://schemas.microsoft.com/office/powerpoint/2010/main">
-    <p:fade/>
-  </p:transition>
+  <mc:AlternateContent xmlns:mc="http://schemas.openxmlformats.org/markup-compatibility/2006" xmlns:p14="http://schemas.microsoft.com/office/powerpoint/2010/main">
+    <mc:Choice Requires="p14">
+      <p:transition spd="slow" p14:dur="1200" advClick="0">
+        <p:fade thruBlk="1"/>
+      </p:transition>
+    </mc:Choice>
+    <mc:Fallback xmlns="">
+      <p:transition xmlns:p14="http://schemas.microsoft.com/office/powerpoint/2010/main" spd="slow" advClick="0">
+        <p:fade thruBlk="1"/>
+      </p:transition>
+    </mc:Fallback>
+  </mc:AlternateContent>
   <p:timing>
     <p:tnLst>
       <p:par>
@@ -9188,7 +9178,7 @@
                             </p:stCondLst>
                             <p:childTnLst>
                               <p:par>
-                                <p:cTn id="5" presetID="9" presetClass="entr" presetSubtype="0" fill="hold" nodeType="clickEffect">
+                                <p:cTn id="5" presetID="10" presetClass="entr" presetSubtype="0" fill="hold" nodeType="clickEffect">
                                   <p:stCondLst>
                                     <p:cond delay="0"/>
                                   </p:stCondLst>
@@ -9215,7 +9205,7 @@
                                         <p:strVal val="visible"/>
                                       </p:to>
                                     </p:set>
-                                    <p:animEffect transition="in" filter="dissolve">
+                                    <p:animEffect transition="in" filter="fade">
                                       <p:cBhvr>
                                         <p:cTn id="7" dur="500"/>
                                         <p:tgtEl>
@@ -9249,7 +9239,7 @@
                             </p:stCondLst>
                             <p:childTnLst>
                               <p:par>
-                                <p:cTn id="10" presetID="1" presetClass="entr" presetSubtype="0" fill="hold" nodeType="clickEffect">
+                                <p:cTn id="10" presetID="10" presetClass="entr" presetSubtype="0" fill="hold" nodeType="clickEffect">
                                   <p:stCondLst>
                                     <p:cond delay="0"/>
                                   </p:stCondLst>
@@ -9276,6 +9266,18 @@
                                         <p:strVal val="visible"/>
                                       </p:to>
                                     </p:set>
+                                    <p:animEffect transition="in" filter="fade">
+                                      <p:cBhvr>
+                                        <p:cTn id="12" dur="500"/>
+                                        <p:tgtEl>
+                                          <p:spTgt spid="589827">
+                                            <p:txEl>
+                                              <p:pRg st="3" end="3"/>
+                                            </p:txEl>
+                                          </p:spTgt>
+                                        </p:tgtEl>
+                                      </p:cBhvr>
+                                    </p:animEffect>
                                   </p:childTnLst>
                                 </p:cTn>
                               </p:par>
@@ -9680,18 +9682,18 @@
               <a:defRPr/>
             </a:pPr>
             <a:r>
-              <a:rPr lang="en-US" sz="1200" dirty="0" err="1">
+              <a:rPr lang="en-US" sz="1200" dirty="0" err="1" smtClean="0">
                 <a:latin typeface="Comic Sans MS"/>
                 <a:cs typeface="Comic Sans MS"/>
               </a:rPr>
-              <a:t>lec</a:t>
+              <a:t>expect_intro</a:t>
             </a:r>
             <a:r>
               <a:rPr lang="en-US" sz="1200" dirty="0" smtClean="0">
                 <a:latin typeface="Comic Sans MS"/>
                 <a:cs typeface="Comic Sans MS"/>
               </a:rPr>
-              <a:t> 12F.</a:t>
+              <a:t>.</a:t>
             </a:r>
             <a:fld id="{93DA0692-DAF7-4AFE-9BE7-E02439D3694A}" type="slidenum">
               <a:rPr lang="en-US" sz="1200" smtClean="0">
@@ -9775,7 +9777,7 @@
   <p:clrMapOvr>
     <a:masterClrMapping/>
   </p:clrMapOvr>
-  <p:transition xmlns:p14="http://schemas.microsoft.com/office/powerpoint/2010/main">
+  <p:transition xmlns:p14="http://schemas.microsoft.com/office/powerpoint/2010/main" spd="slow" advClick="0">
     <p:fade/>
   </p:transition>
   <p:timing>
@@ -10051,18 +10053,18 @@
               <a:defRPr/>
             </a:pPr>
             <a:r>
-              <a:rPr lang="en-US" sz="1200" dirty="0" err="1">
+              <a:rPr lang="en-US" sz="1200" dirty="0" err="1" smtClean="0">
                 <a:latin typeface="Comic Sans MS"/>
                 <a:cs typeface="Comic Sans MS"/>
               </a:rPr>
-              <a:t>lec</a:t>
+              <a:t>expect_intro</a:t>
             </a:r>
             <a:r>
               <a:rPr lang="en-US" sz="1200" dirty="0" smtClean="0">
                 <a:latin typeface="Comic Sans MS"/>
                 <a:cs typeface="Comic Sans MS"/>
               </a:rPr>
-              <a:t> 12F.</a:t>
+              <a:t>.</a:t>
             </a:r>
             <a:fld id="{93DA0692-DAF7-4AFE-9BE7-E02439D3694A}" type="slidenum">
               <a:rPr lang="en-US" sz="1200" smtClean="0">
@@ -10146,7 +10148,7 @@
   <p:clrMapOvr>
     <a:masterClrMapping/>
   </p:clrMapOvr>
-  <p:transition xmlns:p14="http://schemas.microsoft.com/office/powerpoint/2010/main">
+  <p:transition xmlns:p14="http://schemas.microsoft.com/office/powerpoint/2010/main" spd="slow" advClick="0">
     <p:fade/>
   </p:transition>
   <p:timing>
@@ -10198,7 +10200,7 @@
           <a:graphicData uri="http://schemas.openxmlformats.org/presentationml/2006/ole">
             <mc:AlternateContent xmlns:mc="http://schemas.openxmlformats.org/markup-compatibility/2006">
               <mc:Choice xmlns:v="urn:schemas-microsoft-com:vml" Requires="v">
-                <p:oleObj spid="_x0000_s168035" name="Equation" r:id="rId4" imgW="1231900" imgH="584200" progId="Equation.DSMT4">
+                <p:oleObj spid="_x0000_s168061" name="Equation" r:id="rId4" imgW="1231900" imgH="584200" progId="Equation.DSMT4">
                   <p:embed/>
                 </p:oleObj>
               </mc:Choice>
@@ -10268,7 +10270,7 @@
           <a:graphicData uri="http://schemas.openxmlformats.org/presentationml/2006/ole">
             <mc:AlternateContent xmlns:mc="http://schemas.openxmlformats.org/markup-compatibility/2006">
               <mc:Choice xmlns:v="urn:schemas-microsoft-com:vml" Requires="v">
-                <p:oleObj spid="_x0000_s168036" name="Equation" r:id="rId6" imgW="1562100" imgH="584200" progId="Equation.DSMT4">
+                <p:oleObj spid="_x0000_s168062" name="Equation" r:id="rId6" imgW="1562100" imgH="584200" progId="Equation.DSMT4">
                   <p:embed/>
                 </p:oleObj>
               </mc:Choice>
@@ -10338,7 +10340,7 @@
           <a:graphicData uri="http://schemas.openxmlformats.org/presentationml/2006/ole">
             <mc:AlternateContent xmlns:mc="http://schemas.openxmlformats.org/markup-compatibility/2006">
               <mc:Choice xmlns:v="urn:schemas-microsoft-com:vml" Requires="v">
-                <p:oleObj spid="_x0000_s168037" name="Equation" r:id="rId8" imgW="1689100" imgH="584200" progId="Equation.DSMT4">
+                <p:oleObj spid="_x0000_s168063" name="Equation" r:id="rId8" imgW="1689100" imgH="584200" progId="Equation.DSMT4">
                   <p:embed/>
                 </p:oleObj>
               </mc:Choice>
@@ -10408,7 +10410,7 @@
           <a:graphicData uri="http://schemas.openxmlformats.org/presentationml/2006/ole">
             <mc:AlternateContent xmlns:mc="http://schemas.openxmlformats.org/markup-compatibility/2006">
               <mc:Choice xmlns:v="urn:schemas-microsoft-com:vml" Requires="v">
-                <p:oleObj spid="_x0000_s168038" name="Equation" r:id="rId10" imgW="1219200" imgH="584200" progId="Equation.DSMT4">
+                <p:oleObj spid="_x0000_s168064" name="Equation" r:id="rId10" imgW="1219200" imgH="584200" progId="Equation.DSMT4">
                   <p:embed/>
                 </p:oleObj>
               </mc:Choice>
@@ -10483,18 +10485,18 @@
               <a:defRPr/>
             </a:pPr>
             <a:r>
-              <a:rPr lang="en-US" sz="1200" dirty="0" err="1">
+              <a:rPr lang="en-US" sz="1200" dirty="0" err="1" smtClean="0">
                 <a:latin typeface="Comic Sans MS"/>
                 <a:cs typeface="Comic Sans MS"/>
               </a:rPr>
-              <a:t>lec</a:t>
+              <a:t>expect_intro</a:t>
             </a:r>
             <a:r>
               <a:rPr lang="en-US" sz="1200" dirty="0" smtClean="0">
                 <a:latin typeface="Comic Sans MS"/>
                 <a:cs typeface="Comic Sans MS"/>
               </a:rPr>
-              <a:t> 12F.</a:t>
+              <a:t>.</a:t>
             </a:r>
             <a:fld id="{93DA0692-DAF7-4AFE-9BE7-E02439D3694A}" type="slidenum">
               <a:rPr lang="en-US" sz="1200" smtClean="0">
@@ -10578,8 +10580,8 @@
   <p:clrMapOvr>
     <a:masterClrMapping/>
   </p:clrMapOvr>
-  <p:transition xmlns:p14="http://schemas.microsoft.com/office/powerpoint/2010/main">
-    <p:fade/>
+  <p:transition xmlns:p14="http://schemas.microsoft.com/office/powerpoint/2010/main" spd="slow" advClick="0">
+    <p:fade thruBlk="1"/>
   </p:transition>
   <p:timing>
     <p:tnLst>
@@ -11450,18 +11452,18 @@
               <a:defRPr/>
             </a:pPr>
             <a:r>
-              <a:rPr lang="en-US" sz="1200" dirty="0" err="1">
+              <a:rPr lang="en-US" sz="1200" dirty="0" err="1" smtClean="0">
                 <a:latin typeface="Comic Sans MS"/>
                 <a:cs typeface="Comic Sans MS"/>
               </a:rPr>
-              <a:t>lec</a:t>
+              <a:t>expect_intro</a:t>
             </a:r>
             <a:r>
               <a:rPr lang="en-US" sz="1200" dirty="0" smtClean="0">
                 <a:latin typeface="Comic Sans MS"/>
                 <a:cs typeface="Comic Sans MS"/>
               </a:rPr>
-              <a:t> 12F.</a:t>
+              <a:t>.</a:t>
             </a:r>
             <a:fld id="{93DA0692-DAF7-4AFE-9BE7-E02439D3694A}" type="slidenum">
               <a:rPr lang="en-US" sz="1200" smtClean="0">
@@ -11545,7 +11547,7 @@
   <p:clrMapOvr>
     <a:masterClrMapping/>
   </p:clrMapOvr>
-  <p:transition xmlns:p14="http://schemas.microsoft.com/office/powerpoint/2010/main">
+  <p:transition xmlns:p14="http://schemas.microsoft.com/office/powerpoint/2010/main" spd="slow" advClick="0">
     <p:fade/>
   </p:transition>
   <p:timing>
@@ -11855,18 +11857,18 @@
               <a:defRPr/>
             </a:pPr>
             <a:r>
-              <a:rPr lang="en-US" sz="1200" dirty="0" err="1">
+              <a:rPr lang="en-US" sz="1200" dirty="0" err="1" smtClean="0">
                 <a:latin typeface="Comic Sans MS"/>
                 <a:cs typeface="Comic Sans MS"/>
               </a:rPr>
-              <a:t>lec</a:t>
+              <a:t>expect_intro</a:t>
             </a:r>
             <a:r>
               <a:rPr lang="en-US" sz="1200" dirty="0" smtClean="0">
                 <a:latin typeface="Comic Sans MS"/>
                 <a:cs typeface="Comic Sans MS"/>
               </a:rPr>
-              <a:t> 12F.</a:t>
+              <a:t>.</a:t>
             </a:r>
             <a:fld id="{93DA0692-DAF7-4AFE-9BE7-E02439D3694A}" type="slidenum">
               <a:rPr lang="en-US" sz="1200" smtClean="0">
@@ -11950,7 +11952,7 @@
   <p:clrMapOvr>
     <a:masterClrMapping/>
   </p:clrMapOvr>
-  <p:transition xmlns:p14="http://schemas.microsoft.com/office/powerpoint/2010/main">
+  <p:transition xmlns:p14="http://schemas.microsoft.com/office/powerpoint/2010/main" spd="slow" advClick="0">
     <p:fade/>
   </p:transition>
   <p:timing>
@@ -11974,7 +11976,7 @@
                             </p:stCondLst>
                             <p:childTnLst>
                               <p:par>
-                                <p:cTn id="5" presetID="1" presetClass="entr" presetSubtype="0" fill="hold" nodeType="clickEffect">
+                                <p:cTn id="5" presetID="10" presetClass="entr" presetSubtype="0" fill="hold" nodeType="clickEffect">
                                   <p:stCondLst>
                                     <p:cond delay="0"/>
                                   </p:stCondLst>
@@ -12001,6 +12003,18 @@
                                         <p:strVal val="visible"/>
                                       </p:to>
                                     </p:set>
+                                    <p:animEffect transition="in" filter="fade">
+                                      <p:cBhvr>
+                                        <p:cTn id="7" dur="500"/>
+                                        <p:tgtEl>
+                                          <p:spTgt spid="647174">
+                                            <p:txEl>
+                                              <p:pRg st="1" end="1"/>
+                                            </p:txEl>
+                                          </p:spTgt>
+                                        </p:tgtEl>
+                                      </p:cBhvr>
+                                    </p:animEffect>
                                   </p:childTnLst>
                                 </p:cTn>
                               </p:par>
@@ -12011,26 +12025,26 @@
                     </p:cTn>
                   </p:par>
                   <p:par>
-                    <p:cTn id="7" fill="hold">
+                    <p:cTn id="8" fill="hold">
                       <p:stCondLst>
                         <p:cond delay="indefinite"/>
                       </p:stCondLst>
                       <p:childTnLst>
                         <p:par>
-                          <p:cTn id="8" fill="hold">
+                          <p:cTn id="9" fill="hold">
                             <p:stCondLst>
                               <p:cond delay="0"/>
                             </p:stCondLst>
                             <p:childTnLst>
                               <p:par>
-                                <p:cTn id="9" presetID="1" presetClass="entr" presetSubtype="0" fill="hold" nodeType="clickEffect">
+                                <p:cTn id="10" presetID="10" presetClass="entr" presetSubtype="0" fill="hold" nodeType="clickEffect">
                                   <p:stCondLst>
                                     <p:cond delay="0"/>
                                   </p:stCondLst>
                                   <p:childTnLst>
                                     <p:set>
                                       <p:cBhvr>
-                                        <p:cTn id="10" dur="1" fill="hold">
+                                        <p:cTn id="11" dur="1" fill="hold">
                                           <p:stCondLst>
                                             <p:cond delay="0"/>
                                           </p:stCondLst>
@@ -12050,6 +12064,18 @@
                                         <p:strVal val="visible"/>
                                       </p:to>
                                     </p:set>
+                                    <p:animEffect transition="in" filter="fade">
+                                      <p:cBhvr>
+                                        <p:cTn id="12" dur="500"/>
+                                        <p:tgtEl>
+                                          <p:spTgt spid="647174">
+                                            <p:txEl>
+                                              <p:pRg st="2" end="2"/>
+                                            </p:txEl>
+                                          </p:spTgt>
+                                        </p:tgtEl>
+                                      </p:cBhvr>
+                                    </p:animEffect>
                                   </p:childTnLst>
                                 </p:cTn>
                               </p:par>
@@ -12060,26 +12086,26 @@
                     </p:cTn>
                   </p:par>
                   <p:par>
-                    <p:cTn id="11" fill="hold">
+                    <p:cTn id="13" fill="hold">
                       <p:stCondLst>
                         <p:cond delay="indefinite"/>
                       </p:stCondLst>
                       <p:childTnLst>
                         <p:par>
-                          <p:cTn id="12" fill="hold">
+                          <p:cTn id="14" fill="hold">
                             <p:stCondLst>
                               <p:cond delay="0"/>
                             </p:stCondLst>
                             <p:childTnLst>
                               <p:par>
-                                <p:cTn id="13" presetID="1" presetClass="entr" presetSubtype="0" fill="hold" nodeType="clickEffect">
+                                <p:cTn id="15" presetID="10" presetClass="entr" presetSubtype="0" fill="hold" nodeType="clickEffect">
                                   <p:stCondLst>
                                     <p:cond delay="0"/>
                                   </p:stCondLst>
                                   <p:childTnLst>
                                     <p:set>
                                       <p:cBhvr>
-                                        <p:cTn id="14" dur="1" fill="hold">
+                                        <p:cTn id="16" dur="1" fill="hold">
                                           <p:stCondLst>
                                             <p:cond delay="0"/>
                                           </p:stCondLst>
@@ -12099,6 +12125,18 @@
                                         <p:strVal val="visible"/>
                                       </p:to>
                                     </p:set>
+                                    <p:animEffect transition="in" filter="fade">
+                                      <p:cBhvr>
+                                        <p:cTn id="17" dur="500"/>
+                                        <p:tgtEl>
+                                          <p:spTgt spid="647174">
+                                            <p:txEl>
+                                              <p:pRg st="3" end="3"/>
+                                            </p:txEl>
+                                          </p:spTgt>
+                                        </p:tgtEl>
+                                      </p:cBhvr>
+                                    </p:animEffect>
                                   </p:childTnLst>
                                 </p:cTn>
                               </p:par>
@@ -12109,26 +12147,26 @@
                     </p:cTn>
                   </p:par>
                   <p:par>
-                    <p:cTn id="15" fill="hold">
+                    <p:cTn id="18" fill="hold">
                       <p:stCondLst>
                         <p:cond delay="indefinite"/>
                       </p:stCondLst>
                       <p:childTnLst>
                         <p:par>
-                          <p:cTn id="16" fill="hold">
+                          <p:cTn id="19" fill="hold">
                             <p:stCondLst>
                               <p:cond delay="0"/>
                             </p:stCondLst>
                             <p:childTnLst>
                               <p:par>
-                                <p:cTn id="17" presetID="1" presetClass="entr" presetSubtype="0" fill="hold" nodeType="clickEffect">
+                                <p:cTn id="20" presetID="10" presetClass="entr" presetSubtype="0" fill="hold" nodeType="clickEffect">
                                   <p:stCondLst>
                                     <p:cond delay="0"/>
                                   </p:stCondLst>
                                   <p:childTnLst>
                                     <p:set>
                                       <p:cBhvr>
-                                        <p:cTn id="18" dur="1" fill="hold">
+                                        <p:cTn id="21" dur="1" fill="hold">
                                           <p:stCondLst>
                                             <p:cond delay="0"/>
                                           </p:stCondLst>
@@ -12148,6 +12186,18 @@
                                         <p:strVal val="visible"/>
                                       </p:to>
                                     </p:set>
+                                    <p:animEffect transition="in" filter="fade">
+                                      <p:cBhvr>
+                                        <p:cTn id="22" dur="500"/>
+                                        <p:tgtEl>
+                                          <p:spTgt spid="647174">
+                                            <p:txEl>
+                                              <p:pRg st="4" end="4"/>
+                                            </p:txEl>
+                                          </p:spTgt>
+                                        </p:tgtEl>
+                                      </p:cBhvr>
+                                    </p:animEffect>
                                   </p:childTnLst>
                                 </p:cTn>
                               </p:par>
@@ -12205,17 +12255,23 @@
           <p:cNvGraphicFramePr>
             <a:graphicFrameLocks noChangeAspect="1"/>
           </p:cNvGraphicFramePr>
-          <p:nvPr/>
+          <p:nvPr>
+            <p:extLst>
+              <p:ext uri="{D42A27DB-BD31-4B8C-83A1-F6EECF244321}">
+                <p14:modId xmlns:p14="http://schemas.microsoft.com/office/powerpoint/2010/main" val="2610298895"/>
+              </p:ext>
+            </p:extLst>
+          </p:nvPr>
         </p:nvGraphicFramePr>
         <p:xfrm>
-          <a:off x="381000" y="2438400"/>
+          <a:off x="381000" y="2428778"/>
           <a:ext cx="8277226" cy="3352800"/>
         </p:xfrm>
         <a:graphic>
           <a:graphicData uri="http://schemas.openxmlformats.org/presentationml/2006/ole">
             <mc:AlternateContent xmlns:mc="http://schemas.openxmlformats.org/markup-compatibility/2006">
               <mc:Choice xmlns:v="urn:schemas-microsoft-com:vml" Requires="v">
-                <p:oleObj spid="_x0000_s174113" name="Equation" r:id="rId4" imgW="2006280" imgH="812520" progId="Equation.DSMT4">
+                <p:oleObj spid="_x0000_s174121" name="Equation" r:id="rId4" imgW="2006280" imgH="812520" progId="Equation.DSMT4">
                   <p:embed/>
                 </p:oleObj>
               </mc:Choice>
@@ -12245,7 +12301,7 @@
                     </p:blipFill>
                     <p:spPr bwMode="auto">
                       <a:xfrm>
-                        <a:off x="381000" y="2438400"/>
+                        <a:off x="381000" y="2428778"/>
                         <a:ext cx="8277226" cy="3352800"/>
                       </a:xfrm>
                       <a:prstGeom prst="rect">
@@ -12427,18 +12483,18 @@
               <a:defRPr/>
             </a:pPr>
             <a:r>
-              <a:rPr lang="en-US" sz="1200" dirty="0" err="1">
+              <a:rPr lang="en-US" sz="1200" dirty="0" err="1" smtClean="0">
                 <a:latin typeface="Comic Sans MS"/>
                 <a:cs typeface="Comic Sans MS"/>
               </a:rPr>
-              <a:t>lec</a:t>
+              <a:t>expect_intro</a:t>
             </a:r>
             <a:r>
               <a:rPr lang="en-US" sz="1200" dirty="0" smtClean="0">
                 <a:latin typeface="Comic Sans MS"/>
                 <a:cs typeface="Comic Sans MS"/>
               </a:rPr>
-              <a:t> 12F.</a:t>
+              <a:t>.</a:t>
             </a:r>
             <a:fld id="{93DA0692-DAF7-4AFE-9BE7-E02439D3694A}" type="slidenum">
               <a:rPr lang="en-US" sz="1200" smtClean="0">
@@ -12522,7 +12578,7 @@
   <p:clrMapOvr>
     <a:masterClrMapping/>
   </p:clrMapOvr>
-  <p:transition xmlns:p14="http://schemas.microsoft.com/office/powerpoint/2010/main">
+  <p:transition xmlns:p14="http://schemas.microsoft.com/office/powerpoint/2010/main" spd="slow" advClick="0">
     <p:fade/>
   </p:transition>
   <p:timing>

--- a/spring13/slides13/ranvar-expect-intro.pptx
+++ b/spring13/slides13/ranvar-expect-intro.pptx
@@ -5,10 +5,10 @@
     <p:sldMasterId id="2147483648" r:id="rId1"/>
   </p:sldMasterIdLst>
   <p:notesMasterIdLst>
-    <p:notesMasterId r:id="rId21"/>
+    <p:notesMasterId r:id="rId33"/>
   </p:notesMasterIdLst>
   <p:handoutMasterIdLst>
-    <p:handoutMasterId r:id="rId22"/>
+    <p:handoutMasterId r:id="rId34"/>
   </p:handoutMasterIdLst>
   <p:sldIdLst>
     <p:sldId id="302" r:id="rId2"/>
@@ -25,11 +25,23 @@
     <p:sldId id="316" r:id="rId13"/>
     <p:sldId id="317" r:id="rId14"/>
     <p:sldId id="318" r:id="rId15"/>
-    <p:sldId id="319" r:id="rId16"/>
-    <p:sldId id="320" r:id="rId17"/>
-    <p:sldId id="370" r:id="rId18"/>
-    <p:sldId id="321" r:id="rId19"/>
-    <p:sldId id="322" r:id="rId20"/>
+    <p:sldId id="372" r:id="rId16"/>
+    <p:sldId id="371" r:id="rId17"/>
+    <p:sldId id="374" r:id="rId18"/>
+    <p:sldId id="383" r:id="rId19"/>
+    <p:sldId id="373" r:id="rId20"/>
+    <p:sldId id="384" r:id="rId21"/>
+    <p:sldId id="376" r:id="rId22"/>
+    <p:sldId id="377" r:id="rId23"/>
+    <p:sldId id="370" r:id="rId24"/>
+    <p:sldId id="321" r:id="rId25"/>
+    <p:sldId id="322" r:id="rId26"/>
+    <p:sldId id="379" r:id="rId27"/>
+    <p:sldId id="378" r:id="rId28"/>
+    <p:sldId id="380" r:id="rId29"/>
+    <p:sldId id="385" r:id="rId30"/>
+    <p:sldId id="381" r:id="rId31"/>
+    <p:sldId id="382" r:id="rId32"/>
   </p:sldIdLst>
   <p:sldSz cx="9144000" cy="6858000" type="screen4x3"/>
   <p:notesSz cx="9601200" cy="7315200"/>
@@ -1522,7 +1534,7 @@
           </a:bodyPr>
           <a:lstStyle/>
           <a:p>
-            <a:endParaRPr lang="en-US" dirty="0"/>
+            <a:endParaRPr lang="en-US"/>
           </a:p>
         </p:txBody>
       </p:sp>
@@ -1669,64 +1681,63 @@
       </p:grpSpPr>
       <p:sp>
         <p:nvSpPr>
-          <p:cNvPr id="52226" name="Rectangle 7"/>
+          <p:cNvPr id="2" name="Slide Image Placeholder 1"/>
           <p:cNvSpPr>
-            <a:spLocks noGrp="1" noChangeArrowheads="1"/>
+            <a:spLocks noGrp="1" noRot="1" noChangeAspect="1"/>
           </p:cNvSpPr>
           <p:nvPr>
-            <p:ph type="sldNum" sz="quarter" idx="5"/>
-          </p:nvPr>
-        </p:nvSpPr>
-        <p:spPr>
-          <a:noFill/>
-        </p:spPr>
+            <p:ph type="sldImg"/>
+          </p:nvPr>
+        </p:nvSpPr>
+        <p:spPr/>
+      </p:sp>
+      <p:sp>
+        <p:nvSpPr>
+          <p:cNvPr id="3" name="Notes Placeholder 2"/>
+          <p:cNvSpPr>
+            <a:spLocks noGrp="1"/>
+          </p:cNvSpPr>
+          <p:nvPr>
+            <p:ph type="body" idx="1"/>
+          </p:nvPr>
+        </p:nvSpPr>
+        <p:spPr/>
+        <p:txBody>
+          <a:bodyPr>
+            <a:normAutofit/>
+          </a:bodyPr>
+          <a:lstStyle/>
+          <a:p>
+            <a:endParaRPr lang="en-US" dirty="0"/>
+          </a:p>
+        </p:txBody>
+      </p:sp>
+      <p:sp>
+        <p:nvSpPr>
+          <p:cNvPr id="4" name="Slide Number Placeholder 3"/>
+          <p:cNvSpPr>
+            <a:spLocks noGrp="1"/>
+          </p:cNvSpPr>
+          <p:nvPr>
+            <p:ph type="sldNum" sz="quarter" idx="10"/>
+          </p:nvPr>
+        </p:nvSpPr>
+        <p:spPr/>
         <p:txBody>
           <a:bodyPr/>
           <a:lstStyle/>
           <a:p>
-            <a:fld id="{42E55105-7243-40D7-820D-4513AC4D4186}" type="slidenum">
+            <a:pPr>
+              <a:defRPr/>
+            </a:pPr>
+            <a:fld id="{95AA6155-33F1-4AB1-B9CE-6460C2E01BD9}" type="slidenum">
               <a:rPr lang="en-US" smtClean="0"/>
-              <a:pPr/>
+              <a:pPr>
+                <a:defRPr/>
+              </a:pPr>
               <a:t>18</a:t>
             </a:fld>
-            <a:endParaRPr lang="en-US" smtClean="0"/>
-          </a:p>
-        </p:txBody>
-      </p:sp>
-      <p:sp>
-        <p:nvSpPr>
-          <p:cNvPr id="52227" name="Rectangle 2"/>
-          <p:cNvSpPr>
-            <a:spLocks noGrp="1" noRot="1" noChangeAspect="1" noChangeArrowheads="1" noTextEdit="1"/>
-          </p:cNvSpPr>
-          <p:nvPr>
-            <p:ph type="sldImg"/>
-          </p:nvPr>
-        </p:nvSpPr>
-        <p:spPr>
-          <a:ln/>
-        </p:spPr>
-      </p:sp>
-      <p:sp>
-        <p:nvSpPr>
-          <p:cNvPr id="52228" name="Rectangle 3"/>
-          <p:cNvSpPr>
-            <a:spLocks noGrp="1" noChangeArrowheads="1"/>
-          </p:cNvSpPr>
-          <p:nvPr>
-            <p:ph type="body" idx="1"/>
-          </p:nvPr>
-        </p:nvSpPr>
-        <p:spPr>
-          <a:noFill/>
-          <a:ln/>
-        </p:spPr>
-        <p:txBody>
-          <a:bodyPr/>
-          <a:lstStyle/>
-          <a:p>
-            <a:pPr eaLnBrk="1" hangingPunct="1"/>
-            <a:endParaRPr lang="en-US" smtClean="0"/>
+            <a:endParaRPr lang="en-US"/>
           </a:p>
         </p:txBody>
       </p:sp>
@@ -1757,64 +1768,63 @@
       </p:grpSpPr>
       <p:sp>
         <p:nvSpPr>
-          <p:cNvPr id="50178" name="Rectangle 7"/>
+          <p:cNvPr id="2" name="Slide Image Placeholder 1"/>
           <p:cNvSpPr>
-            <a:spLocks noGrp="1" noChangeArrowheads="1"/>
+            <a:spLocks noGrp="1" noRot="1" noChangeAspect="1"/>
           </p:cNvSpPr>
           <p:nvPr>
-            <p:ph type="sldNum" sz="quarter" idx="5"/>
-          </p:nvPr>
-        </p:nvSpPr>
-        <p:spPr>
-          <a:noFill/>
-        </p:spPr>
+            <p:ph type="sldImg"/>
+          </p:nvPr>
+        </p:nvSpPr>
+        <p:spPr/>
+      </p:sp>
+      <p:sp>
+        <p:nvSpPr>
+          <p:cNvPr id="3" name="Notes Placeholder 2"/>
+          <p:cNvSpPr>
+            <a:spLocks noGrp="1"/>
+          </p:cNvSpPr>
+          <p:nvPr>
+            <p:ph type="body" idx="1"/>
+          </p:nvPr>
+        </p:nvSpPr>
+        <p:spPr/>
+        <p:txBody>
+          <a:bodyPr>
+            <a:normAutofit/>
+          </a:bodyPr>
+          <a:lstStyle/>
+          <a:p>
+            <a:endParaRPr lang="en-US" dirty="0"/>
+          </a:p>
+        </p:txBody>
+      </p:sp>
+      <p:sp>
+        <p:nvSpPr>
+          <p:cNvPr id="4" name="Slide Number Placeholder 3"/>
+          <p:cNvSpPr>
+            <a:spLocks noGrp="1"/>
+          </p:cNvSpPr>
+          <p:nvPr>
+            <p:ph type="sldNum" sz="quarter" idx="10"/>
+          </p:nvPr>
+        </p:nvSpPr>
+        <p:spPr/>
         <p:txBody>
           <a:bodyPr/>
           <a:lstStyle/>
           <a:p>
-            <a:fld id="{6BAFA0E6-3C8E-465A-90AD-14A37AA89325}" type="slidenum">
+            <a:pPr>
+              <a:defRPr/>
+            </a:pPr>
+            <a:fld id="{95AA6155-33F1-4AB1-B9CE-6460C2E01BD9}" type="slidenum">
               <a:rPr lang="en-US" smtClean="0"/>
-              <a:pPr/>
+              <a:pPr>
+                <a:defRPr/>
+              </a:pPr>
               <a:t>19</a:t>
             </a:fld>
-            <a:endParaRPr lang="en-US" smtClean="0"/>
-          </a:p>
-        </p:txBody>
-      </p:sp>
-      <p:sp>
-        <p:nvSpPr>
-          <p:cNvPr id="50179" name="Rectangle 2"/>
-          <p:cNvSpPr>
-            <a:spLocks noGrp="1" noRot="1" noChangeAspect="1" noChangeArrowheads="1" noTextEdit="1"/>
-          </p:cNvSpPr>
-          <p:nvPr>
-            <p:ph type="sldImg"/>
-          </p:nvPr>
-        </p:nvSpPr>
-        <p:spPr>
-          <a:ln/>
-        </p:spPr>
-      </p:sp>
-      <p:sp>
-        <p:nvSpPr>
-          <p:cNvPr id="50180" name="Rectangle 3"/>
-          <p:cNvSpPr>
-            <a:spLocks noGrp="1" noChangeArrowheads="1"/>
-          </p:cNvSpPr>
-          <p:nvPr>
-            <p:ph type="body" idx="1"/>
-          </p:nvPr>
-        </p:nvSpPr>
-        <p:spPr>
-          <a:noFill/>
-          <a:ln/>
-        </p:spPr>
-        <p:txBody>
-          <a:bodyPr/>
-          <a:lstStyle/>
-          <a:p>
-            <a:pPr eaLnBrk="1" hangingPunct="1"/>
-            <a:endParaRPr lang="en-US" smtClean="0"/>
+            <a:endParaRPr lang="en-US"/>
           </a:p>
         </p:txBody>
       </p:sp>
@@ -1886,6 +1896,530 @@
       <p:sp>
         <p:nvSpPr>
           <p:cNvPr id="35844" name="Rectangle 3"/>
+          <p:cNvSpPr>
+            <a:spLocks noGrp="1" noChangeArrowheads="1"/>
+          </p:cNvSpPr>
+          <p:nvPr>
+            <p:ph type="body" idx="1"/>
+          </p:nvPr>
+        </p:nvSpPr>
+        <p:spPr>
+          <a:noFill/>
+          <a:ln/>
+        </p:spPr>
+        <p:txBody>
+          <a:bodyPr/>
+          <a:lstStyle/>
+          <a:p>
+            <a:pPr eaLnBrk="1" hangingPunct="1"/>
+            <a:endParaRPr lang="en-US" smtClean="0"/>
+          </a:p>
+        </p:txBody>
+      </p:sp>
+    </p:spTree>
+  </p:cSld>
+  <p:clrMapOvr>
+    <a:masterClrMapping/>
+  </p:clrMapOvr>
+</p:notes>
+</file>
+
+<file path=ppt/notesSlides/notesSlide20.xml><?xml version="1.0" encoding="utf-8"?>
+<p:notes xmlns:a="http://schemas.openxmlformats.org/drawingml/2006/main" xmlns:r="http://schemas.openxmlformats.org/officeDocument/2006/relationships" xmlns:p="http://schemas.openxmlformats.org/presentationml/2006/main">
+  <p:cSld>
+    <p:spTree>
+      <p:nvGrpSpPr>
+        <p:cNvPr id="1" name=""/>
+        <p:cNvGrpSpPr/>
+        <p:nvPr/>
+      </p:nvGrpSpPr>
+      <p:grpSpPr>
+        <a:xfrm>
+          <a:off x="0" y="0"/>
+          <a:ext cx="0" cy="0"/>
+          <a:chOff x="0" y="0"/>
+          <a:chExt cx="0" cy="0"/>
+        </a:xfrm>
+      </p:grpSpPr>
+      <p:sp>
+        <p:nvSpPr>
+          <p:cNvPr id="2" name="Slide Image Placeholder 1"/>
+          <p:cNvSpPr>
+            <a:spLocks noGrp="1" noRot="1" noChangeAspect="1"/>
+          </p:cNvSpPr>
+          <p:nvPr>
+            <p:ph type="sldImg"/>
+          </p:nvPr>
+        </p:nvSpPr>
+        <p:spPr/>
+      </p:sp>
+      <p:sp>
+        <p:nvSpPr>
+          <p:cNvPr id="3" name="Notes Placeholder 2"/>
+          <p:cNvSpPr>
+            <a:spLocks noGrp="1"/>
+          </p:cNvSpPr>
+          <p:nvPr>
+            <p:ph type="body" idx="1"/>
+          </p:nvPr>
+        </p:nvSpPr>
+        <p:spPr/>
+        <p:txBody>
+          <a:bodyPr>
+            <a:normAutofit/>
+          </a:bodyPr>
+          <a:lstStyle/>
+          <a:p>
+            <a:endParaRPr lang="en-US" dirty="0"/>
+          </a:p>
+        </p:txBody>
+      </p:sp>
+      <p:sp>
+        <p:nvSpPr>
+          <p:cNvPr id="4" name="Slide Number Placeholder 3"/>
+          <p:cNvSpPr>
+            <a:spLocks noGrp="1"/>
+          </p:cNvSpPr>
+          <p:nvPr>
+            <p:ph type="sldNum" sz="quarter" idx="10"/>
+          </p:nvPr>
+        </p:nvSpPr>
+        <p:spPr/>
+        <p:txBody>
+          <a:bodyPr/>
+          <a:lstStyle/>
+          <a:p>
+            <a:pPr>
+              <a:defRPr/>
+            </a:pPr>
+            <a:fld id="{95AA6155-33F1-4AB1-B9CE-6460C2E01BD9}" type="slidenum">
+              <a:rPr lang="en-US" smtClean="0"/>
+              <a:pPr>
+                <a:defRPr/>
+              </a:pPr>
+              <a:t>20</a:t>
+            </a:fld>
+            <a:endParaRPr lang="en-US"/>
+          </a:p>
+        </p:txBody>
+      </p:sp>
+    </p:spTree>
+  </p:cSld>
+  <p:clrMapOvr>
+    <a:masterClrMapping/>
+  </p:clrMapOvr>
+</p:notes>
+</file>
+
+<file path=ppt/notesSlides/notesSlide21.xml><?xml version="1.0" encoding="utf-8"?>
+<p:notes xmlns:a="http://schemas.openxmlformats.org/drawingml/2006/main" xmlns:r="http://schemas.openxmlformats.org/officeDocument/2006/relationships" xmlns:p="http://schemas.openxmlformats.org/presentationml/2006/main">
+  <p:cSld>
+    <p:spTree>
+      <p:nvGrpSpPr>
+        <p:cNvPr id="1" name=""/>
+        <p:cNvGrpSpPr/>
+        <p:nvPr/>
+      </p:nvGrpSpPr>
+      <p:grpSpPr>
+        <a:xfrm>
+          <a:off x="0" y="0"/>
+          <a:ext cx="0" cy="0"/>
+          <a:chOff x="0" y="0"/>
+          <a:chExt cx="0" cy="0"/>
+        </a:xfrm>
+      </p:grpSpPr>
+      <p:sp>
+        <p:nvSpPr>
+          <p:cNvPr id="2" name="Slide Image Placeholder 1"/>
+          <p:cNvSpPr>
+            <a:spLocks noGrp="1" noRot="1" noChangeAspect="1"/>
+          </p:cNvSpPr>
+          <p:nvPr>
+            <p:ph type="sldImg"/>
+          </p:nvPr>
+        </p:nvSpPr>
+        <p:spPr/>
+      </p:sp>
+      <p:sp>
+        <p:nvSpPr>
+          <p:cNvPr id="3" name="Notes Placeholder 2"/>
+          <p:cNvSpPr>
+            <a:spLocks noGrp="1"/>
+          </p:cNvSpPr>
+          <p:nvPr>
+            <p:ph type="body" idx="1"/>
+          </p:nvPr>
+        </p:nvSpPr>
+        <p:spPr/>
+        <p:txBody>
+          <a:bodyPr>
+            <a:normAutofit/>
+          </a:bodyPr>
+          <a:lstStyle/>
+          <a:p>
+            <a:endParaRPr lang="en-US" dirty="0"/>
+          </a:p>
+        </p:txBody>
+      </p:sp>
+      <p:sp>
+        <p:nvSpPr>
+          <p:cNvPr id="4" name="Slide Number Placeholder 3"/>
+          <p:cNvSpPr>
+            <a:spLocks noGrp="1"/>
+          </p:cNvSpPr>
+          <p:nvPr>
+            <p:ph type="sldNum" sz="quarter" idx="10"/>
+          </p:nvPr>
+        </p:nvSpPr>
+        <p:spPr/>
+        <p:txBody>
+          <a:bodyPr/>
+          <a:lstStyle/>
+          <a:p>
+            <a:pPr>
+              <a:defRPr/>
+            </a:pPr>
+            <a:fld id="{95AA6155-33F1-4AB1-B9CE-6460C2E01BD9}" type="slidenum">
+              <a:rPr lang="en-US" smtClean="0"/>
+              <a:pPr>
+                <a:defRPr/>
+              </a:pPr>
+              <a:t>21</a:t>
+            </a:fld>
+            <a:endParaRPr lang="en-US"/>
+          </a:p>
+        </p:txBody>
+      </p:sp>
+    </p:spTree>
+  </p:cSld>
+  <p:clrMapOvr>
+    <a:masterClrMapping/>
+  </p:clrMapOvr>
+</p:notes>
+</file>
+
+<file path=ppt/notesSlides/notesSlide22.xml><?xml version="1.0" encoding="utf-8"?>
+<p:notes xmlns:a="http://schemas.openxmlformats.org/drawingml/2006/main" xmlns:r="http://schemas.openxmlformats.org/officeDocument/2006/relationships" xmlns:p="http://schemas.openxmlformats.org/presentationml/2006/main">
+  <p:cSld>
+    <p:spTree>
+      <p:nvGrpSpPr>
+        <p:cNvPr id="1" name=""/>
+        <p:cNvGrpSpPr/>
+        <p:nvPr/>
+      </p:nvGrpSpPr>
+      <p:grpSpPr>
+        <a:xfrm>
+          <a:off x="0" y="0"/>
+          <a:ext cx="0" cy="0"/>
+          <a:chOff x="0" y="0"/>
+          <a:chExt cx="0" cy="0"/>
+        </a:xfrm>
+      </p:grpSpPr>
+      <p:sp>
+        <p:nvSpPr>
+          <p:cNvPr id="2" name="Slide Image Placeholder 1"/>
+          <p:cNvSpPr>
+            <a:spLocks noGrp="1" noRot="1" noChangeAspect="1"/>
+          </p:cNvSpPr>
+          <p:nvPr>
+            <p:ph type="sldImg"/>
+          </p:nvPr>
+        </p:nvSpPr>
+        <p:spPr/>
+      </p:sp>
+      <p:sp>
+        <p:nvSpPr>
+          <p:cNvPr id="3" name="Notes Placeholder 2"/>
+          <p:cNvSpPr>
+            <a:spLocks noGrp="1"/>
+          </p:cNvSpPr>
+          <p:nvPr>
+            <p:ph type="body" idx="1"/>
+          </p:nvPr>
+        </p:nvSpPr>
+        <p:spPr/>
+        <p:txBody>
+          <a:bodyPr>
+            <a:normAutofit/>
+          </a:bodyPr>
+          <a:lstStyle/>
+          <a:p>
+            <a:endParaRPr lang="en-US" dirty="0"/>
+          </a:p>
+        </p:txBody>
+      </p:sp>
+      <p:sp>
+        <p:nvSpPr>
+          <p:cNvPr id="4" name="Slide Number Placeholder 3"/>
+          <p:cNvSpPr>
+            <a:spLocks noGrp="1"/>
+          </p:cNvSpPr>
+          <p:nvPr>
+            <p:ph type="sldNum" sz="quarter" idx="10"/>
+          </p:nvPr>
+        </p:nvSpPr>
+        <p:spPr/>
+        <p:txBody>
+          <a:bodyPr/>
+          <a:lstStyle/>
+          <a:p>
+            <a:pPr>
+              <a:defRPr/>
+            </a:pPr>
+            <a:fld id="{95AA6155-33F1-4AB1-B9CE-6460C2E01BD9}" type="slidenum">
+              <a:rPr lang="en-US" smtClean="0"/>
+              <a:pPr>
+                <a:defRPr/>
+              </a:pPr>
+              <a:t>22</a:t>
+            </a:fld>
+            <a:endParaRPr lang="en-US"/>
+          </a:p>
+        </p:txBody>
+      </p:sp>
+    </p:spTree>
+  </p:cSld>
+  <p:clrMapOvr>
+    <a:masterClrMapping/>
+  </p:clrMapOvr>
+</p:notes>
+</file>
+
+<file path=ppt/notesSlides/notesSlide23.xml><?xml version="1.0" encoding="utf-8"?>
+<p:notes xmlns:a="http://schemas.openxmlformats.org/drawingml/2006/main" xmlns:r="http://schemas.openxmlformats.org/officeDocument/2006/relationships" xmlns:p="http://schemas.openxmlformats.org/presentationml/2006/main">
+  <p:cSld>
+    <p:spTree>
+      <p:nvGrpSpPr>
+        <p:cNvPr id="1" name=""/>
+        <p:cNvGrpSpPr/>
+        <p:nvPr/>
+      </p:nvGrpSpPr>
+      <p:grpSpPr>
+        <a:xfrm>
+          <a:off x="0" y="0"/>
+          <a:ext cx="0" cy="0"/>
+          <a:chOff x="0" y="0"/>
+          <a:chExt cx="0" cy="0"/>
+        </a:xfrm>
+      </p:grpSpPr>
+      <p:sp>
+        <p:nvSpPr>
+          <p:cNvPr id="2" name="Slide Image Placeholder 1"/>
+          <p:cNvSpPr>
+            <a:spLocks noGrp="1" noRot="1" noChangeAspect="1"/>
+          </p:cNvSpPr>
+          <p:nvPr>
+            <p:ph type="sldImg"/>
+          </p:nvPr>
+        </p:nvSpPr>
+        <p:spPr/>
+      </p:sp>
+      <p:sp>
+        <p:nvSpPr>
+          <p:cNvPr id="3" name="Notes Placeholder 2"/>
+          <p:cNvSpPr>
+            <a:spLocks noGrp="1"/>
+          </p:cNvSpPr>
+          <p:nvPr>
+            <p:ph type="body" idx="1"/>
+          </p:nvPr>
+        </p:nvSpPr>
+        <p:spPr/>
+        <p:txBody>
+          <a:bodyPr>
+            <a:normAutofit/>
+          </a:bodyPr>
+          <a:lstStyle/>
+          <a:p>
+            <a:endParaRPr lang="en-US" dirty="0"/>
+          </a:p>
+        </p:txBody>
+      </p:sp>
+      <p:sp>
+        <p:nvSpPr>
+          <p:cNvPr id="4" name="Slide Number Placeholder 3"/>
+          <p:cNvSpPr>
+            <a:spLocks noGrp="1"/>
+          </p:cNvSpPr>
+          <p:nvPr>
+            <p:ph type="sldNum" sz="quarter" idx="10"/>
+          </p:nvPr>
+        </p:nvSpPr>
+        <p:spPr/>
+        <p:txBody>
+          <a:bodyPr/>
+          <a:lstStyle/>
+          <a:p>
+            <a:pPr>
+              <a:defRPr/>
+            </a:pPr>
+            <a:fld id="{95AA6155-33F1-4AB1-B9CE-6460C2E01BD9}" type="slidenum">
+              <a:rPr lang="en-US" smtClean="0"/>
+              <a:pPr>
+                <a:defRPr/>
+              </a:pPr>
+              <a:t>23</a:t>
+            </a:fld>
+            <a:endParaRPr lang="en-US"/>
+          </a:p>
+        </p:txBody>
+      </p:sp>
+    </p:spTree>
+  </p:cSld>
+  <p:clrMapOvr>
+    <a:masterClrMapping/>
+  </p:clrMapOvr>
+</p:notes>
+</file>
+
+<file path=ppt/notesSlides/notesSlide24.xml><?xml version="1.0" encoding="utf-8"?>
+<p:notes xmlns:a="http://schemas.openxmlformats.org/drawingml/2006/main" xmlns:r="http://schemas.openxmlformats.org/officeDocument/2006/relationships" xmlns:p="http://schemas.openxmlformats.org/presentationml/2006/main">
+  <p:cSld>
+    <p:spTree>
+      <p:nvGrpSpPr>
+        <p:cNvPr id="1" name=""/>
+        <p:cNvGrpSpPr/>
+        <p:nvPr/>
+      </p:nvGrpSpPr>
+      <p:grpSpPr>
+        <a:xfrm>
+          <a:off x="0" y="0"/>
+          <a:ext cx="0" cy="0"/>
+          <a:chOff x="0" y="0"/>
+          <a:chExt cx="0" cy="0"/>
+        </a:xfrm>
+      </p:grpSpPr>
+      <p:sp>
+        <p:nvSpPr>
+          <p:cNvPr id="52226" name="Rectangle 7"/>
+          <p:cNvSpPr>
+            <a:spLocks noGrp="1" noChangeArrowheads="1"/>
+          </p:cNvSpPr>
+          <p:nvPr>
+            <p:ph type="sldNum" sz="quarter" idx="5"/>
+          </p:nvPr>
+        </p:nvSpPr>
+        <p:spPr>
+          <a:noFill/>
+        </p:spPr>
+        <p:txBody>
+          <a:bodyPr/>
+          <a:lstStyle/>
+          <a:p>
+            <a:fld id="{42E55105-7243-40D7-820D-4513AC4D4186}" type="slidenum">
+              <a:rPr lang="en-US" smtClean="0"/>
+              <a:pPr/>
+              <a:t>24</a:t>
+            </a:fld>
+            <a:endParaRPr lang="en-US" smtClean="0"/>
+          </a:p>
+        </p:txBody>
+      </p:sp>
+      <p:sp>
+        <p:nvSpPr>
+          <p:cNvPr id="52227" name="Rectangle 2"/>
+          <p:cNvSpPr>
+            <a:spLocks noGrp="1" noRot="1" noChangeAspect="1" noChangeArrowheads="1" noTextEdit="1"/>
+          </p:cNvSpPr>
+          <p:nvPr>
+            <p:ph type="sldImg"/>
+          </p:nvPr>
+        </p:nvSpPr>
+        <p:spPr>
+          <a:ln/>
+        </p:spPr>
+      </p:sp>
+      <p:sp>
+        <p:nvSpPr>
+          <p:cNvPr id="52228" name="Rectangle 3"/>
+          <p:cNvSpPr>
+            <a:spLocks noGrp="1" noChangeArrowheads="1"/>
+          </p:cNvSpPr>
+          <p:nvPr>
+            <p:ph type="body" idx="1"/>
+          </p:nvPr>
+        </p:nvSpPr>
+        <p:spPr>
+          <a:noFill/>
+          <a:ln/>
+        </p:spPr>
+        <p:txBody>
+          <a:bodyPr/>
+          <a:lstStyle/>
+          <a:p>
+            <a:pPr eaLnBrk="1" hangingPunct="1"/>
+            <a:endParaRPr lang="en-US" smtClean="0"/>
+          </a:p>
+        </p:txBody>
+      </p:sp>
+    </p:spTree>
+  </p:cSld>
+  <p:clrMapOvr>
+    <a:masterClrMapping/>
+  </p:clrMapOvr>
+</p:notes>
+</file>
+
+<file path=ppt/notesSlides/notesSlide25.xml><?xml version="1.0" encoding="utf-8"?>
+<p:notes xmlns:a="http://schemas.openxmlformats.org/drawingml/2006/main" xmlns:r="http://schemas.openxmlformats.org/officeDocument/2006/relationships" xmlns:p="http://schemas.openxmlformats.org/presentationml/2006/main">
+  <p:cSld>
+    <p:spTree>
+      <p:nvGrpSpPr>
+        <p:cNvPr id="1" name=""/>
+        <p:cNvGrpSpPr/>
+        <p:nvPr/>
+      </p:nvGrpSpPr>
+      <p:grpSpPr>
+        <a:xfrm>
+          <a:off x="0" y="0"/>
+          <a:ext cx="0" cy="0"/>
+          <a:chOff x="0" y="0"/>
+          <a:chExt cx="0" cy="0"/>
+        </a:xfrm>
+      </p:grpSpPr>
+      <p:sp>
+        <p:nvSpPr>
+          <p:cNvPr id="50178" name="Rectangle 7"/>
+          <p:cNvSpPr>
+            <a:spLocks noGrp="1" noChangeArrowheads="1"/>
+          </p:cNvSpPr>
+          <p:nvPr>
+            <p:ph type="sldNum" sz="quarter" idx="5"/>
+          </p:nvPr>
+        </p:nvSpPr>
+        <p:spPr>
+          <a:noFill/>
+        </p:spPr>
+        <p:txBody>
+          <a:bodyPr/>
+          <a:lstStyle/>
+          <a:p>
+            <a:fld id="{6BAFA0E6-3C8E-465A-90AD-14A37AA89325}" type="slidenum">
+              <a:rPr lang="en-US" smtClean="0"/>
+              <a:pPr/>
+              <a:t>25</a:t>
+            </a:fld>
+            <a:endParaRPr lang="en-US" smtClean="0"/>
+          </a:p>
+        </p:txBody>
+      </p:sp>
+      <p:sp>
+        <p:nvSpPr>
+          <p:cNvPr id="50179" name="Rectangle 2"/>
+          <p:cNvSpPr>
+            <a:spLocks noGrp="1" noRot="1" noChangeAspect="1" noChangeArrowheads="1" noTextEdit="1"/>
+          </p:cNvSpPr>
+          <p:nvPr>
+            <p:ph type="sldImg"/>
+          </p:nvPr>
+        </p:nvSpPr>
+        <p:spPr>
+          <a:ln/>
+        </p:spPr>
+      </p:sp>
+      <p:sp>
+        <p:nvSpPr>
+          <p:cNvPr id="50180" name="Rectangle 3"/>
           <p:cNvSpPr>
             <a:spLocks noGrp="1" noChangeArrowheads="1"/>
           </p:cNvSpPr>
@@ -4019,7 +4553,7 @@
           <a:graphicData uri="http://schemas.openxmlformats.org/presentationml/2006/ole">
             <mc:AlternateContent xmlns:mc="http://schemas.openxmlformats.org/markup-compatibility/2006">
               <mc:Choice xmlns:v="urn:schemas-microsoft-com:vml" Requires="v">
-                <p:oleObj spid="_x0000_s176170" name="Equation" r:id="rId4" imgW="2006280" imgH="812520" progId="Equation.DSMT4">
+                <p:oleObj spid="_x0000_s176180" name="Equation" r:id="rId4" imgW="2006280" imgH="812520" progId="Equation.DSMT4">
                   <p:embed/>
                 </p:oleObj>
               </mc:Choice>
@@ -4438,175 +4972,9 @@
   <p:timing>
     <p:tnLst>
       <p:par>
-        <p:cTn xmlns:p14="http://schemas.microsoft.com/office/powerpoint/2010/main" id="1" dur="indefinite" restart="never" nodeType="tmRoot">
-          <p:childTnLst>
-            <p:seq concurrent="1" nextAc="seek">
-              <p:cTn id="2" dur="indefinite" nodeType="mainSeq">
-                <p:childTnLst>
-                  <p:par>
-                    <p:cTn id="3" fill="hold">
-                      <p:stCondLst>
-                        <p:cond delay="indefinite"/>
-                        <p:cond evt="onBegin" delay="0">
-                          <p:tn val="2"/>
-                        </p:cond>
-                      </p:stCondLst>
-                      <p:childTnLst>
-                        <p:par>
-                          <p:cTn id="4" fill="hold">
-                            <p:stCondLst>
-                              <p:cond delay="0"/>
-                            </p:stCondLst>
-                            <p:childTnLst>
-                              <p:par>
-                                <p:cTn id="5" presetID="15" presetClass="entr" presetSubtype="0" fill="hold" grpId="0" nodeType="withEffect">
-                                  <p:stCondLst>
-                                    <p:cond delay="0"/>
-                                  </p:stCondLst>
-                                  <p:childTnLst>
-                                    <p:set>
-                                      <p:cBhvr>
-                                        <p:cTn id="6" dur="1" fill="hold">
-                                          <p:stCondLst>
-                                            <p:cond delay="0"/>
-                                          </p:stCondLst>
-                                        </p:cTn>
-                                        <p:tgtEl>
-                                          <p:spTgt spid="11"/>
-                                        </p:tgtEl>
-                                        <p:attrNameLst>
-                                          <p:attrName>style.visibility</p:attrName>
-                                        </p:attrNameLst>
-                                      </p:cBhvr>
-                                      <p:to>
-                                        <p:strVal val="visible"/>
-                                      </p:to>
-                                    </p:set>
-                                    <p:anim calcmode="lin" valueType="num">
-                                      <p:cBhvr>
-                                        <p:cTn id="7" dur="1000" fill="hold"/>
-                                        <p:tgtEl>
-                                          <p:spTgt spid="11"/>
-                                        </p:tgtEl>
-                                        <p:attrNameLst>
-                                          <p:attrName>ppt_w</p:attrName>
-                                        </p:attrNameLst>
-                                      </p:cBhvr>
-                                      <p:tavLst>
-                                        <p:tav tm="0">
-                                          <p:val>
-                                            <p:fltVal val="0"/>
-                                          </p:val>
-                                        </p:tav>
-                                        <p:tav tm="100000">
-                                          <p:val>
-                                            <p:strVal val="#ppt_w"/>
-                                          </p:val>
-                                        </p:tav>
-                                      </p:tavLst>
-                                    </p:anim>
-                                    <p:anim calcmode="lin" valueType="num">
-                                      <p:cBhvr>
-                                        <p:cTn id="8" dur="1000" fill="hold"/>
-                                        <p:tgtEl>
-                                          <p:spTgt spid="11"/>
-                                        </p:tgtEl>
-                                        <p:attrNameLst>
-                                          <p:attrName>ppt_h</p:attrName>
-                                        </p:attrNameLst>
-                                      </p:cBhvr>
-                                      <p:tavLst>
-                                        <p:tav tm="0">
-                                          <p:val>
-                                            <p:fltVal val="0"/>
-                                          </p:val>
-                                        </p:tav>
-                                        <p:tav tm="100000">
-                                          <p:val>
-                                            <p:strVal val="#ppt_h"/>
-                                          </p:val>
-                                        </p:tav>
-                                      </p:tavLst>
-                                    </p:anim>
-                                    <p:anim calcmode="lin" valueType="num">
-                                      <p:cBhvr>
-                                        <p:cTn id="9" dur="1000" fill="hold"/>
-                                        <p:tgtEl>
-                                          <p:spTgt spid="11"/>
-                                        </p:tgtEl>
-                                        <p:attrNameLst>
-                                          <p:attrName>ppt_x</p:attrName>
-                                        </p:attrNameLst>
-                                      </p:cBhvr>
-                                      <p:tavLst>
-                                        <p:tav tm="0" fmla="#ppt_x+(cos(-2*pi*(1-$))*-#ppt_x-sin(-2*pi*(1-$))*(1-#ppt_y))*(1-$)">
-                                          <p:val>
-                                            <p:fltVal val="0"/>
-                                          </p:val>
-                                        </p:tav>
-                                        <p:tav tm="100000">
-                                          <p:val>
-                                            <p:fltVal val="1"/>
-                                          </p:val>
-                                        </p:tav>
-                                      </p:tavLst>
-                                    </p:anim>
-                                    <p:anim calcmode="lin" valueType="num">
-                                      <p:cBhvr>
-                                        <p:cTn id="10" dur="1000" fill="hold"/>
-                                        <p:tgtEl>
-                                          <p:spTgt spid="11"/>
-                                        </p:tgtEl>
-                                        <p:attrNameLst>
-                                          <p:attrName>ppt_y</p:attrName>
-                                        </p:attrNameLst>
-                                      </p:cBhvr>
-                                      <p:tavLst>
-                                        <p:tav tm="0" fmla="#ppt_y+(sin(-2*pi*(1-$))*-#ppt_x+cos(-2*pi*(1-$))*(1-#ppt_y))*(1-$)">
-                                          <p:val>
-                                            <p:fltVal val="0"/>
-                                          </p:val>
-                                        </p:tav>
-                                        <p:tav tm="100000">
-                                          <p:val>
-                                            <p:fltVal val="1"/>
-                                          </p:val>
-                                        </p:tav>
-                                      </p:tavLst>
-                                    </p:anim>
-                                  </p:childTnLst>
-                                </p:cTn>
-                              </p:par>
-                            </p:childTnLst>
-                          </p:cTn>
-                        </p:par>
-                      </p:childTnLst>
-                    </p:cTn>
-                  </p:par>
-                </p:childTnLst>
-              </p:cTn>
-              <p:prevCondLst>
-                <p:cond evt="onPrev" delay="0">
-                  <p:tgtEl>
-                    <p:sldTgt/>
-                  </p:tgtEl>
-                </p:cond>
-              </p:prevCondLst>
-              <p:nextCondLst>
-                <p:cond evt="onNext" delay="0">
-                  <p:tgtEl>
-                    <p:sldTgt/>
-                  </p:tgtEl>
-                </p:cond>
-              </p:nextCondLst>
-            </p:seq>
-          </p:childTnLst>
-        </p:cTn>
+        <p:cTn xmlns:p14="http://schemas.microsoft.com/office/powerpoint/2010/main" id="1" dur="indefinite" restart="never" nodeType="tmRoot"/>
       </p:par>
     </p:tnLst>
-    <p:bldLst>
-      <p:bldP spid="11" grpId="0" animBg="1"/>
-    </p:bldLst>
   </p:timing>
 </p:sld>
 </file>
@@ -5962,7 +6330,7 @@
           <a:graphicData uri="http://schemas.openxmlformats.org/presentationml/2006/ole">
             <mc:AlternateContent xmlns:mc="http://schemas.openxmlformats.org/markup-compatibility/2006">
               <mc:Choice xmlns:v="urn:schemas-microsoft-com:vml" Requires="v">
-                <p:oleObj spid="_x0000_s182315" name="Equation" r:id="rId4" imgW="419040" imgH="419040" progId="Equation.DSMT4">
+                <p:oleObj spid="_x0000_s182324" name="Equation" r:id="rId4" imgW="419040" imgH="419040" progId="Equation.DSMT4">
                   <p:embed/>
                 </p:oleObj>
               </mc:Choice>
@@ -6442,6 +6810,954 @@
           <a:chExt cx="0" cy="0"/>
         </a:xfrm>
       </p:grpSpPr>
+      <p:graphicFrame>
+        <p:nvGraphicFramePr>
+          <p:cNvPr id="9" name="Object 8"/>
+          <p:cNvGraphicFramePr>
+            <a:graphicFrameLocks noChangeAspect="1"/>
+          </p:cNvGraphicFramePr>
+          <p:nvPr>
+            <p:extLst>
+              <p:ext uri="{D42A27DB-BD31-4B8C-83A1-F6EECF244321}">
+                <p14:modId xmlns:p14="http://schemas.microsoft.com/office/powerpoint/2010/main" val="3476025430"/>
+              </p:ext>
+            </p:extLst>
+          </p:nvPr>
+        </p:nvGraphicFramePr>
+        <p:xfrm>
+          <a:off x="844554" y="1103006"/>
+          <a:ext cx="7375525" cy="2017713"/>
+        </p:xfrm>
+        <a:graphic>
+          <a:graphicData uri="http://schemas.openxmlformats.org/presentationml/2006/ole">
+            <mc:AlternateContent xmlns:mc="http://schemas.openxmlformats.org/markup-compatibility/2006">
+              <mc:Choice xmlns:v="urn:schemas-microsoft-com:vml" Requires="v">
+                <p:oleObj spid="_x0000_s184373" name="Equation" r:id="rId4" imgW="1485900" imgH="406400" progId="Equation.DSMT4">
+                  <p:embed/>
+                </p:oleObj>
+              </mc:Choice>
+              <mc:Fallback>
+                <p:oleObj name="Equation" r:id="rId4" imgW="1485900" imgH="406400" progId="Equation.DSMT4">
+                  <p:embed/>
+                  <p:pic>
+                    <p:nvPicPr>
+                      <p:cNvPr id="0" name="Picture 2"/>
+                      <p:cNvPicPr>
+                        <a:picLocks noChangeAspect="1" noChangeArrowheads="1"/>
+                      </p:cNvPicPr>
+                      <p:nvPr/>
+                    </p:nvPicPr>
+                    <p:blipFill>
+                      <a:blip r:embed="rId5"/>
+                      <a:srcRect/>
+                      <a:stretch>
+                        <a:fillRect/>
+                      </a:stretch>
+                    </p:blipFill>
+                    <p:spPr bwMode="auto">
+                      <a:xfrm>
+                        <a:off x="844554" y="1103006"/>
+                        <a:ext cx="7375525" cy="2017713"/>
+                      </a:xfrm>
+                      <a:prstGeom prst="rect">
+                        <a:avLst/>
+                      </a:prstGeom>
+                      <a:noFill/>
+                      <a:extLst>
+                        <a:ext uri="{909E8E84-426E-40dd-AFC4-6F175D3DCCD1}">
+                          <a14:hiddenFill xmlns:a14="http://schemas.microsoft.com/office/drawing/2010/main">
+                            <a:solidFill>
+                              <a:srgbClr val="FFFFFF"/>
+                            </a:solidFill>
+                          </a14:hiddenFill>
+                        </a:ext>
+                      </a:extLst>
+                    </p:spPr>
+                  </p:pic>
+                </p:oleObj>
+              </mc:Fallback>
+            </mc:AlternateContent>
+          </a:graphicData>
+        </a:graphic>
+      </p:graphicFrame>
+      <p:sp>
+        <p:nvSpPr>
+          <p:cNvPr id="8" name="TextBox 7"/>
+          <p:cNvSpPr txBox="1"/>
+          <p:nvPr/>
+        </p:nvSpPr>
+        <p:spPr>
+          <a:xfrm>
+            <a:off x="974238" y="3261994"/>
+            <a:ext cx="7143452" cy="1938992"/>
+          </a:xfrm>
+          <a:prstGeom prst="rect">
+            <a:avLst/>
+          </a:prstGeom>
+          <a:noFill/>
+        </p:spPr>
+        <p:txBody>
+          <a:bodyPr wrap="none">
+            <a:spAutoFit/>
+          </a:bodyPr>
+          <a:lstStyle/>
+          <a:p>
+            <a:pPr>
+              <a:defRPr/>
+            </a:pPr>
+            <a:r>
+              <a:rPr lang="en-US" sz="6000" i="0" dirty="0" smtClean="0">
+                <a:latin typeface="+mj-lt"/>
+              </a:rPr>
+              <a:t>this form helpful in </a:t>
+            </a:r>
+          </a:p>
+          <a:p>
+            <a:pPr>
+              <a:defRPr/>
+            </a:pPr>
+            <a:r>
+              <a:rPr lang="en-US" sz="6000" i="0" dirty="0" smtClean="0">
+                <a:latin typeface="+mj-lt"/>
+              </a:rPr>
+              <a:t>some proofs</a:t>
+            </a:r>
+            <a:endParaRPr lang="en-US" sz="6000" i="0" dirty="0">
+              <a:latin typeface="+mj-lt"/>
+            </a:endParaRPr>
+          </a:p>
+        </p:txBody>
+      </p:sp>
+      <p:sp>
+        <p:nvSpPr>
+          <p:cNvPr id="11" name="Rectangle 2"/>
+          <p:cNvSpPr>
+            <a:spLocks noGrp="1" noChangeArrowheads="1"/>
+          </p:cNvSpPr>
+          <p:nvPr>
+            <p:ph type="title"/>
+          </p:nvPr>
+        </p:nvSpPr>
+        <p:spPr>
+          <a:xfrm>
+            <a:off x="1501373" y="119469"/>
+            <a:ext cx="6654173" cy="1160362"/>
+          </a:xfrm>
+        </p:spPr>
+        <p:txBody>
+          <a:bodyPr/>
+          <a:lstStyle/>
+          <a:p>
+            <a:pPr eaLnBrk="1" hangingPunct="1"/>
+            <a:r>
+              <a:rPr lang="en-US" sz="4800" dirty="0" smtClean="0">
+                <a:solidFill>
+                  <a:schemeClr val="tx1"/>
+                </a:solidFill>
+              </a:rPr>
+              <a:t>Alternative definition</a:t>
+            </a:r>
+            <a:endParaRPr lang="en-US" sz="4800" dirty="0" smtClean="0">
+              <a:solidFill>
+                <a:schemeClr val="tx1"/>
+              </a:solidFill>
+            </a:endParaRPr>
+          </a:p>
+        </p:txBody>
+      </p:sp>
+      <p:sp>
+        <p:nvSpPr>
+          <p:cNvPr id="7" name="Slide Number Placeholder 3"/>
+          <p:cNvSpPr>
+            <a:spLocks noGrp="1"/>
+          </p:cNvSpPr>
+          <p:nvPr>
+            <p:ph type="sldNum" sz="quarter" idx="4294967295"/>
+          </p:nvPr>
+        </p:nvSpPr>
+        <p:spPr>
+          <a:xfrm>
+            <a:off x="7554913" y="6577965"/>
+            <a:ext cx="1527175" cy="244475"/>
+          </a:xfrm>
+          <a:prstGeom prst="rect">
+            <a:avLst/>
+          </a:prstGeom>
+        </p:spPr>
+        <p:txBody>
+          <a:bodyPr/>
+          <a:lstStyle/>
+          <a:p>
+            <a:pPr>
+              <a:defRPr/>
+            </a:pPr>
+            <a:r>
+              <a:rPr lang="en-US" sz="1200" dirty="0" err="1" smtClean="0">
+                <a:latin typeface="Comic Sans MS"/>
+                <a:cs typeface="Comic Sans MS"/>
+              </a:rPr>
+              <a:t>expect_intro</a:t>
+            </a:r>
+            <a:r>
+              <a:rPr lang="en-US" sz="1200" dirty="0" smtClean="0">
+                <a:latin typeface="Comic Sans MS"/>
+                <a:cs typeface="Comic Sans MS"/>
+              </a:rPr>
+              <a:t>.</a:t>
+            </a:r>
+            <a:fld id="{93DA0692-DAF7-4AFE-9BE7-E02439D3694A}" type="slidenum">
+              <a:rPr lang="en-US" sz="1200" smtClean="0">
+                <a:latin typeface="Comic Sans MS"/>
+                <a:cs typeface="Comic Sans MS"/>
+              </a:rPr>
+              <a:pPr>
+                <a:defRPr/>
+              </a:pPr>
+              <a:t>14</a:t>
+            </a:fld>
+            <a:endParaRPr lang="en-US" sz="1200" dirty="0">
+              <a:latin typeface="Comic Sans MS"/>
+              <a:cs typeface="Comic Sans MS"/>
+            </a:endParaRPr>
+          </a:p>
+        </p:txBody>
+      </p:sp>
+    </p:spTree>
+  </p:cSld>
+  <p:clrMapOvr>
+    <a:masterClrMapping/>
+  </p:clrMapOvr>
+  <p:transition xmlns:p14="http://schemas.microsoft.com/office/powerpoint/2010/main" spd="slow" advClick="0">
+    <p:fade/>
+  </p:transition>
+  <p:timing>
+    <p:tnLst>
+      <p:par>
+        <p:cTn xmlns:p14="http://schemas.microsoft.com/office/powerpoint/2010/main" id="1" dur="indefinite" restart="never" nodeType="tmRoot">
+          <p:childTnLst>
+            <p:seq concurrent="1" nextAc="seek">
+              <p:cTn id="2" dur="indefinite" nodeType="mainSeq">
+                <p:childTnLst>
+                  <p:par>
+                    <p:cTn id="3" fill="hold">
+                      <p:stCondLst>
+                        <p:cond delay="indefinite"/>
+                        <p:cond evt="onBegin" delay="0">
+                          <p:tn val="2"/>
+                        </p:cond>
+                      </p:stCondLst>
+                      <p:childTnLst>
+                        <p:par>
+                          <p:cTn id="4" fill="hold">
+                            <p:stCondLst>
+                              <p:cond delay="0"/>
+                            </p:stCondLst>
+                            <p:childTnLst>
+                              <p:par>
+                                <p:cTn id="5" presetID="22" presetClass="entr" presetSubtype="8" fill="hold" nodeType="withEffect">
+                                  <p:stCondLst>
+                                    <p:cond delay="0"/>
+                                  </p:stCondLst>
+                                  <p:childTnLst>
+                                    <p:set>
+                                      <p:cBhvr>
+                                        <p:cTn id="6" dur="1" fill="hold">
+                                          <p:stCondLst>
+                                            <p:cond delay="0"/>
+                                          </p:stCondLst>
+                                        </p:cTn>
+                                        <p:tgtEl>
+                                          <p:spTgt spid="9"/>
+                                        </p:tgtEl>
+                                        <p:attrNameLst>
+                                          <p:attrName>style.visibility</p:attrName>
+                                        </p:attrNameLst>
+                                      </p:cBhvr>
+                                      <p:to>
+                                        <p:strVal val="visible"/>
+                                      </p:to>
+                                    </p:set>
+                                    <p:animEffect transition="in" filter="wipe(left)">
+                                      <p:cBhvr>
+                                        <p:cTn id="7" dur="2000"/>
+                                        <p:tgtEl>
+                                          <p:spTgt spid="9"/>
+                                        </p:tgtEl>
+                                      </p:cBhvr>
+                                    </p:animEffect>
+                                  </p:childTnLst>
+                                </p:cTn>
+                              </p:par>
+                            </p:childTnLst>
+                          </p:cTn>
+                        </p:par>
+                      </p:childTnLst>
+                    </p:cTn>
+                  </p:par>
+                  <p:par>
+                    <p:cTn id="8" fill="hold">
+                      <p:stCondLst>
+                        <p:cond delay="indefinite"/>
+                      </p:stCondLst>
+                      <p:childTnLst>
+                        <p:par>
+                          <p:cTn id="9" fill="hold">
+                            <p:stCondLst>
+                              <p:cond delay="0"/>
+                            </p:stCondLst>
+                            <p:childTnLst>
+                              <p:par>
+                                <p:cTn id="10" presetID="10" presetClass="entr" presetSubtype="0" fill="hold" grpId="0" nodeType="clickEffect">
+                                  <p:stCondLst>
+                                    <p:cond delay="0"/>
+                                  </p:stCondLst>
+                                  <p:childTnLst>
+                                    <p:set>
+                                      <p:cBhvr>
+                                        <p:cTn id="11" dur="1" fill="hold">
+                                          <p:stCondLst>
+                                            <p:cond delay="0"/>
+                                          </p:stCondLst>
+                                        </p:cTn>
+                                        <p:tgtEl>
+                                          <p:spTgt spid="8"/>
+                                        </p:tgtEl>
+                                        <p:attrNameLst>
+                                          <p:attrName>style.visibility</p:attrName>
+                                        </p:attrNameLst>
+                                      </p:cBhvr>
+                                      <p:to>
+                                        <p:strVal val="visible"/>
+                                      </p:to>
+                                    </p:set>
+                                    <p:animEffect transition="in" filter="fade">
+                                      <p:cBhvr>
+                                        <p:cTn id="12" dur="500"/>
+                                        <p:tgtEl>
+                                          <p:spTgt spid="8"/>
+                                        </p:tgtEl>
+                                      </p:cBhvr>
+                                    </p:animEffect>
+                                  </p:childTnLst>
+                                </p:cTn>
+                              </p:par>
+                            </p:childTnLst>
+                          </p:cTn>
+                        </p:par>
+                      </p:childTnLst>
+                    </p:cTn>
+                  </p:par>
+                </p:childTnLst>
+              </p:cTn>
+              <p:prevCondLst>
+                <p:cond evt="onPrev" delay="0">
+                  <p:tgtEl>
+                    <p:sldTgt/>
+                  </p:tgtEl>
+                </p:cond>
+              </p:prevCondLst>
+              <p:nextCondLst>
+                <p:cond evt="onNext" delay="0">
+                  <p:tgtEl>
+                    <p:sldTgt/>
+                  </p:tgtEl>
+                </p:cond>
+              </p:nextCondLst>
+            </p:seq>
+          </p:childTnLst>
+        </p:cTn>
+      </p:par>
+    </p:tnLst>
+    <p:bldLst>
+      <p:bldP spid="8" grpId="0"/>
+    </p:bldLst>
+  </p:timing>
+</p:sld>
+</file>
+
+<file path=ppt/slides/slide15.xml><?xml version="1.0" encoding="utf-8"?>
+<p:sld xmlns:a="http://schemas.openxmlformats.org/drawingml/2006/main" xmlns:r="http://schemas.openxmlformats.org/officeDocument/2006/relationships" xmlns:p="http://schemas.openxmlformats.org/presentationml/2006/main">
+  <p:cSld>
+    <p:spTree>
+      <p:nvGrpSpPr>
+        <p:cNvPr id="1" name=""/>
+        <p:cNvGrpSpPr/>
+        <p:nvPr/>
+      </p:nvGrpSpPr>
+      <p:grpSpPr>
+        <a:xfrm>
+          <a:off x="0" y="0"/>
+          <a:ext cx="0" cy="0"/>
+          <a:chOff x="0" y="0"/>
+          <a:chExt cx="0" cy="0"/>
+        </a:xfrm>
+      </p:grpSpPr>
+      <p:graphicFrame>
+        <p:nvGraphicFramePr>
+          <p:cNvPr id="9" name="Object 8"/>
+          <p:cNvGraphicFramePr>
+            <a:graphicFrameLocks noChangeAspect="1"/>
+          </p:cNvGraphicFramePr>
+          <p:nvPr>
+            <p:extLst>
+              <p:ext uri="{D42A27DB-BD31-4B8C-83A1-F6EECF244321}">
+                <p14:modId xmlns:p14="http://schemas.microsoft.com/office/powerpoint/2010/main" val="3605441402"/>
+              </p:ext>
+            </p:extLst>
+          </p:nvPr>
+        </p:nvGraphicFramePr>
+        <p:xfrm>
+          <a:off x="844554" y="1103006"/>
+          <a:ext cx="7375525" cy="2017713"/>
+        </p:xfrm>
+        <a:graphic>
+          <a:graphicData uri="http://schemas.openxmlformats.org/presentationml/2006/ole">
+            <mc:AlternateContent xmlns:mc="http://schemas.openxmlformats.org/markup-compatibility/2006">
+              <mc:Choice xmlns:v="urn:schemas-microsoft-com:vml" Requires="v">
+                <p:oleObj spid="_x0000_s572448" name="Equation" r:id="rId4" imgW="1485900" imgH="406400" progId="Equation.DSMT4">
+                  <p:embed/>
+                </p:oleObj>
+              </mc:Choice>
+              <mc:Fallback>
+                <p:oleObj name="Equation" r:id="rId4" imgW="1485900" imgH="406400" progId="Equation.DSMT4">
+                  <p:embed/>
+                  <p:pic>
+                    <p:nvPicPr>
+                      <p:cNvPr id="0" name=""/>
+                      <p:cNvPicPr>
+                        <a:picLocks noChangeAspect="1" noChangeArrowheads="1"/>
+                      </p:cNvPicPr>
+                      <p:nvPr/>
+                    </p:nvPicPr>
+                    <p:blipFill>
+                      <a:blip r:embed="rId5"/>
+                      <a:srcRect/>
+                      <a:stretch>
+                        <a:fillRect/>
+                      </a:stretch>
+                    </p:blipFill>
+                    <p:spPr bwMode="auto">
+                      <a:xfrm>
+                        <a:off x="844554" y="1103006"/>
+                        <a:ext cx="7375525" cy="2017713"/>
+                      </a:xfrm>
+                      <a:prstGeom prst="rect">
+                        <a:avLst/>
+                      </a:prstGeom>
+                      <a:noFill/>
+                      <a:extLst>
+                        <a:ext uri="{909E8E84-426E-40dd-AFC4-6F175D3DCCD1}">
+                          <a14:hiddenFill xmlns:a14="http://schemas.microsoft.com/office/drawing/2010/main">
+                            <a:solidFill>
+                              <a:srgbClr val="FFFFFF"/>
+                            </a:solidFill>
+                          </a14:hiddenFill>
+                        </a:ext>
+                      </a:extLst>
+                    </p:spPr>
+                  </p:pic>
+                </p:oleObj>
+              </mc:Fallback>
+            </mc:AlternateContent>
+          </a:graphicData>
+        </a:graphic>
+      </p:graphicFrame>
+      <p:sp>
+        <p:nvSpPr>
+          <p:cNvPr id="8" name="TextBox 7"/>
+          <p:cNvSpPr txBox="1"/>
+          <p:nvPr/>
+        </p:nvSpPr>
+        <p:spPr>
+          <a:xfrm>
+            <a:off x="309490" y="2984204"/>
+            <a:ext cx="8533707" cy="1569660"/>
+          </a:xfrm>
+          <a:prstGeom prst="rect">
+            <a:avLst/>
+          </a:prstGeom>
+          <a:noFill/>
+        </p:spPr>
+        <p:txBody>
+          <a:bodyPr wrap="none">
+            <a:spAutoFit/>
+          </a:bodyPr>
+          <a:lstStyle/>
+          <a:p>
+            <a:pPr>
+              <a:defRPr/>
+            </a:pPr>
+            <a:r>
+              <a:rPr lang="en-US" sz="4800" i="0" dirty="0" smtClean="0">
+                <a:latin typeface="+mj-lt"/>
+              </a:rPr>
+              <a:t>proof of equivalence:</a:t>
+            </a:r>
+          </a:p>
+          <a:p>
+            <a:pPr>
+              <a:defRPr/>
+            </a:pPr>
+            <a:r>
+              <a:rPr lang="en-US" sz="4800" dirty="0" smtClean="0">
+                <a:latin typeface="+mj-lt"/>
+              </a:rPr>
+              <a:t>                                          </a:t>
+            </a:r>
+            <a:r>
+              <a:rPr lang="en-US" sz="4800" i="0" dirty="0" smtClean="0">
+                <a:latin typeface="+mj-lt"/>
+              </a:rPr>
+              <a:t>so</a:t>
+            </a:r>
+            <a:endParaRPr lang="en-US" sz="4800" i="0" dirty="0">
+              <a:latin typeface="+mj-lt"/>
+            </a:endParaRPr>
+          </a:p>
+        </p:txBody>
+      </p:sp>
+      <p:sp>
+        <p:nvSpPr>
+          <p:cNvPr id="11" name="Rectangle 2"/>
+          <p:cNvSpPr>
+            <a:spLocks noGrp="1" noChangeArrowheads="1"/>
+          </p:cNvSpPr>
+          <p:nvPr>
+            <p:ph type="title"/>
+          </p:nvPr>
+        </p:nvSpPr>
+        <p:spPr>
+          <a:xfrm>
+            <a:off x="1501373" y="119469"/>
+            <a:ext cx="6654173" cy="1160362"/>
+          </a:xfrm>
+        </p:spPr>
+        <p:txBody>
+          <a:bodyPr/>
+          <a:lstStyle/>
+          <a:p>
+            <a:pPr eaLnBrk="1" hangingPunct="1"/>
+            <a:r>
+              <a:rPr lang="en-US" sz="4800" dirty="0" smtClean="0">
+                <a:solidFill>
+                  <a:schemeClr val="tx1"/>
+                </a:solidFill>
+              </a:rPr>
+              <a:t>Alternative definition</a:t>
+            </a:r>
+            <a:endParaRPr lang="en-US" sz="4800" dirty="0" smtClean="0">
+              <a:solidFill>
+                <a:schemeClr val="tx1"/>
+              </a:solidFill>
+            </a:endParaRPr>
+          </a:p>
+        </p:txBody>
+      </p:sp>
+      <p:sp>
+        <p:nvSpPr>
+          <p:cNvPr id="7" name="Slide Number Placeholder 3"/>
+          <p:cNvSpPr>
+            <a:spLocks noGrp="1"/>
+          </p:cNvSpPr>
+          <p:nvPr>
+            <p:ph type="sldNum" sz="quarter" idx="4294967295"/>
+          </p:nvPr>
+        </p:nvSpPr>
+        <p:spPr>
+          <a:xfrm>
+            <a:off x="7554913" y="6577965"/>
+            <a:ext cx="1527175" cy="244475"/>
+          </a:xfrm>
+          <a:prstGeom prst="rect">
+            <a:avLst/>
+          </a:prstGeom>
+        </p:spPr>
+        <p:txBody>
+          <a:bodyPr/>
+          <a:lstStyle/>
+          <a:p>
+            <a:pPr>
+              <a:defRPr/>
+            </a:pPr>
+            <a:r>
+              <a:rPr lang="en-US" sz="1200" dirty="0" err="1" smtClean="0">
+                <a:latin typeface="Comic Sans MS"/>
+                <a:cs typeface="Comic Sans MS"/>
+              </a:rPr>
+              <a:t>expect_intro</a:t>
+            </a:r>
+            <a:r>
+              <a:rPr lang="en-US" sz="1200" dirty="0" smtClean="0">
+                <a:latin typeface="Comic Sans MS"/>
+                <a:cs typeface="Comic Sans MS"/>
+              </a:rPr>
+              <a:t>.</a:t>
+            </a:r>
+            <a:fld id="{93DA0692-DAF7-4AFE-9BE7-E02439D3694A}" type="slidenum">
+              <a:rPr lang="en-US" sz="1200" smtClean="0">
+                <a:latin typeface="Comic Sans MS"/>
+                <a:cs typeface="Comic Sans MS"/>
+              </a:rPr>
+              <a:pPr>
+                <a:defRPr/>
+              </a:pPr>
+              <a:t>15</a:t>
+            </a:fld>
+            <a:endParaRPr lang="en-US" sz="1200" dirty="0">
+              <a:latin typeface="Comic Sans MS"/>
+              <a:cs typeface="Comic Sans MS"/>
+            </a:endParaRPr>
+          </a:p>
+        </p:txBody>
+      </p:sp>
+      <p:graphicFrame>
+        <p:nvGraphicFramePr>
+          <p:cNvPr id="6" name="Object 5"/>
+          <p:cNvGraphicFramePr>
+            <a:graphicFrameLocks noChangeAspect="1"/>
+          </p:cNvGraphicFramePr>
+          <p:nvPr>
+            <p:extLst>
+              <p:ext uri="{D42A27DB-BD31-4B8C-83A1-F6EECF244321}">
+                <p14:modId xmlns:p14="http://schemas.microsoft.com/office/powerpoint/2010/main" val="1078841361"/>
+              </p:ext>
+            </p:extLst>
+          </p:nvPr>
+        </p:nvGraphicFramePr>
+        <p:xfrm>
+          <a:off x="1227022" y="3660322"/>
+          <a:ext cx="6730113" cy="948201"/>
+        </p:xfrm>
+        <a:graphic>
+          <a:graphicData uri="http://schemas.openxmlformats.org/presentationml/2006/ole">
+            <mc:AlternateContent xmlns:mc="http://schemas.openxmlformats.org/markup-compatibility/2006">
+              <mc:Choice xmlns:v="urn:schemas-microsoft-com:vml" Requires="v">
+                <p:oleObj spid="_x0000_s572449" name="Equation" r:id="rId6" imgW="1714500" imgH="241300" progId="Equation.DSMT4">
+                  <p:embed/>
+                </p:oleObj>
+              </mc:Choice>
+              <mc:Fallback>
+                <p:oleObj name="Equation" r:id="rId6" imgW="1714500" imgH="241300" progId="Equation.DSMT4">
+                  <p:embed/>
+                  <p:pic>
+                    <p:nvPicPr>
+                      <p:cNvPr id="0" name=""/>
+                      <p:cNvPicPr>
+                        <a:picLocks noChangeAspect="1" noChangeArrowheads="1"/>
+                      </p:cNvPicPr>
+                      <p:nvPr/>
+                    </p:nvPicPr>
+                    <p:blipFill>
+                      <a:blip r:embed="rId7"/>
+                      <a:srcRect/>
+                      <a:stretch>
+                        <a:fillRect/>
+                      </a:stretch>
+                    </p:blipFill>
+                    <p:spPr bwMode="auto">
+                      <a:xfrm>
+                        <a:off x="1227022" y="3660322"/>
+                        <a:ext cx="6730113" cy="948201"/>
+                      </a:xfrm>
+                      <a:prstGeom prst="rect">
+                        <a:avLst/>
+                      </a:prstGeom>
+                      <a:noFill/>
+                      <a:extLst/>
+                    </p:spPr>
+                  </p:pic>
+                </p:oleObj>
+              </mc:Fallback>
+            </mc:AlternateContent>
+          </a:graphicData>
+        </a:graphic>
+      </p:graphicFrame>
+      <p:graphicFrame>
+        <p:nvGraphicFramePr>
+          <p:cNvPr id="10" name="Object 9"/>
+          <p:cNvGraphicFramePr>
+            <a:graphicFrameLocks noChangeAspect="1"/>
+          </p:cNvGraphicFramePr>
+          <p:nvPr>
+            <p:extLst>
+              <p:ext uri="{D42A27DB-BD31-4B8C-83A1-F6EECF244321}">
+                <p14:modId xmlns:p14="http://schemas.microsoft.com/office/powerpoint/2010/main" val="1365356588"/>
+              </p:ext>
+            </p:extLst>
+          </p:nvPr>
+        </p:nvGraphicFramePr>
+        <p:xfrm>
+          <a:off x="640954" y="4573588"/>
+          <a:ext cx="6753225" cy="1579562"/>
+        </p:xfrm>
+        <a:graphic>
+          <a:graphicData uri="http://schemas.openxmlformats.org/presentationml/2006/ole">
+            <mc:AlternateContent xmlns:mc="http://schemas.openxmlformats.org/markup-compatibility/2006">
+              <mc:Choice xmlns:v="urn:schemas-microsoft-com:vml" Requires="v">
+                <p:oleObj spid="_x0000_s572450" name="Equation" r:id="rId8" imgW="1739900" imgH="406400" progId="Equation.DSMT4">
+                  <p:embed/>
+                </p:oleObj>
+              </mc:Choice>
+              <mc:Fallback>
+                <p:oleObj name="Equation" r:id="rId8" imgW="1739900" imgH="406400" progId="Equation.DSMT4">
+                  <p:embed/>
+                  <p:pic>
+                    <p:nvPicPr>
+                      <p:cNvPr id="0" name=""/>
+                      <p:cNvPicPr>
+                        <a:picLocks noChangeAspect="1" noChangeArrowheads="1"/>
+                      </p:cNvPicPr>
+                      <p:nvPr/>
+                    </p:nvPicPr>
+                    <p:blipFill>
+                      <a:blip r:embed="rId9"/>
+                      <a:srcRect/>
+                      <a:stretch>
+                        <a:fillRect/>
+                      </a:stretch>
+                    </p:blipFill>
+                    <p:spPr bwMode="auto">
+                      <a:xfrm>
+                        <a:off x="640954" y="4573588"/>
+                        <a:ext cx="6753225" cy="1579562"/>
+                      </a:xfrm>
+                      <a:prstGeom prst="rect">
+                        <a:avLst/>
+                      </a:prstGeom>
+                      <a:noFill/>
+                      <a:extLst/>
+                    </p:spPr>
+                  </p:pic>
+                </p:oleObj>
+              </mc:Fallback>
+            </mc:AlternateContent>
+          </a:graphicData>
+        </a:graphic>
+      </p:graphicFrame>
+    </p:spTree>
+    <p:extLst>
+      <p:ext uri="{BB962C8B-B14F-4D97-AF65-F5344CB8AC3E}">
+        <p14:creationId xmlns:p14="http://schemas.microsoft.com/office/powerpoint/2010/main" val="1354915330"/>
+      </p:ext>
+    </p:extLst>
+  </p:cSld>
+  <p:clrMapOvr>
+    <a:masterClrMapping/>
+  </p:clrMapOvr>
+  <p:transition xmlns:p14="http://schemas.microsoft.com/office/powerpoint/2010/main" spd="slow" advClick="0">
+    <p:fade/>
+  </p:transition>
+  <p:timing>
+    <p:tnLst>
+      <p:par>
+        <p:cTn xmlns:p14="http://schemas.microsoft.com/office/powerpoint/2010/main" id="1" dur="indefinite" restart="never" nodeType="tmRoot">
+          <p:childTnLst>
+            <p:seq concurrent="1" nextAc="seek">
+              <p:cTn id="2" dur="indefinite" nodeType="mainSeq">
+                <p:childTnLst>
+                  <p:par>
+                    <p:cTn id="3" fill="hold">
+                      <p:stCondLst>
+                        <p:cond delay="indefinite"/>
+                      </p:stCondLst>
+                      <p:childTnLst>
+                        <p:par>
+                          <p:cTn id="4" fill="hold">
+                            <p:stCondLst>
+                              <p:cond delay="0"/>
+                            </p:stCondLst>
+                            <p:childTnLst>
+                              <p:par>
+                                <p:cTn id="5" presetID="22" presetClass="entr" presetSubtype="8" fill="hold" nodeType="clickEffect">
+                                  <p:stCondLst>
+                                    <p:cond delay="0"/>
+                                  </p:stCondLst>
+                                  <p:childTnLst>
+                                    <p:set>
+                                      <p:cBhvr>
+                                        <p:cTn id="6" dur="1" fill="hold">
+                                          <p:stCondLst>
+                                            <p:cond delay="0"/>
+                                          </p:stCondLst>
+                                        </p:cTn>
+                                        <p:tgtEl>
+                                          <p:spTgt spid="6"/>
+                                        </p:tgtEl>
+                                        <p:attrNameLst>
+                                          <p:attrName>style.visibility</p:attrName>
+                                        </p:attrNameLst>
+                                      </p:cBhvr>
+                                      <p:to>
+                                        <p:strVal val="visible"/>
+                                      </p:to>
+                                    </p:set>
+                                    <p:animEffect transition="in" filter="wipe(left)">
+                                      <p:cBhvr>
+                                        <p:cTn id="7" dur="1000"/>
+                                        <p:tgtEl>
+                                          <p:spTgt spid="6"/>
+                                        </p:tgtEl>
+                                      </p:cBhvr>
+                                    </p:animEffect>
+                                  </p:childTnLst>
+                                </p:cTn>
+                              </p:par>
+                            </p:childTnLst>
+                          </p:cTn>
+                        </p:par>
+                      </p:childTnLst>
+                    </p:cTn>
+                  </p:par>
+                  <p:par>
+                    <p:cTn id="8" fill="hold">
+                      <p:stCondLst>
+                        <p:cond delay="indefinite"/>
+                      </p:stCondLst>
+                      <p:childTnLst>
+                        <p:par>
+                          <p:cTn id="9" fill="hold">
+                            <p:stCondLst>
+                              <p:cond delay="0"/>
+                            </p:stCondLst>
+                            <p:childTnLst>
+                              <p:par>
+                                <p:cTn id="10" presetID="10" presetClass="entr" presetSubtype="0" fill="hold" grpId="0" nodeType="clickEffect">
+                                  <p:stCondLst>
+                                    <p:cond delay="0"/>
+                                  </p:stCondLst>
+                                  <p:childTnLst>
+                                    <p:set>
+                                      <p:cBhvr>
+                                        <p:cTn id="11" dur="1" fill="hold">
+                                          <p:stCondLst>
+                                            <p:cond delay="0"/>
+                                          </p:stCondLst>
+                                        </p:cTn>
+                                        <p:tgtEl>
+                                          <p:spTgt spid="8">
+                                            <p:txEl>
+                                              <p:pRg st="1" end="1"/>
+                                            </p:txEl>
+                                          </p:spTgt>
+                                        </p:tgtEl>
+                                        <p:attrNameLst>
+                                          <p:attrName>style.visibility</p:attrName>
+                                        </p:attrNameLst>
+                                      </p:cBhvr>
+                                      <p:to>
+                                        <p:strVal val="visible"/>
+                                      </p:to>
+                                    </p:set>
+                                    <p:animEffect transition="in" filter="fade">
+                                      <p:cBhvr>
+                                        <p:cTn id="12" dur="500"/>
+                                        <p:tgtEl>
+                                          <p:spTgt spid="8">
+                                            <p:txEl>
+                                              <p:pRg st="1" end="1"/>
+                                            </p:txEl>
+                                          </p:spTgt>
+                                        </p:tgtEl>
+                                      </p:cBhvr>
+                                    </p:animEffect>
+                                  </p:childTnLst>
+                                </p:cTn>
+                              </p:par>
+                            </p:childTnLst>
+                          </p:cTn>
+                        </p:par>
+                        <p:par>
+                          <p:cTn id="13" fill="hold">
+                            <p:stCondLst>
+                              <p:cond delay="500"/>
+                            </p:stCondLst>
+                            <p:childTnLst>
+                              <p:par>
+                                <p:cTn id="14" presetID="22" presetClass="entr" presetSubtype="8" fill="hold" nodeType="afterEffect">
+                                  <p:stCondLst>
+                                    <p:cond delay="0"/>
+                                  </p:stCondLst>
+                                  <p:childTnLst>
+                                    <p:set>
+                                      <p:cBhvr>
+                                        <p:cTn id="15" dur="1" fill="hold">
+                                          <p:stCondLst>
+                                            <p:cond delay="0"/>
+                                          </p:stCondLst>
+                                        </p:cTn>
+                                        <p:tgtEl>
+                                          <p:spTgt spid="10"/>
+                                        </p:tgtEl>
+                                        <p:attrNameLst>
+                                          <p:attrName>style.visibility</p:attrName>
+                                        </p:attrNameLst>
+                                      </p:cBhvr>
+                                      <p:to>
+                                        <p:strVal val="visible"/>
+                                      </p:to>
+                                    </p:set>
+                                    <p:animEffect transition="in" filter="wipe(left)">
+                                      <p:cBhvr>
+                                        <p:cTn id="16" dur="2000"/>
+                                        <p:tgtEl>
+                                          <p:spTgt spid="10"/>
+                                        </p:tgtEl>
+                                      </p:cBhvr>
+                                    </p:animEffect>
+                                  </p:childTnLst>
+                                </p:cTn>
+                              </p:par>
+                            </p:childTnLst>
+                          </p:cTn>
+                        </p:par>
+                      </p:childTnLst>
+                    </p:cTn>
+                  </p:par>
+                </p:childTnLst>
+              </p:cTn>
+              <p:prevCondLst>
+                <p:cond evt="onPrev" delay="0">
+                  <p:tgtEl>
+                    <p:sldTgt/>
+                  </p:tgtEl>
+                </p:cond>
+              </p:prevCondLst>
+              <p:nextCondLst>
+                <p:cond evt="onNext" delay="0">
+                  <p:tgtEl>
+                    <p:sldTgt/>
+                  </p:tgtEl>
+                </p:cond>
+              </p:nextCondLst>
+            </p:seq>
+          </p:childTnLst>
+        </p:cTn>
+      </p:par>
+    </p:tnLst>
+    <p:bldLst>
+      <p:bldP spid="8" grpId="0" uiExpand="1" build="p"/>
+    </p:bldLst>
+  </p:timing>
+</p:sld>
+</file>
+
+<file path=ppt/slides/slide16.xml><?xml version="1.0" encoding="utf-8"?>
+<p:sld xmlns:a="http://schemas.openxmlformats.org/drawingml/2006/main" xmlns:r="http://schemas.openxmlformats.org/officeDocument/2006/relationships" xmlns:p="http://schemas.openxmlformats.org/presentationml/2006/main" show="0">
+  <p:cSld>
+    <p:spTree>
+      <p:nvGrpSpPr>
+        <p:cNvPr id="1" name=""/>
+        <p:cNvGrpSpPr/>
+        <p:nvPr/>
+      </p:nvGrpSpPr>
+      <p:grpSpPr>
+        <a:xfrm>
+          <a:off x="0" y="0"/>
+          <a:ext cx="0" cy="0"/>
+          <a:chOff x="0" y="0"/>
+          <a:chExt cx="0" cy="0"/>
+        </a:xfrm>
+      </p:grpSpPr>
       <p:sp>
         <p:nvSpPr>
           <p:cNvPr id="19" name="TextBox 18"/>
@@ -6488,7 +7804,7 @@
           <p:nvPr>
             <p:extLst>
               <p:ext uri="{D42A27DB-BD31-4B8C-83A1-F6EECF244321}">
-                <p14:modId xmlns:p14="http://schemas.microsoft.com/office/powerpoint/2010/main" val="200653443"/>
+                <p14:modId xmlns:p14="http://schemas.microsoft.com/office/powerpoint/2010/main" val="738681060"/>
               </p:ext>
             </p:extLst>
           </p:nvPr>
@@ -6501,7 +7817,7 @@
           <a:graphicData uri="http://schemas.openxmlformats.org/presentationml/2006/ole">
             <mc:AlternateContent xmlns:mc="http://schemas.openxmlformats.org/markup-compatibility/2006">
               <mc:Choice xmlns:v="urn:schemas-microsoft-com:vml" Requires="v">
-                <p:oleObj spid="_x0000_s184363" name="Equation" r:id="rId4" imgW="1485900" imgH="406400" progId="Equation.DSMT4">
+                <p:oleObj spid="_x0000_s1033" name="Equation" r:id="rId4" imgW="1485900" imgH="406400" progId="Equation.DSMT4">
                   <p:embed/>
                 </p:oleObj>
               </mc:Choice>
@@ -6510,7 +7826,7 @@
                   <p:embed/>
                   <p:pic>
                     <p:nvPicPr>
-                      <p:cNvPr id="0" name="Picture 2"/>
+                      <p:cNvPr id="0" name=""/>
                       <p:cNvPicPr>
                         <a:picLocks noChangeAspect="1" noChangeArrowheads="1"/>
                       </p:cNvPicPr>
@@ -6738,7 +8054,7 @@
               <a:pPr>
                 <a:defRPr/>
               </a:pPr>
-              <a:t>14</a:t>
+              <a:t>16</a:t>
             </a:fld>
             <a:endParaRPr lang="en-US" sz="1200" dirty="0">
               <a:latin typeface="Comic Sans MS"/>
@@ -6748,6 +8064,11 @@
         </p:txBody>
       </p:sp>
     </p:spTree>
+    <p:extLst>
+      <p:ext uri="{BB962C8B-B14F-4D97-AF65-F5344CB8AC3E}">
+        <p14:creationId xmlns:p14="http://schemas.microsoft.com/office/powerpoint/2010/main" val="3058019615"/>
+      </p:ext>
+    </p:extLst>
   </p:cSld>
   <p:clrMapOvr>
     <a:masterClrMapping/>
@@ -6901,7 +8222,7 @@
 </p:sld>
 </file>
 
-<file path=ppt/slides/slide15.xml><?xml version="1.0" encoding="utf-8"?>
+<file path=ppt/slides/slide17.xml><?xml version="1.0" encoding="utf-8"?>
 <p:sld xmlns:a="http://schemas.openxmlformats.org/drawingml/2006/main" xmlns:r="http://schemas.openxmlformats.org/officeDocument/2006/relationships" xmlns:p="http://schemas.openxmlformats.org/presentationml/2006/main">
   <p:cSld>
     <p:spTree>
@@ -6918,38 +8239,72 @@
           <a:chExt cx="0" cy="0"/>
         </a:xfrm>
       </p:grpSpPr>
+      <p:sp>
+        <p:nvSpPr>
+          <p:cNvPr id="19" name="TextBox 18"/>
+          <p:cNvSpPr txBox="1"/>
+          <p:nvPr/>
+        </p:nvSpPr>
+        <p:spPr>
+          <a:xfrm>
+            <a:off x="304800" y="785112"/>
+            <a:ext cx="1317625" cy="769938"/>
+          </a:xfrm>
+          <a:prstGeom prst="rect">
+            <a:avLst/>
+          </a:prstGeom>
+          <a:noFill/>
+        </p:spPr>
+        <p:txBody>
+          <a:bodyPr wrap="none">
+            <a:spAutoFit/>
+          </a:bodyPr>
+          <a:lstStyle/>
+          <a:p>
+            <a:pPr>
+              <a:defRPr/>
+            </a:pPr>
+            <a:r>
+              <a:rPr lang="en-US" sz="4400" i="0" dirty="0">
+                <a:latin typeface="+mj-lt"/>
+              </a:rPr>
+              <a:t>Now</a:t>
+            </a:r>
+          </a:p>
+        </p:txBody>
+      </p:sp>
       <p:graphicFrame>
         <p:nvGraphicFramePr>
-          <p:cNvPr id="8" name="Object 7"/>
+          <p:cNvPr id="9" name="Object 8"/>
           <p:cNvGraphicFramePr>
             <a:graphicFrameLocks noChangeAspect="1"/>
           </p:cNvGraphicFramePr>
           <p:nvPr>
             <p:extLst>
               <p:ext uri="{D42A27DB-BD31-4B8C-83A1-F6EECF244321}">
-                <p14:modId xmlns:p14="http://schemas.microsoft.com/office/powerpoint/2010/main" val="2806667415"/>
+                <p14:modId xmlns:p14="http://schemas.microsoft.com/office/powerpoint/2010/main" val="2130994856"/>
               </p:ext>
             </p:extLst>
           </p:nvPr>
         </p:nvGraphicFramePr>
         <p:xfrm>
-          <a:off x="514350" y="2359025"/>
-          <a:ext cx="8093075" cy="2160588"/>
+          <a:off x="79376" y="1276350"/>
+          <a:ext cx="7351713" cy="1646238"/>
         </p:xfrm>
         <a:graphic>
           <a:graphicData uri="http://schemas.openxmlformats.org/presentationml/2006/ole">
             <mc:AlternateContent xmlns:mc="http://schemas.openxmlformats.org/markup-compatibility/2006">
               <mc:Choice xmlns:v="urn:schemas-microsoft-com:vml" Requires="v">
-                <p:oleObj spid="_x0000_s186410" name="Equation" r:id="rId4" imgW="1524000" imgH="406400" progId="Equation.DSMT4">
+                <p:oleObj spid="_x0000_s575498" name="Equation" r:id="rId4" imgW="1816100" imgH="406400" progId="Equation.DSMT4">
                   <p:embed/>
                 </p:oleObj>
               </mc:Choice>
               <mc:Fallback>
-                <p:oleObj name="Equation" r:id="rId4" imgW="1524000" imgH="406400" progId="Equation.DSMT4">
+                <p:oleObj name="Equation" r:id="rId4" imgW="1816100" imgH="406400" progId="Equation.DSMT4">
                   <p:embed/>
                   <p:pic>
                     <p:nvPicPr>
-                      <p:cNvPr id="0" name="Picture 2"/>
+                      <p:cNvPr id="0" name=""/>
                       <p:cNvPicPr>
                         <a:picLocks noChangeAspect="1" noChangeArrowheads="1"/>
                       </p:cNvPicPr>
@@ -6964,8 +8319,8 @@
                     </p:blipFill>
                     <p:spPr bwMode="auto">
                       <a:xfrm>
-                        <a:off x="514350" y="2359025"/>
-                        <a:ext cx="8093075" cy="2160588"/>
+                        <a:off x="79376" y="1276350"/>
+                        <a:ext cx="7351713" cy="1646238"/>
                       </a:xfrm>
                       <a:prstGeom prst="rect">
                         <a:avLst/>
@@ -6982,39 +8337,7 @@
       </p:graphicFrame>
       <p:sp>
         <p:nvSpPr>
-          <p:cNvPr id="5" name="Rectangle 2"/>
-          <p:cNvSpPr>
-            <a:spLocks noGrp="1" noChangeArrowheads="1"/>
-          </p:cNvSpPr>
-          <p:nvPr>
-            <p:ph type="title"/>
-          </p:nvPr>
-        </p:nvSpPr>
-        <p:spPr>
-          <a:xfrm>
-            <a:off x="1828800" y="228600"/>
-            <a:ext cx="5486400" cy="1066800"/>
-          </a:xfrm>
-        </p:spPr>
-        <p:txBody>
-          <a:bodyPr/>
-          <a:lstStyle/>
-          <a:p>
-            <a:pPr eaLnBrk="1" hangingPunct="1"/>
-            <a:r>
-              <a:rPr lang="en-US" sz="4800" dirty="0" smtClean="0">
-                <a:solidFill>
-                  <a:schemeClr val="tx1"/>
-                </a:solidFill>
-              </a:rPr>
-              <a:t>Expected Value</a:t>
-            </a:r>
-          </a:p>
-        </p:txBody>
-      </p:sp>
-      <p:sp>
-        <p:nvSpPr>
-          <p:cNvPr id="4" name="Slide Number Placeholder 3"/>
+          <p:cNvPr id="8" name="Slide Number Placeholder 3"/>
           <p:cNvSpPr>
             <a:spLocks noGrp="1"/>
           </p:cNvSpPr>
@@ -7060,7 +8383,7 @@
               <a:pPr>
                 <a:defRPr/>
               </a:pPr>
-              <a:t>15</a:t>
+              <a:t>17</a:t>
             </a:fld>
             <a:endParaRPr lang="en-US" sz="1200" dirty="0">
               <a:latin typeface="Comic Sans MS"/>
@@ -7069,25 +8392,142 @@
           </a:p>
         </p:txBody>
       </p:sp>
+      <p:sp>
+        <p:nvSpPr>
+          <p:cNvPr id="7" name="Rectangle 2"/>
+          <p:cNvSpPr>
+            <a:spLocks noGrp="1" noChangeArrowheads="1"/>
+          </p:cNvSpPr>
+          <p:nvPr>
+            <p:ph type="title"/>
+          </p:nvPr>
+        </p:nvSpPr>
+        <p:spPr>
+          <a:xfrm>
+            <a:off x="1828800" y="40101"/>
+            <a:ext cx="6416054" cy="1031387"/>
+          </a:xfrm>
+        </p:spPr>
+        <p:txBody>
+          <a:bodyPr/>
+          <a:lstStyle/>
+          <a:p>
+            <a:pPr eaLnBrk="1" hangingPunct="1"/>
+            <a:r>
+              <a:rPr lang="en-US" sz="4400" dirty="0"/>
+              <a:t>proof of equivalence</a:t>
+            </a:r>
+            <a:endParaRPr lang="en-US" sz="4400" dirty="0" smtClean="0">
+              <a:solidFill>
+                <a:schemeClr val="tx1"/>
+              </a:solidFill>
+            </a:endParaRPr>
+          </a:p>
+        </p:txBody>
+      </p:sp>
     </p:spTree>
+    <p:extLst>
+      <p:ext uri="{BB962C8B-B14F-4D97-AF65-F5344CB8AC3E}">
+        <p14:creationId xmlns:p14="http://schemas.microsoft.com/office/powerpoint/2010/main" val="3082528857"/>
+      </p:ext>
+    </p:extLst>
   </p:cSld>
   <p:clrMapOvr>
     <a:masterClrMapping/>
   </p:clrMapOvr>
-  <p:transition xmlns:p14="http://schemas.microsoft.com/office/powerpoint/2010/main" spd="slow" advClick="0">
-    <p:fade thruBlk="1"/>
+  <p:transition xmlns:p14="http://schemas.microsoft.com/office/powerpoint/2010/main" advClick="0">
+    <p:fade/>
   </p:transition>
   <p:timing>
     <p:tnLst>
       <p:par>
-        <p:cTn xmlns:p14="http://schemas.microsoft.com/office/powerpoint/2010/main" id="1" dur="indefinite" restart="never" nodeType="tmRoot"/>
+        <p:cTn xmlns:p14="http://schemas.microsoft.com/office/powerpoint/2010/main" id="1" dur="indefinite" restart="never" nodeType="tmRoot">
+          <p:childTnLst>
+            <p:seq concurrent="1" nextAc="seek">
+              <p:cTn id="2" dur="indefinite" nodeType="mainSeq">
+                <p:childTnLst>
+                  <p:par>
+                    <p:cTn id="3" fill="hold">
+                      <p:stCondLst>
+                        <p:cond delay="indefinite"/>
+                        <p:cond evt="onBegin" delay="0">
+                          <p:tn val="2"/>
+                        </p:cond>
+                      </p:stCondLst>
+                      <p:childTnLst>
+                        <p:par>
+                          <p:cTn id="4" fill="hold">
+                            <p:stCondLst>
+                              <p:cond delay="0"/>
+                            </p:stCondLst>
+                            <p:childTnLst>
+                              <p:par>
+                                <p:cTn id="5" presetID="22" presetClass="entr" presetSubtype="8" fill="hold" nodeType="withEffect">
+                                  <p:stCondLst>
+                                    <p:cond delay="0"/>
+                                  </p:stCondLst>
+                                  <p:childTnLst>
+                                    <p:set>
+                                      <p:cBhvr>
+                                        <p:cTn id="6" dur="1" fill="hold">
+                                          <p:stCondLst>
+                                            <p:cond delay="0"/>
+                                          </p:stCondLst>
+                                        </p:cTn>
+                                        <p:tgtEl>
+                                          <p:spTgt spid="9"/>
+                                        </p:tgtEl>
+                                        <p:attrNameLst>
+                                          <p:attrName>style.visibility</p:attrName>
+                                        </p:attrNameLst>
+                                      </p:cBhvr>
+                                      <p:to>
+                                        <p:strVal val="visible"/>
+                                      </p:to>
+                                    </p:set>
+                                    <p:animEffect transition="in" filter="wipe(left)">
+                                      <p:cBhvr>
+                                        <p:cTn id="7" dur="2000"/>
+                                        <p:tgtEl>
+                                          <p:spTgt spid="9"/>
+                                        </p:tgtEl>
+                                      </p:cBhvr>
+                                    </p:animEffect>
+                                  </p:childTnLst>
+                                </p:cTn>
+                              </p:par>
+                            </p:childTnLst>
+                          </p:cTn>
+                        </p:par>
+                      </p:childTnLst>
+                    </p:cTn>
+                  </p:par>
+                </p:childTnLst>
+              </p:cTn>
+              <p:prevCondLst>
+                <p:cond evt="onPrev" delay="0">
+                  <p:tgtEl>
+                    <p:sldTgt/>
+                  </p:tgtEl>
+                </p:cond>
+              </p:prevCondLst>
+              <p:nextCondLst>
+                <p:cond evt="onNext" delay="0">
+                  <p:tgtEl>
+                    <p:sldTgt/>
+                  </p:tgtEl>
+                </p:cond>
+              </p:nextCondLst>
+            </p:seq>
+          </p:childTnLst>
+        </p:cTn>
       </p:par>
     </p:tnLst>
   </p:timing>
 </p:sld>
 </file>
 
-<file path=ppt/slides/slide16.xml><?xml version="1.0" encoding="utf-8"?>
+<file path=ppt/slides/slide18.xml><?xml version="1.0" encoding="utf-8"?>
 <p:sld xmlns:a="http://schemas.openxmlformats.org/drawingml/2006/main" xmlns:r="http://schemas.openxmlformats.org/officeDocument/2006/relationships" xmlns:p="http://schemas.openxmlformats.org/presentationml/2006/main">
   <p:cSld>
     <p:spTree>
@@ -7112,7 +8552,7 @@
         </p:nvSpPr>
         <p:spPr>
           <a:xfrm>
-            <a:off x="304800" y="864480"/>
+            <a:off x="304800" y="785112"/>
             <a:ext cx="1317625" cy="769938"/>
           </a:xfrm>
           <a:prstGeom prst="rect">
@@ -7147,20 +8587,20 @@
           <p:nvPr>
             <p:extLst>
               <p:ext uri="{D42A27DB-BD31-4B8C-83A1-F6EECF244321}">
-                <p14:modId xmlns:p14="http://schemas.microsoft.com/office/powerpoint/2010/main" val="2480819770"/>
+                <p14:modId xmlns:p14="http://schemas.microsoft.com/office/powerpoint/2010/main" val="3917163729"/>
               </p:ext>
             </p:extLst>
           </p:nvPr>
         </p:nvGraphicFramePr>
         <p:xfrm>
-          <a:off x="365125" y="1276350"/>
+          <a:off x="79376" y="1276350"/>
           <a:ext cx="7351713" cy="1646238"/>
         </p:xfrm>
         <a:graphic>
           <a:graphicData uri="http://schemas.openxmlformats.org/presentationml/2006/ole">
             <mc:AlternateContent xmlns:mc="http://schemas.openxmlformats.org/markup-compatibility/2006">
               <mc:Choice xmlns:v="urn:schemas-microsoft-com:vml" Requires="v">
-                <p:oleObj spid="_x0000_s188536" name="Equation" r:id="rId4" imgW="1816100" imgH="406400" progId="Equation.DSMT4">
+                <p:oleObj spid="_x0000_s583682" name="Equation" r:id="rId4" imgW="1816100" imgH="406400" progId="Equation.DSMT4">
                   <p:embed/>
                 </p:oleObj>
               </mc:Choice>
@@ -7169,7 +8609,7 @@
                   <p:embed/>
                   <p:pic>
                     <p:nvPicPr>
-                      <p:cNvPr id="0" name="Picture 2"/>
+                      <p:cNvPr id="0" name=""/>
                       <p:cNvPicPr>
                         <a:picLocks noChangeAspect="1" noChangeArrowheads="1"/>
                       </p:cNvPicPr>
@@ -7184,8 +8624,609 @@
                     </p:blipFill>
                     <p:spPr bwMode="auto">
                       <a:xfrm>
-                        <a:off x="365125" y="1276350"/>
+                        <a:off x="79376" y="1276350"/>
                         <a:ext cx="7351713" cy="1646238"/>
+                      </a:xfrm>
+                      <a:prstGeom prst="rect">
+                        <a:avLst/>
+                      </a:prstGeom>
+                      <a:noFill/>
+                      <a:extLst/>
+                    </p:spPr>
+                  </p:pic>
+                </p:oleObj>
+              </mc:Fallback>
+            </mc:AlternateContent>
+          </a:graphicData>
+        </a:graphic>
+      </p:graphicFrame>
+      <p:sp>
+        <p:nvSpPr>
+          <p:cNvPr id="8" name="Slide Number Placeholder 3"/>
+          <p:cNvSpPr>
+            <a:spLocks noGrp="1"/>
+          </p:cNvSpPr>
+          <p:nvPr>
+            <p:ph type="sldNum" sz="quarter" idx="4294967295"/>
+          </p:nvPr>
+        </p:nvSpPr>
+        <p:spPr>
+          <a:xfrm>
+            <a:off x="7554913" y="6577965"/>
+            <a:ext cx="1527175" cy="244475"/>
+          </a:xfrm>
+          <a:prstGeom prst="rect">
+            <a:avLst/>
+          </a:prstGeom>
+        </p:spPr>
+        <p:txBody>
+          <a:bodyPr/>
+          <a:lstStyle/>
+          <a:p>
+            <a:pPr>
+              <a:defRPr/>
+            </a:pPr>
+            <a:r>
+              <a:rPr lang="en-US" sz="1200" dirty="0" err="1" smtClean="0">
+                <a:latin typeface="Comic Sans MS"/>
+                <a:cs typeface="Comic Sans MS"/>
+              </a:rPr>
+              <a:t>expect_intro</a:t>
+            </a:r>
+            <a:r>
+              <a:rPr lang="en-US" sz="1200" dirty="0" smtClean="0">
+                <a:latin typeface="Comic Sans MS"/>
+                <a:cs typeface="Comic Sans MS"/>
+              </a:rPr>
+              <a:t>.</a:t>
+            </a:r>
+            <a:fld id="{93DA0692-DAF7-4AFE-9BE7-E02439D3694A}" type="slidenum">
+              <a:rPr lang="en-US" sz="1200" smtClean="0">
+                <a:latin typeface="Comic Sans MS"/>
+                <a:cs typeface="Comic Sans MS"/>
+              </a:rPr>
+              <a:pPr>
+                <a:defRPr/>
+              </a:pPr>
+              <a:t>18</a:t>
+            </a:fld>
+            <a:endParaRPr lang="en-US" sz="1200" dirty="0">
+              <a:latin typeface="Comic Sans MS"/>
+              <a:cs typeface="Comic Sans MS"/>
+            </a:endParaRPr>
+          </a:p>
+        </p:txBody>
+      </p:sp>
+      <p:sp>
+        <p:nvSpPr>
+          <p:cNvPr id="7" name="Rectangle 2"/>
+          <p:cNvSpPr>
+            <a:spLocks noGrp="1" noChangeArrowheads="1"/>
+          </p:cNvSpPr>
+          <p:nvPr>
+            <p:ph type="title"/>
+          </p:nvPr>
+        </p:nvSpPr>
+        <p:spPr>
+          <a:xfrm>
+            <a:off x="1828800" y="40101"/>
+            <a:ext cx="6416054" cy="1031387"/>
+          </a:xfrm>
+        </p:spPr>
+        <p:txBody>
+          <a:bodyPr/>
+          <a:lstStyle/>
+          <a:p>
+            <a:pPr eaLnBrk="1" hangingPunct="1"/>
+            <a:r>
+              <a:rPr lang="en-US" sz="4400" dirty="0"/>
+              <a:t>proof of equivalence</a:t>
+            </a:r>
+            <a:endParaRPr lang="en-US" sz="4400" dirty="0" smtClean="0">
+              <a:solidFill>
+                <a:schemeClr val="tx1"/>
+              </a:solidFill>
+            </a:endParaRPr>
+          </a:p>
+        </p:txBody>
+      </p:sp>
+    </p:spTree>
+    <p:extLst>
+      <p:ext uri="{BB962C8B-B14F-4D97-AF65-F5344CB8AC3E}">
+        <p14:creationId xmlns:p14="http://schemas.microsoft.com/office/powerpoint/2010/main" val="3462862859"/>
+      </p:ext>
+    </p:extLst>
+  </p:cSld>
+  <p:clrMapOvr>
+    <a:masterClrMapping/>
+  </p:clrMapOvr>
+  <p:transition xmlns:p14="http://schemas.microsoft.com/office/powerpoint/2010/main" advClick="0">
+    <p:fade/>
+  </p:transition>
+  <p:timing>
+    <p:tnLst>
+      <p:par>
+        <p:cTn xmlns:p14="http://schemas.microsoft.com/office/powerpoint/2010/main" id="1" dur="indefinite" restart="never" nodeType="tmRoot"/>
+      </p:par>
+    </p:tnLst>
+  </p:timing>
+</p:sld>
+</file>
+
+<file path=ppt/slides/slide19.xml><?xml version="1.0" encoding="utf-8"?>
+<p:sld xmlns:a="http://schemas.openxmlformats.org/drawingml/2006/main" xmlns:r="http://schemas.openxmlformats.org/officeDocument/2006/relationships" xmlns:p="http://schemas.openxmlformats.org/presentationml/2006/main">
+  <p:cSld>
+    <p:spTree>
+      <p:nvGrpSpPr>
+        <p:cNvPr id="1" name=""/>
+        <p:cNvGrpSpPr/>
+        <p:nvPr/>
+      </p:nvGrpSpPr>
+      <p:grpSpPr>
+        <a:xfrm>
+          <a:off x="0" y="0"/>
+          <a:ext cx="0" cy="0"/>
+          <a:chOff x="0" y="0"/>
+          <a:chExt cx="0" cy="0"/>
+        </a:xfrm>
+      </p:grpSpPr>
+      <p:sp>
+        <p:nvSpPr>
+          <p:cNvPr id="19" name="TextBox 18"/>
+          <p:cNvSpPr txBox="1"/>
+          <p:nvPr/>
+        </p:nvSpPr>
+        <p:spPr>
+          <a:xfrm>
+            <a:off x="304800" y="785112"/>
+            <a:ext cx="1317625" cy="769938"/>
+          </a:xfrm>
+          <a:prstGeom prst="rect">
+            <a:avLst/>
+          </a:prstGeom>
+          <a:noFill/>
+        </p:spPr>
+        <p:txBody>
+          <a:bodyPr wrap="none">
+            <a:spAutoFit/>
+          </a:bodyPr>
+          <a:lstStyle/>
+          <a:p>
+            <a:pPr>
+              <a:defRPr/>
+            </a:pPr>
+            <a:r>
+              <a:rPr lang="en-US" sz="4400" i="0" dirty="0">
+                <a:latin typeface="+mj-lt"/>
+              </a:rPr>
+              <a:t>Now</a:t>
+            </a:r>
+          </a:p>
+        </p:txBody>
+      </p:sp>
+      <p:graphicFrame>
+        <p:nvGraphicFramePr>
+          <p:cNvPr id="9" name="Object 8"/>
+          <p:cNvGraphicFramePr>
+            <a:graphicFrameLocks noChangeAspect="1"/>
+          </p:cNvGraphicFramePr>
+          <p:nvPr>
+            <p:extLst>
+              <p:ext uri="{D42A27DB-BD31-4B8C-83A1-F6EECF244321}">
+                <p14:modId xmlns:p14="http://schemas.microsoft.com/office/powerpoint/2010/main" val="2515822671"/>
+              </p:ext>
+            </p:extLst>
+          </p:nvPr>
+        </p:nvGraphicFramePr>
+        <p:xfrm>
+          <a:off x="82550" y="1276350"/>
+          <a:ext cx="7916863" cy="1646238"/>
+        </p:xfrm>
+        <a:graphic>
+          <a:graphicData uri="http://schemas.openxmlformats.org/presentationml/2006/ole">
+            <mc:AlternateContent xmlns:mc="http://schemas.openxmlformats.org/markup-compatibility/2006">
+              <mc:Choice xmlns:v="urn:schemas-microsoft-com:vml" Requires="v">
+                <p:oleObj spid="_x0000_s574489" name="Equation" r:id="rId4" imgW="1955800" imgH="406400" progId="Equation.DSMT4">
+                  <p:embed/>
+                </p:oleObj>
+              </mc:Choice>
+              <mc:Fallback>
+                <p:oleObj name="Equation" r:id="rId4" imgW="1955800" imgH="406400" progId="Equation.DSMT4">
+                  <p:embed/>
+                  <p:pic>
+                    <p:nvPicPr>
+                      <p:cNvPr id="0" name=""/>
+                      <p:cNvPicPr>
+                        <a:picLocks noChangeAspect="1" noChangeArrowheads="1"/>
+                      </p:cNvPicPr>
+                      <p:nvPr/>
+                    </p:nvPicPr>
+                    <p:blipFill>
+                      <a:blip r:embed="rId5"/>
+                      <a:srcRect/>
+                      <a:stretch>
+                        <a:fillRect/>
+                      </a:stretch>
+                    </p:blipFill>
+                    <p:spPr bwMode="auto">
+                      <a:xfrm>
+                        <a:off x="82550" y="1276350"/>
+                        <a:ext cx="7916863" cy="1646238"/>
+                      </a:xfrm>
+                      <a:prstGeom prst="rect">
+                        <a:avLst/>
+                      </a:prstGeom>
+                      <a:noFill/>
+                      <a:extLst/>
+                    </p:spPr>
+                  </p:pic>
+                </p:oleObj>
+              </mc:Fallback>
+            </mc:AlternateContent>
+          </a:graphicData>
+        </a:graphic>
+      </p:graphicFrame>
+      <p:sp>
+        <p:nvSpPr>
+          <p:cNvPr id="8" name="Slide Number Placeholder 3"/>
+          <p:cNvSpPr>
+            <a:spLocks noGrp="1"/>
+          </p:cNvSpPr>
+          <p:nvPr>
+            <p:ph type="sldNum" sz="quarter" idx="4294967295"/>
+          </p:nvPr>
+        </p:nvSpPr>
+        <p:spPr>
+          <a:xfrm>
+            <a:off x="7554913" y="6577965"/>
+            <a:ext cx="1527175" cy="244475"/>
+          </a:xfrm>
+          <a:prstGeom prst="rect">
+            <a:avLst/>
+          </a:prstGeom>
+        </p:spPr>
+        <p:txBody>
+          <a:bodyPr/>
+          <a:lstStyle/>
+          <a:p>
+            <a:pPr>
+              <a:defRPr/>
+            </a:pPr>
+            <a:r>
+              <a:rPr lang="en-US" sz="1200" dirty="0" err="1" smtClean="0">
+                <a:latin typeface="Comic Sans MS"/>
+                <a:cs typeface="Comic Sans MS"/>
+              </a:rPr>
+              <a:t>expect_intro</a:t>
+            </a:r>
+            <a:r>
+              <a:rPr lang="en-US" sz="1200" dirty="0" smtClean="0">
+                <a:latin typeface="Comic Sans MS"/>
+                <a:cs typeface="Comic Sans MS"/>
+              </a:rPr>
+              <a:t>.</a:t>
+            </a:r>
+            <a:fld id="{93DA0692-DAF7-4AFE-9BE7-E02439D3694A}" type="slidenum">
+              <a:rPr lang="en-US" sz="1200" smtClean="0">
+                <a:latin typeface="Comic Sans MS"/>
+                <a:cs typeface="Comic Sans MS"/>
+              </a:rPr>
+              <a:pPr>
+                <a:defRPr/>
+              </a:pPr>
+              <a:t>19</a:t>
+            </a:fld>
+            <a:endParaRPr lang="en-US" sz="1200" dirty="0">
+              <a:latin typeface="Comic Sans MS"/>
+              <a:cs typeface="Comic Sans MS"/>
+            </a:endParaRPr>
+          </a:p>
+        </p:txBody>
+      </p:sp>
+      <p:sp>
+        <p:nvSpPr>
+          <p:cNvPr id="14" name="Rectangle 2"/>
+          <p:cNvSpPr>
+            <a:spLocks noGrp="1" noChangeArrowheads="1"/>
+          </p:cNvSpPr>
+          <p:nvPr>
+            <p:ph type="title"/>
+          </p:nvPr>
+        </p:nvSpPr>
+        <p:spPr>
+          <a:xfrm>
+            <a:off x="1828800" y="40101"/>
+            <a:ext cx="6416054" cy="1031387"/>
+          </a:xfrm>
+        </p:spPr>
+        <p:txBody>
+          <a:bodyPr/>
+          <a:lstStyle/>
+          <a:p>
+            <a:pPr eaLnBrk="1" hangingPunct="1"/>
+            <a:r>
+              <a:rPr lang="en-US" sz="4400" dirty="0"/>
+              <a:t>proof of equivalence</a:t>
+            </a:r>
+            <a:endParaRPr lang="en-US" sz="4400" dirty="0" smtClean="0">
+              <a:solidFill>
+                <a:schemeClr val="tx1"/>
+              </a:solidFill>
+            </a:endParaRPr>
+          </a:p>
+        </p:txBody>
+      </p:sp>
+    </p:spTree>
+    <p:extLst>
+      <p:ext uri="{BB962C8B-B14F-4D97-AF65-F5344CB8AC3E}">
+        <p14:creationId xmlns:p14="http://schemas.microsoft.com/office/powerpoint/2010/main" val="2136237742"/>
+      </p:ext>
+    </p:extLst>
+  </p:cSld>
+  <p:clrMapOvr>
+    <a:masterClrMapping/>
+  </p:clrMapOvr>
+  <mc:AlternateContent xmlns:mc="http://schemas.openxmlformats.org/markup-compatibility/2006">
+    <mc:Choice xmlns:p14="http://schemas.microsoft.com/office/powerpoint/2010/main" Requires="p14">
+      <p:transition spd="med" p14:dur="600" advClick="0">
+        <p:fade/>
+      </p:transition>
+    </mc:Choice>
+    <mc:Fallback>
+      <p:transition xmlns:p14="http://schemas.microsoft.com/office/powerpoint/2010/main" spd="med" advClick="0">
+        <p:fade/>
+      </p:transition>
+    </mc:Fallback>
+  </mc:AlternateContent>
+  <p:timing>
+    <p:tnLst>
+      <p:par>
+        <p:cTn xmlns:p14="http://schemas.microsoft.com/office/powerpoint/2010/main" id="1" dur="indefinite" restart="never" nodeType="tmRoot"/>
+      </p:par>
+    </p:tnLst>
+  </p:timing>
+</p:sld>
+</file>
+
+<file path=ppt/slides/slide2.xml><?xml version="1.0" encoding="utf-8"?>
+<p:sld xmlns:a="http://schemas.openxmlformats.org/drawingml/2006/main" xmlns:r="http://schemas.openxmlformats.org/officeDocument/2006/relationships" xmlns:p="http://schemas.openxmlformats.org/presentationml/2006/main" show="0">
+  <p:cSld>
+    <p:spTree>
+      <p:nvGrpSpPr>
+        <p:cNvPr id="1" name=""/>
+        <p:cNvGrpSpPr/>
+        <p:nvPr/>
+      </p:nvGrpSpPr>
+      <p:grpSpPr>
+        <a:xfrm>
+          <a:off x="0" y="0"/>
+          <a:ext cx="0" cy="0"/>
+          <a:chOff x="0" y="0"/>
+          <a:chExt cx="0" cy="0"/>
+        </a:xfrm>
+      </p:grpSpPr>
+      <p:sp>
+        <p:nvSpPr>
+          <p:cNvPr id="3074" name="Rectangle 4"/>
+          <p:cNvSpPr>
+            <a:spLocks noGrp="1" noChangeArrowheads="1"/>
+          </p:cNvSpPr>
+          <p:nvPr>
+            <p:ph type="ctrTitle"/>
+          </p:nvPr>
+        </p:nvSpPr>
+        <p:spPr>
+          <a:xfrm>
+            <a:off x="685800" y="2133600"/>
+            <a:ext cx="7924800" cy="2667000"/>
+          </a:xfrm>
+        </p:spPr>
+        <p:txBody>
+          <a:bodyPr/>
+          <a:lstStyle/>
+          <a:p>
+            <a:pPr eaLnBrk="1" hangingPunct="1"/>
+            <a:r>
+              <a:rPr lang="en-US" sz="5400" b="0" smtClean="0"/>
+              <a:t>Prediction is difficult,</a:t>
+            </a:r>
+            <a:br>
+              <a:rPr lang="en-US" sz="5400" b="0" smtClean="0"/>
+            </a:br>
+            <a:r>
+              <a:rPr lang="en-US" sz="5400" b="0" smtClean="0"/>
+              <a:t>especially of the future</a:t>
+            </a:r>
+          </a:p>
+        </p:txBody>
+      </p:sp>
+      <p:sp>
+        <p:nvSpPr>
+          <p:cNvPr id="3075" name="Rectangle 5"/>
+          <p:cNvSpPr>
+            <a:spLocks noGrp="1" noChangeArrowheads="1"/>
+          </p:cNvSpPr>
+          <p:nvPr>
+            <p:ph type="subTitle" idx="1"/>
+          </p:nvPr>
+        </p:nvSpPr>
+        <p:spPr>
+          <a:xfrm>
+            <a:off x="2971800" y="4724400"/>
+            <a:ext cx="5181600" cy="762000"/>
+          </a:xfrm>
+        </p:spPr>
+        <p:txBody>
+          <a:bodyPr/>
+          <a:lstStyle/>
+          <a:p>
+            <a:pPr eaLnBrk="1" hangingPunct="1"/>
+            <a:r>
+              <a:rPr lang="en-US" sz="4000" i="1" smtClean="0"/>
+              <a:t>--- Niels Bohr</a:t>
+            </a:r>
+          </a:p>
+        </p:txBody>
+      </p:sp>
+      <p:sp>
+        <p:nvSpPr>
+          <p:cNvPr id="4" name="Slide Number Placeholder 3"/>
+          <p:cNvSpPr>
+            <a:spLocks noGrp="1"/>
+          </p:cNvSpPr>
+          <p:nvPr>
+            <p:ph type="sldNum" sz="quarter" idx="11"/>
+          </p:nvPr>
+        </p:nvSpPr>
+        <p:spPr>
+          <a:xfrm>
+            <a:off x="7554913" y="6577965"/>
+            <a:ext cx="1527175" cy="244475"/>
+          </a:xfrm>
+        </p:spPr>
+        <p:txBody>
+          <a:bodyPr/>
+          <a:lstStyle/>
+          <a:p>
+            <a:pPr>
+              <a:defRPr/>
+            </a:pPr>
+            <a:r>
+              <a:rPr lang="en-US" dirty="0" err="1" smtClean="0"/>
+              <a:t>expect_intro</a:t>
+            </a:r>
+            <a:r>
+              <a:rPr lang="en-US" dirty="0" smtClean="0"/>
+              <a:t>.</a:t>
+            </a:r>
+            <a:fld id="{93DA0692-DAF7-4AFE-9BE7-E02439D3694A}" type="slidenum">
+              <a:rPr lang="en-US" smtClean="0"/>
+              <a:pPr>
+                <a:defRPr/>
+              </a:pPr>
+              <a:t>2</a:t>
+            </a:fld>
+            <a:endParaRPr lang="en-US" dirty="0"/>
+          </a:p>
+        </p:txBody>
+      </p:sp>
+    </p:spTree>
+  </p:cSld>
+  <p:clrMapOvr>
+    <a:masterClrMapping/>
+  </p:clrMapOvr>
+  <p:transition xmlns:p14="http://schemas.microsoft.com/office/powerpoint/2010/main" spd="slow" advClick="0">
+    <p:fade/>
+  </p:transition>
+  <p:timing>
+    <p:tnLst>
+      <p:par>
+        <p:cTn xmlns:p14="http://schemas.microsoft.com/office/powerpoint/2010/main" id="1" dur="indefinite" restart="never" nodeType="tmRoot"/>
+      </p:par>
+    </p:tnLst>
+  </p:timing>
+</p:sld>
+</file>
+
+<file path=ppt/slides/slide20.xml><?xml version="1.0" encoding="utf-8"?>
+<p:sld xmlns:a="http://schemas.openxmlformats.org/drawingml/2006/main" xmlns:r="http://schemas.openxmlformats.org/officeDocument/2006/relationships" xmlns:p="http://schemas.openxmlformats.org/presentationml/2006/main">
+  <p:cSld>
+    <p:spTree>
+      <p:nvGrpSpPr>
+        <p:cNvPr id="1" name=""/>
+        <p:cNvGrpSpPr/>
+        <p:nvPr/>
+      </p:nvGrpSpPr>
+      <p:grpSpPr>
+        <a:xfrm>
+          <a:off x="0" y="0"/>
+          <a:ext cx="0" cy="0"/>
+          <a:chOff x="0" y="0"/>
+          <a:chExt cx="0" cy="0"/>
+        </a:xfrm>
+      </p:grpSpPr>
+      <p:sp>
+        <p:nvSpPr>
+          <p:cNvPr id="19" name="TextBox 18"/>
+          <p:cNvSpPr txBox="1"/>
+          <p:nvPr/>
+        </p:nvSpPr>
+        <p:spPr>
+          <a:xfrm>
+            <a:off x="304800" y="785112"/>
+            <a:ext cx="1317625" cy="769938"/>
+          </a:xfrm>
+          <a:prstGeom prst="rect">
+            <a:avLst/>
+          </a:prstGeom>
+          <a:noFill/>
+        </p:spPr>
+        <p:txBody>
+          <a:bodyPr wrap="none">
+            <a:spAutoFit/>
+          </a:bodyPr>
+          <a:lstStyle/>
+          <a:p>
+            <a:pPr>
+              <a:defRPr/>
+            </a:pPr>
+            <a:r>
+              <a:rPr lang="en-US" sz="4400" i="0" dirty="0">
+                <a:latin typeface="+mj-lt"/>
+              </a:rPr>
+              <a:t>Now</a:t>
+            </a:r>
+          </a:p>
+        </p:txBody>
+      </p:sp>
+      <p:graphicFrame>
+        <p:nvGraphicFramePr>
+          <p:cNvPr id="9" name="Object 8"/>
+          <p:cNvGraphicFramePr>
+            <a:graphicFrameLocks noChangeAspect="1"/>
+          </p:cNvGraphicFramePr>
+          <p:nvPr>
+            <p:extLst>
+              <p:ext uri="{D42A27DB-BD31-4B8C-83A1-F6EECF244321}">
+                <p14:modId xmlns:p14="http://schemas.microsoft.com/office/powerpoint/2010/main" val="3885112421"/>
+              </p:ext>
+            </p:extLst>
+          </p:nvPr>
+        </p:nvGraphicFramePr>
+        <p:xfrm>
+          <a:off x="82550" y="1276350"/>
+          <a:ext cx="7916863" cy="1646238"/>
+        </p:xfrm>
+        <a:graphic>
+          <a:graphicData uri="http://schemas.openxmlformats.org/presentationml/2006/ole">
+            <mc:AlternateContent xmlns:mc="http://schemas.openxmlformats.org/markup-compatibility/2006">
+              <mc:Choice xmlns:v="urn:schemas-microsoft-com:vml" Requires="v">
+                <p:oleObj spid="_x0000_s584707" name="Equation" r:id="rId4" imgW="1955800" imgH="406400" progId="Equation.DSMT4">
+                  <p:embed/>
+                </p:oleObj>
+              </mc:Choice>
+              <mc:Fallback>
+                <p:oleObj name="Equation" r:id="rId4" imgW="1955800" imgH="406400" progId="Equation.DSMT4">
+                  <p:embed/>
+                  <p:pic>
+                    <p:nvPicPr>
+                      <p:cNvPr id="0" name=""/>
+                      <p:cNvPicPr>
+                        <a:picLocks noChangeAspect="1" noChangeArrowheads="1"/>
+                      </p:cNvPicPr>
+                      <p:nvPr/>
+                    </p:nvPicPr>
+                    <p:blipFill>
+                      <a:blip r:embed="rId5"/>
+                      <a:srcRect/>
+                      <a:stretch>
+                        <a:fillRect/>
+                      </a:stretch>
+                    </p:blipFill>
+                    <p:spPr bwMode="auto">
+                      <a:xfrm>
+                        <a:off x="82550" y="1276350"/>
+                        <a:ext cx="7916863" cy="1646238"/>
                       </a:xfrm>
                       <a:prstGeom prst="rect">
                         <a:avLst/>
@@ -7202,36 +9243,36 @@
       </p:graphicFrame>
       <p:graphicFrame>
         <p:nvGraphicFramePr>
-          <p:cNvPr id="11" name="Object 10"/>
+          <p:cNvPr id="79878" name="Object 6"/>
           <p:cNvGraphicFramePr>
             <a:graphicFrameLocks noChangeAspect="1"/>
           </p:cNvGraphicFramePr>
           <p:nvPr>
             <p:extLst>
               <p:ext uri="{D42A27DB-BD31-4B8C-83A1-F6EECF244321}">
-                <p14:modId xmlns:p14="http://schemas.microsoft.com/office/powerpoint/2010/main" val="3123996535"/>
+                <p14:modId xmlns:p14="http://schemas.microsoft.com/office/powerpoint/2010/main" val="3545799252"/>
               </p:ext>
             </p:extLst>
           </p:nvPr>
         </p:nvGraphicFramePr>
         <p:xfrm>
-          <a:off x="2879725" y="2316163"/>
-          <a:ext cx="4954588" cy="1874837"/>
+          <a:off x="1653385" y="2890876"/>
+          <a:ext cx="6842125" cy="1563688"/>
         </p:xfrm>
         <a:graphic>
           <a:graphicData uri="http://schemas.openxmlformats.org/presentationml/2006/ole">
             <mc:AlternateContent xmlns:mc="http://schemas.openxmlformats.org/markup-compatibility/2006">
               <mc:Choice xmlns:v="urn:schemas-microsoft-com:vml" Requires="v">
-                <p:oleObj spid="_x0000_s188537" name="Equation" r:id="rId6" imgW="1409700" imgH="533400" progId="Equation.DSMT4">
+                <p:oleObj spid="_x0000_s584708" name="Equation" r:id="rId6" imgW="1778000" imgH="406400" progId="Equation.DSMT4">
                   <p:embed/>
                 </p:oleObj>
               </mc:Choice>
               <mc:Fallback>
-                <p:oleObj name="Equation" r:id="rId6" imgW="1409700" imgH="533400" progId="Equation.DSMT4">
+                <p:oleObj name="Equation" r:id="rId6" imgW="1778000" imgH="406400" progId="Equation.DSMT4">
                   <p:embed/>
                   <p:pic>
                     <p:nvPicPr>
-                      <p:cNvPr id="0" name="Picture 4"/>
+                      <p:cNvPr id="0" name=""/>
                       <p:cNvPicPr>
                         <a:picLocks noChangeAspect="1" noChangeArrowheads="1"/>
                       </p:cNvPicPr>
@@ -7246,22 +9287,14 @@
                     </p:blipFill>
                     <p:spPr bwMode="auto">
                       <a:xfrm>
-                        <a:off x="2879725" y="2316163"/>
-                        <a:ext cx="4954588" cy="1874837"/>
+                        <a:off x="1653385" y="2890876"/>
+                        <a:ext cx="6842125" cy="1563688"/>
                       </a:xfrm>
                       <a:prstGeom prst="rect">
                         <a:avLst/>
                       </a:prstGeom>
                       <a:noFill/>
-                      <a:extLst>
-                        <a:ext uri="{909E8E84-426E-40dd-AFC4-6F175D3DCCD1}">
-                          <a14:hiddenFill xmlns:a14="http://schemas.microsoft.com/office/drawing/2010/main">
-                            <a:solidFill>
-                              <a:srgbClr val="FFFFFF"/>
-                            </a:solidFill>
-                          </a14:hiddenFill>
-                        </a:ext>
-                      </a:extLst>
+                      <a:extLst/>
                     </p:spPr>
                   </p:pic>
                 </p:oleObj>
@@ -7270,108 +9303,6 @@
           </a:graphicData>
         </a:graphic>
       </p:graphicFrame>
-      <p:graphicFrame>
-        <p:nvGraphicFramePr>
-          <p:cNvPr id="79878" name="Object 6"/>
-          <p:cNvGraphicFramePr>
-            <a:graphicFrameLocks noChangeAspect="1"/>
-          </p:cNvGraphicFramePr>
-          <p:nvPr>
-            <p:extLst>
-              <p:ext uri="{D42A27DB-BD31-4B8C-83A1-F6EECF244321}">
-                <p14:modId xmlns:p14="http://schemas.microsoft.com/office/powerpoint/2010/main" val="1309777056"/>
-              </p:ext>
-            </p:extLst>
-          </p:nvPr>
-        </p:nvGraphicFramePr>
-        <p:xfrm>
-          <a:off x="2936875" y="3902075"/>
-          <a:ext cx="4373563" cy="1428750"/>
-        </p:xfrm>
-        <a:graphic>
-          <a:graphicData uri="http://schemas.openxmlformats.org/presentationml/2006/ole">
-            <mc:AlternateContent xmlns:mc="http://schemas.openxmlformats.org/markup-compatibility/2006">
-              <mc:Choice xmlns:v="urn:schemas-microsoft-com:vml" Requires="v">
-                <p:oleObj spid="_x0000_s188538" name="Equation" r:id="rId8" imgW="1244600" imgH="406400" progId="Equation.DSMT4">
-                  <p:embed/>
-                </p:oleObj>
-              </mc:Choice>
-              <mc:Fallback>
-                <p:oleObj name="Equation" r:id="rId8" imgW="1244600" imgH="406400" progId="Equation.DSMT4">
-                  <p:embed/>
-                  <p:pic>
-                    <p:nvPicPr>
-                      <p:cNvPr id="0" name="Picture 5"/>
-                      <p:cNvPicPr>
-                        <a:picLocks noChangeAspect="1" noChangeArrowheads="1"/>
-                      </p:cNvPicPr>
-                      <p:nvPr/>
-                    </p:nvPicPr>
-                    <p:blipFill>
-                      <a:blip r:embed="rId9"/>
-                      <a:srcRect/>
-                      <a:stretch>
-                        <a:fillRect/>
-                      </a:stretch>
-                    </p:blipFill>
-                    <p:spPr bwMode="auto">
-                      <a:xfrm>
-                        <a:off x="2936875" y="3902075"/>
-                        <a:ext cx="4373563" cy="1428750"/>
-                      </a:xfrm>
-                      <a:prstGeom prst="rect">
-                        <a:avLst/>
-                      </a:prstGeom>
-                      <a:noFill/>
-                      <a:extLst>
-                        <a:ext uri="{909E8E84-426E-40dd-AFC4-6F175D3DCCD1}">
-                          <a14:hiddenFill xmlns:a14="http://schemas.microsoft.com/office/drawing/2010/main">
-                            <a:solidFill>
-                              <a:srgbClr val="FFFFFF"/>
-                            </a:solidFill>
-                          </a14:hiddenFill>
-                        </a:ext>
-                      </a:extLst>
-                    </p:spPr>
-                  </p:pic>
-                </p:oleObj>
-              </mc:Fallback>
-            </mc:AlternateContent>
-          </a:graphicData>
-        </a:graphic>
-      </p:graphicFrame>
-      <p:sp>
-        <p:nvSpPr>
-          <p:cNvPr id="13" name="Rectangle 2"/>
-          <p:cNvSpPr>
-            <a:spLocks noGrp="1" noChangeArrowheads="1"/>
-          </p:cNvSpPr>
-          <p:nvPr>
-            <p:ph type="title"/>
-          </p:nvPr>
-        </p:nvSpPr>
-        <p:spPr>
-          <a:xfrm>
-            <a:off x="1828800" y="228600"/>
-            <a:ext cx="5486400" cy="1066800"/>
-          </a:xfrm>
-        </p:spPr>
-        <p:txBody>
-          <a:bodyPr/>
-          <a:lstStyle/>
-          <a:p>
-            <a:pPr eaLnBrk="1" hangingPunct="1"/>
-            <a:r>
-              <a:rPr lang="en-US" sz="4800" dirty="0" smtClean="0">
-                <a:solidFill>
-                  <a:schemeClr val="tx1"/>
-                </a:solidFill>
-              </a:rPr>
-              <a:t>Expected Value</a:t>
-            </a:r>
-          </a:p>
-        </p:txBody>
-      </p:sp>
       <p:sp>
         <p:nvSpPr>
           <p:cNvPr id="8" name="Slide Number Placeholder 3"/>
@@ -7420,7 +9351,7 @@
               <a:pPr>
                 <a:defRPr/>
               </a:pPr>
-              <a:t>16</a:t>
+              <a:t>20</a:t>
             </a:fld>
             <a:endParaRPr lang="en-US" sz="1200" dirty="0">
               <a:latin typeface="Comic Sans MS"/>
@@ -7429,14 +9360,61 @@
           </a:p>
         </p:txBody>
       </p:sp>
+      <p:sp>
+        <p:nvSpPr>
+          <p:cNvPr id="14" name="Rectangle 2"/>
+          <p:cNvSpPr>
+            <a:spLocks noGrp="1" noChangeArrowheads="1"/>
+          </p:cNvSpPr>
+          <p:nvPr>
+            <p:ph type="title"/>
+          </p:nvPr>
+        </p:nvSpPr>
+        <p:spPr>
+          <a:xfrm>
+            <a:off x="1828800" y="40101"/>
+            <a:ext cx="6416054" cy="1031387"/>
+          </a:xfrm>
+        </p:spPr>
+        <p:txBody>
+          <a:bodyPr/>
+          <a:lstStyle/>
+          <a:p>
+            <a:pPr eaLnBrk="1" hangingPunct="1"/>
+            <a:r>
+              <a:rPr lang="en-US" sz="4400" dirty="0"/>
+              <a:t>proof of equivalence</a:t>
+            </a:r>
+            <a:endParaRPr lang="en-US" sz="4400" dirty="0" smtClean="0">
+              <a:solidFill>
+                <a:schemeClr val="tx1"/>
+              </a:solidFill>
+            </a:endParaRPr>
+          </a:p>
+        </p:txBody>
+      </p:sp>
     </p:spTree>
+    <p:extLst>
+      <p:ext uri="{BB962C8B-B14F-4D97-AF65-F5344CB8AC3E}">
+        <p14:creationId xmlns:p14="http://schemas.microsoft.com/office/powerpoint/2010/main" val="3267567055"/>
+      </p:ext>
+    </p:extLst>
   </p:cSld>
   <p:clrMapOvr>
     <a:masterClrMapping/>
   </p:clrMapOvr>
-  <p:transition xmlns:p14="http://schemas.microsoft.com/office/powerpoint/2010/main" spd="slow" advClick="0">
-    <p:fade/>
-  </p:transition>
+  <mc:AlternateContent xmlns:mc="http://schemas.openxmlformats.org/markup-compatibility/2006">
+    <mc:Choice xmlns:p14="http://schemas.microsoft.com/office/powerpoint/2010/main" Requires="p14">
+      <p:transition spd="med" p14:dur="600" advClick="0">
+        <p:fade/>
+      </p:transition>
+    </mc:Choice>
+    <mc:Fallback>
+      <p:transition xmlns:p14="http://schemas.microsoft.com/office/powerpoint/2010/main" spd="med" advClick="0">
+        <p:fade/>
+      </p:transition>
+    </mc:Fallback>
+  </mc:AlternateContent>
   <p:timing>
     <p:tnLst>
       <p:par>
@@ -7458,7 +9436,7 @@
                             </p:stCondLst>
                             <p:childTnLst>
                               <p:par>
-                                <p:cTn id="5" presetID="22" presetClass="entr" presetSubtype="8" fill="hold" nodeType="clickEffect">
+                                <p:cTn id="5" presetID="10" presetClass="entr" presetSubtype="0" fill="hold" nodeType="clickEffect">
                                   <p:stCondLst>
                                     <p:cond delay="0"/>
                                   </p:stCondLst>
@@ -7466,59 +9444,6 @@
                                     <p:set>
                                       <p:cBhvr>
                                         <p:cTn id="6" dur="1" fill="hold">
-                                          <p:stCondLst>
-                                            <p:cond delay="0"/>
-                                          </p:stCondLst>
-                                        </p:cTn>
-                                        <p:tgtEl>
-                                          <p:spTgt spid="11"/>
-                                        </p:tgtEl>
-                                        <p:attrNameLst>
-                                          <p:attrName>style.visibility</p:attrName>
-                                        </p:attrNameLst>
-                                      </p:cBhvr>
-                                      <p:to>
-                                        <p:strVal val="visible"/>
-                                      </p:to>
-                                    </p:set>
-                                    <p:animEffect transition="in" filter="wipe(left)">
-                                      <p:cBhvr>
-                                        <p:cTn id="7" dur="1000"/>
-                                        <p:tgtEl>
-                                          <p:spTgt spid="11"/>
-                                        </p:tgtEl>
-                                      </p:cBhvr>
-                                    </p:animEffect>
-                                  </p:childTnLst>
-                                </p:cTn>
-                              </p:par>
-                            </p:childTnLst>
-                          </p:cTn>
-                        </p:par>
-                      </p:childTnLst>
-                    </p:cTn>
-                  </p:par>
-                  <p:par>
-                    <p:cTn id="8" fill="hold">
-                      <p:stCondLst>
-                        <p:cond delay="indefinite"/>
-                      </p:stCondLst>
-                      <p:childTnLst>
-                        <p:par>
-                          <p:cTn id="9" fill="hold">
-                            <p:stCondLst>
-                              <p:cond delay="0"/>
-                            </p:stCondLst>
-                            <p:childTnLst>
-                              <p:par>
-                                <p:cTn id="10" presetID="22" presetClass="entr" presetSubtype="8" fill="hold" nodeType="clickEffect">
-                                  <p:stCondLst>
-                                    <p:cond delay="0"/>
-                                  </p:stCondLst>
-                                  <p:childTnLst>
-                                    <p:set>
-                                      <p:cBhvr>
-                                        <p:cTn id="11" dur="1" fill="hold">
                                           <p:stCondLst>
                                             <p:cond delay="0"/>
                                           </p:stCondLst>
@@ -7534,9 +9459,9 @@
                                         <p:strVal val="visible"/>
                                       </p:to>
                                     </p:set>
-                                    <p:animEffect transition="in" filter="wipe(left)">
+                                    <p:animEffect transition="in" filter="fade">
                                       <p:cBhvr>
-                                        <p:cTn id="12" dur="1000"/>
+                                        <p:cTn id="7" dur="500"/>
                                         <p:tgtEl>
                                           <p:spTgt spid="79878"/>
                                         </p:tgtEl>
@@ -7576,7 +9501,7 @@
 </p:sld>
 </file>
 
-<file path=ppt/slides/slide17.xml><?xml version="1.0" encoding="utf-8"?>
+<file path=ppt/slides/slide21.xml><?xml version="1.0" encoding="utf-8"?>
 <p:sld xmlns:a="http://schemas.openxmlformats.org/drawingml/2006/main" xmlns:r="http://schemas.openxmlformats.org/officeDocument/2006/relationships" xmlns:p="http://schemas.openxmlformats.org/presentationml/2006/main">
   <p:cSld>
     <p:spTree>
@@ -7601,6 +9526,925 @@
         </p:nvSpPr>
         <p:spPr>
           <a:xfrm>
+            <a:off x="304800" y="785112"/>
+            <a:ext cx="1317625" cy="769938"/>
+          </a:xfrm>
+          <a:prstGeom prst="rect">
+            <a:avLst/>
+          </a:prstGeom>
+          <a:noFill/>
+        </p:spPr>
+        <p:txBody>
+          <a:bodyPr wrap="none">
+            <a:spAutoFit/>
+          </a:bodyPr>
+          <a:lstStyle/>
+          <a:p>
+            <a:pPr>
+              <a:defRPr/>
+            </a:pPr>
+            <a:r>
+              <a:rPr lang="en-US" sz="4400" i="0" dirty="0">
+                <a:latin typeface="+mj-lt"/>
+              </a:rPr>
+              <a:t>Now</a:t>
+            </a:r>
+          </a:p>
+        </p:txBody>
+      </p:sp>
+      <p:graphicFrame>
+        <p:nvGraphicFramePr>
+          <p:cNvPr id="9" name="Object 8"/>
+          <p:cNvGraphicFramePr>
+            <a:graphicFrameLocks noChangeAspect="1"/>
+          </p:cNvGraphicFramePr>
+          <p:nvPr>
+            <p:extLst>
+              <p:ext uri="{D42A27DB-BD31-4B8C-83A1-F6EECF244321}">
+                <p14:modId xmlns:p14="http://schemas.microsoft.com/office/powerpoint/2010/main" val="193346200"/>
+              </p:ext>
+            </p:extLst>
+          </p:nvPr>
+        </p:nvGraphicFramePr>
+        <p:xfrm>
+          <a:off x="82550" y="1276350"/>
+          <a:ext cx="7916863" cy="1646238"/>
+        </p:xfrm>
+        <a:graphic>
+          <a:graphicData uri="http://schemas.openxmlformats.org/presentationml/2006/ole">
+            <mc:AlternateContent xmlns:mc="http://schemas.openxmlformats.org/markup-compatibility/2006">
+              <mc:Choice xmlns:v="urn:schemas-microsoft-com:vml" Requires="v">
+                <p:oleObj spid="_x0000_s578577" name="Equation" r:id="rId4" imgW="1955800" imgH="406400" progId="Equation.DSMT4">
+                  <p:embed/>
+                </p:oleObj>
+              </mc:Choice>
+              <mc:Fallback>
+                <p:oleObj name="Equation" r:id="rId4" imgW="1955800" imgH="406400" progId="Equation.DSMT4">
+                  <p:embed/>
+                  <p:pic>
+                    <p:nvPicPr>
+                      <p:cNvPr id="0" name=""/>
+                      <p:cNvPicPr>
+                        <a:picLocks noChangeAspect="1" noChangeArrowheads="1"/>
+                      </p:cNvPicPr>
+                      <p:nvPr/>
+                    </p:nvPicPr>
+                    <p:blipFill>
+                      <a:blip r:embed="rId5"/>
+                      <a:srcRect/>
+                      <a:stretch>
+                        <a:fillRect/>
+                      </a:stretch>
+                    </p:blipFill>
+                    <p:spPr bwMode="auto">
+                      <a:xfrm>
+                        <a:off x="82550" y="1276350"/>
+                        <a:ext cx="7916863" cy="1646238"/>
+                      </a:xfrm>
+                      <a:prstGeom prst="rect">
+                        <a:avLst/>
+                      </a:prstGeom>
+                      <a:noFill/>
+                      <a:extLst/>
+                    </p:spPr>
+                  </p:pic>
+                </p:oleObj>
+              </mc:Fallback>
+            </mc:AlternateContent>
+          </a:graphicData>
+        </a:graphic>
+      </p:graphicFrame>
+      <p:graphicFrame>
+        <p:nvGraphicFramePr>
+          <p:cNvPr id="79878" name="Object 6"/>
+          <p:cNvGraphicFramePr>
+            <a:graphicFrameLocks noChangeAspect="1"/>
+          </p:cNvGraphicFramePr>
+          <p:nvPr>
+            <p:extLst>
+              <p:ext uri="{D42A27DB-BD31-4B8C-83A1-F6EECF244321}">
+                <p14:modId xmlns:p14="http://schemas.microsoft.com/office/powerpoint/2010/main" val="2003438233"/>
+              </p:ext>
+            </p:extLst>
+          </p:nvPr>
+        </p:nvGraphicFramePr>
+        <p:xfrm>
+          <a:off x="1653385" y="2890876"/>
+          <a:ext cx="6842125" cy="1563688"/>
+        </p:xfrm>
+        <a:graphic>
+          <a:graphicData uri="http://schemas.openxmlformats.org/presentationml/2006/ole">
+            <mc:AlternateContent xmlns:mc="http://schemas.openxmlformats.org/markup-compatibility/2006">
+              <mc:Choice xmlns:v="urn:schemas-microsoft-com:vml" Requires="v">
+                <p:oleObj spid="_x0000_s578578" name="Equation" r:id="rId6" imgW="1778000" imgH="406400" progId="Equation.DSMT4">
+                  <p:embed/>
+                </p:oleObj>
+              </mc:Choice>
+              <mc:Fallback>
+                <p:oleObj name="Equation" r:id="rId6" imgW="1778000" imgH="406400" progId="Equation.DSMT4">
+                  <p:embed/>
+                  <p:pic>
+                    <p:nvPicPr>
+                      <p:cNvPr id="0" name=""/>
+                      <p:cNvPicPr>
+                        <a:picLocks noChangeAspect="1" noChangeArrowheads="1"/>
+                      </p:cNvPicPr>
+                      <p:nvPr/>
+                    </p:nvPicPr>
+                    <p:blipFill>
+                      <a:blip r:embed="rId7"/>
+                      <a:srcRect/>
+                      <a:stretch>
+                        <a:fillRect/>
+                      </a:stretch>
+                    </p:blipFill>
+                    <p:spPr bwMode="auto">
+                      <a:xfrm>
+                        <a:off x="1653385" y="2890876"/>
+                        <a:ext cx="6842125" cy="1563688"/>
+                      </a:xfrm>
+                      <a:prstGeom prst="rect">
+                        <a:avLst/>
+                      </a:prstGeom>
+                      <a:noFill/>
+                      <a:extLst/>
+                    </p:spPr>
+                  </p:pic>
+                </p:oleObj>
+              </mc:Fallback>
+            </mc:AlternateContent>
+          </a:graphicData>
+        </a:graphic>
+      </p:graphicFrame>
+      <p:sp>
+        <p:nvSpPr>
+          <p:cNvPr id="8" name="Slide Number Placeholder 3"/>
+          <p:cNvSpPr>
+            <a:spLocks noGrp="1"/>
+          </p:cNvSpPr>
+          <p:nvPr>
+            <p:ph type="sldNum" sz="quarter" idx="4294967295"/>
+          </p:nvPr>
+        </p:nvSpPr>
+        <p:spPr>
+          <a:xfrm>
+            <a:off x="7554913" y="6577965"/>
+            <a:ext cx="1527175" cy="244475"/>
+          </a:xfrm>
+          <a:prstGeom prst="rect">
+            <a:avLst/>
+          </a:prstGeom>
+        </p:spPr>
+        <p:txBody>
+          <a:bodyPr/>
+          <a:lstStyle/>
+          <a:p>
+            <a:pPr>
+              <a:defRPr/>
+            </a:pPr>
+            <a:r>
+              <a:rPr lang="en-US" sz="1200" dirty="0" err="1" smtClean="0">
+                <a:latin typeface="Comic Sans MS"/>
+                <a:cs typeface="Comic Sans MS"/>
+              </a:rPr>
+              <a:t>expect_intro</a:t>
+            </a:r>
+            <a:r>
+              <a:rPr lang="en-US" sz="1200" dirty="0" smtClean="0">
+                <a:latin typeface="Comic Sans MS"/>
+                <a:cs typeface="Comic Sans MS"/>
+              </a:rPr>
+              <a:t>.</a:t>
+            </a:r>
+            <a:fld id="{93DA0692-DAF7-4AFE-9BE7-E02439D3694A}" type="slidenum">
+              <a:rPr lang="en-US" sz="1200" smtClean="0">
+                <a:latin typeface="Comic Sans MS"/>
+                <a:cs typeface="Comic Sans MS"/>
+              </a:rPr>
+              <a:pPr>
+                <a:defRPr/>
+              </a:pPr>
+              <a:t>21</a:t>
+            </a:fld>
+            <a:endParaRPr lang="en-US" sz="1200" dirty="0">
+              <a:latin typeface="Comic Sans MS"/>
+              <a:cs typeface="Comic Sans MS"/>
+            </a:endParaRPr>
+          </a:p>
+        </p:txBody>
+      </p:sp>
+      <p:sp>
+        <p:nvSpPr>
+          <p:cNvPr id="11" name="Rectangle 2"/>
+          <p:cNvSpPr>
+            <a:spLocks noGrp="1" noChangeArrowheads="1"/>
+          </p:cNvSpPr>
+          <p:nvPr>
+            <p:ph type="title"/>
+          </p:nvPr>
+        </p:nvSpPr>
+        <p:spPr>
+          <a:xfrm>
+            <a:off x="1828800" y="40101"/>
+            <a:ext cx="6416054" cy="1031387"/>
+          </a:xfrm>
+        </p:spPr>
+        <p:txBody>
+          <a:bodyPr/>
+          <a:lstStyle/>
+          <a:p>
+            <a:pPr eaLnBrk="1" hangingPunct="1"/>
+            <a:r>
+              <a:rPr lang="en-US" sz="4400" dirty="0"/>
+              <a:t>proof of equivalence</a:t>
+            </a:r>
+            <a:endParaRPr lang="en-US" sz="4400" dirty="0" smtClean="0">
+              <a:solidFill>
+                <a:schemeClr val="tx1"/>
+              </a:solidFill>
+            </a:endParaRPr>
+          </a:p>
+        </p:txBody>
+      </p:sp>
+    </p:spTree>
+    <p:extLst>
+      <p:ext uri="{BB962C8B-B14F-4D97-AF65-F5344CB8AC3E}">
+        <p14:creationId xmlns:p14="http://schemas.microsoft.com/office/powerpoint/2010/main" val="2594927543"/>
+      </p:ext>
+    </p:extLst>
+  </p:cSld>
+  <p:clrMapOvr>
+    <a:masterClrMapping/>
+  </p:clrMapOvr>
+  <p:transition xmlns:p14="http://schemas.microsoft.com/office/powerpoint/2010/main" advClick="0">
+    <p:fade/>
+  </p:transition>
+  <p:timing>
+    <p:tnLst>
+      <p:par>
+        <p:cTn xmlns:p14="http://schemas.microsoft.com/office/powerpoint/2010/main" id="1" dur="indefinite" restart="never" nodeType="tmRoot"/>
+      </p:par>
+    </p:tnLst>
+  </p:timing>
+</p:sld>
+</file>
+
+<file path=ppt/slides/slide22.xml><?xml version="1.0" encoding="utf-8"?>
+<p:sld xmlns:a="http://schemas.openxmlformats.org/drawingml/2006/main" xmlns:r="http://schemas.openxmlformats.org/officeDocument/2006/relationships" xmlns:p="http://schemas.openxmlformats.org/presentationml/2006/main">
+  <p:cSld>
+    <p:spTree>
+      <p:nvGrpSpPr>
+        <p:cNvPr id="1" name=""/>
+        <p:cNvGrpSpPr/>
+        <p:nvPr/>
+      </p:nvGrpSpPr>
+      <p:grpSpPr>
+        <a:xfrm>
+          <a:off x="0" y="0"/>
+          <a:ext cx="0" cy="0"/>
+          <a:chOff x="0" y="0"/>
+          <a:chExt cx="0" cy="0"/>
+        </a:xfrm>
+      </p:grpSpPr>
+      <p:sp>
+        <p:nvSpPr>
+          <p:cNvPr id="19" name="TextBox 18"/>
+          <p:cNvSpPr txBox="1"/>
+          <p:nvPr/>
+        </p:nvSpPr>
+        <p:spPr>
+          <a:xfrm>
+            <a:off x="304800" y="785112"/>
+            <a:ext cx="1317625" cy="769938"/>
+          </a:xfrm>
+          <a:prstGeom prst="rect">
+            <a:avLst/>
+          </a:prstGeom>
+          <a:noFill/>
+        </p:spPr>
+        <p:txBody>
+          <a:bodyPr wrap="none">
+            <a:spAutoFit/>
+          </a:bodyPr>
+          <a:lstStyle/>
+          <a:p>
+            <a:pPr>
+              <a:defRPr/>
+            </a:pPr>
+            <a:r>
+              <a:rPr lang="en-US" sz="4400" i="0" dirty="0">
+                <a:latin typeface="+mj-lt"/>
+              </a:rPr>
+              <a:t>Now</a:t>
+            </a:r>
+          </a:p>
+        </p:txBody>
+      </p:sp>
+      <p:graphicFrame>
+        <p:nvGraphicFramePr>
+          <p:cNvPr id="9" name="Object 8"/>
+          <p:cNvGraphicFramePr>
+            <a:graphicFrameLocks noChangeAspect="1"/>
+          </p:cNvGraphicFramePr>
+          <p:nvPr>
+            <p:extLst>
+              <p:ext uri="{D42A27DB-BD31-4B8C-83A1-F6EECF244321}">
+                <p14:modId xmlns:p14="http://schemas.microsoft.com/office/powerpoint/2010/main" val="102570322"/>
+              </p:ext>
+            </p:extLst>
+          </p:nvPr>
+        </p:nvGraphicFramePr>
+        <p:xfrm>
+          <a:off x="82550" y="1276350"/>
+          <a:ext cx="7916863" cy="1646238"/>
+        </p:xfrm>
+        <a:graphic>
+          <a:graphicData uri="http://schemas.openxmlformats.org/presentationml/2006/ole">
+            <mc:AlternateContent xmlns:mc="http://schemas.openxmlformats.org/markup-compatibility/2006">
+              <mc:Choice xmlns:v="urn:schemas-microsoft-com:vml" Requires="v">
+                <p:oleObj spid="_x0000_s579608" name="Equation" r:id="rId4" imgW="1955800" imgH="406400" progId="Equation.DSMT4">
+                  <p:embed/>
+                </p:oleObj>
+              </mc:Choice>
+              <mc:Fallback>
+                <p:oleObj name="Equation" r:id="rId4" imgW="1955800" imgH="406400" progId="Equation.DSMT4">
+                  <p:embed/>
+                  <p:pic>
+                    <p:nvPicPr>
+                      <p:cNvPr id="0" name=""/>
+                      <p:cNvPicPr>
+                        <a:picLocks noChangeAspect="1" noChangeArrowheads="1"/>
+                      </p:cNvPicPr>
+                      <p:nvPr/>
+                    </p:nvPicPr>
+                    <p:blipFill>
+                      <a:blip r:embed="rId5"/>
+                      <a:srcRect/>
+                      <a:stretch>
+                        <a:fillRect/>
+                      </a:stretch>
+                    </p:blipFill>
+                    <p:spPr bwMode="auto">
+                      <a:xfrm>
+                        <a:off x="82550" y="1276350"/>
+                        <a:ext cx="7916863" cy="1646238"/>
+                      </a:xfrm>
+                      <a:prstGeom prst="rect">
+                        <a:avLst/>
+                      </a:prstGeom>
+                      <a:noFill/>
+                      <a:extLst/>
+                    </p:spPr>
+                  </p:pic>
+                </p:oleObj>
+              </mc:Fallback>
+            </mc:AlternateContent>
+          </a:graphicData>
+        </a:graphic>
+      </p:graphicFrame>
+      <p:graphicFrame>
+        <p:nvGraphicFramePr>
+          <p:cNvPr id="79878" name="Object 6"/>
+          <p:cNvGraphicFramePr>
+            <a:graphicFrameLocks noChangeAspect="1"/>
+          </p:cNvGraphicFramePr>
+          <p:nvPr>
+            <p:extLst>
+              <p:ext uri="{D42A27DB-BD31-4B8C-83A1-F6EECF244321}">
+                <p14:modId xmlns:p14="http://schemas.microsoft.com/office/powerpoint/2010/main" val="200583139"/>
+              </p:ext>
+            </p:extLst>
+          </p:nvPr>
+        </p:nvGraphicFramePr>
+        <p:xfrm>
+          <a:off x="1635914" y="2890838"/>
+          <a:ext cx="6402387" cy="1563687"/>
+        </p:xfrm>
+        <a:graphic>
+          <a:graphicData uri="http://schemas.openxmlformats.org/presentationml/2006/ole">
+            <mc:AlternateContent xmlns:mc="http://schemas.openxmlformats.org/markup-compatibility/2006">
+              <mc:Choice xmlns:v="urn:schemas-microsoft-com:vml" Requires="v">
+                <p:oleObj spid="_x0000_s579609" name="Equation" r:id="rId6" imgW="1663700" imgH="406400" progId="Equation.DSMT4">
+                  <p:embed/>
+                </p:oleObj>
+              </mc:Choice>
+              <mc:Fallback>
+                <p:oleObj name="Equation" r:id="rId6" imgW="1663700" imgH="406400" progId="Equation.DSMT4">
+                  <p:embed/>
+                  <p:pic>
+                    <p:nvPicPr>
+                      <p:cNvPr id="0" name=""/>
+                      <p:cNvPicPr>
+                        <a:picLocks noChangeAspect="1" noChangeArrowheads="1"/>
+                      </p:cNvPicPr>
+                      <p:nvPr/>
+                    </p:nvPicPr>
+                    <p:blipFill>
+                      <a:blip r:embed="rId7"/>
+                      <a:srcRect/>
+                      <a:stretch>
+                        <a:fillRect/>
+                      </a:stretch>
+                    </p:blipFill>
+                    <p:spPr bwMode="auto">
+                      <a:xfrm>
+                        <a:off x="1635914" y="2890838"/>
+                        <a:ext cx="6402387" cy="1563687"/>
+                      </a:xfrm>
+                      <a:prstGeom prst="rect">
+                        <a:avLst/>
+                      </a:prstGeom>
+                      <a:noFill/>
+                      <a:extLst/>
+                    </p:spPr>
+                  </p:pic>
+                </p:oleObj>
+              </mc:Fallback>
+            </mc:AlternateContent>
+          </a:graphicData>
+        </a:graphic>
+      </p:graphicFrame>
+      <p:sp>
+        <p:nvSpPr>
+          <p:cNvPr id="8" name="Slide Number Placeholder 3"/>
+          <p:cNvSpPr>
+            <a:spLocks noGrp="1"/>
+          </p:cNvSpPr>
+          <p:nvPr>
+            <p:ph type="sldNum" sz="quarter" idx="4294967295"/>
+          </p:nvPr>
+        </p:nvSpPr>
+        <p:spPr>
+          <a:xfrm>
+            <a:off x="7554913" y="6577965"/>
+            <a:ext cx="1527175" cy="244475"/>
+          </a:xfrm>
+          <a:prstGeom prst="rect">
+            <a:avLst/>
+          </a:prstGeom>
+        </p:spPr>
+        <p:txBody>
+          <a:bodyPr/>
+          <a:lstStyle/>
+          <a:p>
+            <a:pPr>
+              <a:defRPr/>
+            </a:pPr>
+            <a:r>
+              <a:rPr lang="en-US" sz="1200" dirty="0" err="1" smtClean="0">
+                <a:latin typeface="Comic Sans MS"/>
+                <a:cs typeface="Comic Sans MS"/>
+              </a:rPr>
+              <a:t>expect_intro</a:t>
+            </a:r>
+            <a:r>
+              <a:rPr lang="en-US" sz="1200" dirty="0" smtClean="0">
+                <a:latin typeface="Comic Sans MS"/>
+                <a:cs typeface="Comic Sans MS"/>
+              </a:rPr>
+              <a:t>.</a:t>
+            </a:r>
+            <a:fld id="{93DA0692-DAF7-4AFE-9BE7-E02439D3694A}" type="slidenum">
+              <a:rPr lang="en-US" sz="1200" smtClean="0">
+                <a:latin typeface="Comic Sans MS"/>
+                <a:cs typeface="Comic Sans MS"/>
+              </a:rPr>
+              <a:pPr>
+                <a:defRPr/>
+              </a:pPr>
+              <a:t>22</a:t>
+            </a:fld>
+            <a:endParaRPr lang="en-US" sz="1200" dirty="0">
+              <a:latin typeface="Comic Sans MS"/>
+              <a:cs typeface="Comic Sans MS"/>
+            </a:endParaRPr>
+          </a:p>
+        </p:txBody>
+      </p:sp>
+      <p:graphicFrame>
+        <p:nvGraphicFramePr>
+          <p:cNvPr id="7" name="Object 6"/>
+          <p:cNvGraphicFramePr>
+            <a:graphicFrameLocks noChangeAspect="1"/>
+          </p:cNvGraphicFramePr>
+          <p:nvPr>
+            <p:extLst>
+              <p:ext uri="{D42A27DB-BD31-4B8C-83A1-F6EECF244321}">
+                <p14:modId xmlns:p14="http://schemas.microsoft.com/office/powerpoint/2010/main" val="2492693948"/>
+              </p:ext>
+            </p:extLst>
+          </p:nvPr>
+        </p:nvGraphicFramePr>
+        <p:xfrm>
+          <a:off x="1623617" y="4621213"/>
+          <a:ext cx="6451600" cy="1598612"/>
+        </p:xfrm>
+        <a:graphic>
+          <a:graphicData uri="http://schemas.openxmlformats.org/presentationml/2006/ole">
+            <mc:AlternateContent xmlns:mc="http://schemas.openxmlformats.org/markup-compatibility/2006">
+              <mc:Choice xmlns:v="urn:schemas-microsoft-com:vml" Requires="v">
+                <p:oleObj spid="_x0000_s579610" name="Equation" r:id="rId8" imgW="1638300" imgH="406400" progId="Equation.DSMT4">
+                  <p:embed/>
+                </p:oleObj>
+              </mc:Choice>
+              <mc:Fallback>
+                <p:oleObj name="Equation" r:id="rId8" imgW="1638300" imgH="406400" progId="Equation.DSMT4">
+                  <p:embed/>
+                  <p:pic>
+                    <p:nvPicPr>
+                      <p:cNvPr id="0" name=""/>
+                      <p:cNvPicPr>
+                        <a:picLocks noChangeAspect="1" noChangeArrowheads="1"/>
+                      </p:cNvPicPr>
+                      <p:nvPr/>
+                    </p:nvPicPr>
+                    <p:blipFill>
+                      <a:blip r:embed="rId9"/>
+                      <a:srcRect/>
+                      <a:stretch>
+                        <a:fillRect/>
+                      </a:stretch>
+                    </p:blipFill>
+                    <p:spPr bwMode="auto">
+                      <a:xfrm>
+                        <a:off x="1623617" y="4621213"/>
+                        <a:ext cx="6451600" cy="1598612"/>
+                      </a:xfrm>
+                      <a:prstGeom prst="rect">
+                        <a:avLst/>
+                      </a:prstGeom>
+                      <a:noFill/>
+                      <a:extLst/>
+                    </p:spPr>
+                  </p:pic>
+                </p:oleObj>
+              </mc:Fallback>
+            </mc:AlternateContent>
+          </a:graphicData>
+        </a:graphic>
+      </p:graphicFrame>
+      <p:sp>
+        <p:nvSpPr>
+          <p:cNvPr id="11" name="Rectangle 2"/>
+          <p:cNvSpPr>
+            <a:spLocks noGrp="1" noChangeArrowheads="1"/>
+          </p:cNvSpPr>
+          <p:nvPr>
+            <p:ph type="title"/>
+          </p:nvPr>
+        </p:nvSpPr>
+        <p:spPr>
+          <a:xfrm>
+            <a:off x="1828800" y="40101"/>
+            <a:ext cx="6416054" cy="1031387"/>
+          </a:xfrm>
+        </p:spPr>
+        <p:txBody>
+          <a:bodyPr/>
+          <a:lstStyle/>
+          <a:p>
+            <a:pPr eaLnBrk="1" hangingPunct="1"/>
+            <a:r>
+              <a:rPr lang="en-US" sz="4400" dirty="0"/>
+              <a:t>proof of equivalence</a:t>
+            </a:r>
+            <a:endParaRPr lang="en-US" sz="4400" dirty="0" smtClean="0">
+              <a:solidFill>
+                <a:schemeClr val="tx1"/>
+              </a:solidFill>
+            </a:endParaRPr>
+          </a:p>
+        </p:txBody>
+      </p:sp>
+      <p:sp>
+        <p:nvSpPr>
+          <p:cNvPr id="3" name="Rectangle 2"/>
+          <p:cNvSpPr/>
+          <p:nvPr/>
+        </p:nvSpPr>
+        <p:spPr>
+          <a:xfrm>
+            <a:off x="69451" y="1388962"/>
+            <a:ext cx="1438633" cy="1031800"/>
+          </a:xfrm>
+          <a:prstGeom prst="rect">
+            <a:avLst/>
+          </a:prstGeom>
+          <a:noFill/>
+          <a:ln w="44450">
+            <a:solidFill>
+              <a:srgbClr val="FF00FF"/>
+            </a:solidFill>
+            <a:prstDash val="sysDash"/>
+          </a:ln>
+        </p:spPr>
+        <p:style>
+          <a:lnRef idx="1">
+            <a:schemeClr val="accent1"/>
+          </a:lnRef>
+          <a:fillRef idx="3">
+            <a:schemeClr val="accent1"/>
+          </a:fillRef>
+          <a:effectRef idx="2">
+            <a:schemeClr val="accent1"/>
+          </a:effectRef>
+          <a:fontRef idx="minor">
+            <a:schemeClr val="lt1"/>
+          </a:fontRef>
+        </p:style>
+        <p:txBody>
+          <a:bodyPr rtlCol="0" anchor="ctr"/>
+          <a:lstStyle/>
+          <a:p>
+            <a:pPr algn="ctr"/>
+            <a:endParaRPr lang="en-US"/>
+          </a:p>
+        </p:txBody>
+      </p:sp>
+      <p:sp>
+        <p:nvSpPr>
+          <p:cNvPr id="4" name="Rectangle 3"/>
+          <p:cNvSpPr/>
+          <p:nvPr/>
+        </p:nvSpPr>
+        <p:spPr>
+          <a:xfrm>
+            <a:off x="1369182" y="4603417"/>
+            <a:ext cx="7004653" cy="1498095"/>
+          </a:xfrm>
+          <a:prstGeom prst="rect">
+            <a:avLst/>
+          </a:prstGeom>
+          <a:noFill/>
+          <a:ln w="44450">
+            <a:solidFill>
+              <a:srgbClr val="FF00FF"/>
+            </a:solidFill>
+            <a:prstDash val="sysDash"/>
+          </a:ln>
+        </p:spPr>
+        <p:style>
+          <a:lnRef idx="1">
+            <a:schemeClr val="accent1"/>
+          </a:lnRef>
+          <a:fillRef idx="3">
+            <a:schemeClr val="accent1"/>
+          </a:fillRef>
+          <a:effectRef idx="2">
+            <a:schemeClr val="accent1"/>
+          </a:effectRef>
+          <a:fontRef idx="minor">
+            <a:schemeClr val="lt1"/>
+          </a:fontRef>
+        </p:style>
+        <p:txBody>
+          <a:bodyPr rot="0" spcFirstLastPara="0" vertOverflow="overflow" horzOverflow="overflow" vert="horz" wrap="square" lIns="91440" tIns="45720" rIns="91440" bIns="45720" numCol="1" spcCol="0" rtlCol="0" fromWordArt="0" anchor="ctr" anchorCtr="0" forceAA="0" compatLnSpc="1">
+            <a:prstTxWarp prst="textNoShape">
+              <a:avLst/>
+            </a:prstTxWarp>
+            <a:noAutofit/>
+          </a:bodyPr>
+          <a:lstStyle/>
+          <a:p>
+            <a:pPr algn="ctr"/>
+            <a:endParaRPr lang="en-US"/>
+          </a:p>
+        </p:txBody>
+      </p:sp>
+    </p:spTree>
+    <p:extLst>
+      <p:ext uri="{BB962C8B-B14F-4D97-AF65-F5344CB8AC3E}">
+        <p14:creationId xmlns:p14="http://schemas.microsoft.com/office/powerpoint/2010/main" val="3738278132"/>
+      </p:ext>
+    </p:extLst>
+  </p:cSld>
+  <p:clrMapOvr>
+    <a:masterClrMapping/>
+  </p:clrMapOvr>
+  <p:transition xmlns:p14="http://schemas.microsoft.com/office/powerpoint/2010/main" advClick="0">
+    <p:fade/>
+  </p:transition>
+  <p:timing>
+    <p:tnLst>
+      <p:par>
+        <p:cTn xmlns:p14="http://schemas.microsoft.com/office/powerpoint/2010/main" id="1" dur="indefinite" restart="never" nodeType="tmRoot">
+          <p:childTnLst>
+            <p:seq concurrent="1" nextAc="seek">
+              <p:cTn id="2" dur="indefinite" nodeType="mainSeq">
+                <p:childTnLst>
+                  <p:par>
+                    <p:cTn id="3" fill="hold">
+                      <p:stCondLst>
+                        <p:cond delay="indefinite"/>
+                      </p:stCondLst>
+                      <p:childTnLst>
+                        <p:par>
+                          <p:cTn id="4" fill="hold">
+                            <p:stCondLst>
+                              <p:cond delay="0"/>
+                            </p:stCondLst>
+                            <p:childTnLst>
+                              <p:par>
+                                <p:cTn id="5" presetID="22" presetClass="entr" presetSubtype="8" fill="hold" nodeType="clickEffect">
+                                  <p:stCondLst>
+                                    <p:cond delay="0"/>
+                                  </p:stCondLst>
+                                  <p:childTnLst>
+                                    <p:set>
+                                      <p:cBhvr>
+                                        <p:cTn id="6" dur="1" fill="hold">
+                                          <p:stCondLst>
+                                            <p:cond delay="0"/>
+                                          </p:stCondLst>
+                                        </p:cTn>
+                                        <p:tgtEl>
+                                          <p:spTgt spid="7"/>
+                                        </p:tgtEl>
+                                        <p:attrNameLst>
+                                          <p:attrName>style.visibility</p:attrName>
+                                        </p:attrNameLst>
+                                      </p:cBhvr>
+                                      <p:to>
+                                        <p:strVal val="visible"/>
+                                      </p:to>
+                                    </p:set>
+                                    <p:animEffect transition="in" filter="wipe(left)">
+                                      <p:cBhvr>
+                                        <p:cTn id="7" dur="1000"/>
+                                        <p:tgtEl>
+                                          <p:spTgt spid="7"/>
+                                        </p:tgtEl>
+                                      </p:cBhvr>
+                                    </p:animEffect>
+                                  </p:childTnLst>
+                                </p:cTn>
+                              </p:par>
+                            </p:childTnLst>
+                          </p:cTn>
+                        </p:par>
+                      </p:childTnLst>
+                    </p:cTn>
+                  </p:par>
+                  <p:par>
+                    <p:cTn id="8" fill="hold">
+                      <p:stCondLst>
+                        <p:cond delay="indefinite"/>
+                      </p:stCondLst>
+                      <p:childTnLst>
+                        <p:par>
+                          <p:cTn id="9" fill="hold">
+                            <p:stCondLst>
+                              <p:cond delay="0"/>
+                            </p:stCondLst>
+                            <p:childTnLst>
+                              <p:par>
+                                <p:cTn id="10" presetID="10" presetClass="entr" presetSubtype="0" fill="hold" grpId="0" nodeType="clickEffect">
+                                  <p:stCondLst>
+                                    <p:cond delay="0"/>
+                                  </p:stCondLst>
+                                  <p:childTnLst>
+                                    <p:set>
+                                      <p:cBhvr>
+                                        <p:cTn id="11" dur="1" fill="hold">
+                                          <p:stCondLst>
+                                            <p:cond delay="0"/>
+                                          </p:stCondLst>
+                                        </p:cTn>
+                                        <p:tgtEl>
+                                          <p:spTgt spid="4"/>
+                                        </p:tgtEl>
+                                        <p:attrNameLst>
+                                          <p:attrName>style.visibility</p:attrName>
+                                        </p:attrNameLst>
+                                      </p:cBhvr>
+                                      <p:to>
+                                        <p:strVal val="visible"/>
+                                      </p:to>
+                                    </p:set>
+                                    <p:animEffect transition="in" filter="fade">
+                                      <p:cBhvr>
+                                        <p:cTn id="12" dur="500"/>
+                                        <p:tgtEl>
+                                          <p:spTgt spid="4"/>
+                                        </p:tgtEl>
+                                      </p:cBhvr>
+                                    </p:animEffect>
+                                  </p:childTnLst>
+                                </p:cTn>
+                              </p:par>
+                            </p:childTnLst>
+                          </p:cTn>
+                        </p:par>
+                      </p:childTnLst>
+                    </p:cTn>
+                  </p:par>
+                  <p:par>
+                    <p:cTn id="13" fill="hold">
+                      <p:stCondLst>
+                        <p:cond delay="indefinite"/>
+                      </p:stCondLst>
+                      <p:childTnLst>
+                        <p:par>
+                          <p:cTn id="14" fill="hold">
+                            <p:stCondLst>
+                              <p:cond delay="0"/>
+                            </p:stCondLst>
+                            <p:childTnLst>
+                              <p:par>
+                                <p:cTn id="15" presetID="10" presetClass="entr" presetSubtype="0" fill="hold" grpId="0" nodeType="clickEffect">
+                                  <p:stCondLst>
+                                    <p:cond delay="0"/>
+                                  </p:stCondLst>
+                                  <p:childTnLst>
+                                    <p:set>
+                                      <p:cBhvr>
+                                        <p:cTn id="16" dur="1" fill="hold">
+                                          <p:stCondLst>
+                                            <p:cond delay="0"/>
+                                          </p:stCondLst>
+                                        </p:cTn>
+                                        <p:tgtEl>
+                                          <p:spTgt spid="3"/>
+                                        </p:tgtEl>
+                                        <p:attrNameLst>
+                                          <p:attrName>style.visibility</p:attrName>
+                                        </p:attrNameLst>
+                                      </p:cBhvr>
+                                      <p:to>
+                                        <p:strVal val="visible"/>
+                                      </p:to>
+                                    </p:set>
+                                    <p:animEffect transition="in" filter="fade">
+                                      <p:cBhvr>
+                                        <p:cTn id="17" dur="500"/>
+                                        <p:tgtEl>
+                                          <p:spTgt spid="3"/>
+                                        </p:tgtEl>
+                                      </p:cBhvr>
+                                    </p:animEffect>
+                                  </p:childTnLst>
+                                </p:cTn>
+                              </p:par>
+                            </p:childTnLst>
+                          </p:cTn>
+                        </p:par>
+                      </p:childTnLst>
+                    </p:cTn>
+                  </p:par>
+                </p:childTnLst>
+              </p:cTn>
+              <p:prevCondLst>
+                <p:cond evt="onPrev" delay="0">
+                  <p:tgtEl>
+                    <p:sldTgt/>
+                  </p:tgtEl>
+                </p:cond>
+              </p:prevCondLst>
+              <p:nextCondLst>
+                <p:cond evt="onNext" delay="0">
+                  <p:tgtEl>
+                    <p:sldTgt/>
+                  </p:tgtEl>
+                </p:cond>
+              </p:nextCondLst>
+            </p:seq>
+          </p:childTnLst>
+        </p:cTn>
+      </p:par>
+    </p:tnLst>
+    <p:bldLst>
+      <p:bldP spid="3" grpId="0" animBg="1"/>
+      <p:bldP spid="4" grpId="0" animBg="1"/>
+    </p:bldLst>
+  </p:timing>
+</p:sld>
+</file>
+
+<file path=ppt/slides/slide23.xml><?xml version="1.0" encoding="utf-8"?>
+<p:sld xmlns:a="http://schemas.openxmlformats.org/drawingml/2006/main" xmlns:r="http://schemas.openxmlformats.org/officeDocument/2006/relationships" xmlns:p="http://schemas.openxmlformats.org/presentationml/2006/main" show="0">
+  <p:cSld>
+    <p:spTree>
+      <p:nvGrpSpPr>
+        <p:cNvPr id="1" name=""/>
+        <p:cNvGrpSpPr/>
+        <p:nvPr/>
+      </p:nvGrpSpPr>
+      <p:grpSpPr>
+        <a:xfrm>
+          <a:off x="0" y="0"/>
+          <a:ext cx="0" cy="0"/>
+          <a:chOff x="0" y="0"/>
+          <a:chExt cx="0" cy="0"/>
+        </a:xfrm>
+      </p:grpSpPr>
+      <p:sp>
+        <p:nvSpPr>
+          <p:cNvPr id="19" name="TextBox 18"/>
+          <p:cNvSpPr txBox="1"/>
+          <p:nvPr/>
+        </p:nvSpPr>
+        <p:spPr>
+          <a:xfrm>
             <a:off x="304800" y="864480"/>
             <a:ext cx="1317625" cy="769938"/>
           </a:xfrm>
@@ -7649,7 +10493,7 @@
           <a:graphicData uri="http://schemas.openxmlformats.org/presentationml/2006/ole">
             <mc:AlternateContent xmlns:mc="http://schemas.openxmlformats.org/markup-compatibility/2006">
               <mc:Choice xmlns:v="urn:schemas-microsoft-com:vml" Requires="v">
-                <p:oleObj spid="_x0000_s571453" name="Equation" r:id="rId4" imgW="1816100" imgH="406400" progId="Equation.DSMT4">
+                <p:oleObj spid="_x0000_s571494" name="Equation" r:id="rId4" imgW="1816100" imgH="406400" progId="Equation.DSMT4">
                   <p:embed/>
                 </p:oleObj>
               </mc:Choice>
@@ -7711,7 +10555,7 @@
           <a:graphicData uri="http://schemas.openxmlformats.org/presentationml/2006/ole">
             <mc:AlternateContent xmlns:mc="http://schemas.openxmlformats.org/markup-compatibility/2006">
               <mc:Choice xmlns:v="urn:schemas-microsoft-com:vml" Requires="v">
-                <p:oleObj spid="_x0000_s571454" name="Equation" r:id="rId6" imgW="1143000" imgH="406400" progId="Equation.DSMT4">
+                <p:oleObj spid="_x0000_s571495" name="Equation" r:id="rId6" imgW="1143000" imgH="406400" progId="Equation.DSMT4">
                   <p:embed/>
                 </p:oleObj>
               </mc:Choice>
@@ -7781,7 +10625,7 @@
           <a:graphicData uri="http://schemas.openxmlformats.org/presentationml/2006/ole">
             <mc:AlternateContent xmlns:mc="http://schemas.openxmlformats.org/markup-compatibility/2006">
               <mc:Choice xmlns:v="urn:schemas-microsoft-com:vml" Requires="v">
-                <p:oleObj spid="_x0000_s571455" name="Equation" r:id="rId8" imgW="1409700" imgH="533400" progId="Equation.DSMT4">
+                <p:oleObj spid="_x0000_s571496" name="Equation" r:id="rId8" imgW="1409700" imgH="533400" progId="Equation.DSMT4">
                   <p:embed/>
                 </p:oleObj>
               </mc:Choice>
@@ -7909,7 +10753,7 @@
               <a:pPr>
                 <a:defRPr/>
               </a:pPr>
-              <a:t>17</a:t>
+              <a:t>23</a:t>
             </a:fld>
             <a:endParaRPr lang="en-US" sz="1200" dirty="0">
               <a:latin typeface="Comic Sans MS"/>
@@ -7940,7 +10784,7 @@
           <a:graphicData uri="http://schemas.openxmlformats.org/presentationml/2006/ole">
             <mc:AlternateContent xmlns:mc="http://schemas.openxmlformats.org/markup-compatibility/2006">
               <mc:Choice xmlns:v="urn:schemas-microsoft-com:vml" Requires="v">
-                <p:oleObj spid="_x0000_s571456" name="Equation" r:id="rId10" imgW="1485900" imgH="406400" progId="Equation.DSMT4">
+                <p:oleObj spid="_x0000_s571497" name="Equation" r:id="rId10" imgW="1485900" imgH="406400" progId="Equation.DSMT4">
                   <p:embed/>
                 </p:oleObj>
               </mc:Choice>
@@ -8087,7 +10931,7 @@
 </p:sld>
 </file>
 
-<file path=ppt/slides/slide18.xml><?xml version="1.0" encoding="utf-8"?>
+<file path=ppt/slides/slide24.xml><?xml version="1.0" encoding="utf-8"?>
 <p:sld xmlns:a="http://schemas.openxmlformats.org/drawingml/2006/main" xmlns:r="http://schemas.openxmlformats.org/officeDocument/2006/relationships" xmlns:p="http://schemas.openxmlformats.org/presentationml/2006/main">
   <p:cSld>
     <p:spTree>
@@ -8233,7 +11077,7 @@
           <a:graphicData uri="http://schemas.openxmlformats.org/presentationml/2006/ole">
             <mc:AlternateContent xmlns:mc="http://schemas.openxmlformats.org/markup-compatibility/2006">
               <mc:Choice xmlns:v="urn:schemas-microsoft-com:vml" Requires="v">
-                <p:oleObj spid="_x0000_s190506" name="Equation" r:id="rId4" imgW="914400" imgH="220320" progId="Equation.DSMT4">
+                <p:oleObj spid="_x0000_s190515" name="Equation" r:id="rId4" imgW="914400" imgH="220320" progId="Equation.DSMT4">
                   <p:embed/>
                 </p:oleObj>
               </mc:Choice>
@@ -8520,7 +11364,7 @@
               <a:pPr>
                 <a:defRPr/>
               </a:pPr>
-              <a:t>18</a:t>
+              <a:t>24</a:t>
             </a:fld>
             <a:endParaRPr lang="en-US" sz="1200" dirty="0">
               <a:latin typeface="Comic Sans MS"/>
@@ -8547,7 +11391,7 @@
 </p:sld>
 </file>
 
-<file path=ppt/slides/slide19.xml><?xml version="1.0" encoding="utf-8"?>
+<file path=ppt/slides/slide25.xml><?xml version="1.0" encoding="utf-8"?>
 <p:sld xmlns:a="http://schemas.openxmlformats.org/drawingml/2006/main" xmlns:r="http://schemas.openxmlformats.org/officeDocument/2006/relationships" xmlns:p="http://schemas.openxmlformats.org/presentationml/2006/main">
   <p:cSld>
     <p:spTree>
@@ -8719,7 +11563,7 @@
               <a:pPr>
                 <a:defRPr/>
               </a:pPr>
-              <a:t>19</a:t>
+              <a:t>25</a:t>
             </a:fld>
             <a:endParaRPr lang="en-US" sz="1200" dirty="0">
               <a:latin typeface="Comic Sans MS"/>
@@ -8755,8 +11599,8 @@
 </p:sld>
 </file>
 
-<file path=ppt/slides/slide2.xml><?xml version="1.0" encoding="utf-8"?>
-<p:sld xmlns:a="http://schemas.openxmlformats.org/drawingml/2006/main" xmlns:r="http://schemas.openxmlformats.org/officeDocument/2006/relationships" xmlns:p="http://schemas.openxmlformats.org/presentationml/2006/main" show="0">
+<file path=ppt/slides/slide26.xml><?xml version="1.0" encoding="utf-8"?>
+<p:sld xmlns:a="http://schemas.openxmlformats.org/drawingml/2006/main" xmlns:r="http://schemas.openxmlformats.org/officeDocument/2006/relationships" xmlns:p="http://schemas.openxmlformats.org/presentationml/2006/main">
   <p:cSld>
     <p:spTree>
       <p:nvGrpSpPr>
@@ -8774,63 +11618,75 @@
       </p:grpSpPr>
       <p:sp>
         <p:nvSpPr>
-          <p:cNvPr id="3074" name="Rectangle 4"/>
+          <p:cNvPr id="2" name="Title 1"/>
           <p:cNvSpPr>
-            <a:spLocks noGrp="1" noChangeArrowheads="1"/>
+            <a:spLocks noGrp="1"/>
           </p:cNvSpPr>
           <p:nvPr>
-            <p:ph type="ctrTitle"/>
+            <p:ph type="title"/>
           </p:nvPr>
         </p:nvSpPr>
         <p:spPr>
           <a:xfrm>
-            <a:off x="685800" y="2133600"/>
-            <a:ext cx="7924800" cy="2667000"/>
+            <a:off x="1072352" y="225425"/>
+            <a:ext cx="7270750" cy="684213"/>
           </a:xfrm>
         </p:spPr>
         <p:txBody>
           <a:bodyPr/>
           <a:lstStyle/>
           <a:p>
-            <a:pPr eaLnBrk="1" hangingPunct="1"/>
-            <a:r>
-              <a:rPr lang="en-US" sz="5400" b="0" smtClean="0"/>
-              <a:t>Prediction is difficult,</a:t>
-            </a:r>
-            <a:br>
-              <a:rPr lang="en-US" sz="5400" b="0" smtClean="0"/>
-            </a:br>
-            <a:r>
-              <a:rPr lang="en-US" sz="5400" b="0" smtClean="0"/>
-              <a:t>especially of the future</a:t>
-            </a:r>
+            <a:r>
+              <a:rPr lang="en-US" dirty="0" smtClean="0"/>
+              <a:t>Expectations &amp; Averages</a:t>
+            </a:r>
+            <a:endParaRPr lang="en-US" dirty="0"/>
           </a:p>
         </p:txBody>
       </p:sp>
       <p:sp>
         <p:nvSpPr>
-          <p:cNvPr id="3075" name="Rectangle 5"/>
+          <p:cNvPr id="3" name="Content Placeholder 2"/>
           <p:cNvSpPr>
-            <a:spLocks noGrp="1" noChangeArrowheads="1"/>
+            <a:spLocks noGrp="1"/>
           </p:cNvSpPr>
           <p:nvPr>
-            <p:ph type="subTitle" idx="1"/>
+            <p:ph idx="1"/>
           </p:nvPr>
         </p:nvSpPr>
         <p:spPr>
           <a:xfrm>
-            <a:off x="2971800" y="4724400"/>
-            <a:ext cx="5181600" cy="762000"/>
+            <a:off x="277805" y="1230224"/>
+            <a:ext cx="8671483" cy="4905347"/>
           </a:xfrm>
         </p:spPr>
         <p:txBody>
           <a:bodyPr/>
           <a:lstStyle/>
           <a:p>
-            <a:pPr eaLnBrk="1" hangingPunct="1"/>
-            <a:r>
-              <a:rPr lang="en-US" sz="4000" i="1" smtClean="0"/>
-              <a:t>--- Niels Bohr</a:t>
+            <a:r>
+              <a:rPr lang="en-US" sz="4800" dirty="0" smtClean="0"/>
+              <a:t>From a pile of graded exams,</a:t>
+            </a:r>
+          </a:p>
+          <a:p>
+            <a:r>
+              <a:rPr lang="en-US" sz="4800" dirty="0" smtClean="0"/>
+              <a:t>pick one at random, and let </a:t>
+            </a:r>
+            <a:r>
+              <a:rPr lang="en-US" sz="4800" dirty="0" smtClean="0">
+                <a:solidFill>
+                  <a:srgbClr val="0000FF"/>
+                </a:solidFill>
+              </a:rPr>
+              <a:t>S</a:t>
+            </a:r>
+          </a:p>
+          <a:p>
+            <a:r>
+              <a:rPr lang="en-US" sz="4800" dirty="0" smtClean="0"/>
+              <a:t>be its score.</a:t>
             </a:r>
           </a:p>
         </p:txBody>
@@ -8842,42 +11698,374 @@
             <a:spLocks noGrp="1"/>
           </p:cNvSpPr>
           <p:nvPr>
-            <p:ph type="sldNum" sz="quarter" idx="11"/>
+            <p:ph type="sldNum" sz="quarter" idx="4"/>
+          </p:nvPr>
+        </p:nvSpPr>
+        <p:spPr/>
+        <p:txBody>
+          <a:bodyPr/>
+          <a:lstStyle/>
+          <a:p>
+            <a:pPr>
+              <a:defRPr/>
+            </a:pPr>
+            <a:r>
+              <a:rPr lang="en-US" smtClean="0"/>
+              <a:t>expect_intro.</a:t>
+            </a:r>
+            <a:fld id="{7886A709-CED2-48A3-8616-B2655C008ECB}" type="slidenum">
+              <a:rPr lang="en-US" smtClean="0"/>
+              <a:pPr>
+                <a:defRPr/>
+              </a:pPr>
+              <a:t>26</a:t>
+            </a:fld>
+            <a:endParaRPr lang="en-US" dirty="0"/>
+          </a:p>
+        </p:txBody>
+      </p:sp>
+    </p:spTree>
+    <p:extLst>
+      <p:ext uri="{BB962C8B-B14F-4D97-AF65-F5344CB8AC3E}">
+        <p14:creationId xmlns:p14="http://schemas.microsoft.com/office/powerpoint/2010/main" val="1103732451"/>
+      </p:ext>
+    </p:extLst>
+  </p:cSld>
+  <p:clrMapOvr>
+    <a:masterClrMapping/>
+  </p:clrMapOvr>
+  <mc:AlternateContent xmlns:mc="http://schemas.openxmlformats.org/markup-compatibility/2006">
+    <mc:Choice xmlns:p14="http://schemas.microsoft.com/office/powerpoint/2010/main" Requires="p14">
+      <p:transition spd="slow" p14:dur="1200" advClick="0">
+        <p:fade thruBlk="1"/>
+      </p:transition>
+    </mc:Choice>
+    <mc:Fallback>
+      <p:transition xmlns:p14="http://schemas.microsoft.com/office/powerpoint/2010/main" spd="slow" advClick="0">
+        <p:fade thruBlk="1"/>
+      </p:transition>
+    </mc:Fallback>
+  </mc:AlternateContent>
+  <p:timing>
+    <p:tnLst>
+      <p:par>
+        <p:cTn xmlns:p14="http://schemas.microsoft.com/office/powerpoint/2010/main" id="1" dur="indefinite" restart="never" nodeType="tmRoot"/>
+      </p:par>
+    </p:tnLst>
+  </p:timing>
+</p:sld>
+</file>
+
+<file path=ppt/slides/slide27.xml><?xml version="1.0" encoding="utf-8"?>
+<p:sld xmlns:a="http://schemas.openxmlformats.org/drawingml/2006/main" xmlns:r="http://schemas.openxmlformats.org/officeDocument/2006/relationships" xmlns:p="http://schemas.openxmlformats.org/presentationml/2006/main">
+  <p:cSld>
+    <p:spTree>
+      <p:nvGrpSpPr>
+        <p:cNvPr id="1" name=""/>
+        <p:cNvGrpSpPr/>
+        <p:nvPr/>
+      </p:nvGrpSpPr>
+      <p:grpSpPr>
+        <a:xfrm>
+          <a:off x="0" y="0"/>
+          <a:ext cx="0" cy="0"/>
+          <a:chOff x="0" y="0"/>
+          <a:chExt cx="0" cy="0"/>
+        </a:xfrm>
+      </p:grpSpPr>
+      <p:sp>
+        <p:nvSpPr>
+          <p:cNvPr id="3" name="Content Placeholder 2"/>
+          <p:cNvSpPr>
+            <a:spLocks noGrp="1"/>
+          </p:cNvSpPr>
+          <p:nvPr>
+            <p:ph idx="1"/>
           </p:nvPr>
         </p:nvSpPr>
         <p:spPr>
           <a:xfrm>
-            <a:off x="7554913" y="6577965"/>
-            <a:ext cx="1527175" cy="244475"/>
+            <a:off x="277805" y="1230224"/>
+            <a:ext cx="8671483" cy="4905347"/>
           </a:xfrm>
         </p:spPr>
         <p:txBody>
           <a:bodyPr/>
           <a:lstStyle/>
           <a:p>
+            <a:r>
+              <a:rPr lang="en-US" sz="4800" dirty="0" smtClean="0"/>
+              <a:t>From a pile of graded exams,</a:t>
+            </a:r>
+          </a:p>
+          <a:p>
+            <a:r>
+              <a:rPr lang="en-US" sz="4800" dirty="0" smtClean="0"/>
+              <a:t>pick one at random, and let </a:t>
+            </a:r>
+            <a:r>
+              <a:rPr lang="en-US" sz="4800" dirty="0" smtClean="0">
+                <a:solidFill>
+                  <a:srgbClr val="0000FF"/>
+                </a:solidFill>
+              </a:rPr>
+              <a:t>S</a:t>
+            </a:r>
+          </a:p>
+          <a:p>
+            <a:r>
+              <a:rPr lang="en-US" sz="4800" dirty="0" smtClean="0"/>
+              <a:t>be its score.  Now </a:t>
+            </a:r>
+            <a:r>
+              <a:rPr lang="en-US" sz="4800" dirty="0" smtClean="0">
+                <a:solidFill>
+                  <a:srgbClr val="0000FF"/>
+                </a:solidFill>
+              </a:rPr>
+              <a:t>E[S] </a:t>
+            </a:r>
+            <a:r>
+              <a:rPr lang="en-US" sz="4800" dirty="0" smtClean="0"/>
+              <a:t>equals</a:t>
+            </a:r>
+          </a:p>
+          <a:p>
+            <a:r>
+              <a:rPr lang="en-US" sz="4800" dirty="0"/>
+              <a:t> </a:t>
+            </a:r>
+            <a:r>
+              <a:rPr lang="en-US" sz="4800" dirty="0" smtClean="0"/>
+              <a:t>  </a:t>
+            </a:r>
+            <a:r>
+              <a:rPr lang="en-US" sz="4800" dirty="0" smtClean="0">
+                <a:solidFill>
+                  <a:srgbClr val="000000"/>
+                </a:solidFill>
+              </a:rPr>
+              <a:t>the</a:t>
+            </a:r>
+            <a:r>
+              <a:rPr lang="en-US" sz="4800" dirty="0" smtClean="0">
+                <a:solidFill>
+                  <a:srgbClr val="0000FF"/>
+                </a:solidFill>
+              </a:rPr>
+              <a:t> average exam score</a:t>
+            </a:r>
+          </a:p>
+        </p:txBody>
+      </p:sp>
+      <p:sp>
+        <p:nvSpPr>
+          <p:cNvPr id="4" name="Slide Number Placeholder 3"/>
+          <p:cNvSpPr>
+            <a:spLocks noGrp="1"/>
+          </p:cNvSpPr>
+          <p:nvPr>
+            <p:ph type="sldNum" sz="quarter" idx="4"/>
+          </p:nvPr>
+        </p:nvSpPr>
+        <p:spPr/>
+        <p:txBody>
+          <a:bodyPr/>
+          <a:lstStyle/>
+          <a:p>
             <a:pPr>
               <a:defRPr/>
             </a:pPr>
             <a:r>
-              <a:rPr lang="en-US" dirty="0" err="1" smtClean="0"/>
-              <a:t>expect_intro</a:t>
-            </a:r>
-            <a:r>
-              <a:rPr lang="en-US" dirty="0" smtClean="0"/>
-              <a:t>.</a:t>
-            </a:r>
-            <a:fld id="{93DA0692-DAF7-4AFE-9BE7-E02439D3694A}" type="slidenum">
+              <a:rPr lang="en-US" smtClean="0"/>
+              <a:t>expect_intro.</a:t>
+            </a:r>
+            <a:fld id="{7886A709-CED2-48A3-8616-B2655C008ECB}" type="slidenum">
               <a:rPr lang="en-US" smtClean="0"/>
               <a:pPr>
                 <a:defRPr/>
               </a:pPr>
-              <a:t>2</a:t>
+              <a:t>27</a:t>
             </a:fld>
             <a:endParaRPr lang="en-US" dirty="0"/>
           </a:p>
         </p:txBody>
       </p:sp>
+      <p:sp>
+        <p:nvSpPr>
+          <p:cNvPr id="6" name="Title 1"/>
+          <p:cNvSpPr txBox="1">
+            <a:spLocks/>
+          </p:cNvSpPr>
+          <p:nvPr/>
+        </p:nvSpPr>
+        <p:spPr bwMode="auto">
+          <a:xfrm>
+            <a:off x="1072352" y="225425"/>
+            <a:ext cx="7270750" cy="684213"/>
+          </a:xfrm>
+          <a:prstGeom prst="rect">
+            <a:avLst/>
+          </a:prstGeom>
+          <a:noFill/>
+          <a:ln w="9525">
+            <a:noFill/>
+            <a:miter lim="800000"/>
+            <a:headEnd/>
+            <a:tailEnd/>
+          </a:ln>
+        </p:spPr>
+        <p:txBody>
+          <a:bodyPr vert="horz" wrap="square" lIns="91440" tIns="45720" rIns="91440" bIns="45720" numCol="1" anchor="ctr" anchorCtr="0" compatLnSpc="1">
+            <a:prstTxWarp prst="textNoShape">
+              <a:avLst/>
+            </a:prstTxWarp>
+          </a:bodyPr>
+          <a:lstStyle>
+            <a:lvl1pPr algn="ctr" rtl="0" eaLnBrk="0" fontAlgn="base" hangingPunct="0">
+              <a:spcBef>
+                <a:spcPct val="0"/>
+              </a:spcBef>
+              <a:spcAft>
+                <a:spcPct val="0"/>
+              </a:spcAft>
+              <a:defRPr sz="3600" b="1">
+                <a:solidFill>
+                  <a:schemeClr val="tx2"/>
+                </a:solidFill>
+                <a:latin typeface="+mj-lt"/>
+                <a:ea typeface="+mj-ea"/>
+                <a:cs typeface="+mj-cs"/>
+              </a:defRPr>
+            </a:lvl1pPr>
+            <a:lvl2pPr algn="ctr" rtl="0" eaLnBrk="0" fontAlgn="base" hangingPunct="0">
+              <a:spcBef>
+                <a:spcPct val="0"/>
+              </a:spcBef>
+              <a:spcAft>
+                <a:spcPct val="0"/>
+              </a:spcAft>
+              <a:defRPr sz="4000" b="1">
+                <a:solidFill>
+                  <a:schemeClr val="tx2"/>
+                </a:solidFill>
+                <a:latin typeface="Comic Sans MS" pitchFamily="66" charset="0"/>
+              </a:defRPr>
+            </a:lvl2pPr>
+            <a:lvl3pPr algn="ctr" rtl="0" eaLnBrk="0" fontAlgn="base" hangingPunct="0">
+              <a:spcBef>
+                <a:spcPct val="0"/>
+              </a:spcBef>
+              <a:spcAft>
+                <a:spcPct val="0"/>
+              </a:spcAft>
+              <a:defRPr sz="4000" b="1">
+                <a:solidFill>
+                  <a:schemeClr val="tx2"/>
+                </a:solidFill>
+                <a:latin typeface="Comic Sans MS" pitchFamily="66" charset="0"/>
+              </a:defRPr>
+            </a:lvl3pPr>
+            <a:lvl4pPr algn="ctr" rtl="0" eaLnBrk="0" fontAlgn="base" hangingPunct="0">
+              <a:spcBef>
+                <a:spcPct val="0"/>
+              </a:spcBef>
+              <a:spcAft>
+                <a:spcPct val="0"/>
+              </a:spcAft>
+              <a:defRPr sz="4000" b="1">
+                <a:solidFill>
+                  <a:schemeClr val="tx2"/>
+                </a:solidFill>
+                <a:latin typeface="Comic Sans MS" pitchFamily="66" charset="0"/>
+              </a:defRPr>
+            </a:lvl4pPr>
+            <a:lvl5pPr algn="ctr" rtl="0" eaLnBrk="0" fontAlgn="base" hangingPunct="0">
+              <a:spcBef>
+                <a:spcPct val="0"/>
+              </a:spcBef>
+              <a:spcAft>
+                <a:spcPct val="0"/>
+              </a:spcAft>
+              <a:defRPr sz="4000" b="1">
+                <a:solidFill>
+                  <a:schemeClr val="tx2"/>
+                </a:solidFill>
+                <a:latin typeface="Comic Sans MS" pitchFamily="66" charset="0"/>
+              </a:defRPr>
+            </a:lvl5pPr>
+            <a:lvl6pPr marL="457200" algn="ctr" rtl="0" fontAlgn="base">
+              <a:spcBef>
+                <a:spcPct val="0"/>
+              </a:spcBef>
+              <a:spcAft>
+                <a:spcPct val="0"/>
+              </a:spcAft>
+              <a:defRPr sz="4000" b="1">
+                <a:solidFill>
+                  <a:schemeClr val="tx2"/>
+                </a:solidFill>
+                <a:latin typeface="Comic Sans MS" pitchFamily="66" charset="0"/>
+              </a:defRPr>
+            </a:lvl6pPr>
+            <a:lvl7pPr marL="914400" algn="ctr" rtl="0" fontAlgn="base">
+              <a:spcBef>
+                <a:spcPct val="0"/>
+              </a:spcBef>
+              <a:spcAft>
+                <a:spcPct val="0"/>
+              </a:spcAft>
+              <a:defRPr sz="4000" b="1">
+                <a:solidFill>
+                  <a:schemeClr val="tx2"/>
+                </a:solidFill>
+                <a:latin typeface="Comic Sans MS" pitchFamily="66" charset="0"/>
+              </a:defRPr>
+            </a:lvl7pPr>
+            <a:lvl8pPr marL="1371600" algn="ctr" rtl="0" fontAlgn="base">
+              <a:spcBef>
+                <a:spcPct val="0"/>
+              </a:spcBef>
+              <a:spcAft>
+                <a:spcPct val="0"/>
+              </a:spcAft>
+              <a:defRPr sz="4000" b="1">
+                <a:solidFill>
+                  <a:schemeClr val="tx2"/>
+                </a:solidFill>
+                <a:latin typeface="Comic Sans MS" pitchFamily="66" charset="0"/>
+              </a:defRPr>
+            </a:lvl8pPr>
+            <a:lvl9pPr marL="1828800" algn="ctr" rtl="0" fontAlgn="base">
+              <a:spcBef>
+                <a:spcPct val="0"/>
+              </a:spcBef>
+              <a:spcAft>
+                <a:spcPct val="0"/>
+              </a:spcAft>
+              <a:defRPr sz="4000" b="1">
+                <a:solidFill>
+                  <a:schemeClr val="tx2"/>
+                </a:solidFill>
+                <a:latin typeface="Comic Sans MS" pitchFamily="66" charset="0"/>
+              </a:defRPr>
+            </a:lvl9pPr>
+          </a:lstStyle>
+          <a:p>
+            <a:r>
+              <a:rPr lang="en-US" smtClean="0"/>
+              <a:t>Expectations &amp; Averages</a:t>
+            </a:r>
+            <a:endParaRPr lang="en-US" dirty="0"/>
+          </a:p>
+        </p:txBody>
+      </p:sp>
     </p:spTree>
+    <p:extLst>
+      <p:ext uri="{BB962C8B-B14F-4D97-AF65-F5344CB8AC3E}">
+        <p14:creationId xmlns:p14="http://schemas.microsoft.com/office/powerpoint/2010/main" val="2646205807"/>
+      </p:ext>
+    </p:extLst>
   </p:cSld>
   <p:clrMapOvr>
     <a:masterClrMapping/>
@@ -8889,6 +12077,631 @@
     <p:tnLst>
       <p:par>
         <p:cTn xmlns:p14="http://schemas.microsoft.com/office/powerpoint/2010/main" id="1" dur="indefinite" restart="never" nodeType="tmRoot"/>
+      </p:par>
+    </p:tnLst>
+  </p:timing>
+</p:sld>
+</file>
+
+<file path=ppt/slides/slide28.xml><?xml version="1.0" encoding="utf-8"?>
+<p:sld xmlns:a="http://schemas.openxmlformats.org/drawingml/2006/main" xmlns:r="http://schemas.openxmlformats.org/officeDocument/2006/relationships" xmlns:p="http://schemas.openxmlformats.org/presentationml/2006/main">
+  <p:cSld>
+    <p:spTree>
+      <p:nvGrpSpPr>
+        <p:cNvPr id="1" name=""/>
+        <p:cNvGrpSpPr/>
+        <p:nvPr/>
+      </p:nvGrpSpPr>
+      <p:grpSpPr>
+        <a:xfrm>
+          <a:off x="0" y="0"/>
+          <a:ext cx="0" cy="0"/>
+          <a:chOff x="0" y="0"/>
+          <a:chExt cx="0" cy="0"/>
+        </a:xfrm>
+      </p:grpSpPr>
+      <p:sp>
+        <p:nvSpPr>
+          <p:cNvPr id="3" name="Content Placeholder 2"/>
+          <p:cNvSpPr>
+            <a:spLocks noGrp="1"/>
+          </p:cNvSpPr>
+          <p:nvPr>
+            <p:ph idx="1"/>
+          </p:nvPr>
+        </p:nvSpPr>
+        <p:spPr>
+          <a:xfrm>
+            <a:off x="277805" y="1230224"/>
+            <a:ext cx="8671483" cy="4905347"/>
+          </a:xfrm>
+        </p:spPr>
+        <p:txBody>
+          <a:bodyPr/>
+          <a:lstStyle/>
+          <a:p>
+            <a:r>
+              <a:rPr lang="en-US" sz="4800" dirty="0" smtClean="0"/>
+              <a:t>We can estimate </a:t>
+            </a:r>
+            <a:r>
+              <a:rPr lang="en-US" sz="4800" dirty="0" smtClean="0">
+                <a:solidFill>
+                  <a:srgbClr val="9B2894"/>
+                </a:solidFill>
+              </a:rPr>
+              <a:t>averages</a:t>
+            </a:r>
+          </a:p>
+          <a:p>
+            <a:r>
+              <a:rPr lang="en-US" sz="4800" dirty="0" smtClean="0"/>
+              <a:t>by estimating </a:t>
+            </a:r>
+            <a:r>
+              <a:rPr lang="en-US" sz="4800" dirty="0" smtClean="0">
+                <a:solidFill>
+                  <a:srgbClr val="9B2894"/>
+                </a:solidFill>
+              </a:rPr>
+              <a:t>expectations</a:t>
+            </a:r>
+          </a:p>
+          <a:p>
+            <a:r>
+              <a:rPr lang="en-US" sz="4800" dirty="0" smtClean="0"/>
+              <a:t>of random variables</a:t>
+            </a:r>
+          </a:p>
+        </p:txBody>
+      </p:sp>
+      <p:sp>
+        <p:nvSpPr>
+          <p:cNvPr id="4" name="Slide Number Placeholder 3"/>
+          <p:cNvSpPr>
+            <a:spLocks noGrp="1"/>
+          </p:cNvSpPr>
+          <p:nvPr>
+            <p:ph type="sldNum" sz="quarter" idx="4"/>
+          </p:nvPr>
+        </p:nvSpPr>
+        <p:spPr/>
+        <p:txBody>
+          <a:bodyPr/>
+          <a:lstStyle/>
+          <a:p>
+            <a:pPr>
+              <a:defRPr/>
+            </a:pPr>
+            <a:r>
+              <a:rPr lang="en-US" smtClean="0"/>
+              <a:t>expect_intro.</a:t>
+            </a:r>
+            <a:fld id="{7886A709-CED2-48A3-8616-B2655C008ECB}" type="slidenum">
+              <a:rPr lang="en-US" smtClean="0"/>
+              <a:pPr>
+                <a:defRPr/>
+              </a:pPr>
+              <a:t>28</a:t>
+            </a:fld>
+            <a:endParaRPr lang="en-US" dirty="0"/>
+          </a:p>
+        </p:txBody>
+      </p:sp>
+      <p:sp>
+        <p:nvSpPr>
+          <p:cNvPr id="7" name="Title 1"/>
+          <p:cNvSpPr>
+            <a:spLocks noGrp="1"/>
+          </p:cNvSpPr>
+          <p:nvPr>
+            <p:ph type="title"/>
+          </p:nvPr>
+        </p:nvSpPr>
+        <p:spPr>
+          <a:xfrm>
+            <a:off x="1072352" y="225425"/>
+            <a:ext cx="7270750" cy="684213"/>
+          </a:xfrm>
+        </p:spPr>
+        <p:txBody>
+          <a:bodyPr/>
+          <a:lstStyle/>
+          <a:p>
+            <a:r>
+              <a:rPr lang="en-US" dirty="0" smtClean="0"/>
+              <a:t>Expectations &amp; Averages</a:t>
+            </a:r>
+            <a:endParaRPr lang="en-US" dirty="0"/>
+          </a:p>
+        </p:txBody>
+      </p:sp>
+    </p:spTree>
+    <p:extLst>
+      <p:ext uri="{BB962C8B-B14F-4D97-AF65-F5344CB8AC3E}">
+        <p14:creationId xmlns:p14="http://schemas.microsoft.com/office/powerpoint/2010/main" val="510355686"/>
+      </p:ext>
+    </p:extLst>
+  </p:cSld>
+  <p:clrMapOvr>
+    <a:masterClrMapping/>
+  </p:clrMapOvr>
+  <p:transition xmlns:p14="http://schemas.microsoft.com/office/powerpoint/2010/main" spd="slow" advClick="0">
+    <p:fade/>
+  </p:transition>
+  <p:timing>
+    <p:tnLst>
+      <p:par>
+        <p:cTn xmlns:p14="http://schemas.microsoft.com/office/powerpoint/2010/main" id="1" dur="indefinite" restart="never" nodeType="tmRoot">
+          <p:childTnLst>
+            <p:seq concurrent="1" nextAc="seek">
+              <p:cTn id="2" dur="indefinite" nodeType="mainSeq">
+                <p:childTnLst>
+                  <p:par>
+                    <p:cTn id="3" fill="hold">
+                      <p:stCondLst>
+                        <p:cond delay="indefinite"/>
+                      </p:stCondLst>
+                      <p:childTnLst>
+                        <p:par>
+                          <p:cTn id="4" fill="hold">
+                            <p:stCondLst>
+                              <p:cond delay="0"/>
+                            </p:stCondLst>
+                            <p:childTnLst>
+                              <p:par>
+                                <p:cTn id="5" presetID="10" presetClass="entr" presetSubtype="0" fill="hold" nodeType="clickEffect">
+                                  <p:stCondLst>
+                                    <p:cond delay="0"/>
+                                  </p:stCondLst>
+                                  <p:childTnLst>
+                                    <p:set>
+                                      <p:cBhvr>
+                                        <p:cTn id="6" dur="1" fill="hold">
+                                          <p:stCondLst>
+                                            <p:cond delay="0"/>
+                                          </p:stCondLst>
+                                        </p:cTn>
+                                        <p:tgtEl>
+                                          <p:spTgt spid="3">
+                                            <p:txEl>
+                                              <p:pRg st="1" end="1"/>
+                                            </p:txEl>
+                                          </p:spTgt>
+                                        </p:tgtEl>
+                                        <p:attrNameLst>
+                                          <p:attrName>style.visibility</p:attrName>
+                                        </p:attrNameLst>
+                                      </p:cBhvr>
+                                      <p:to>
+                                        <p:strVal val="visible"/>
+                                      </p:to>
+                                    </p:set>
+                                    <p:animEffect transition="in" filter="fade">
+                                      <p:cBhvr>
+                                        <p:cTn id="7" dur="500"/>
+                                        <p:tgtEl>
+                                          <p:spTgt spid="3">
+                                            <p:txEl>
+                                              <p:pRg st="1" end="1"/>
+                                            </p:txEl>
+                                          </p:spTgt>
+                                        </p:tgtEl>
+                                      </p:cBhvr>
+                                    </p:animEffect>
+                                  </p:childTnLst>
+                                </p:cTn>
+                              </p:par>
+                              <p:par>
+                                <p:cTn id="8" presetID="10" presetClass="entr" presetSubtype="0" fill="hold" nodeType="withEffect">
+                                  <p:stCondLst>
+                                    <p:cond delay="0"/>
+                                  </p:stCondLst>
+                                  <p:childTnLst>
+                                    <p:set>
+                                      <p:cBhvr>
+                                        <p:cTn id="9" dur="1" fill="hold">
+                                          <p:stCondLst>
+                                            <p:cond delay="0"/>
+                                          </p:stCondLst>
+                                        </p:cTn>
+                                        <p:tgtEl>
+                                          <p:spTgt spid="3">
+                                            <p:txEl>
+                                              <p:pRg st="2" end="2"/>
+                                            </p:txEl>
+                                          </p:spTgt>
+                                        </p:tgtEl>
+                                        <p:attrNameLst>
+                                          <p:attrName>style.visibility</p:attrName>
+                                        </p:attrNameLst>
+                                      </p:cBhvr>
+                                      <p:to>
+                                        <p:strVal val="visible"/>
+                                      </p:to>
+                                    </p:set>
+                                    <p:animEffect transition="in" filter="fade">
+                                      <p:cBhvr>
+                                        <p:cTn id="10" dur="500"/>
+                                        <p:tgtEl>
+                                          <p:spTgt spid="3">
+                                            <p:txEl>
+                                              <p:pRg st="2" end="2"/>
+                                            </p:txEl>
+                                          </p:spTgt>
+                                        </p:tgtEl>
+                                      </p:cBhvr>
+                                    </p:animEffect>
+                                  </p:childTnLst>
+                                </p:cTn>
+                              </p:par>
+                            </p:childTnLst>
+                          </p:cTn>
+                        </p:par>
+                      </p:childTnLst>
+                    </p:cTn>
+                  </p:par>
+                </p:childTnLst>
+              </p:cTn>
+              <p:prevCondLst>
+                <p:cond evt="onPrev" delay="0">
+                  <p:tgtEl>
+                    <p:sldTgt/>
+                  </p:tgtEl>
+                </p:cond>
+              </p:prevCondLst>
+              <p:nextCondLst>
+                <p:cond evt="onNext" delay="0">
+                  <p:tgtEl>
+                    <p:sldTgt/>
+                  </p:tgtEl>
+                </p:cond>
+              </p:nextCondLst>
+            </p:seq>
+          </p:childTnLst>
+        </p:cTn>
+      </p:par>
+    </p:tnLst>
+  </p:timing>
+</p:sld>
+</file>
+
+<file path=ppt/slides/slide29.xml><?xml version="1.0" encoding="utf-8"?>
+<p:sld xmlns:a="http://schemas.openxmlformats.org/drawingml/2006/main" xmlns:r="http://schemas.openxmlformats.org/officeDocument/2006/relationships" xmlns:p="http://schemas.openxmlformats.org/presentationml/2006/main">
+  <p:cSld>
+    <p:spTree>
+      <p:nvGrpSpPr>
+        <p:cNvPr id="1" name=""/>
+        <p:cNvGrpSpPr/>
+        <p:nvPr/>
+      </p:nvGrpSpPr>
+      <p:grpSpPr>
+        <a:xfrm>
+          <a:off x="0" y="0"/>
+          <a:ext cx="0" cy="0"/>
+          <a:chOff x="0" y="0"/>
+          <a:chExt cx="0" cy="0"/>
+        </a:xfrm>
+      </p:grpSpPr>
+      <p:sp>
+        <p:nvSpPr>
+          <p:cNvPr id="3" name="Content Placeholder 2"/>
+          <p:cNvSpPr>
+            <a:spLocks noGrp="1"/>
+          </p:cNvSpPr>
+          <p:nvPr>
+            <p:ph idx="1"/>
+          </p:nvPr>
+        </p:nvSpPr>
+        <p:spPr>
+          <a:xfrm>
+            <a:off x="277805" y="1230224"/>
+            <a:ext cx="8671483" cy="4905347"/>
+          </a:xfrm>
+        </p:spPr>
+        <p:txBody>
+          <a:bodyPr/>
+          <a:lstStyle/>
+          <a:p>
+            <a:r>
+              <a:rPr lang="en-US" sz="4800" dirty="0" smtClean="0"/>
+              <a:t>We can estimate </a:t>
+            </a:r>
+            <a:r>
+              <a:rPr lang="en-US" sz="4800" dirty="0" smtClean="0">
+                <a:solidFill>
+                  <a:srgbClr val="9B2894"/>
+                </a:solidFill>
+              </a:rPr>
+              <a:t>averages</a:t>
+            </a:r>
+          </a:p>
+          <a:p>
+            <a:r>
+              <a:rPr lang="en-US" sz="4800" dirty="0" smtClean="0"/>
+              <a:t>by estimating </a:t>
+            </a:r>
+            <a:r>
+              <a:rPr lang="en-US" sz="4800" dirty="0" smtClean="0">
+                <a:solidFill>
+                  <a:srgbClr val="9B2894"/>
+                </a:solidFill>
+              </a:rPr>
+              <a:t>expectations</a:t>
+            </a:r>
+          </a:p>
+          <a:p>
+            <a:r>
+              <a:rPr lang="en-US" sz="4800" dirty="0" smtClean="0"/>
+              <a:t>of random variables based</a:t>
+            </a:r>
+          </a:p>
+          <a:p>
+            <a:r>
+              <a:rPr lang="en-US" sz="4800" dirty="0" smtClean="0"/>
+              <a:t>on picking random elements</a:t>
+            </a:r>
+          </a:p>
+        </p:txBody>
+      </p:sp>
+      <p:sp>
+        <p:nvSpPr>
+          <p:cNvPr id="4" name="Slide Number Placeholder 3"/>
+          <p:cNvSpPr>
+            <a:spLocks noGrp="1"/>
+          </p:cNvSpPr>
+          <p:nvPr>
+            <p:ph type="sldNum" sz="quarter" idx="4"/>
+          </p:nvPr>
+        </p:nvSpPr>
+        <p:spPr/>
+        <p:txBody>
+          <a:bodyPr/>
+          <a:lstStyle/>
+          <a:p>
+            <a:pPr>
+              <a:defRPr/>
+            </a:pPr>
+            <a:r>
+              <a:rPr lang="en-US" smtClean="0"/>
+              <a:t>expect_intro.</a:t>
+            </a:r>
+            <a:fld id="{7886A709-CED2-48A3-8616-B2655C008ECB}" type="slidenum">
+              <a:rPr lang="en-US" smtClean="0"/>
+              <a:pPr>
+                <a:defRPr/>
+              </a:pPr>
+              <a:t>29</a:t>
+            </a:fld>
+            <a:endParaRPr lang="en-US" dirty="0"/>
+          </a:p>
+        </p:txBody>
+      </p:sp>
+      <p:graphicFrame>
+        <p:nvGraphicFramePr>
+          <p:cNvPr id="5" name="Object 4"/>
+          <p:cNvGraphicFramePr>
+            <a:graphicFrameLocks noChangeAspect="1"/>
+          </p:cNvGraphicFramePr>
+          <p:nvPr>
+            <p:extLst>
+              <p:ext uri="{D42A27DB-BD31-4B8C-83A1-F6EECF244321}">
+                <p14:modId xmlns:p14="http://schemas.microsoft.com/office/powerpoint/2010/main" val="641553344"/>
+              </p:ext>
+            </p:extLst>
+          </p:nvPr>
+        </p:nvGraphicFramePr>
+        <p:xfrm>
+          <a:off x="1166842" y="3713619"/>
+          <a:ext cx="6966761" cy="2357134"/>
+        </p:xfrm>
+        <a:graphic>
+          <a:graphicData uri="http://schemas.openxmlformats.org/presentationml/2006/ole">
+            <mc:AlternateContent xmlns:mc="http://schemas.openxmlformats.org/markup-compatibility/2006">
+              <mc:Choice xmlns:v="urn:schemas-microsoft-com:vml" Requires="v">
+                <p:oleObj spid="_x0000_s585729" name="Equation" r:id="rId3" imgW="1651000" imgH="558800" progId="Equation.DSMT4">
+                  <p:embed/>
+                </p:oleObj>
+              </mc:Choice>
+              <mc:Fallback>
+                <p:oleObj name="Equation" r:id="rId3" imgW="1651000" imgH="558800" progId="Equation.DSMT4">
+                  <p:embed/>
+                  <p:pic>
+                    <p:nvPicPr>
+                      <p:cNvPr id="0" name=""/>
+                      <p:cNvPicPr/>
+                      <p:nvPr/>
+                    </p:nvPicPr>
+                    <p:blipFill>
+                      <a:blip r:embed="rId4"/>
+                      <a:stretch>
+                        <a:fillRect/>
+                      </a:stretch>
+                    </p:blipFill>
+                    <p:spPr>
+                      <a:xfrm>
+                        <a:off x="1166842" y="3713619"/>
+                        <a:ext cx="6966761" cy="2357134"/>
+                      </a:xfrm>
+                      <a:prstGeom prst="rect">
+                        <a:avLst/>
+                      </a:prstGeom>
+                    </p:spPr>
+                  </p:pic>
+                </p:oleObj>
+              </mc:Fallback>
+            </mc:AlternateContent>
+          </a:graphicData>
+        </a:graphic>
+      </p:graphicFrame>
+      <p:sp>
+        <p:nvSpPr>
+          <p:cNvPr id="7" name="Title 1"/>
+          <p:cNvSpPr>
+            <a:spLocks noGrp="1"/>
+          </p:cNvSpPr>
+          <p:nvPr>
+            <p:ph type="title"/>
+          </p:nvPr>
+        </p:nvSpPr>
+        <p:spPr>
+          <a:xfrm>
+            <a:off x="1072352" y="225425"/>
+            <a:ext cx="7270750" cy="684213"/>
+          </a:xfrm>
+        </p:spPr>
+        <p:txBody>
+          <a:bodyPr/>
+          <a:lstStyle/>
+          <a:p>
+            <a:r>
+              <a:rPr lang="en-US" dirty="0" smtClean="0"/>
+              <a:t>Expectations &amp; Averages</a:t>
+            </a:r>
+            <a:endParaRPr lang="en-US" dirty="0"/>
+          </a:p>
+        </p:txBody>
+      </p:sp>
+    </p:spTree>
+    <p:extLst>
+      <p:ext uri="{BB962C8B-B14F-4D97-AF65-F5344CB8AC3E}">
+        <p14:creationId xmlns:p14="http://schemas.microsoft.com/office/powerpoint/2010/main" val="196683073"/>
+      </p:ext>
+    </p:extLst>
+  </p:cSld>
+  <p:clrMapOvr>
+    <a:masterClrMapping/>
+  </p:clrMapOvr>
+  <mc:AlternateContent xmlns:mc="http://schemas.openxmlformats.org/markup-compatibility/2006">
+    <mc:Choice xmlns:p14="http://schemas.microsoft.com/office/powerpoint/2010/main" Requires="p14">
+      <p:transition spd="med" p14:dur="600" advClick="0">
+        <p:fade/>
+      </p:transition>
+    </mc:Choice>
+    <mc:Fallback>
+      <p:transition xmlns:p14="http://schemas.microsoft.com/office/powerpoint/2010/main" spd="med" advClick="0">
+        <p:fade/>
+      </p:transition>
+    </mc:Fallback>
+  </mc:AlternateContent>
+  <p:timing>
+    <p:tnLst>
+      <p:par>
+        <p:cTn xmlns:p14="http://schemas.microsoft.com/office/powerpoint/2010/main" id="1" dur="indefinite" restart="never" nodeType="tmRoot">
+          <p:childTnLst>
+            <p:seq concurrent="1" nextAc="seek">
+              <p:cTn id="2" dur="indefinite" nodeType="mainSeq">
+                <p:childTnLst>
+                  <p:par>
+                    <p:cTn id="3" fill="hold">
+                      <p:stCondLst>
+                        <p:cond delay="indefinite"/>
+                      </p:stCondLst>
+                      <p:childTnLst>
+                        <p:par>
+                          <p:cTn id="4" fill="hold">
+                            <p:stCondLst>
+                              <p:cond delay="0"/>
+                            </p:stCondLst>
+                            <p:childTnLst>
+                              <p:par>
+                                <p:cTn id="5" presetID="2" presetClass="entr" presetSubtype="4" fill="hold" nodeType="clickEffect">
+                                  <p:stCondLst>
+                                    <p:cond delay="0"/>
+                                  </p:stCondLst>
+                                  <p:childTnLst>
+                                    <p:set>
+                                      <p:cBhvr>
+                                        <p:cTn id="6" dur="1" fill="hold">
+                                          <p:stCondLst>
+                                            <p:cond delay="0"/>
+                                          </p:stCondLst>
+                                        </p:cTn>
+                                        <p:tgtEl>
+                                          <p:spTgt spid="5"/>
+                                        </p:tgtEl>
+                                        <p:attrNameLst>
+                                          <p:attrName>style.visibility</p:attrName>
+                                        </p:attrNameLst>
+                                      </p:cBhvr>
+                                      <p:to>
+                                        <p:strVal val="visible"/>
+                                      </p:to>
+                                    </p:set>
+                                    <p:anim calcmode="lin" valueType="num">
+                                      <p:cBhvr additive="base">
+                                        <p:cTn id="7" dur="1000" fill="hold"/>
+                                        <p:tgtEl>
+                                          <p:spTgt spid="5"/>
+                                        </p:tgtEl>
+                                        <p:attrNameLst>
+                                          <p:attrName>ppt_x</p:attrName>
+                                        </p:attrNameLst>
+                                      </p:cBhvr>
+                                      <p:tavLst>
+                                        <p:tav tm="0">
+                                          <p:val>
+                                            <p:strVal val="#ppt_x"/>
+                                          </p:val>
+                                        </p:tav>
+                                        <p:tav tm="100000">
+                                          <p:val>
+                                            <p:strVal val="#ppt_x"/>
+                                          </p:val>
+                                        </p:tav>
+                                      </p:tavLst>
+                                    </p:anim>
+                                    <p:anim calcmode="lin" valueType="num">
+                                      <p:cBhvr additive="base">
+                                        <p:cTn id="8" dur="1000" fill="hold"/>
+                                        <p:tgtEl>
+                                          <p:spTgt spid="5"/>
+                                        </p:tgtEl>
+                                        <p:attrNameLst>
+                                          <p:attrName>ppt_y</p:attrName>
+                                        </p:attrNameLst>
+                                      </p:cBhvr>
+                                      <p:tavLst>
+                                        <p:tav tm="0">
+                                          <p:val>
+                                            <p:strVal val="1+#ppt_h/2"/>
+                                          </p:val>
+                                        </p:tav>
+                                        <p:tav tm="100000">
+                                          <p:val>
+                                            <p:strVal val="#ppt_y"/>
+                                          </p:val>
+                                        </p:tav>
+                                      </p:tavLst>
+                                    </p:anim>
+                                  </p:childTnLst>
+                                </p:cTn>
+                              </p:par>
+                            </p:childTnLst>
+                          </p:cTn>
+                        </p:par>
+                      </p:childTnLst>
+                    </p:cTn>
+                  </p:par>
+                </p:childTnLst>
+              </p:cTn>
+              <p:prevCondLst>
+                <p:cond evt="onPrev" delay="0">
+                  <p:tgtEl>
+                    <p:sldTgt/>
+                  </p:tgtEl>
+                </p:cond>
+              </p:prevCondLst>
+              <p:nextCondLst>
+                <p:cond evt="onNext" delay="0">
+                  <p:tgtEl>
+                    <p:sldTgt/>
+                  </p:tgtEl>
+                </p:cond>
+              </p:nextCondLst>
+            </p:seq>
+          </p:childTnLst>
+        </p:cTn>
       </p:par>
     </p:tnLst>
   </p:timing>
@@ -8938,7 +12751,11 @@
             </a:pPr>
             <a:r>
               <a:rPr lang="en-US" sz="4800" dirty="0" smtClean="0"/>
-              <a:t>choose a number from 1 to 6,</a:t>
+              <a:t>Choose </a:t>
+            </a:r>
+            <a:r>
+              <a:rPr lang="en-US" sz="4800" dirty="0" smtClean="0"/>
+              <a:t>a number from 1 to 6,</a:t>
             </a:r>
           </a:p>
           <a:p>
@@ -9312,6 +13129,979 @@
 </p:sld>
 </file>
 
+<file path=ppt/slides/slide30.xml><?xml version="1.0" encoding="utf-8"?>
+<p:sld xmlns:a="http://schemas.openxmlformats.org/drawingml/2006/main" xmlns:r="http://schemas.openxmlformats.org/officeDocument/2006/relationships" xmlns:p="http://schemas.openxmlformats.org/presentationml/2006/main">
+  <p:cSld>
+    <p:spTree>
+      <p:nvGrpSpPr>
+        <p:cNvPr id="1" name=""/>
+        <p:cNvGrpSpPr/>
+        <p:nvPr/>
+      </p:nvGrpSpPr>
+      <p:grpSpPr>
+        <a:xfrm>
+          <a:off x="0" y="0"/>
+          <a:ext cx="0" cy="0"/>
+          <a:chOff x="0" y="0"/>
+          <a:chExt cx="0" cy="0"/>
+        </a:xfrm>
+      </p:grpSpPr>
+      <p:sp>
+        <p:nvSpPr>
+          <p:cNvPr id="3" name="Content Placeholder 2"/>
+          <p:cNvSpPr>
+            <a:spLocks noGrp="1"/>
+          </p:cNvSpPr>
+          <p:nvPr>
+            <p:ph idx="1"/>
+          </p:nvPr>
+        </p:nvSpPr>
+        <p:spPr>
+          <a:xfrm>
+            <a:off x="457200" y="1034189"/>
+            <a:ext cx="8229600" cy="4525963"/>
+          </a:xfrm>
+        </p:spPr>
+        <p:txBody>
+          <a:bodyPr/>
+          <a:lstStyle/>
+          <a:p>
+            <a:r>
+              <a:rPr lang="en-US" dirty="0" smtClean="0"/>
+              <a:t>For example, it is impossible for </a:t>
+            </a:r>
+          </a:p>
+          <a:p>
+            <a:r>
+              <a:rPr lang="en-US" dirty="0" smtClean="0"/>
+              <a:t>all exams to be above average</a:t>
+            </a:r>
+          </a:p>
+          <a:p>
+            <a:r>
+              <a:rPr lang="en-US" dirty="0" smtClean="0"/>
+              <a:t>(no matter what the townspeople </a:t>
+            </a:r>
+          </a:p>
+          <a:p>
+            <a:r>
+              <a:rPr lang="en-US" dirty="0" smtClean="0"/>
+              <a:t>  of Lake Woebegone say):</a:t>
+            </a:r>
+          </a:p>
+          <a:p>
+            <a:endParaRPr lang="en-US" dirty="0"/>
+          </a:p>
+        </p:txBody>
+      </p:sp>
+      <p:sp>
+        <p:nvSpPr>
+          <p:cNvPr id="4" name="Slide Number Placeholder 3"/>
+          <p:cNvSpPr>
+            <a:spLocks noGrp="1"/>
+          </p:cNvSpPr>
+          <p:nvPr>
+            <p:ph type="sldNum" sz="quarter" idx="4"/>
+          </p:nvPr>
+        </p:nvSpPr>
+        <p:spPr/>
+        <p:txBody>
+          <a:bodyPr/>
+          <a:lstStyle/>
+          <a:p>
+            <a:pPr>
+              <a:defRPr/>
+            </a:pPr>
+            <a:r>
+              <a:rPr lang="en-US" smtClean="0"/>
+              <a:t>expect_intro.</a:t>
+            </a:r>
+            <a:fld id="{7886A709-CED2-48A3-8616-B2655C008ECB}" type="slidenum">
+              <a:rPr lang="en-US" smtClean="0"/>
+              <a:pPr>
+                <a:defRPr/>
+              </a:pPr>
+              <a:t>30</a:t>
+            </a:fld>
+            <a:endParaRPr lang="en-US" dirty="0"/>
+          </a:p>
+        </p:txBody>
+      </p:sp>
+      <p:sp>
+        <p:nvSpPr>
+          <p:cNvPr id="5" name="Title 1"/>
+          <p:cNvSpPr>
+            <a:spLocks noGrp="1"/>
+          </p:cNvSpPr>
+          <p:nvPr>
+            <p:ph type="title"/>
+          </p:nvPr>
+        </p:nvSpPr>
+        <p:spPr>
+          <a:xfrm>
+            <a:off x="1072352" y="225425"/>
+            <a:ext cx="7270750" cy="684213"/>
+          </a:xfrm>
+        </p:spPr>
+        <p:txBody>
+          <a:bodyPr/>
+          <a:lstStyle/>
+          <a:p>
+            <a:r>
+              <a:rPr lang="en-US" dirty="0" smtClean="0"/>
+              <a:t>Expectations &amp; Averages</a:t>
+            </a:r>
+            <a:endParaRPr lang="en-US" dirty="0"/>
+          </a:p>
+        </p:txBody>
+      </p:sp>
+      <p:graphicFrame>
+        <p:nvGraphicFramePr>
+          <p:cNvPr id="6" name="Object 5"/>
+          <p:cNvGraphicFramePr>
+            <a:graphicFrameLocks noChangeAspect="1"/>
+          </p:cNvGraphicFramePr>
+          <p:nvPr>
+            <p:extLst>
+              <p:ext uri="{D42A27DB-BD31-4B8C-83A1-F6EECF244321}">
+                <p14:modId xmlns:p14="http://schemas.microsoft.com/office/powerpoint/2010/main" val="4272149226"/>
+              </p:ext>
+            </p:extLst>
+          </p:nvPr>
+        </p:nvGraphicFramePr>
+        <p:xfrm>
+          <a:off x="1090803" y="4015515"/>
+          <a:ext cx="6740435" cy="1189488"/>
+        </p:xfrm>
+        <a:graphic>
+          <a:graphicData uri="http://schemas.openxmlformats.org/presentationml/2006/ole">
+            <mc:AlternateContent xmlns:mc="http://schemas.openxmlformats.org/markup-compatibility/2006">
+              <mc:Choice xmlns:v="urn:schemas-microsoft-com:vml" Requires="v">
+                <p:oleObj spid="_x0000_s581638" name="Equation" r:id="rId3" imgW="1295400" imgH="228600" progId="Equation.DSMT4">
+                  <p:embed/>
+                </p:oleObj>
+              </mc:Choice>
+              <mc:Fallback>
+                <p:oleObj name="Equation" r:id="rId3" imgW="1295400" imgH="228600" progId="Equation.DSMT4">
+                  <p:embed/>
+                  <p:pic>
+                    <p:nvPicPr>
+                      <p:cNvPr id="0" name=""/>
+                      <p:cNvPicPr/>
+                      <p:nvPr/>
+                    </p:nvPicPr>
+                    <p:blipFill>
+                      <a:blip r:embed="rId4"/>
+                      <a:stretch>
+                        <a:fillRect/>
+                      </a:stretch>
+                    </p:blipFill>
+                    <p:spPr>
+                      <a:xfrm>
+                        <a:off x="1090803" y="4015515"/>
+                        <a:ext cx="6740435" cy="1189488"/>
+                      </a:xfrm>
+                      <a:prstGeom prst="rect">
+                        <a:avLst/>
+                      </a:prstGeom>
+                    </p:spPr>
+                  </p:pic>
+                </p:oleObj>
+              </mc:Fallback>
+            </mc:AlternateContent>
+          </a:graphicData>
+        </a:graphic>
+      </p:graphicFrame>
+    </p:spTree>
+    <p:extLst>
+      <p:ext uri="{BB962C8B-B14F-4D97-AF65-F5344CB8AC3E}">
+        <p14:creationId xmlns:p14="http://schemas.microsoft.com/office/powerpoint/2010/main" val="2894909483"/>
+      </p:ext>
+    </p:extLst>
+  </p:cSld>
+  <p:clrMapOvr>
+    <a:masterClrMapping/>
+  </p:clrMapOvr>
+  <p:transition xmlns:p14="http://schemas.microsoft.com/office/powerpoint/2010/main" spd="slow" advClick="0">
+    <p:fade/>
+  </p:transition>
+  <p:timing>
+    <p:tnLst>
+      <p:par>
+        <p:cTn xmlns:p14="http://schemas.microsoft.com/office/powerpoint/2010/main" id="1" dur="indefinite" restart="never" nodeType="tmRoot">
+          <p:childTnLst>
+            <p:seq concurrent="1" nextAc="seek">
+              <p:cTn id="2" dur="indefinite" nodeType="mainSeq">
+                <p:childTnLst>
+                  <p:par>
+                    <p:cTn id="3" fill="hold">
+                      <p:stCondLst>
+                        <p:cond delay="indefinite"/>
+                      </p:stCondLst>
+                      <p:childTnLst>
+                        <p:par>
+                          <p:cTn id="4" fill="hold">
+                            <p:stCondLst>
+                              <p:cond delay="0"/>
+                            </p:stCondLst>
+                            <p:childTnLst>
+                              <p:par>
+                                <p:cTn id="5" presetID="10" presetClass="entr" presetSubtype="0" fill="hold" nodeType="clickEffect">
+                                  <p:stCondLst>
+                                    <p:cond delay="0"/>
+                                  </p:stCondLst>
+                                  <p:childTnLst>
+                                    <p:set>
+                                      <p:cBhvr>
+                                        <p:cTn id="6" dur="1" fill="hold">
+                                          <p:stCondLst>
+                                            <p:cond delay="0"/>
+                                          </p:stCondLst>
+                                        </p:cTn>
+                                        <p:tgtEl>
+                                          <p:spTgt spid="3">
+                                            <p:txEl>
+                                              <p:pRg st="2" end="2"/>
+                                            </p:txEl>
+                                          </p:spTgt>
+                                        </p:tgtEl>
+                                        <p:attrNameLst>
+                                          <p:attrName>style.visibility</p:attrName>
+                                        </p:attrNameLst>
+                                      </p:cBhvr>
+                                      <p:to>
+                                        <p:strVal val="visible"/>
+                                      </p:to>
+                                    </p:set>
+                                    <p:animEffect transition="in" filter="fade">
+                                      <p:cBhvr>
+                                        <p:cTn id="7" dur="500"/>
+                                        <p:tgtEl>
+                                          <p:spTgt spid="3">
+                                            <p:txEl>
+                                              <p:pRg st="2" end="2"/>
+                                            </p:txEl>
+                                          </p:spTgt>
+                                        </p:tgtEl>
+                                      </p:cBhvr>
+                                    </p:animEffect>
+                                  </p:childTnLst>
+                                </p:cTn>
+                              </p:par>
+                              <p:par>
+                                <p:cTn id="8" presetID="10" presetClass="entr" presetSubtype="0" fill="hold" nodeType="withEffect">
+                                  <p:stCondLst>
+                                    <p:cond delay="0"/>
+                                  </p:stCondLst>
+                                  <p:childTnLst>
+                                    <p:set>
+                                      <p:cBhvr>
+                                        <p:cTn id="9" dur="1" fill="hold">
+                                          <p:stCondLst>
+                                            <p:cond delay="0"/>
+                                          </p:stCondLst>
+                                        </p:cTn>
+                                        <p:tgtEl>
+                                          <p:spTgt spid="3">
+                                            <p:txEl>
+                                              <p:pRg st="3" end="3"/>
+                                            </p:txEl>
+                                          </p:spTgt>
+                                        </p:tgtEl>
+                                        <p:attrNameLst>
+                                          <p:attrName>style.visibility</p:attrName>
+                                        </p:attrNameLst>
+                                      </p:cBhvr>
+                                      <p:to>
+                                        <p:strVal val="visible"/>
+                                      </p:to>
+                                    </p:set>
+                                    <p:animEffect transition="in" filter="fade">
+                                      <p:cBhvr>
+                                        <p:cTn id="10" dur="500"/>
+                                        <p:tgtEl>
+                                          <p:spTgt spid="3">
+                                            <p:txEl>
+                                              <p:pRg st="3" end="3"/>
+                                            </p:txEl>
+                                          </p:spTgt>
+                                        </p:tgtEl>
+                                      </p:cBhvr>
+                                    </p:animEffect>
+                                  </p:childTnLst>
+                                </p:cTn>
+                              </p:par>
+                            </p:childTnLst>
+                          </p:cTn>
+                        </p:par>
+                      </p:childTnLst>
+                    </p:cTn>
+                  </p:par>
+                  <p:par>
+                    <p:cTn id="11" fill="hold">
+                      <p:stCondLst>
+                        <p:cond delay="indefinite"/>
+                      </p:stCondLst>
+                      <p:childTnLst>
+                        <p:par>
+                          <p:cTn id="12" fill="hold">
+                            <p:stCondLst>
+                              <p:cond delay="0"/>
+                            </p:stCondLst>
+                            <p:childTnLst>
+                              <p:par>
+                                <p:cTn id="13" presetID="22" presetClass="entr" presetSubtype="8" fill="hold" nodeType="clickEffect">
+                                  <p:stCondLst>
+                                    <p:cond delay="0"/>
+                                  </p:stCondLst>
+                                  <p:childTnLst>
+                                    <p:set>
+                                      <p:cBhvr>
+                                        <p:cTn id="14" dur="1" fill="hold">
+                                          <p:stCondLst>
+                                            <p:cond delay="0"/>
+                                          </p:stCondLst>
+                                        </p:cTn>
+                                        <p:tgtEl>
+                                          <p:spTgt spid="6"/>
+                                        </p:tgtEl>
+                                        <p:attrNameLst>
+                                          <p:attrName>style.visibility</p:attrName>
+                                        </p:attrNameLst>
+                                      </p:cBhvr>
+                                      <p:to>
+                                        <p:strVal val="visible"/>
+                                      </p:to>
+                                    </p:set>
+                                    <p:animEffect transition="in" filter="wipe(left)">
+                                      <p:cBhvr>
+                                        <p:cTn id="15" dur="2000"/>
+                                        <p:tgtEl>
+                                          <p:spTgt spid="6"/>
+                                        </p:tgtEl>
+                                      </p:cBhvr>
+                                    </p:animEffect>
+                                  </p:childTnLst>
+                                </p:cTn>
+                              </p:par>
+                            </p:childTnLst>
+                          </p:cTn>
+                        </p:par>
+                      </p:childTnLst>
+                    </p:cTn>
+                  </p:par>
+                </p:childTnLst>
+              </p:cTn>
+              <p:prevCondLst>
+                <p:cond evt="onPrev" delay="0">
+                  <p:tgtEl>
+                    <p:sldTgt/>
+                  </p:tgtEl>
+                </p:cond>
+              </p:prevCondLst>
+              <p:nextCondLst>
+                <p:cond evt="onNext" delay="0">
+                  <p:tgtEl>
+                    <p:sldTgt/>
+                  </p:tgtEl>
+                </p:cond>
+              </p:nextCondLst>
+            </p:seq>
+          </p:childTnLst>
+        </p:cTn>
+      </p:par>
+    </p:tnLst>
+  </p:timing>
+</p:sld>
+</file>
+
+<file path=ppt/slides/slide31.xml><?xml version="1.0" encoding="utf-8"?>
+<p:sld xmlns:a="http://schemas.openxmlformats.org/drawingml/2006/main" xmlns:r="http://schemas.openxmlformats.org/officeDocument/2006/relationships" xmlns:p="http://schemas.openxmlformats.org/presentationml/2006/main">
+  <p:cSld>
+    <p:spTree>
+      <p:nvGrpSpPr>
+        <p:cNvPr id="1" name=""/>
+        <p:cNvGrpSpPr/>
+        <p:nvPr/>
+      </p:nvGrpSpPr>
+      <p:grpSpPr>
+        <a:xfrm>
+          <a:off x="0" y="0"/>
+          <a:ext cx="0" cy="0"/>
+          <a:chOff x="0" y="0"/>
+          <a:chExt cx="0" cy="0"/>
+        </a:xfrm>
+      </p:grpSpPr>
+      <p:sp>
+        <p:nvSpPr>
+          <p:cNvPr id="3" name="Content Placeholder 2"/>
+          <p:cNvSpPr>
+            <a:spLocks noGrp="1"/>
+          </p:cNvSpPr>
+          <p:nvPr>
+            <p:ph idx="1"/>
+          </p:nvPr>
+        </p:nvSpPr>
+        <p:spPr>
+          <a:xfrm>
+            <a:off x="457200" y="1034189"/>
+            <a:ext cx="8229600" cy="4525963"/>
+          </a:xfrm>
+        </p:spPr>
+        <p:txBody>
+          <a:bodyPr/>
+          <a:lstStyle/>
+          <a:p>
+            <a:r>
+              <a:rPr lang="en-US" sz="4400" dirty="0" smtClean="0"/>
+              <a:t>On the other hand</a:t>
+            </a:r>
+            <a:endParaRPr lang="en-US" sz="4400" dirty="0"/>
+          </a:p>
+        </p:txBody>
+      </p:sp>
+      <p:sp>
+        <p:nvSpPr>
+          <p:cNvPr id="4" name="Slide Number Placeholder 3"/>
+          <p:cNvSpPr>
+            <a:spLocks noGrp="1"/>
+          </p:cNvSpPr>
+          <p:nvPr>
+            <p:ph type="sldNum" sz="quarter" idx="4"/>
+          </p:nvPr>
+        </p:nvSpPr>
+        <p:spPr/>
+        <p:txBody>
+          <a:bodyPr/>
+          <a:lstStyle/>
+          <a:p>
+            <a:pPr>
+              <a:defRPr/>
+            </a:pPr>
+            <a:r>
+              <a:rPr lang="en-US" smtClean="0"/>
+              <a:t>expect_intro.</a:t>
+            </a:r>
+            <a:fld id="{7886A709-CED2-48A3-8616-B2655C008ECB}" type="slidenum">
+              <a:rPr lang="en-US" smtClean="0"/>
+              <a:pPr>
+                <a:defRPr/>
+              </a:pPr>
+              <a:t>31</a:t>
+            </a:fld>
+            <a:endParaRPr lang="en-US" dirty="0"/>
+          </a:p>
+        </p:txBody>
+      </p:sp>
+      <p:sp>
+        <p:nvSpPr>
+          <p:cNvPr id="5" name="Title 1"/>
+          <p:cNvSpPr>
+            <a:spLocks noGrp="1"/>
+          </p:cNvSpPr>
+          <p:nvPr>
+            <p:ph type="title"/>
+          </p:nvPr>
+        </p:nvSpPr>
+        <p:spPr>
+          <a:xfrm>
+            <a:off x="1072352" y="225425"/>
+            <a:ext cx="7270750" cy="684213"/>
+          </a:xfrm>
+        </p:spPr>
+        <p:txBody>
+          <a:bodyPr/>
+          <a:lstStyle/>
+          <a:p>
+            <a:r>
+              <a:rPr lang="en-US" dirty="0" smtClean="0"/>
+              <a:t>Expectations &amp; Averages</a:t>
+            </a:r>
+            <a:endParaRPr lang="en-US" dirty="0"/>
+          </a:p>
+        </p:txBody>
+      </p:sp>
+      <p:graphicFrame>
+        <p:nvGraphicFramePr>
+          <p:cNvPr id="6" name="Object 5"/>
+          <p:cNvGraphicFramePr>
+            <a:graphicFrameLocks noChangeAspect="1"/>
+          </p:cNvGraphicFramePr>
+          <p:nvPr>
+            <p:extLst>
+              <p:ext uri="{D42A27DB-BD31-4B8C-83A1-F6EECF244321}">
+                <p14:modId xmlns:p14="http://schemas.microsoft.com/office/powerpoint/2010/main" val="3213046209"/>
+              </p:ext>
+            </p:extLst>
+          </p:nvPr>
+        </p:nvGraphicFramePr>
+        <p:xfrm>
+          <a:off x="483393" y="1842024"/>
+          <a:ext cx="7996238" cy="1190625"/>
+        </p:xfrm>
+        <a:graphic>
+          <a:graphicData uri="http://schemas.openxmlformats.org/presentationml/2006/ole">
+            <mc:AlternateContent xmlns:mc="http://schemas.openxmlformats.org/markup-compatibility/2006">
+              <mc:Choice xmlns:v="urn:schemas-microsoft-com:vml" Requires="v">
+                <p:oleObj spid="_x0000_s582663" name="Equation" r:id="rId3" imgW="1536700" imgH="228600" progId="Equation.DSMT4">
+                  <p:embed/>
+                </p:oleObj>
+              </mc:Choice>
+              <mc:Fallback>
+                <p:oleObj name="Equation" r:id="rId3" imgW="1536700" imgH="228600" progId="Equation.DSMT4">
+                  <p:embed/>
+                  <p:pic>
+                    <p:nvPicPr>
+                      <p:cNvPr id="0" name=""/>
+                      <p:cNvPicPr/>
+                      <p:nvPr/>
+                    </p:nvPicPr>
+                    <p:blipFill>
+                      <a:blip r:embed="rId4"/>
+                      <a:stretch>
+                        <a:fillRect/>
+                      </a:stretch>
+                    </p:blipFill>
+                    <p:spPr>
+                      <a:xfrm>
+                        <a:off x="483393" y="1842024"/>
+                        <a:ext cx="7996238" cy="1190625"/>
+                      </a:xfrm>
+                      <a:prstGeom prst="rect">
+                        <a:avLst/>
+                      </a:prstGeom>
+                    </p:spPr>
+                  </p:pic>
+                </p:oleObj>
+              </mc:Fallback>
+            </mc:AlternateContent>
+          </a:graphicData>
+        </a:graphic>
+      </p:graphicFrame>
+      <p:sp>
+        <p:nvSpPr>
+          <p:cNvPr id="2" name="TextBox 1"/>
+          <p:cNvSpPr txBox="1"/>
+          <p:nvPr/>
+        </p:nvSpPr>
+        <p:spPr>
+          <a:xfrm>
+            <a:off x="535775" y="2966426"/>
+            <a:ext cx="7938291" cy="3139321"/>
+          </a:xfrm>
+          <a:prstGeom prst="rect">
+            <a:avLst/>
+          </a:prstGeom>
+          <a:noFill/>
+        </p:spPr>
+        <p:txBody>
+          <a:bodyPr wrap="none" rtlCol="0">
+            <a:spAutoFit/>
+          </a:bodyPr>
+          <a:lstStyle/>
+          <a:p>
+            <a:r>
+              <a:rPr lang="en-US" sz="5400" dirty="0" smtClean="0">
+                <a:latin typeface="Comic Sans MS"/>
+                <a:cs typeface="Comic Sans MS"/>
+              </a:rPr>
+              <a:t>is possible for all</a:t>
+            </a:r>
+            <a:r>
+              <a:rPr lang="en-US" sz="5400" dirty="0" smtClean="0"/>
+              <a:t> </a:t>
+            </a:r>
+            <a:r>
+              <a:rPr lang="en-US" sz="5400" dirty="0" err="1" smtClean="0">
+                <a:solidFill>
+                  <a:srgbClr val="006600"/>
+                </a:solidFill>
+              </a:rPr>
+              <a:t>ɛ</a:t>
+            </a:r>
+            <a:r>
+              <a:rPr lang="en-US" sz="5400" dirty="0" smtClean="0">
+                <a:solidFill>
+                  <a:srgbClr val="006600"/>
+                </a:solidFill>
+              </a:rPr>
+              <a:t> </a:t>
+            </a:r>
+            <a:r>
+              <a:rPr lang="en-US" sz="5400" b="1" dirty="0" smtClean="0">
+                <a:solidFill>
+                  <a:srgbClr val="006600"/>
+                </a:solidFill>
+                <a:latin typeface="Euclid Symbol" charset="2"/>
+                <a:cs typeface="Euclid Symbol" charset="2"/>
+              </a:rPr>
+              <a:t>&gt; </a:t>
+            </a:r>
+            <a:r>
+              <a:rPr lang="en-US" sz="5400" dirty="0" smtClean="0">
+                <a:solidFill>
+                  <a:srgbClr val="006600"/>
+                </a:solidFill>
+              </a:rPr>
+              <a:t>0</a:t>
+            </a:r>
+          </a:p>
+          <a:p>
+            <a:r>
+              <a:rPr lang="en-US" sz="4800" dirty="0" smtClean="0">
+                <a:latin typeface="Comic Sans MS"/>
+                <a:cs typeface="Comic Sans MS"/>
+              </a:rPr>
+              <a:t>For example,</a:t>
+            </a:r>
+            <a:r>
+              <a:rPr lang="en-US" sz="4800" dirty="0" smtClean="0">
+                <a:solidFill>
+                  <a:srgbClr val="006600"/>
+                </a:solidFill>
+                <a:latin typeface="Comic Sans MS"/>
+                <a:cs typeface="Comic Sans MS"/>
+              </a:rPr>
+              <a:t> </a:t>
+            </a:r>
+            <a:r>
+              <a:rPr lang="en-US" sz="4800" dirty="0" smtClean="0">
+                <a:latin typeface="Comic Sans MS"/>
+                <a:cs typeface="Comic Sans MS"/>
+              </a:rPr>
+              <a:t>almost</a:t>
+            </a:r>
+          </a:p>
+          <a:p>
+            <a:r>
+              <a:rPr lang="en-US" sz="4800" dirty="0" smtClean="0">
+                <a:latin typeface="Comic Sans MS"/>
+                <a:cs typeface="Comic Sans MS"/>
+              </a:rPr>
+              <a:t>everyone has an above</a:t>
+            </a:r>
+          </a:p>
+          <a:p>
+            <a:r>
+              <a:rPr lang="en-US" sz="4800" dirty="0" smtClean="0">
+                <a:latin typeface="Comic Sans MS"/>
+                <a:cs typeface="Comic Sans MS"/>
+              </a:rPr>
+              <a:t>average number of fingers.</a:t>
+            </a:r>
+          </a:p>
+        </p:txBody>
+      </p:sp>
+    </p:spTree>
+    <p:extLst>
+      <p:ext uri="{BB962C8B-B14F-4D97-AF65-F5344CB8AC3E}">
+        <p14:creationId xmlns:p14="http://schemas.microsoft.com/office/powerpoint/2010/main" val="2415788287"/>
+      </p:ext>
+    </p:extLst>
+  </p:cSld>
+  <p:clrMapOvr>
+    <a:masterClrMapping/>
+  </p:clrMapOvr>
+  <p:transition xmlns:p14="http://schemas.microsoft.com/office/powerpoint/2010/main" spd="slow" advClick="0">
+    <p:fade/>
+  </p:transition>
+  <p:timing>
+    <p:tnLst>
+      <p:par>
+        <p:cTn xmlns:p14="http://schemas.microsoft.com/office/powerpoint/2010/main" id="1" dur="indefinite" restart="never" nodeType="tmRoot">
+          <p:childTnLst>
+            <p:seq concurrent="1" nextAc="seek">
+              <p:cTn id="2" dur="indefinite" nodeType="mainSeq">
+                <p:childTnLst>
+                  <p:par>
+                    <p:cTn id="3" fill="hold">
+                      <p:stCondLst>
+                        <p:cond delay="indefinite"/>
+                      </p:stCondLst>
+                      <p:childTnLst>
+                        <p:par>
+                          <p:cTn id="4" fill="hold">
+                            <p:stCondLst>
+                              <p:cond delay="0"/>
+                            </p:stCondLst>
+                            <p:childTnLst>
+                              <p:par>
+                                <p:cTn id="5" presetID="22" presetClass="entr" presetSubtype="8" fill="hold" nodeType="clickEffect">
+                                  <p:stCondLst>
+                                    <p:cond delay="0"/>
+                                  </p:stCondLst>
+                                  <p:childTnLst>
+                                    <p:set>
+                                      <p:cBhvr>
+                                        <p:cTn id="6" dur="1" fill="hold">
+                                          <p:stCondLst>
+                                            <p:cond delay="0"/>
+                                          </p:stCondLst>
+                                        </p:cTn>
+                                        <p:tgtEl>
+                                          <p:spTgt spid="6"/>
+                                        </p:tgtEl>
+                                        <p:attrNameLst>
+                                          <p:attrName>style.visibility</p:attrName>
+                                        </p:attrNameLst>
+                                      </p:cBhvr>
+                                      <p:to>
+                                        <p:strVal val="visible"/>
+                                      </p:to>
+                                    </p:set>
+                                    <p:animEffect transition="in" filter="wipe(left)">
+                                      <p:cBhvr>
+                                        <p:cTn id="7" dur="2000"/>
+                                        <p:tgtEl>
+                                          <p:spTgt spid="6"/>
+                                        </p:tgtEl>
+                                      </p:cBhvr>
+                                    </p:animEffect>
+                                  </p:childTnLst>
+                                </p:cTn>
+                              </p:par>
+                            </p:childTnLst>
+                          </p:cTn>
+                        </p:par>
+                      </p:childTnLst>
+                    </p:cTn>
+                  </p:par>
+                  <p:par>
+                    <p:cTn id="8" fill="hold">
+                      <p:stCondLst>
+                        <p:cond delay="indefinite"/>
+                      </p:stCondLst>
+                      <p:childTnLst>
+                        <p:par>
+                          <p:cTn id="9" fill="hold">
+                            <p:stCondLst>
+                              <p:cond delay="0"/>
+                            </p:stCondLst>
+                            <p:childTnLst>
+                              <p:par>
+                                <p:cTn id="10" presetID="10" presetClass="entr" presetSubtype="0" fill="hold" grpId="0" nodeType="clickEffect">
+                                  <p:stCondLst>
+                                    <p:cond delay="0"/>
+                                  </p:stCondLst>
+                                  <p:childTnLst>
+                                    <p:set>
+                                      <p:cBhvr>
+                                        <p:cTn id="11" dur="1" fill="hold">
+                                          <p:stCondLst>
+                                            <p:cond delay="0"/>
+                                          </p:stCondLst>
+                                        </p:cTn>
+                                        <p:tgtEl>
+                                          <p:spTgt spid="2">
+                                            <p:txEl>
+                                              <p:pRg st="0" end="0"/>
+                                            </p:txEl>
+                                          </p:spTgt>
+                                        </p:tgtEl>
+                                        <p:attrNameLst>
+                                          <p:attrName>style.visibility</p:attrName>
+                                        </p:attrNameLst>
+                                      </p:cBhvr>
+                                      <p:to>
+                                        <p:strVal val="visible"/>
+                                      </p:to>
+                                    </p:set>
+                                    <p:animEffect transition="in" filter="fade">
+                                      <p:cBhvr>
+                                        <p:cTn id="12" dur="500"/>
+                                        <p:tgtEl>
+                                          <p:spTgt spid="2">
+                                            <p:txEl>
+                                              <p:pRg st="0" end="0"/>
+                                            </p:txEl>
+                                          </p:spTgt>
+                                        </p:tgtEl>
+                                      </p:cBhvr>
+                                    </p:animEffect>
+                                  </p:childTnLst>
+                                </p:cTn>
+                              </p:par>
+                            </p:childTnLst>
+                          </p:cTn>
+                        </p:par>
+                      </p:childTnLst>
+                    </p:cTn>
+                  </p:par>
+                  <p:par>
+                    <p:cTn id="13" fill="hold">
+                      <p:stCondLst>
+                        <p:cond delay="indefinite"/>
+                      </p:stCondLst>
+                      <p:childTnLst>
+                        <p:par>
+                          <p:cTn id="14" fill="hold">
+                            <p:stCondLst>
+                              <p:cond delay="0"/>
+                            </p:stCondLst>
+                            <p:childTnLst>
+                              <p:par>
+                                <p:cTn id="15" presetID="10" presetClass="entr" presetSubtype="0" fill="hold" grpId="0" nodeType="clickEffect">
+                                  <p:stCondLst>
+                                    <p:cond delay="0"/>
+                                  </p:stCondLst>
+                                  <p:childTnLst>
+                                    <p:set>
+                                      <p:cBhvr>
+                                        <p:cTn id="16" dur="1" fill="hold">
+                                          <p:stCondLst>
+                                            <p:cond delay="0"/>
+                                          </p:stCondLst>
+                                        </p:cTn>
+                                        <p:tgtEl>
+                                          <p:spTgt spid="2">
+                                            <p:txEl>
+                                              <p:pRg st="1" end="1"/>
+                                            </p:txEl>
+                                          </p:spTgt>
+                                        </p:tgtEl>
+                                        <p:attrNameLst>
+                                          <p:attrName>style.visibility</p:attrName>
+                                        </p:attrNameLst>
+                                      </p:cBhvr>
+                                      <p:to>
+                                        <p:strVal val="visible"/>
+                                      </p:to>
+                                    </p:set>
+                                    <p:animEffect transition="in" filter="fade">
+                                      <p:cBhvr>
+                                        <p:cTn id="17" dur="500"/>
+                                        <p:tgtEl>
+                                          <p:spTgt spid="2">
+                                            <p:txEl>
+                                              <p:pRg st="1" end="1"/>
+                                            </p:txEl>
+                                          </p:spTgt>
+                                        </p:tgtEl>
+                                      </p:cBhvr>
+                                    </p:animEffect>
+                                  </p:childTnLst>
+                                </p:cTn>
+                              </p:par>
+                              <p:par>
+                                <p:cTn id="18" presetID="10" presetClass="entr" presetSubtype="0" fill="hold" grpId="0" nodeType="withEffect">
+                                  <p:stCondLst>
+                                    <p:cond delay="0"/>
+                                  </p:stCondLst>
+                                  <p:childTnLst>
+                                    <p:set>
+                                      <p:cBhvr>
+                                        <p:cTn id="19" dur="1" fill="hold">
+                                          <p:stCondLst>
+                                            <p:cond delay="0"/>
+                                          </p:stCondLst>
+                                        </p:cTn>
+                                        <p:tgtEl>
+                                          <p:spTgt spid="2">
+                                            <p:txEl>
+                                              <p:pRg st="2" end="2"/>
+                                            </p:txEl>
+                                          </p:spTgt>
+                                        </p:tgtEl>
+                                        <p:attrNameLst>
+                                          <p:attrName>style.visibility</p:attrName>
+                                        </p:attrNameLst>
+                                      </p:cBhvr>
+                                      <p:to>
+                                        <p:strVal val="visible"/>
+                                      </p:to>
+                                    </p:set>
+                                    <p:animEffect transition="in" filter="fade">
+                                      <p:cBhvr>
+                                        <p:cTn id="20" dur="500"/>
+                                        <p:tgtEl>
+                                          <p:spTgt spid="2">
+                                            <p:txEl>
+                                              <p:pRg st="2" end="2"/>
+                                            </p:txEl>
+                                          </p:spTgt>
+                                        </p:tgtEl>
+                                      </p:cBhvr>
+                                    </p:animEffect>
+                                  </p:childTnLst>
+                                </p:cTn>
+                              </p:par>
+                              <p:par>
+                                <p:cTn id="21" presetID="10" presetClass="entr" presetSubtype="0" fill="hold" grpId="0" nodeType="withEffect">
+                                  <p:stCondLst>
+                                    <p:cond delay="0"/>
+                                  </p:stCondLst>
+                                  <p:childTnLst>
+                                    <p:set>
+                                      <p:cBhvr>
+                                        <p:cTn id="22" dur="1" fill="hold">
+                                          <p:stCondLst>
+                                            <p:cond delay="0"/>
+                                          </p:stCondLst>
+                                        </p:cTn>
+                                        <p:tgtEl>
+                                          <p:spTgt spid="2">
+                                            <p:txEl>
+                                              <p:pRg st="3" end="3"/>
+                                            </p:txEl>
+                                          </p:spTgt>
+                                        </p:tgtEl>
+                                        <p:attrNameLst>
+                                          <p:attrName>style.visibility</p:attrName>
+                                        </p:attrNameLst>
+                                      </p:cBhvr>
+                                      <p:to>
+                                        <p:strVal val="visible"/>
+                                      </p:to>
+                                    </p:set>
+                                    <p:animEffect transition="in" filter="fade">
+                                      <p:cBhvr>
+                                        <p:cTn id="23" dur="500"/>
+                                        <p:tgtEl>
+                                          <p:spTgt spid="2">
+                                            <p:txEl>
+                                              <p:pRg st="3" end="3"/>
+                                            </p:txEl>
+                                          </p:spTgt>
+                                        </p:tgtEl>
+                                      </p:cBhvr>
+                                    </p:animEffect>
+                                  </p:childTnLst>
+                                </p:cTn>
+                              </p:par>
+                            </p:childTnLst>
+                          </p:cTn>
+                        </p:par>
+                      </p:childTnLst>
+                    </p:cTn>
+                  </p:par>
+                </p:childTnLst>
+              </p:cTn>
+              <p:prevCondLst>
+                <p:cond evt="onPrev" delay="0">
+                  <p:tgtEl>
+                    <p:sldTgt/>
+                  </p:tgtEl>
+                </p:cond>
+              </p:prevCondLst>
+              <p:nextCondLst>
+                <p:cond evt="onNext" delay="0">
+                  <p:tgtEl>
+                    <p:sldTgt/>
+                  </p:tgtEl>
+                </p:cond>
+              </p:nextCondLst>
+            </p:seq>
+          </p:childTnLst>
+        </p:cTn>
+      </p:par>
+    </p:tnLst>
+    <p:bldLst>
+      <p:bldP spid="2" grpId="0" build="p"/>
+    </p:bldLst>
+  </p:timing>
+</p:sld>
+</file>
+
 <file path=ppt/slides/slide4.xml><?xml version="1.0" encoding="utf-8"?>
 <p:sld xmlns:a="http://schemas.openxmlformats.org/drawingml/2006/main" xmlns:r="http://schemas.openxmlformats.org/officeDocument/2006/relationships" xmlns:p="http://schemas.openxmlformats.org/presentationml/2006/main">
   <p:cSld>
@@ -9801,7 +14591,7 @@
                             </p:stCondLst>
                             <p:childTnLst>
                               <p:par>
-                                <p:cTn id="5" presetID="1" presetClass="entr" presetSubtype="0" fill="hold" nodeType="clickEffect">
+                                <p:cTn id="5" presetID="10" presetClass="entr" presetSubtype="0" fill="hold" grpId="0" nodeType="clickEffect">
                                   <p:stCondLst>
                                     <p:cond delay="0"/>
                                   </p:stCondLst>
@@ -9809,6 +14599,67 @@
                                     <p:set>
                                       <p:cBhvr>
                                         <p:cTn id="6" dur="1" fill="hold">
+                                          <p:stCondLst>
+                                            <p:cond delay="0"/>
+                                          </p:stCondLst>
+                                        </p:cTn>
+                                        <p:tgtEl>
+                                          <p:spTgt spid="3">
+                                            <p:txEl>
+                                              <p:pRg st="1" end="1"/>
+                                            </p:txEl>
+                                          </p:spTgt>
+                                        </p:tgtEl>
+                                        <p:attrNameLst>
+                                          <p:attrName>style.visibility</p:attrName>
+                                        </p:attrNameLst>
+                                      </p:cBhvr>
+                                      <p:to>
+                                        <p:strVal val="visible"/>
+                                      </p:to>
+                                    </p:set>
+                                    <p:animEffect transition="in" filter="fade">
+                                      <p:cBhvr>
+                                        <p:cTn id="7" dur="500"/>
+                                        <p:tgtEl>
+                                          <p:spTgt spid="3">
+                                            <p:txEl>
+                                              <p:pRg st="1" end="1"/>
+                                            </p:txEl>
+                                          </p:spTgt>
+                                        </p:tgtEl>
+                                      </p:cBhvr>
+                                    </p:animEffect>
+                                  </p:childTnLst>
+                                </p:cTn>
+                              </p:par>
+                            </p:childTnLst>
+                          </p:cTn>
+                        </p:par>
+                      </p:childTnLst>
+                    </p:cTn>
+                  </p:par>
+                  <p:par>
+                    <p:cTn id="8" fill="hold">
+                      <p:stCondLst>
+                        <p:cond delay="indefinite"/>
+                      </p:stCondLst>
+                      <p:childTnLst>
+                        <p:par>
+                          <p:cTn id="9" fill="hold">
+                            <p:stCondLst>
+                              <p:cond delay="0"/>
+                            </p:stCondLst>
+                            <p:childTnLst>
+                              <p:par>
+                                <p:cTn id="10" presetID="10" presetClass="entr" presetSubtype="0" fill="hold" grpId="0" nodeType="clickEffect">
+                                  <p:stCondLst>
+                                    <p:cond delay="0"/>
+                                  </p:stCondLst>
+                                  <p:childTnLst>
+                                    <p:set>
+                                      <p:cBhvr>
+                                        <p:cTn id="11" dur="1" fill="hold">
                                           <p:stCondLst>
                                             <p:cond delay="0"/>
                                           </p:stCondLst>
@@ -9828,6 +14679,18 @@
                                         <p:strVal val="visible"/>
                                       </p:to>
                                     </p:set>
+                                    <p:animEffect transition="in" filter="fade">
+                                      <p:cBhvr>
+                                        <p:cTn id="12" dur="500"/>
+                                        <p:tgtEl>
+                                          <p:spTgt spid="3">
+                                            <p:txEl>
+                                              <p:pRg st="2" end="2"/>
+                                            </p:txEl>
+                                          </p:spTgt>
+                                        </p:tgtEl>
+                                      </p:cBhvr>
+                                    </p:animEffect>
                                   </p:childTnLst>
                                 </p:cTn>
                               </p:par>
@@ -9838,26 +14701,26 @@
                     </p:cTn>
                   </p:par>
                   <p:par>
-                    <p:cTn id="7" fill="hold">
+                    <p:cTn id="13" fill="hold">
                       <p:stCondLst>
                         <p:cond delay="indefinite"/>
                       </p:stCondLst>
                       <p:childTnLst>
                         <p:par>
-                          <p:cTn id="8" fill="hold">
+                          <p:cTn id="14" fill="hold">
                             <p:stCondLst>
                               <p:cond delay="0"/>
                             </p:stCondLst>
                             <p:childTnLst>
                               <p:par>
-                                <p:cTn id="9" presetID="1" presetClass="entr" presetSubtype="0" fill="hold" nodeType="clickEffect">
+                                <p:cTn id="15" presetID="10" presetClass="entr" presetSubtype="0" fill="hold" grpId="0" nodeType="clickEffect">
                                   <p:stCondLst>
                                     <p:cond delay="0"/>
                                   </p:stCondLst>
                                   <p:childTnLst>
                                     <p:set>
                                       <p:cBhvr>
-                                        <p:cTn id="10" dur="1" fill="hold">
+                                        <p:cTn id="16" dur="1" fill="hold">
                                           <p:stCondLst>
                                             <p:cond delay="0"/>
                                           </p:stCondLst>
@@ -9877,6 +14740,18 @@
                                         <p:strVal val="visible"/>
                                       </p:to>
                                     </p:set>
+                                    <p:animEffect transition="in" filter="fade">
+                                      <p:cBhvr>
+                                        <p:cTn id="17" dur="500"/>
+                                        <p:tgtEl>
+                                          <p:spTgt spid="3">
+                                            <p:txEl>
+                                              <p:pRg st="3" end="3"/>
+                                            </p:txEl>
+                                          </p:spTgt>
+                                        </p:tgtEl>
+                                      </p:cBhvr>
+                                    </p:animEffect>
                                   </p:childTnLst>
                                 </p:cTn>
                               </p:par>
@@ -9887,26 +14762,26 @@
                     </p:cTn>
                   </p:par>
                   <p:par>
-                    <p:cTn id="11" fill="hold">
+                    <p:cTn id="18" fill="hold">
                       <p:stCondLst>
                         <p:cond delay="indefinite"/>
                       </p:stCondLst>
                       <p:childTnLst>
                         <p:par>
-                          <p:cTn id="12" fill="hold">
+                          <p:cTn id="19" fill="hold">
                             <p:stCondLst>
                               <p:cond delay="0"/>
                             </p:stCondLst>
                             <p:childTnLst>
                               <p:par>
-                                <p:cTn id="13" presetID="1" presetClass="entr" presetSubtype="0" fill="hold" nodeType="clickEffect">
+                                <p:cTn id="20" presetID="10" presetClass="entr" presetSubtype="0" fill="hold" grpId="0" nodeType="clickEffect">
                                   <p:stCondLst>
                                     <p:cond delay="0"/>
                                   </p:stCondLst>
                                   <p:childTnLst>
                                     <p:set>
                                       <p:cBhvr>
-                                        <p:cTn id="14" dur="1" fill="hold">
+                                        <p:cTn id="21" dur="1" fill="hold">
                                           <p:stCondLst>
                                             <p:cond delay="0"/>
                                           </p:stCondLst>
@@ -9926,6 +14801,18 @@
                                         <p:strVal val="visible"/>
                                       </p:to>
                                     </p:set>
+                                    <p:animEffect transition="in" filter="fade">
+                                      <p:cBhvr>
+                                        <p:cTn id="22" dur="500"/>
+                                        <p:tgtEl>
+                                          <p:spTgt spid="3">
+                                            <p:txEl>
+                                              <p:pRg st="4" end="4"/>
+                                            </p:txEl>
+                                          </p:spTgt>
+                                        </p:tgtEl>
+                                      </p:cBhvr>
+                                    </p:animEffect>
                                   </p:childTnLst>
                                 </p:cTn>
                               </p:par>
@@ -9956,6 +14843,9 @@
         </p:cTn>
       </p:par>
     </p:tnLst>
+    <p:bldLst>
+      <p:bldP spid="3" grpId="0" build="p"/>
+    </p:bldLst>
   </p:timing>
 </p:sld>
 </file>
@@ -10200,7 +15090,7 @@
           <a:graphicData uri="http://schemas.openxmlformats.org/presentationml/2006/ole">
             <mc:AlternateContent xmlns:mc="http://schemas.openxmlformats.org/markup-compatibility/2006">
               <mc:Choice xmlns:v="urn:schemas-microsoft-com:vml" Requires="v">
-                <p:oleObj spid="_x0000_s168061" name="Equation" r:id="rId4" imgW="1231900" imgH="584200" progId="Equation.DSMT4">
+                <p:oleObj spid="_x0000_s168114" name="Equation" r:id="rId4" imgW="1231900" imgH="584200" progId="Equation.DSMT4">
                   <p:embed/>
                 </p:oleObj>
               </mc:Choice>
@@ -10270,7 +15160,7 @@
           <a:graphicData uri="http://schemas.openxmlformats.org/presentationml/2006/ole">
             <mc:AlternateContent xmlns:mc="http://schemas.openxmlformats.org/markup-compatibility/2006">
               <mc:Choice xmlns:v="urn:schemas-microsoft-com:vml" Requires="v">
-                <p:oleObj spid="_x0000_s168062" name="Equation" r:id="rId6" imgW="1562100" imgH="584200" progId="Equation.DSMT4">
+                <p:oleObj spid="_x0000_s168115" name="Equation" r:id="rId6" imgW="1562100" imgH="584200" progId="Equation.DSMT4">
                   <p:embed/>
                 </p:oleObj>
               </mc:Choice>
@@ -10340,7 +15230,7 @@
           <a:graphicData uri="http://schemas.openxmlformats.org/presentationml/2006/ole">
             <mc:AlternateContent xmlns:mc="http://schemas.openxmlformats.org/markup-compatibility/2006">
               <mc:Choice xmlns:v="urn:schemas-microsoft-com:vml" Requires="v">
-                <p:oleObj spid="_x0000_s168063" name="Equation" r:id="rId8" imgW="1689100" imgH="584200" progId="Equation.DSMT4">
+                <p:oleObj spid="_x0000_s168116" name="Equation" r:id="rId8" imgW="1689100" imgH="584200" progId="Equation.DSMT4">
                   <p:embed/>
                 </p:oleObj>
               </mc:Choice>
@@ -10410,7 +15300,7 @@
           <a:graphicData uri="http://schemas.openxmlformats.org/presentationml/2006/ole">
             <mc:AlternateContent xmlns:mc="http://schemas.openxmlformats.org/markup-compatibility/2006">
               <mc:Choice xmlns:v="urn:schemas-microsoft-com:vml" Requires="v">
-                <p:oleObj spid="_x0000_s168064" name="Equation" r:id="rId10" imgW="1219200" imgH="584200" progId="Equation.DSMT4">
+                <p:oleObj spid="_x0000_s168117" name="Equation" r:id="rId10" imgW="1219200" imgH="584200" progId="Equation.DSMT4">
                   <p:embed/>
                 </p:oleObj>
               </mc:Choice>
@@ -10575,6 +15465,234 @@
           </a:ln>
         </p:spPr>
       </p:pic>
+      <p:graphicFrame>
+        <p:nvGraphicFramePr>
+          <p:cNvPr id="2" name="Object 1"/>
+          <p:cNvGraphicFramePr>
+            <a:graphicFrameLocks noChangeAspect="1"/>
+          </p:cNvGraphicFramePr>
+          <p:nvPr>
+            <p:extLst>
+              <p:ext uri="{D42A27DB-BD31-4B8C-83A1-F6EECF244321}">
+                <p14:modId xmlns:p14="http://schemas.microsoft.com/office/powerpoint/2010/main" val="2757820971"/>
+              </p:ext>
+            </p:extLst>
+          </p:nvPr>
+        </p:nvGraphicFramePr>
+        <p:xfrm>
+          <a:off x="5016500" y="4152900"/>
+          <a:ext cx="139700" cy="215900"/>
+        </p:xfrm>
+        <a:graphic>
+          <a:graphicData uri="http://schemas.openxmlformats.org/presentationml/2006/ole">
+            <mc:AlternateContent xmlns:mc="http://schemas.openxmlformats.org/markup-compatibility/2006">
+              <mc:Choice xmlns:v="urn:schemas-microsoft-com:vml" Requires="v">
+                <p:oleObj spid="_x0000_s168118" name="Equation" r:id="rId13" imgW="139700" imgH="215900" progId="Equation.DSMT4">
+                  <p:embed/>
+                </p:oleObj>
+              </mc:Choice>
+              <mc:Fallback>
+                <p:oleObj name="Equation" r:id="rId13" imgW="139700" imgH="215900" progId="Equation.DSMT4">
+                  <p:embed/>
+                  <p:pic>
+                    <p:nvPicPr>
+                      <p:cNvPr id="0" name=""/>
+                      <p:cNvPicPr/>
+                      <p:nvPr/>
+                    </p:nvPicPr>
+                    <p:blipFill>
+                      <a:blip r:embed="rId14"/>
+                      <a:stretch>
+                        <a:fillRect/>
+                      </a:stretch>
+                    </p:blipFill>
+                    <p:spPr>
+                      <a:xfrm>
+                        <a:off x="5016500" y="4152900"/>
+                        <a:ext cx="139700" cy="215900"/>
+                      </a:xfrm>
+                      <a:prstGeom prst="rect">
+                        <a:avLst/>
+                      </a:prstGeom>
+                    </p:spPr>
+                  </p:pic>
+                </p:oleObj>
+              </mc:Fallback>
+            </mc:AlternateContent>
+          </a:graphicData>
+        </a:graphic>
+      </p:graphicFrame>
+      <p:graphicFrame>
+        <p:nvGraphicFramePr>
+          <p:cNvPr id="3" name="Object 2"/>
+          <p:cNvGraphicFramePr>
+            <a:graphicFrameLocks noChangeAspect="1"/>
+          </p:cNvGraphicFramePr>
+          <p:nvPr>
+            <p:extLst>
+              <p:ext uri="{D42A27DB-BD31-4B8C-83A1-F6EECF244321}">
+                <p14:modId xmlns:p14="http://schemas.microsoft.com/office/powerpoint/2010/main" val="2832216761"/>
+              </p:ext>
+            </p:extLst>
+          </p:nvPr>
+        </p:nvGraphicFramePr>
+        <p:xfrm>
+          <a:off x="5016500" y="4152900"/>
+          <a:ext cx="139700" cy="215900"/>
+        </p:xfrm>
+        <a:graphic>
+          <a:graphicData uri="http://schemas.openxmlformats.org/presentationml/2006/ole">
+            <mc:AlternateContent xmlns:mc="http://schemas.openxmlformats.org/markup-compatibility/2006">
+              <mc:Choice xmlns:v="urn:schemas-microsoft-com:vml" Requires="v">
+                <p:oleObj spid="_x0000_s168119" name="Equation" r:id="rId15" imgW="139700" imgH="215900" progId="Equation.DSMT4">
+                  <p:embed/>
+                </p:oleObj>
+              </mc:Choice>
+              <mc:Fallback>
+                <p:oleObj name="Equation" r:id="rId15" imgW="139700" imgH="215900" progId="Equation.DSMT4">
+                  <p:embed/>
+                  <p:pic>
+                    <p:nvPicPr>
+                      <p:cNvPr id="0" name=""/>
+                      <p:cNvPicPr/>
+                      <p:nvPr/>
+                    </p:nvPicPr>
+                    <p:blipFill>
+                      <a:blip r:embed="rId14"/>
+                      <a:stretch>
+                        <a:fillRect/>
+                      </a:stretch>
+                    </p:blipFill>
+                    <p:spPr>
+                      <a:xfrm>
+                        <a:off x="5016500" y="4152900"/>
+                        <a:ext cx="139700" cy="215900"/>
+                      </a:xfrm>
+                      <a:prstGeom prst="rect">
+                        <a:avLst/>
+                      </a:prstGeom>
+                    </p:spPr>
+                  </p:pic>
+                </p:oleObj>
+              </mc:Fallback>
+            </mc:AlternateContent>
+          </a:graphicData>
+        </a:graphic>
+      </p:graphicFrame>
+      <p:graphicFrame>
+        <p:nvGraphicFramePr>
+          <p:cNvPr id="4" name="Object 3"/>
+          <p:cNvGraphicFramePr>
+            <a:graphicFrameLocks noChangeAspect="1"/>
+          </p:cNvGraphicFramePr>
+          <p:nvPr>
+            <p:extLst>
+              <p:ext uri="{D42A27DB-BD31-4B8C-83A1-F6EECF244321}">
+                <p14:modId xmlns:p14="http://schemas.microsoft.com/office/powerpoint/2010/main" val="352455359"/>
+              </p:ext>
+            </p:extLst>
+          </p:nvPr>
+        </p:nvGraphicFramePr>
+        <p:xfrm>
+          <a:off x="5016500" y="4152900"/>
+          <a:ext cx="139700" cy="215900"/>
+        </p:xfrm>
+        <a:graphic>
+          <a:graphicData uri="http://schemas.openxmlformats.org/presentationml/2006/ole">
+            <mc:AlternateContent xmlns:mc="http://schemas.openxmlformats.org/markup-compatibility/2006">
+              <mc:Choice xmlns:v="urn:schemas-microsoft-com:vml" Requires="v">
+                <p:oleObj spid="_x0000_s168120" name="Equation" r:id="rId16" imgW="139700" imgH="215900" progId="Equation.DSMT4">
+                  <p:embed/>
+                </p:oleObj>
+              </mc:Choice>
+              <mc:Fallback>
+                <p:oleObj name="Equation" r:id="rId16" imgW="139700" imgH="215900" progId="Equation.DSMT4">
+                  <p:embed/>
+                  <p:pic>
+                    <p:nvPicPr>
+                      <p:cNvPr id="0" name=""/>
+                      <p:cNvPicPr/>
+                      <p:nvPr/>
+                    </p:nvPicPr>
+                    <p:blipFill>
+                      <a:blip r:embed="rId14"/>
+                      <a:stretch>
+                        <a:fillRect/>
+                      </a:stretch>
+                    </p:blipFill>
+                    <p:spPr>
+                      <a:xfrm>
+                        <a:off x="5016500" y="4152900"/>
+                        <a:ext cx="139700" cy="215900"/>
+                      </a:xfrm>
+                      <a:prstGeom prst="rect">
+                        <a:avLst/>
+                      </a:prstGeom>
+                    </p:spPr>
+                  </p:pic>
+                </p:oleObj>
+              </mc:Fallback>
+            </mc:AlternateContent>
+          </a:graphicData>
+        </a:graphic>
+      </p:graphicFrame>
+      <p:graphicFrame>
+        <p:nvGraphicFramePr>
+          <p:cNvPr id="5" name="Object 4"/>
+          <p:cNvGraphicFramePr>
+            <a:graphicFrameLocks noChangeAspect="1"/>
+          </p:cNvGraphicFramePr>
+          <p:nvPr>
+            <p:extLst>
+              <p:ext uri="{D42A27DB-BD31-4B8C-83A1-F6EECF244321}">
+                <p14:modId xmlns:p14="http://schemas.microsoft.com/office/powerpoint/2010/main" val="19029901"/>
+              </p:ext>
+            </p:extLst>
+          </p:nvPr>
+        </p:nvGraphicFramePr>
+        <p:xfrm>
+          <a:off x="5636786" y="1257900"/>
+          <a:ext cx="1099980" cy="1130726"/>
+        </p:xfrm>
+        <a:graphic>
+          <a:graphicData uri="http://schemas.openxmlformats.org/presentationml/2006/ole">
+            <mc:AlternateContent xmlns:mc="http://schemas.openxmlformats.org/markup-compatibility/2006">
+              <mc:Choice xmlns:v="urn:schemas-microsoft-com:vml" Requires="v">
+                <p:oleObj spid="_x0000_s168121" name="Equation" r:id="rId17" imgW="457200" imgH="469900" progId="Equation.DSMT4">
+                  <p:embed/>
+                </p:oleObj>
+              </mc:Choice>
+              <mc:Fallback>
+                <p:oleObj name="Equation" r:id="rId17" imgW="457200" imgH="469900" progId="Equation.DSMT4">
+                  <p:embed/>
+                  <p:pic>
+                    <p:nvPicPr>
+                      <p:cNvPr id="0" name=""/>
+                      <p:cNvPicPr/>
+                      <p:nvPr/>
+                    </p:nvPicPr>
+                    <p:blipFill>
+                      <a:blip r:embed="rId18"/>
+                      <a:stretch>
+                        <a:fillRect/>
+                      </a:stretch>
+                    </p:blipFill>
+                    <p:spPr>
+                      <a:xfrm>
+                        <a:off x="5636786" y="1257900"/>
+                        <a:ext cx="1099980" cy="1130726"/>
+                      </a:xfrm>
+                      <a:prstGeom prst="rect">
+                        <a:avLst/>
+                      </a:prstGeom>
+                    </p:spPr>
+                  </p:pic>
+                </p:oleObj>
+              </mc:Fallback>
+            </mc:AlternateContent>
+          </a:graphicData>
+        </a:graphic>
+      </p:graphicFrame>
     </p:spTree>
   </p:cSld>
   <p:clrMapOvr>
@@ -10632,9 +15750,53 @@
                                     </p:set>
                                     <p:animEffect transition="in" filter="wipe(left)">
                                       <p:cBhvr>
-                                        <p:cTn id="7" dur="500"/>
+                                        <p:cTn id="7" dur="1000"/>
                                         <p:tgtEl>
                                           <p:spTgt spid="6"/>
+                                        </p:tgtEl>
+                                      </p:cBhvr>
+                                    </p:animEffect>
+                                  </p:childTnLst>
+                                </p:cTn>
+                              </p:par>
+                            </p:childTnLst>
+                          </p:cTn>
+                        </p:par>
+                        <p:par>
+                          <p:cTn id="8" fill="hold">
+                            <p:stCondLst>
+                              <p:cond delay="1000"/>
+                            </p:stCondLst>
+                            <p:childTnLst>
+                              <p:par>
+                                <p:cTn id="9" presetID="22" presetClass="entr" presetSubtype="8" fill="hold" nodeType="afterEffect">
+                                  <p:stCondLst>
+                                    <p:cond delay="0"/>
+                                  </p:stCondLst>
+                                  <p:childTnLst>
+                                    <p:set>
+                                      <p:cBhvr>
+                                        <p:cTn id="10" dur="1" fill="hold">
+                                          <p:stCondLst>
+                                            <p:cond delay="0"/>
+                                          </p:stCondLst>
+                                        </p:cTn>
+                                        <p:tgtEl>
+                                          <p:spTgt spid="5"/>
+                                        </p:tgtEl>
+                                        <p:attrNameLst>
+                                          <p:attrName>style.visibility</p:attrName>
+                                        </p:attrNameLst>
+                                      </p:cBhvr>
+                                      <p:to>
+                                        <p:strVal val="visible"/>
+                                      </p:to>
+                                    </p:set>
+                                    <p:animEffect transition="in" filter="wipe(left)">
+                                      <p:cBhvr>
+                                        <p:cTn id="11" dur="1000"/>
+                                        <p:tgtEl>
+                                          <p:spTgt spid="5"/>
                                         </p:tgtEl>
                                       </p:cBhvr>
                                     </p:animEffect>
@@ -10648,26 +15810,26 @@
                     </p:cTn>
                   </p:par>
                   <p:par>
-                    <p:cTn id="8" fill="hold">
+                    <p:cTn id="12" fill="hold">
                       <p:stCondLst>
                         <p:cond delay="indefinite"/>
                       </p:stCondLst>
                       <p:childTnLst>
                         <p:par>
-                          <p:cTn id="9" fill="hold">
+                          <p:cTn id="13" fill="hold">
                             <p:stCondLst>
                               <p:cond delay="0"/>
                             </p:stCondLst>
                             <p:childTnLst>
                               <p:par>
-                                <p:cTn id="10" presetID="22" presetClass="entr" presetSubtype="8" fill="hold" nodeType="clickEffect">
+                                <p:cTn id="14" presetID="22" presetClass="entr" presetSubtype="8" fill="hold" nodeType="clickEffect">
                                   <p:stCondLst>
                                     <p:cond delay="0"/>
                                   </p:stCondLst>
                                   <p:childTnLst>
                                     <p:set>
                                       <p:cBhvr>
-                                        <p:cTn id="11" dur="1" fill="hold">
+                                        <p:cTn id="15" dur="1" fill="hold">
                                           <p:stCondLst>
                                             <p:cond delay="0"/>
                                           </p:stCondLst>
@@ -10685,7 +15847,7 @@
                                     </p:set>
                                     <p:animEffect transition="in" filter="wipe(left)">
                                       <p:cBhvr>
-                                        <p:cTn id="12" dur="500"/>
+                                        <p:cTn id="16" dur="1000"/>
                                         <p:tgtEl>
                                           <p:spTgt spid="251908"/>
                                         </p:tgtEl>
@@ -10701,26 +15863,26 @@
                     </p:cTn>
                   </p:par>
                   <p:par>
-                    <p:cTn id="13" fill="hold">
+                    <p:cTn id="17" fill="hold">
                       <p:stCondLst>
                         <p:cond delay="indefinite"/>
                       </p:stCondLst>
                       <p:childTnLst>
                         <p:par>
-                          <p:cTn id="14" fill="hold">
+                          <p:cTn id="18" fill="hold">
                             <p:stCondLst>
                               <p:cond delay="0"/>
                             </p:stCondLst>
                             <p:childTnLst>
                               <p:par>
-                                <p:cTn id="15" presetID="22" presetClass="entr" presetSubtype="8" fill="hold" nodeType="clickEffect">
+                                <p:cTn id="19" presetID="22" presetClass="entr" presetSubtype="8" fill="hold" nodeType="clickEffect">
                                   <p:stCondLst>
                                     <p:cond delay="0"/>
                                   </p:stCondLst>
                                   <p:childTnLst>
                                     <p:set>
                                       <p:cBhvr>
-                                        <p:cTn id="16" dur="1" fill="hold">
+                                        <p:cTn id="20" dur="1" fill="hold">
                                           <p:stCondLst>
                                             <p:cond delay="0"/>
                                           </p:stCondLst>
@@ -10738,7 +15900,7 @@
                                     </p:set>
                                     <p:animEffect transition="in" filter="wipe(left)">
                                       <p:cBhvr>
-                                        <p:cTn id="17" dur="500"/>
+                                        <p:cTn id="21" dur="1000"/>
                                         <p:tgtEl>
                                           <p:spTgt spid="251911"/>
                                         </p:tgtEl>
@@ -10754,26 +15916,26 @@
                     </p:cTn>
                   </p:par>
                   <p:par>
-                    <p:cTn id="18" fill="hold">
+                    <p:cTn id="22" fill="hold">
                       <p:stCondLst>
                         <p:cond delay="indefinite"/>
                       </p:stCondLst>
                       <p:childTnLst>
                         <p:par>
-                          <p:cTn id="19" fill="hold">
+                          <p:cTn id="23" fill="hold">
                             <p:stCondLst>
                               <p:cond delay="0"/>
                             </p:stCondLst>
                             <p:childTnLst>
                               <p:par>
-                                <p:cTn id="20" presetID="22" presetClass="entr" presetSubtype="8" fill="hold" nodeType="clickEffect">
+                                <p:cTn id="24" presetID="22" presetClass="entr" presetSubtype="8" fill="hold" nodeType="clickEffect">
                                   <p:stCondLst>
                                     <p:cond delay="0"/>
                                   </p:stCondLst>
                                   <p:childTnLst>
                                     <p:set>
                                       <p:cBhvr>
-                                        <p:cTn id="21" dur="1" fill="hold">
+                                        <p:cTn id="25" dur="1" fill="hold">
                                           <p:stCondLst>
                                             <p:cond delay="0"/>
                                           </p:stCondLst>
@@ -10791,7 +15953,7 @@
                                     </p:set>
                                     <p:animEffect transition="in" filter="wipe(left)">
                                       <p:cBhvr>
-                                        <p:cTn id="22" dur="500"/>
+                                        <p:cTn id="26" dur="1000"/>
                                         <p:tgtEl>
                                           <p:spTgt spid="251912"/>
                                         </p:tgtEl>
@@ -11547,9 +16709,18 @@
   <p:clrMapOvr>
     <a:masterClrMapping/>
   </p:clrMapOvr>
-  <p:transition xmlns:p14="http://schemas.microsoft.com/office/powerpoint/2010/main" spd="slow" advClick="0">
-    <p:fade/>
-  </p:transition>
+  <mc:AlternateContent xmlns:mc="http://schemas.openxmlformats.org/markup-compatibility/2006">
+    <mc:Choice xmlns:p14="http://schemas.microsoft.com/office/powerpoint/2010/main" Requires="p14">
+      <p:transition spd="slow" p14:dur="1200" advClick="0">
+        <p:fade/>
+      </p:transition>
+    </mc:Choice>
+    <mc:Fallback>
+      <p:transition xmlns:p14="http://schemas.microsoft.com/office/powerpoint/2010/main" spd="slow" advClick="0">
+        <p:fade/>
+      </p:transition>
+    </mc:Fallback>
+  </mc:AlternateContent>
   <p:timing>
     <p:tnLst>
       <p:par>
@@ -12271,7 +17442,7 @@
           <a:graphicData uri="http://schemas.openxmlformats.org/presentationml/2006/ole">
             <mc:AlternateContent xmlns:mc="http://schemas.openxmlformats.org/markup-compatibility/2006">
               <mc:Choice xmlns:v="urn:schemas-microsoft-com:vml" Requires="v">
-                <p:oleObj spid="_x0000_s174121" name="Equation" r:id="rId4" imgW="2006280" imgH="812520" progId="Equation.DSMT4">
+                <p:oleObj spid="_x0000_s174131" name="Equation" r:id="rId4" imgW="2006280" imgH="812520" progId="Equation.DSMT4">
                   <p:embed/>
                 </p:oleObj>
               </mc:Choice>
@@ -12627,7 +17798,7 @@
                                     </p:set>
                                     <p:animEffect transition="in" filter="wipe(up)">
                                       <p:cBhvr>
-                                        <p:cTn id="7" dur="1000"/>
+                                        <p:cTn id="7" dur="2000"/>
                                         <p:tgtEl>
                                           <p:spTgt spid="8"/>
                                         </p:tgtEl>
@@ -12887,7 +18058,39 @@
       </a:bgFillStyleLst>
     </a:fmtScheme>
   </a:themeElements>
-  <a:objectDefaults/>
+  <a:objectDefaults>
+    <a:spDef>
+      <a:spPr>
+        <a:noFill/>
+        <a:ln w="44450">
+          <a:solidFill>
+            <a:srgbClr val="FF00FF"/>
+          </a:solidFill>
+          <a:prstDash val="sysDash"/>
+        </a:ln>
+      </a:spPr>
+      <a:bodyPr rtlCol="0" anchor="ctr"/>
+      <a:lstStyle>
+        <a:defPPr algn="ctr">
+          <a:defRPr/>
+        </a:defPPr>
+      </a:lstStyle>
+      <a:style>
+        <a:lnRef idx="1">
+          <a:schemeClr val="accent1"/>
+        </a:lnRef>
+        <a:fillRef idx="3">
+          <a:schemeClr val="accent1"/>
+        </a:fillRef>
+        <a:effectRef idx="2">
+          <a:schemeClr val="accent1"/>
+        </a:effectRef>
+        <a:fontRef idx="minor">
+          <a:schemeClr val="lt1"/>
+        </a:fontRef>
+      </a:style>
+    </a:spDef>
+  </a:objectDefaults>
   <a:extraClrSchemeLst>
     <a:extraClrScheme>
       <a:clrScheme name="Default Design 1">

--- a/spring13/slides13/ranvar-expect-intro.pptx
+++ b/spring13/slides13/ranvar-expect-intro.pptx
@@ -5,10 +5,10 @@
     <p:sldMasterId id="2147483648" r:id="rId1"/>
   </p:sldMasterIdLst>
   <p:notesMasterIdLst>
-    <p:notesMasterId r:id="rId33"/>
+    <p:notesMasterId r:id="rId35"/>
   </p:notesMasterIdLst>
   <p:handoutMasterIdLst>
-    <p:handoutMasterId r:id="rId34"/>
+    <p:handoutMasterId r:id="rId36"/>
   </p:handoutMasterIdLst>
   <p:sldIdLst>
     <p:sldId id="302" r:id="rId2"/>
@@ -26,22 +26,24 @@
     <p:sldId id="317" r:id="rId14"/>
     <p:sldId id="318" r:id="rId15"/>
     <p:sldId id="372" r:id="rId16"/>
-    <p:sldId id="371" r:id="rId17"/>
-    <p:sldId id="374" r:id="rId18"/>
-    <p:sldId id="383" r:id="rId19"/>
-    <p:sldId id="373" r:id="rId20"/>
-    <p:sldId id="384" r:id="rId21"/>
-    <p:sldId id="376" r:id="rId22"/>
-    <p:sldId id="377" r:id="rId23"/>
-    <p:sldId id="370" r:id="rId24"/>
-    <p:sldId id="321" r:id="rId25"/>
-    <p:sldId id="322" r:id="rId26"/>
-    <p:sldId id="379" r:id="rId27"/>
-    <p:sldId id="378" r:id="rId28"/>
-    <p:sldId id="380" r:id="rId29"/>
-    <p:sldId id="385" r:id="rId30"/>
-    <p:sldId id="381" r:id="rId31"/>
-    <p:sldId id="382" r:id="rId32"/>
+    <p:sldId id="374" r:id="rId17"/>
+    <p:sldId id="383" r:id="rId18"/>
+    <p:sldId id="373" r:id="rId19"/>
+    <p:sldId id="384" r:id="rId20"/>
+    <p:sldId id="376" r:id="rId21"/>
+    <p:sldId id="377" r:id="rId22"/>
+    <p:sldId id="321" r:id="rId23"/>
+    <p:sldId id="388" r:id="rId24"/>
+    <p:sldId id="389" r:id="rId25"/>
+    <p:sldId id="390" r:id="rId26"/>
+    <p:sldId id="322" r:id="rId27"/>
+    <p:sldId id="379" r:id="rId28"/>
+    <p:sldId id="378" r:id="rId29"/>
+    <p:sldId id="380" r:id="rId30"/>
+    <p:sldId id="385" r:id="rId31"/>
+    <p:sldId id="381" r:id="rId32"/>
+    <p:sldId id="382" r:id="rId33"/>
+    <p:sldId id="370" r:id="rId34"/>
   </p:sldIdLst>
   <p:sldSz cx="9144000" cy="6858000" type="screen4x3"/>
   <p:notesSz cx="9601200" cy="7315200"/>
@@ -1534,7 +1536,7 @@
           </a:bodyPr>
           <a:lstStyle/>
           <a:p>
-            <a:endParaRPr lang="en-US"/>
+            <a:endParaRPr lang="en-US" dirty="0"/>
           </a:p>
         </p:txBody>
       </p:sp>
@@ -2117,63 +2119,64 @@
       </p:grpSpPr>
       <p:sp>
         <p:nvSpPr>
-          <p:cNvPr id="2" name="Slide Image Placeholder 1"/>
+          <p:cNvPr id="52226" name="Rectangle 7"/>
           <p:cNvSpPr>
-            <a:spLocks noGrp="1" noRot="1" noChangeAspect="1"/>
-          </p:cNvSpPr>
-          <p:nvPr>
-            <p:ph type="sldImg"/>
-          </p:nvPr>
-        </p:nvSpPr>
-        <p:spPr/>
-      </p:sp>
-      <p:sp>
-        <p:nvSpPr>
-          <p:cNvPr id="3" name="Notes Placeholder 2"/>
-          <p:cNvSpPr>
-            <a:spLocks noGrp="1"/>
-          </p:cNvSpPr>
-          <p:nvPr>
-            <p:ph type="body" idx="1"/>
-          </p:nvPr>
-        </p:nvSpPr>
-        <p:spPr/>
-        <p:txBody>
-          <a:bodyPr>
-            <a:normAutofit/>
-          </a:bodyPr>
-          <a:lstStyle/>
-          <a:p>
-            <a:endParaRPr lang="en-US" dirty="0"/>
-          </a:p>
-        </p:txBody>
-      </p:sp>
-      <p:sp>
-        <p:nvSpPr>
-          <p:cNvPr id="4" name="Slide Number Placeholder 3"/>
-          <p:cNvSpPr>
-            <a:spLocks noGrp="1"/>
-          </p:cNvSpPr>
-          <p:nvPr>
-            <p:ph type="sldNum" sz="quarter" idx="10"/>
-          </p:nvPr>
-        </p:nvSpPr>
-        <p:spPr/>
+            <a:spLocks noGrp="1" noChangeArrowheads="1"/>
+          </p:cNvSpPr>
+          <p:nvPr>
+            <p:ph type="sldNum" sz="quarter" idx="5"/>
+          </p:nvPr>
+        </p:nvSpPr>
+        <p:spPr>
+          <a:noFill/>
+        </p:spPr>
         <p:txBody>
           <a:bodyPr/>
           <a:lstStyle/>
           <a:p>
-            <a:pPr>
-              <a:defRPr/>
-            </a:pPr>
-            <a:fld id="{95AA6155-33F1-4AB1-B9CE-6460C2E01BD9}" type="slidenum">
+            <a:fld id="{42E55105-7243-40D7-820D-4513AC4D4186}" type="slidenum">
               <a:rPr lang="en-US" smtClean="0"/>
-              <a:pPr>
-                <a:defRPr/>
-              </a:pPr>
+              <a:pPr/>
               <a:t>22</a:t>
             </a:fld>
-            <a:endParaRPr lang="en-US"/>
+            <a:endParaRPr lang="en-US" smtClean="0"/>
+          </a:p>
+        </p:txBody>
+      </p:sp>
+      <p:sp>
+        <p:nvSpPr>
+          <p:cNvPr id="52227" name="Rectangle 2"/>
+          <p:cNvSpPr>
+            <a:spLocks noGrp="1" noRot="1" noChangeAspect="1" noChangeArrowheads="1" noTextEdit="1"/>
+          </p:cNvSpPr>
+          <p:nvPr>
+            <p:ph type="sldImg"/>
+          </p:nvPr>
+        </p:nvSpPr>
+        <p:spPr>
+          <a:ln/>
+        </p:spPr>
+      </p:sp>
+      <p:sp>
+        <p:nvSpPr>
+          <p:cNvPr id="52228" name="Rectangle 3"/>
+          <p:cNvSpPr>
+            <a:spLocks noGrp="1" noChangeArrowheads="1"/>
+          </p:cNvSpPr>
+          <p:nvPr>
+            <p:ph type="body" idx="1"/>
+          </p:nvPr>
+        </p:nvSpPr>
+        <p:spPr>
+          <a:noFill/>
+          <a:ln/>
+        </p:spPr>
+        <p:txBody>
+          <a:bodyPr/>
+          <a:lstStyle/>
+          <a:p>
+            <a:pPr eaLnBrk="1" hangingPunct="1"/>
+            <a:endParaRPr lang="en-US" smtClean="0"/>
           </a:p>
         </p:txBody>
       </p:sp>
@@ -2226,9 +2229,7 @@
         </p:nvSpPr>
         <p:spPr/>
         <p:txBody>
-          <a:bodyPr>
-            <a:normAutofit/>
-          </a:bodyPr>
+          <a:bodyPr/>
           <a:lstStyle/>
           <a:p>
             <a:endParaRPr lang="en-US" dirty="0"/>
@@ -2253,7 +2254,7 @@
             <a:pPr>
               <a:defRPr/>
             </a:pPr>
-            <a:fld id="{95AA6155-33F1-4AB1-B9CE-6460C2E01BD9}" type="slidenum">
+            <a:fld id="{48017E89-C96A-4FCF-ABAC-4D86BCF094CD}" type="slidenum">
               <a:rPr lang="en-US" smtClean="0"/>
               <a:pPr>
                 <a:defRPr/>
@@ -2265,6 +2266,11 @@
         </p:txBody>
       </p:sp>
     </p:spTree>
+    <p:extLst>
+      <p:ext uri="{BB962C8B-B14F-4D97-AF65-F5344CB8AC3E}">
+        <p14:creationId xmlns:p14="http://schemas.microsoft.com/office/powerpoint/2010/main" val="257457759"/>
+      </p:ext>
+    </p:extLst>
   </p:cSld>
   <p:clrMapOvr>
     <a:masterClrMapping/>
@@ -2291,68 +2297,70 @@
       </p:grpSpPr>
       <p:sp>
         <p:nvSpPr>
-          <p:cNvPr id="52226" name="Rectangle 7"/>
+          <p:cNvPr id="2" name="Slide Image Placeholder 1"/>
           <p:cNvSpPr>
-            <a:spLocks noGrp="1" noChangeArrowheads="1"/>
-          </p:cNvSpPr>
-          <p:nvPr>
-            <p:ph type="sldNum" sz="quarter" idx="5"/>
-          </p:nvPr>
-        </p:nvSpPr>
-        <p:spPr>
-          <a:noFill/>
-        </p:spPr>
+            <a:spLocks noGrp="1" noRot="1" noChangeAspect="1"/>
+          </p:cNvSpPr>
+          <p:nvPr>
+            <p:ph type="sldImg"/>
+          </p:nvPr>
+        </p:nvSpPr>
+        <p:spPr/>
+      </p:sp>
+      <p:sp>
+        <p:nvSpPr>
+          <p:cNvPr id="3" name="Notes Placeholder 2"/>
+          <p:cNvSpPr>
+            <a:spLocks noGrp="1"/>
+          </p:cNvSpPr>
+          <p:nvPr>
+            <p:ph type="body" idx="1"/>
+          </p:nvPr>
+        </p:nvSpPr>
+        <p:spPr/>
         <p:txBody>
           <a:bodyPr/>
           <a:lstStyle/>
           <a:p>
-            <a:fld id="{42E55105-7243-40D7-820D-4513AC4D4186}" type="slidenum">
-              <a:rPr lang="en-US" smtClean="0"/>
-              <a:pPr/>
-              <a:t>24</a:t>
-            </a:fld>
-            <a:endParaRPr lang="en-US" smtClean="0"/>
+            <a:endParaRPr lang="en-US"/>
           </a:p>
         </p:txBody>
       </p:sp>
       <p:sp>
         <p:nvSpPr>
-          <p:cNvPr id="52227" name="Rectangle 2"/>
+          <p:cNvPr id="4" name="Slide Number Placeholder 3"/>
           <p:cNvSpPr>
-            <a:spLocks noGrp="1" noRot="1" noChangeAspect="1" noChangeArrowheads="1" noTextEdit="1"/>
-          </p:cNvSpPr>
-          <p:nvPr>
-            <p:ph type="sldImg"/>
-          </p:nvPr>
-        </p:nvSpPr>
-        <p:spPr>
-          <a:ln/>
-        </p:spPr>
-      </p:sp>
-      <p:sp>
-        <p:nvSpPr>
-          <p:cNvPr id="52228" name="Rectangle 3"/>
-          <p:cNvSpPr>
-            <a:spLocks noGrp="1" noChangeArrowheads="1"/>
-          </p:cNvSpPr>
-          <p:nvPr>
-            <p:ph type="body" idx="1"/>
-          </p:nvPr>
-        </p:nvSpPr>
-        <p:spPr>
-          <a:noFill/>
-          <a:ln/>
-        </p:spPr>
+            <a:spLocks noGrp="1"/>
+          </p:cNvSpPr>
+          <p:nvPr>
+            <p:ph type="sldNum" sz="quarter" idx="10"/>
+          </p:nvPr>
+        </p:nvSpPr>
+        <p:spPr/>
         <p:txBody>
           <a:bodyPr/>
           <a:lstStyle/>
           <a:p>
-            <a:pPr eaLnBrk="1" hangingPunct="1"/>
-            <a:endParaRPr lang="en-US" smtClean="0"/>
+            <a:pPr>
+              <a:defRPr/>
+            </a:pPr>
+            <a:fld id="{48017E89-C96A-4FCF-ABAC-4D86BCF094CD}" type="slidenum">
+              <a:rPr lang="en-US" smtClean="0"/>
+              <a:pPr>
+                <a:defRPr/>
+              </a:pPr>
+              <a:t>24</a:t>
+            </a:fld>
+            <a:endParaRPr lang="en-US"/>
           </a:p>
         </p:txBody>
       </p:sp>
     </p:spTree>
+    <p:extLst>
+      <p:ext uri="{BB962C8B-B14F-4D97-AF65-F5344CB8AC3E}">
+        <p14:creationId xmlns:p14="http://schemas.microsoft.com/office/powerpoint/2010/main" val="2209808447"/>
+      </p:ext>
+    </p:extLst>
   </p:cSld>
   <p:clrMapOvr>
     <a:masterClrMapping/>
@@ -2379,6 +2387,96 @@
       </p:grpSpPr>
       <p:sp>
         <p:nvSpPr>
+          <p:cNvPr id="2" name="Slide Image Placeholder 1"/>
+          <p:cNvSpPr>
+            <a:spLocks noGrp="1" noRot="1" noChangeAspect="1"/>
+          </p:cNvSpPr>
+          <p:nvPr>
+            <p:ph type="sldImg"/>
+          </p:nvPr>
+        </p:nvSpPr>
+        <p:spPr/>
+      </p:sp>
+      <p:sp>
+        <p:nvSpPr>
+          <p:cNvPr id="3" name="Notes Placeholder 2"/>
+          <p:cNvSpPr>
+            <a:spLocks noGrp="1"/>
+          </p:cNvSpPr>
+          <p:nvPr>
+            <p:ph type="body" idx="1"/>
+          </p:nvPr>
+        </p:nvSpPr>
+        <p:spPr/>
+        <p:txBody>
+          <a:bodyPr/>
+          <a:lstStyle/>
+          <a:p>
+            <a:endParaRPr lang="en-US"/>
+          </a:p>
+        </p:txBody>
+      </p:sp>
+      <p:sp>
+        <p:nvSpPr>
+          <p:cNvPr id="4" name="Slide Number Placeholder 3"/>
+          <p:cNvSpPr>
+            <a:spLocks noGrp="1"/>
+          </p:cNvSpPr>
+          <p:nvPr>
+            <p:ph type="sldNum" sz="quarter" idx="10"/>
+          </p:nvPr>
+        </p:nvSpPr>
+        <p:spPr/>
+        <p:txBody>
+          <a:bodyPr/>
+          <a:lstStyle/>
+          <a:p>
+            <a:pPr>
+              <a:defRPr/>
+            </a:pPr>
+            <a:fld id="{48017E89-C96A-4FCF-ABAC-4D86BCF094CD}" type="slidenum">
+              <a:rPr lang="en-US" smtClean="0"/>
+              <a:pPr>
+                <a:defRPr/>
+              </a:pPr>
+              <a:t>25</a:t>
+            </a:fld>
+            <a:endParaRPr lang="en-US"/>
+          </a:p>
+        </p:txBody>
+      </p:sp>
+    </p:spTree>
+    <p:extLst>
+      <p:ext uri="{BB962C8B-B14F-4D97-AF65-F5344CB8AC3E}">
+        <p14:creationId xmlns:p14="http://schemas.microsoft.com/office/powerpoint/2010/main" val="1362224958"/>
+      </p:ext>
+    </p:extLst>
+  </p:cSld>
+  <p:clrMapOvr>
+    <a:masterClrMapping/>
+  </p:clrMapOvr>
+</p:notes>
+</file>
+
+<file path=ppt/notesSlides/notesSlide26.xml><?xml version="1.0" encoding="utf-8"?>
+<p:notes xmlns:a="http://schemas.openxmlformats.org/drawingml/2006/main" xmlns:r="http://schemas.openxmlformats.org/officeDocument/2006/relationships" xmlns:p="http://schemas.openxmlformats.org/presentationml/2006/main">
+  <p:cSld>
+    <p:spTree>
+      <p:nvGrpSpPr>
+        <p:cNvPr id="1" name=""/>
+        <p:cNvGrpSpPr/>
+        <p:nvPr/>
+      </p:nvGrpSpPr>
+      <p:grpSpPr>
+        <a:xfrm>
+          <a:off x="0" y="0"/>
+          <a:ext cx="0" cy="0"/>
+          <a:chOff x="0" y="0"/>
+          <a:chExt cx="0" cy="0"/>
+        </a:xfrm>
+      </p:grpSpPr>
+      <p:sp>
+        <p:nvSpPr>
           <p:cNvPr id="50178" name="Rectangle 7"/>
           <p:cNvSpPr>
             <a:spLocks noGrp="1" noChangeArrowheads="1"/>
@@ -2397,7 +2495,7 @@
             <a:fld id="{6BAFA0E6-3C8E-465A-90AD-14A37AA89325}" type="slidenum">
               <a:rPr lang="en-US" smtClean="0"/>
               <a:pPr/>
-              <a:t>25</a:t>
+              <a:t>26</a:t>
             </a:fld>
             <a:endParaRPr lang="en-US" smtClean="0"/>
           </a:p>
@@ -2441,6 +2539,276 @@
         </p:txBody>
       </p:sp>
     </p:spTree>
+  </p:cSld>
+  <p:clrMapOvr>
+    <a:masterClrMapping/>
+  </p:clrMapOvr>
+</p:notes>
+</file>
+
+<file path=ppt/notesSlides/notesSlide27.xml><?xml version="1.0" encoding="utf-8"?>
+<p:notes xmlns:a="http://schemas.openxmlformats.org/drawingml/2006/main" xmlns:r="http://schemas.openxmlformats.org/officeDocument/2006/relationships" xmlns:p="http://schemas.openxmlformats.org/presentationml/2006/main">
+  <p:cSld>
+    <p:spTree>
+      <p:nvGrpSpPr>
+        <p:cNvPr id="1" name=""/>
+        <p:cNvGrpSpPr/>
+        <p:nvPr/>
+      </p:nvGrpSpPr>
+      <p:grpSpPr>
+        <a:xfrm>
+          <a:off x="0" y="0"/>
+          <a:ext cx="0" cy="0"/>
+          <a:chOff x="0" y="0"/>
+          <a:chExt cx="0" cy="0"/>
+        </a:xfrm>
+      </p:grpSpPr>
+      <p:sp>
+        <p:nvSpPr>
+          <p:cNvPr id="2" name="Slide Image Placeholder 1"/>
+          <p:cNvSpPr>
+            <a:spLocks noGrp="1" noRot="1" noChangeAspect="1"/>
+          </p:cNvSpPr>
+          <p:nvPr>
+            <p:ph type="sldImg"/>
+          </p:nvPr>
+        </p:nvSpPr>
+        <p:spPr/>
+      </p:sp>
+      <p:sp>
+        <p:nvSpPr>
+          <p:cNvPr id="3" name="Notes Placeholder 2"/>
+          <p:cNvSpPr>
+            <a:spLocks noGrp="1"/>
+          </p:cNvSpPr>
+          <p:nvPr>
+            <p:ph type="body" idx="1"/>
+          </p:nvPr>
+        </p:nvSpPr>
+        <p:spPr/>
+        <p:txBody>
+          <a:bodyPr/>
+          <a:lstStyle/>
+          <a:p>
+            <a:endParaRPr lang="en-US"/>
+          </a:p>
+        </p:txBody>
+      </p:sp>
+      <p:sp>
+        <p:nvSpPr>
+          <p:cNvPr id="4" name="Slide Number Placeholder 3"/>
+          <p:cNvSpPr>
+            <a:spLocks noGrp="1"/>
+          </p:cNvSpPr>
+          <p:nvPr>
+            <p:ph type="sldNum" sz="quarter" idx="10"/>
+          </p:nvPr>
+        </p:nvSpPr>
+        <p:spPr/>
+        <p:txBody>
+          <a:bodyPr/>
+          <a:lstStyle/>
+          <a:p>
+            <a:pPr>
+              <a:defRPr/>
+            </a:pPr>
+            <a:fld id="{48017E89-C96A-4FCF-ABAC-4D86BCF094CD}" type="slidenum">
+              <a:rPr lang="en-US" smtClean="0"/>
+              <a:pPr>
+                <a:defRPr/>
+              </a:pPr>
+              <a:t>27</a:t>
+            </a:fld>
+            <a:endParaRPr lang="en-US"/>
+          </a:p>
+        </p:txBody>
+      </p:sp>
+    </p:spTree>
+    <p:extLst>
+      <p:ext uri="{BB962C8B-B14F-4D97-AF65-F5344CB8AC3E}">
+        <p14:creationId xmlns:p14="http://schemas.microsoft.com/office/powerpoint/2010/main" val="3276484905"/>
+      </p:ext>
+    </p:extLst>
+  </p:cSld>
+  <p:clrMapOvr>
+    <a:masterClrMapping/>
+  </p:clrMapOvr>
+</p:notes>
+</file>
+
+<file path=ppt/notesSlides/notesSlide28.xml><?xml version="1.0" encoding="utf-8"?>
+<p:notes xmlns:a="http://schemas.openxmlformats.org/drawingml/2006/main" xmlns:r="http://schemas.openxmlformats.org/officeDocument/2006/relationships" xmlns:p="http://schemas.openxmlformats.org/presentationml/2006/main">
+  <p:cSld>
+    <p:spTree>
+      <p:nvGrpSpPr>
+        <p:cNvPr id="1" name=""/>
+        <p:cNvGrpSpPr/>
+        <p:nvPr/>
+      </p:nvGrpSpPr>
+      <p:grpSpPr>
+        <a:xfrm>
+          <a:off x="0" y="0"/>
+          <a:ext cx="0" cy="0"/>
+          <a:chOff x="0" y="0"/>
+          <a:chExt cx="0" cy="0"/>
+        </a:xfrm>
+      </p:grpSpPr>
+      <p:sp>
+        <p:nvSpPr>
+          <p:cNvPr id="2" name="Slide Image Placeholder 1"/>
+          <p:cNvSpPr>
+            <a:spLocks noGrp="1" noRot="1" noChangeAspect="1"/>
+          </p:cNvSpPr>
+          <p:nvPr>
+            <p:ph type="sldImg"/>
+          </p:nvPr>
+        </p:nvSpPr>
+        <p:spPr/>
+      </p:sp>
+      <p:sp>
+        <p:nvSpPr>
+          <p:cNvPr id="3" name="Notes Placeholder 2"/>
+          <p:cNvSpPr>
+            <a:spLocks noGrp="1"/>
+          </p:cNvSpPr>
+          <p:nvPr>
+            <p:ph type="body" idx="1"/>
+          </p:nvPr>
+        </p:nvSpPr>
+        <p:spPr/>
+        <p:txBody>
+          <a:bodyPr/>
+          <a:lstStyle/>
+          <a:p>
+            <a:endParaRPr lang="en-US"/>
+          </a:p>
+        </p:txBody>
+      </p:sp>
+      <p:sp>
+        <p:nvSpPr>
+          <p:cNvPr id="4" name="Slide Number Placeholder 3"/>
+          <p:cNvSpPr>
+            <a:spLocks noGrp="1"/>
+          </p:cNvSpPr>
+          <p:nvPr>
+            <p:ph type="sldNum" sz="quarter" idx="10"/>
+          </p:nvPr>
+        </p:nvSpPr>
+        <p:spPr/>
+        <p:txBody>
+          <a:bodyPr/>
+          <a:lstStyle/>
+          <a:p>
+            <a:pPr>
+              <a:defRPr/>
+            </a:pPr>
+            <a:fld id="{48017E89-C96A-4FCF-ABAC-4D86BCF094CD}" type="slidenum">
+              <a:rPr lang="en-US" smtClean="0"/>
+              <a:pPr>
+                <a:defRPr/>
+              </a:pPr>
+              <a:t>28</a:t>
+            </a:fld>
+            <a:endParaRPr lang="en-US"/>
+          </a:p>
+        </p:txBody>
+      </p:sp>
+    </p:spTree>
+    <p:extLst>
+      <p:ext uri="{BB962C8B-B14F-4D97-AF65-F5344CB8AC3E}">
+        <p14:creationId xmlns:p14="http://schemas.microsoft.com/office/powerpoint/2010/main" val="2346450712"/>
+      </p:ext>
+    </p:extLst>
+  </p:cSld>
+  <p:clrMapOvr>
+    <a:masterClrMapping/>
+  </p:clrMapOvr>
+</p:notes>
+</file>
+
+<file path=ppt/notesSlides/notesSlide29.xml><?xml version="1.0" encoding="utf-8"?>
+<p:notes xmlns:a="http://schemas.openxmlformats.org/drawingml/2006/main" xmlns:r="http://schemas.openxmlformats.org/officeDocument/2006/relationships" xmlns:p="http://schemas.openxmlformats.org/presentationml/2006/main">
+  <p:cSld>
+    <p:spTree>
+      <p:nvGrpSpPr>
+        <p:cNvPr id="1" name=""/>
+        <p:cNvGrpSpPr/>
+        <p:nvPr/>
+      </p:nvGrpSpPr>
+      <p:grpSpPr>
+        <a:xfrm>
+          <a:off x="0" y="0"/>
+          <a:ext cx="0" cy="0"/>
+          <a:chOff x="0" y="0"/>
+          <a:chExt cx="0" cy="0"/>
+        </a:xfrm>
+      </p:grpSpPr>
+      <p:sp>
+        <p:nvSpPr>
+          <p:cNvPr id="2" name="Slide Image Placeholder 1"/>
+          <p:cNvSpPr>
+            <a:spLocks noGrp="1" noRot="1" noChangeAspect="1"/>
+          </p:cNvSpPr>
+          <p:nvPr>
+            <p:ph type="sldImg"/>
+          </p:nvPr>
+        </p:nvSpPr>
+        <p:spPr/>
+      </p:sp>
+      <p:sp>
+        <p:nvSpPr>
+          <p:cNvPr id="3" name="Notes Placeholder 2"/>
+          <p:cNvSpPr>
+            <a:spLocks noGrp="1"/>
+          </p:cNvSpPr>
+          <p:nvPr>
+            <p:ph type="body" idx="1"/>
+          </p:nvPr>
+        </p:nvSpPr>
+        <p:spPr/>
+        <p:txBody>
+          <a:bodyPr/>
+          <a:lstStyle/>
+          <a:p>
+            <a:endParaRPr lang="en-US"/>
+          </a:p>
+        </p:txBody>
+      </p:sp>
+      <p:sp>
+        <p:nvSpPr>
+          <p:cNvPr id="4" name="Slide Number Placeholder 3"/>
+          <p:cNvSpPr>
+            <a:spLocks noGrp="1"/>
+          </p:cNvSpPr>
+          <p:nvPr>
+            <p:ph type="sldNum" sz="quarter" idx="10"/>
+          </p:nvPr>
+        </p:nvSpPr>
+        <p:spPr/>
+        <p:txBody>
+          <a:bodyPr/>
+          <a:lstStyle/>
+          <a:p>
+            <a:pPr>
+              <a:defRPr/>
+            </a:pPr>
+            <a:fld id="{48017E89-C96A-4FCF-ABAC-4D86BCF094CD}" type="slidenum">
+              <a:rPr lang="en-US" smtClean="0"/>
+              <a:pPr>
+                <a:defRPr/>
+              </a:pPr>
+              <a:t>29</a:t>
+            </a:fld>
+            <a:endParaRPr lang="en-US"/>
+          </a:p>
+        </p:txBody>
+      </p:sp>
+    </p:spTree>
+    <p:extLst>
+      <p:ext uri="{BB962C8B-B14F-4D97-AF65-F5344CB8AC3E}">
+        <p14:creationId xmlns:p14="http://schemas.microsoft.com/office/powerpoint/2010/main" val="1909770700"/>
+      </p:ext>
+    </p:extLst>
   </p:cSld>
   <p:clrMapOvr>
     <a:masterClrMapping/>
@@ -2525,6 +2893,183 @@
           <a:p>
             <a:pPr eaLnBrk="1" hangingPunct="1"/>
             <a:endParaRPr lang="en-US" smtClean="0"/>
+          </a:p>
+        </p:txBody>
+      </p:sp>
+    </p:spTree>
+  </p:cSld>
+  <p:clrMapOvr>
+    <a:masterClrMapping/>
+  </p:clrMapOvr>
+</p:notes>
+</file>
+
+<file path=ppt/notesSlides/notesSlide30.xml><?xml version="1.0" encoding="utf-8"?>
+<p:notes xmlns:a="http://schemas.openxmlformats.org/drawingml/2006/main" xmlns:r="http://schemas.openxmlformats.org/officeDocument/2006/relationships" xmlns:p="http://schemas.openxmlformats.org/presentationml/2006/main">
+  <p:cSld>
+    <p:spTree>
+      <p:nvGrpSpPr>
+        <p:cNvPr id="1" name=""/>
+        <p:cNvGrpSpPr/>
+        <p:nvPr/>
+      </p:nvGrpSpPr>
+      <p:grpSpPr>
+        <a:xfrm>
+          <a:off x="0" y="0"/>
+          <a:ext cx="0" cy="0"/>
+          <a:chOff x="0" y="0"/>
+          <a:chExt cx="0" cy="0"/>
+        </a:xfrm>
+      </p:grpSpPr>
+      <p:sp>
+        <p:nvSpPr>
+          <p:cNvPr id="2" name="Slide Image Placeholder 1"/>
+          <p:cNvSpPr>
+            <a:spLocks noGrp="1" noRot="1" noChangeAspect="1"/>
+          </p:cNvSpPr>
+          <p:nvPr>
+            <p:ph type="sldImg"/>
+          </p:nvPr>
+        </p:nvSpPr>
+        <p:spPr/>
+      </p:sp>
+      <p:sp>
+        <p:nvSpPr>
+          <p:cNvPr id="3" name="Notes Placeholder 2"/>
+          <p:cNvSpPr>
+            <a:spLocks noGrp="1"/>
+          </p:cNvSpPr>
+          <p:nvPr>
+            <p:ph type="body" idx="1"/>
+          </p:nvPr>
+        </p:nvSpPr>
+        <p:spPr/>
+        <p:txBody>
+          <a:bodyPr/>
+          <a:lstStyle/>
+          <a:p>
+            <a:endParaRPr lang="en-US"/>
+          </a:p>
+        </p:txBody>
+      </p:sp>
+      <p:sp>
+        <p:nvSpPr>
+          <p:cNvPr id="4" name="Slide Number Placeholder 3"/>
+          <p:cNvSpPr>
+            <a:spLocks noGrp="1"/>
+          </p:cNvSpPr>
+          <p:nvPr>
+            <p:ph type="sldNum" sz="quarter" idx="10"/>
+          </p:nvPr>
+        </p:nvSpPr>
+        <p:spPr/>
+        <p:txBody>
+          <a:bodyPr/>
+          <a:lstStyle/>
+          <a:p>
+            <a:pPr>
+              <a:defRPr/>
+            </a:pPr>
+            <a:fld id="{48017E89-C96A-4FCF-ABAC-4D86BCF094CD}" type="slidenum">
+              <a:rPr lang="en-US" smtClean="0"/>
+              <a:pPr>
+                <a:defRPr/>
+              </a:pPr>
+              <a:t>30</a:t>
+            </a:fld>
+            <a:endParaRPr lang="en-US"/>
+          </a:p>
+        </p:txBody>
+      </p:sp>
+    </p:spTree>
+    <p:extLst>
+      <p:ext uri="{BB962C8B-B14F-4D97-AF65-F5344CB8AC3E}">
+        <p14:creationId xmlns:p14="http://schemas.microsoft.com/office/powerpoint/2010/main" val="1754153952"/>
+      </p:ext>
+    </p:extLst>
+  </p:cSld>
+  <p:clrMapOvr>
+    <a:masterClrMapping/>
+  </p:clrMapOvr>
+</p:notes>
+</file>
+
+<file path=ppt/notesSlides/notesSlide31.xml><?xml version="1.0" encoding="utf-8"?>
+<p:notes xmlns:a="http://schemas.openxmlformats.org/drawingml/2006/main" xmlns:r="http://schemas.openxmlformats.org/officeDocument/2006/relationships" xmlns:p="http://schemas.openxmlformats.org/presentationml/2006/main">
+  <p:cSld>
+    <p:spTree>
+      <p:nvGrpSpPr>
+        <p:cNvPr id="1" name=""/>
+        <p:cNvGrpSpPr/>
+        <p:nvPr/>
+      </p:nvGrpSpPr>
+      <p:grpSpPr>
+        <a:xfrm>
+          <a:off x="0" y="0"/>
+          <a:ext cx="0" cy="0"/>
+          <a:chOff x="0" y="0"/>
+          <a:chExt cx="0" cy="0"/>
+        </a:xfrm>
+      </p:grpSpPr>
+      <p:sp>
+        <p:nvSpPr>
+          <p:cNvPr id="2" name="Slide Image Placeholder 1"/>
+          <p:cNvSpPr>
+            <a:spLocks noGrp="1" noRot="1" noChangeAspect="1"/>
+          </p:cNvSpPr>
+          <p:nvPr>
+            <p:ph type="sldImg"/>
+          </p:nvPr>
+        </p:nvSpPr>
+        <p:spPr/>
+      </p:sp>
+      <p:sp>
+        <p:nvSpPr>
+          <p:cNvPr id="3" name="Notes Placeholder 2"/>
+          <p:cNvSpPr>
+            <a:spLocks noGrp="1"/>
+          </p:cNvSpPr>
+          <p:nvPr>
+            <p:ph type="body" idx="1"/>
+          </p:nvPr>
+        </p:nvSpPr>
+        <p:spPr/>
+        <p:txBody>
+          <a:bodyPr>
+            <a:normAutofit/>
+          </a:bodyPr>
+          <a:lstStyle/>
+          <a:p>
+            <a:endParaRPr lang="en-US" dirty="0"/>
+          </a:p>
+        </p:txBody>
+      </p:sp>
+      <p:sp>
+        <p:nvSpPr>
+          <p:cNvPr id="4" name="Slide Number Placeholder 3"/>
+          <p:cNvSpPr>
+            <a:spLocks noGrp="1"/>
+          </p:cNvSpPr>
+          <p:nvPr>
+            <p:ph type="sldNum" sz="quarter" idx="10"/>
+          </p:nvPr>
+        </p:nvSpPr>
+        <p:spPr/>
+        <p:txBody>
+          <a:bodyPr/>
+          <a:lstStyle/>
+          <a:p>
+            <a:pPr>
+              <a:defRPr/>
+            </a:pPr>
+            <a:fld id="{95AA6155-33F1-4AB1-B9CE-6460C2E01BD9}" type="slidenum">
+              <a:rPr lang="en-US" smtClean="0"/>
+              <a:pPr>
+                <a:defRPr/>
+              </a:pPr>
+              <a:t>33</a:t>
+            </a:fld>
+            <a:endParaRPr lang="en-US"/>
           </a:p>
         </p:txBody>
       </p:sp>
@@ -4553,7 +5098,7 @@
           <a:graphicData uri="http://schemas.openxmlformats.org/presentationml/2006/ole">
             <mc:AlternateContent xmlns:mc="http://schemas.openxmlformats.org/markup-compatibility/2006">
               <mc:Choice xmlns:v="urn:schemas-microsoft-com:vml" Requires="v">
-                <p:oleObj spid="_x0000_s176180" name="Equation" r:id="rId4" imgW="2006280" imgH="812520" progId="Equation.DSMT4">
+                <p:oleObj spid="_x0000_s176182" name="Equation" r:id="rId4" imgW="2006280" imgH="812520" progId="Equation.DSMT4">
                   <p:embed/>
                 </p:oleObj>
               </mc:Choice>
@@ -5949,7 +6494,7 @@
         </p:nvSpPr>
         <p:spPr bwMode="auto">
           <a:xfrm>
-            <a:off x="685800" y="1143000"/>
+            <a:off x="685800" y="1023948"/>
             <a:ext cx="7848600" cy="4953000"/>
           </a:xfrm>
           <a:prstGeom prst="rect">
@@ -6131,269 +6676,14 @@
       </p:sp>
       <p:sp>
         <p:nvSpPr>
-          <p:cNvPr id="18436" name="Rectangle 6"/>
-          <p:cNvSpPr>
-            <a:spLocks noChangeArrowheads="1"/>
-          </p:cNvSpPr>
-          <p:nvPr/>
-        </p:nvSpPr>
-        <p:spPr bwMode="auto">
-          <a:xfrm>
-            <a:off x="304800" y="3077040"/>
-            <a:ext cx="8077200" cy="2785378"/>
-          </a:xfrm>
-          <a:prstGeom prst="rect">
-            <a:avLst/>
-          </a:prstGeom>
-          <a:noFill/>
-          <a:ln w="28575">
-            <a:noFill/>
-            <a:miter lim="800000"/>
-            <a:headEnd/>
-            <a:tailEnd type="none" w="lg" len="lg"/>
-          </a:ln>
-        </p:spPr>
-        <p:txBody>
-          <a:bodyPr wrap="square">
-            <a:spAutoFit/>
-          </a:bodyPr>
-          <a:lstStyle/>
-          <a:p>
-            <a:pPr algn="ctr"/>
-            <a:r>
-              <a:rPr lang="en-US" sz="5400" i="0" dirty="0" smtClean="0">
-                <a:latin typeface="Comic Sans MS" pitchFamily="66" charset="0"/>
-              </a:rPr>
-              <a:t> </a:t>
-            </a:r>
-            <a:r>
-              <a:rPr lang="en-US" sz="6600" i="0" dirty="0" smtClean="0">
-                <a:latin typeface="Comic Sans MS" pitchFamily="66" charset="0"/>
-              </a:rPr>
-              <a:t>E[</a:t>
-            </a:r>
-            <a:r>
-              <a:rPr lang="en-US" sz="6600" i="0" dirty="0" smtClean="0">
-                <a:solidFill>
-                  <a:srgbClr val="0000FF"/>
-                </a:solidFill>
-                <a:latin typeface="Comic Sans MS" pitchFamily="66" charset="0"/>
-              </a:rPr>
-              <a:t>R</a:t>
-            </a:r>
-            <a:r>
-              <a:rPr lang="en-US" sz="6600" i="0" dirty="0" smtClean="0">
-                <a:latin typeface="Comic Sans MS" pitchFamily="66" charset="0"/>
-              </a:rPr>
-              <a:t>]::= </a:t>
-            </a:r>
-            <a:r>
-              <a:rPr lang="en-US" sz="6600" i="0" dirty="0">
-                <a:latin typeface="Comic Sans MS" pitchFamily="66" charset="0"/>
-              </a:rPr>
-              <a:t>∑</a:t>
-            </a:r>
-            <a:r>
-              <a:rPr lang="en-US" sz="6600" i="0" dirty="0" err="1" smtClean="0">
-                <a:solidFill>
-                  <a:srgbClr val="0000FF"/>
-                </a:solidFill>
-                <a:latin typeface="Comic Sans MS" pitchFamily="66" charset="0"/>
-                <a:sym typeface="Symbol" pitchFamily="18" charset="2"/>
-              </a:rPr>
-              <a:t>v</a:t>
-            </a:r>
-            <a:r>
-              <a:rPr lang="en-US" sz="6600" i="0" dirty="0" err="1" smtClean="0">
-                <a:latin typeface="Euclid Symbol" charset="2"/>
-                <a:cs typeface="Euclid Symbol" charset="2"/>
-                <a:sym typeface="Symbol" pitchFamily="18" charset="2"/>
-              </a:rPr>
-              <a:t>⋅</a:t>
-            </a:r>
-            <a:r>
-              <a:rPr lang="en-US" sz="6600" i="0" dirty="0" err="1" smtClean="0">
-                <a:latin typeface="Comic Sans MS" pitchFamily="66" charset="0"/>
-                <a:sym typeface="Symbol" pitchFamily="18" charset="2"/>
-              </a:rPr>
-              <a:t>Pr</a:t>
-            </a:r>
-            <a:r>
-              <a:rPr lang="en-US" sz="6600" i="0" dirty="0" smtClean="0">
-                <a:latin typeface="Comic Sans MS" pitchFamily="66" charset="0"/>
-                <a:sym typeface="Symbol" pitchFamily="18" charset="2"/>
-              </a:rPr>
-              <a:t>[</a:t>
-            </a:r>
-            <a:r>
-              <a:rPr lang="en-US" sz="6600" i="0" dirty="0" smtClean="0">
-                <a:solidFill>
-                  <a:srgbClr val="0000FF"/>
-                </a:solidFill>
-                <a:latin typeface="Comic Sans MS" pitchFamily="66" charset="0"/>
-                <a:sym typeface="Symbol" pitchFamily="18" charset="2"/>
-              </a:rPr>
-              <a:t>R = v</a:t>
-            </a:r>
-            <a:r>
-              <a:rPr lang="en-US" sz="6600" i="0" dirty="0" smtClean="0">
-                <a:latin typeface="Comic Sans MS" pitchFamily="66" charset="0"/>
-                <a:sym typeface="Symbol" pitchFamily="18" charset="2"/>
-              </a:rPr>
-              <a:t>]</a:t>
-            </a:r>
-            <a:endParaRPr lang="en-US" sz="5400" i="0" dirty="0">
-              <a:latin typeface="Comic Sans MS" pitchFamily="66" charset="0"/>
-            </a:endParaRPr>
-          </a:p>
-          <a:p>
-            <a:pPr>
-              <a:lnSpc>
-                <a:spcPct val="150000"/>
-              </a:lnSpc>
-              <a:spcBef>
-                <a:spcPts val="1200"/>
-              </a:spcBef>
-            </a:pPr>
-            <a:r>
-              <a:rPr lang="en-US" sz="4800" i="0" dirty="0" smtClean="0">
-                <a:latin typeface="Comic Sans MS" pitchFamily="66" charset="0"/>
-              </a:rPr>
-              <a:t>so E[</a:t>
-            </a:r>
-            <a:r>
-              <a:rPr lang="en-US" sz="4800" i="0" dirty="0" smtClean="0">
-                <a:solidFill>
-                  <a:srgbClr val="008000"/>
-                </a:solidFill>
-                <a:latin typeface="Comic Sans MS" pitchFamily="66" charset="0"/>
-              </a:rPr>
-              <a:t>$win</a:t>
-            </a:r>
-            <a:r>
-              <a:rPr lang="en-US" sz="4800" i="0" dirty="0" smtClean="0">
-                <a:latin typeface="Comic Sans MS" pitchFamily="66" charset="0"/>
-              </a:rPr>
-              <a:t> </a:t>
-            </a:r>
-            <a:r>
-              <a:rPr lang="en-US" sz="4800" i="0" dirty="0">
-                <a:latin typeface="Comic Sans MS" pitchFamily="66" charset="0"/>
-              </a:rPr>
-              <a:t>in </a:t>
-            </a:r>
-            <a:r>
-              <a:rPr lang="en-US" sz="4800" i="0" dirty="0" smtClean="0">
-                <a:latin typeface="Comic Sans MS" pitchFamily="66" charset="0"/>
-              </a:rPr>
-              <a:t>Carnival] </a:t>
-            </a:r>
-            <a:r>
-              <a:rPr lang="en-US" sz="5400" i="0" dirty="0" smtClean="0">
-                <a:latin typeface="Comic Sans MS" pitchFamily="66" charset="0"/>
-              </a:rPr>
-              <a:t>=</a:t>
-            </a:r>
-            <a:endParaRPr lang="en-US" sz="4400" i="0" dirty="0">
-              <a:solidFill>
-                <a:srgbClr val="0000FF"/>
-              </a:solidFill>
-              <a:latin typeface="Comic Sans MS" pitchFamily="66" charset="0"/>
-            </a:endParaRPr>
-          </a:p>
-          <a:p>
-            <a:endParaRPr lang="en-US" i="0" dirty="0">
-              <a:latin typeface="Comic Sans MS" pitchFamily="66" charset="0"/>
-            </a:endParaRPr>
-          </a:p>
-        </p:txBody>
-      </p:sp>
-      <p:graphicFrame>
-        <p:nvGraphicFramePr>
-          <p:cNvPr id="5" name="Object 4"/>
-          <p:cNvGraphicFramePr>
-            <a:graphicFrameLocks noChangeAspect="1"/>
-          </p:cNvGraphicFramePr>
-          <p:nvPr>
-            <p:extLst>
-              <p:ext uri="{D42A27DB-BD31-4B8C-83A1-F6EECF244321}">
-                <p14:modId xmlns:p14="http://schemas.microsoft.com/office/powerpoint/2010/main" val="2433006824"/>
-              </p:ext>
-            </p:extLst>
-          </p:nvPr>
-        </p:nvGraphicFramePr>
-        <p:xfrm>
-          <a:off x="7086600" y="4108660"/>
-          <a:ext cx="1752600" cy="1752600"/>
-        </p:xfrm>
-        <a:graphic>
-          <a:graphicData uri="http://schemas.openxmlformats.org/presentationml/2006/ole">
-            <mc:AlternateContent xmlns:mc="http://schemas.openxmlformats.org/markup-compatibility/2006">
-              <mc:Choice xmlns:v="urn:schemas-microsoft-com:vml" Requires="v">
-                <p:oleObj spid="_x0000_s182324" name="Equation" r:id="rId4" imgW="419040" imgH="419040" progId="Equation.DSMT4">
-                  <p:embed/>
-                </p:oleObj>
-              </mc:Choice>
-              <mc:Fallback>
-                <p:oleObj name="Equation" r:id="rId4" imgW="419040" imgH="419040" progId="Equation.DSMT4">
-                  <p:embed/>
-                  <p:pic>
-                    <p:nvPicPr>
-                      <p:cNvPr id="0" name="Picture 2"/>
-                      <p:cNvPicPr>
-                        <a:picLocks noChangeAspect="1" noChangeArrowheads="1"/>
-                      </p:cNvPicPr>
-                      <p:nvPr/>
-                    </p:nvPicPr>
-                    <p:blipFill>
-                      <a:blip r:embed="rId5">
-                        <a:extLst>
-                          <a:ext uri="{28A0092B-C50C-407E-A947-70E740481C1C}">
-                            <a14:useLocalDpi xmlns:a14="http://schemas.microsoft.com/office/drawing/2010/main" val="0"/>
-                          </a:ext>
-                        </a:extLst>
-                      </a:blip>
-                      <a:srcRect/>
-                      <a:stretch>
-                        <a:fillRect/>
-                      </a:stretch>
-                    </p:blipFill>
-                    <p:spPr bwMode="auto">
-                      <a:xfrm>
-                        <a:off x="7086600" y="4108660"/>
-                        <a:ext cx="1752600" cy="1752600"/>
-                      </a:xfrm>
-                      <a:prstGeom prst="rect">
-                        <a:avLst/>
-                      </a:prstGeom>
-                      <a:noFill/>
-                      <a:extLst>
-                        <a:ext uri="{909E8E84-426E-40dd-AFC4-6F175D3DCCD1}">
-                          <a14:hiddenFill xmlns:a14="http://schemas.microsoft.com/office/drawing/2010/main">
-                            <a:solidFill>
-                              <a:srgbClr val="FFFFFF"/>
-                            </a:solidFill>
-                          </a14:hiddenFill>
-                        </a:ext>
-                      </a:extLst>
-                    </p:spPr>
-                  </p:pic>
-                </p:oleObj>
-              </mc:Fallback>
-            </mc:AlternateContent>
-          </a:graphicData>
-        </a:graphic>
-      </p:graphicFrame>
-      <p:sp>
-        <p:nvSpPr>
           <p:cNvPr id="6" name="Rectangle 5"/>
           <p:cNvSpPr/>
           <p:nvPr/>
         </p:nvSpPr>
         <p:spPr bwMode="auto">
           <a:xfrm>
-            <a:off x="545999" y="3074377"/>
-            <a:ext cx="7798289" cy="1175150"/>
+            <a:off x="337335" y="2936664"/>
+            <a:ext cx="8403600" cy="1676674"/>
           </a:xfrm>
           <a:prstGeom prst="rect">
             <a:avLst/>
@@ -6447,6 +6737,241 @@
           </a:p>
         </p:txBody>
       </p:sp>
+      <p:graphicFrame>
+        <p:nvGraphicFramePr>
+          <p:cNvPr id="10" name="Object 9"/>
+          <p:cNvGraphicFramePr>
+            <a:graphicFrameLocks noChangeAspect="1"/>
+          </p:cNvGraphicFramePr>
+          <p:nvPr>
+            <p:extLst>
+              <p:ext uri="{D42A27DB-BD31-4B8C-83A1-F6EECF244321}">
+                <p14:modId xmlns:p14="http://schemas.microsoft.com/office/powerpoint/2010/main" val="4137861481"/>
+              </p:ext>
+            </p:extLst>
+          </p:nvPr>
+        </p:nvGraphicFramePr>
+        <p:xfrm>
+          <a:off x="456403" y="2868007"/>
+          <a:ext cx="8195245" cy="1835127"/>
+        </p:xfrm>
+        <a:graphic>
+          <a:graphicData uri="http://schemas.openxmlformats.org/presentationml/2006/ole">
+            <mc:AlternateContent xmlns:mc="http://schemas.openxmlformats.org/markup-compatibility/2006">
+              <mc:Choice xmlns:v="urn:schemas-microsoft-com:vml" Requires="v">
+                <p:oleObj spid="_x0000_s182333" name="Equation" r:id="rId4" imgW="1816100" imgH="406400" progId="Equation.DSMT4">
+                  <p:embed/>
+                </p:oleObj>
+              </mc:Choice>
+              <mc:Fallback>
+                <p:oleObj name="Equation" r:id="rId4" imgW="1816100" imgH="406400" progId="Equation.DSMT4">
+                  <p:embed/>
+                  <p:pic>
+                    <p:nvPicPr>
+                      <p:cNvPr id="0" name=""/>
+                      <p:cNvPicPr>
+                        <a:picLocks noChangeAspect="1" noChangeArrowheads="1"/>
+                      </p:cNvPicPr>
+                      <p:nvPr/>
+                    </p:nvPicPr>
+                    <p:blipFill>
+                      <a:blip r:embed="rId5"/>
+                      <a:srcRect/>
+                      <a:stretch>
+                        <a:fillRect/>
+                      </a:stretch>
+                    </p:blipFill>
+                    <p:spPr bwMode="auto">
+                      <a:xfrm>
+                        <a:off x="456403" y="2868007"/>
+                        <a:ext cx="8195245" cy="1835127"/>
+                      </a:xfrm>
+                      <a:prstGeom prst="rect">
+                        <a:avLst/>
+                      </a:prstGeom>
+                      <a:noFill/>
+                      <a:extLst/>
+                    </p:spPr>
+                  </p:pic>
+                </p:oleObj>
+              </mc:Fallback>
+            </mc:AlternateContent>
+          </a:graphicData>
+        </a:graphic>
+      </p:graphicFrame>
+      <p:sp>
+        <p:nvSpPr>
+          <p:cNvPr id="18436" name="Rectangle 6"/>
+          <p:cNvSpPr>
+            <a:spLocks noChangeArrowheads="1"/>
+          </p:cNvSpPr>
+          <p:nvPr/>
+        </p:nvSpPr>
+        <p:spPr bwMode="auto">
+          <a:xfrm>
+            <a:off x="304800" y="3612774"/>
+            <a:ext cx="8077200" cy="2462213"/>
+          </a:xfrm>
+          <a:prstGeom prst="rect">
+            <a:avLst/>
+          </a:prstGeom>
+          <a:noFill/>
+          <a:ln w="28575">
+            <a:noFill/>
+            <a:miter lim="800000"/>
+            <a:headEnd/>
+            <a:tailEnd type="none" w="lg" len="lg"/>
+          </a:ln>
+        </p:spPr>
+        <p:txBody>
+          <a:bodyPr wrap="square">
+            <a:spAutoFit/>
+          </a:bodyPr>
+          <a:lstStyle/>
+          <a:p>
+            <a:pPr algn="ctr"/>
+            <a:endParaRPr lang="en-US" sz="5400" i="0" dirty="0">
+              <a:latin typeface="Comic Sans MS" pitchFamily="66" charset="0"/>
+            </a:endParaRPr>
+          </a:p>
+          <a:p>
+            <a:pPr>
+              <a:lnSpc>
+                <a:spcPct val="150000"/>
+              </a:lnSpc>
+              <a:spcBef>
+                <a:spcPts val="1200"/>
+              </a:spcBef>
+            </a:pPr>
+            <a:r>
+              <a:rPr lang="en-US" sz="4800" i="0" dirty="0" smtClean="0">
+                <a:latin typeface="Comic Sans MS" pitchFamily="66" charset="0"/>
+              </a:rPr>
+              <a:t>so </a:t>
+            </a:r>
+            <a:r>
+              <a:rPr lang="en-US" sz="4800" i="0" dirty="0" smtClean="0">
+                <a:latin typeface="Comic Sans MS" pitchFamily="66" charset="0"/>
+              </a:rPr>
+              <a:t>E[</a:t>
+            </a:r>
+            <a:r>
+              <a:rPr lang="en-US" sz="4800" i="0" dirty="0" smtClean="0">
+                <a:solidFill>
+                  <a:srgbClr val="008000"/>
+                </a:solidFill>
+                <a:latin typeface="Comic Sans MS" pitchFamily="66" charset="0"/>
+              </a:rPr>
+              <a:t>$win</a:t>
+            </a:r>
+            <a:r>
+              <a:rPr lang="en-US" sz="4800" i="0" dirty="0" smtClean="0">
+                <a:latin typeface="Comic Sans MS" pitchFamily="66" charset="0"/>
+              </a:rPr>
+              <a:t> </a:t>
+            </a:r>
+            <a:r>
+              <a:rPr lang="en-US" sz="4800" i="0" dirty="0">
+                <a:latin typeface="Comic Sans MS" pitchFamily="66" charset="0"/>
+              </a:rPr>
+              <a:t>in </a:t>
+            </a:r>
+            <a:r>
+              <a:rPr lang="en-US" sz="4800" i="0" dirty="0" smtClean="0">
+                <a:latin typeface="Comic Sans MS" pitchFamily="66" charset="0"/>
+              </a:rPr>
+              <a:t>Carnival</a:t>
+            </a:r>
+            <a:r>
+              <a:rPr lang="en-US" sz="4800" i="0" dirty="0" smtClean="0">
+                <a:latin typeface="Comic Sans MS" pitchFamily="66" charset="0"/>
+              </a:rPr>
+              <a:t>]</a:t>
+            </a:r>
+            <a:endParaRPr lang="en-US" sz="4400" i="0" dirty="0">
+              <a:solidFill>
+                <a:srgbClr val="0000FF"/>
+              </a:solidFill>
+              <a:latin typeface="Comic Sans MS" pitchFamily="66" charset="0"/>
+            </a:endParaRPr>
+          </a:p>
+          <a:p>
+            <a:endParaRPr lang="en-US" i="0" dirty="0">
+              <a:latin typeface="Comic Sans MS" pitchFamily="66" charset="0"/>
+            </a:endParaRPr>
+          </a:p>
+        </p:txBody>
+      </p:sp>
+      <p:graphicFrame>
+        <p:nvGraphicFramePr>
+          <p:cNvPr id="5" name="Object 4"/>
+          <p:cNvGraphicFramePr>
+            <a:graphicFrameLocks noChangeAspect="1"/>
+          </p:cNvGraphicFramePr>
+          <p:nvPr>
+            <p:extLst>
+              <p:ext uri="{D42A27DB-BD31-4B8C-83A1-F6EECF244321}">
+                <p14:modId xmlns:p14="http://schemas.microsoft.com/office/powerpoint/2010/main" val="2249100780"/>
+              </p:ext>
+            </p:extLst>
+          </p:nvPr>
+        </p:nvGraphicFramePr>
+        <p:xfrm>
+          <a:off x="6821488" y="4381500"/>
+          <a:ext cx="2282825" cy="1963738"/>
+        </p:xfrm>
+        <a:graphic>
+          <a:graphicData uri="http://schemas.openxmlformats.org/presentationml/2006/ole">
+            <mc:AlternateContent xmlns:mc="http://schemas.openxmlformats.org/markup-compatibility/2006">
+              <mc:Choice xmlns:v="urn:schemas-microsoft-com:vml" Requires="v">
+                <p:oleObj spid="_x0000_s182334" name="Equation" r:id="rId6" imgW="546100" imgH="469900" progId="Equation.DSMT4">
+                  <p:embed/>
+                </p:oleObj>
+              </mc:Choice>
+              <mc:Fallback>
+                <p:oleObj name="Equation" r:id="rId6" imgW="546100" imgH="469900" progId="Equation.DSMT4">
+                  <p:embed/>
+                  <p:pic>
+                    <p:nvPicPr>
+                      <p:cNvPr id="0" name="Picture 2"/>
+                      <p:cNvPicPr>
+                        <a:picLocks noChangeAspect="1" noChangeArrowheads="1"/>
+                      </p:cNvPicPr>
+                      <p:nvPr/>
+                    </p:nvPicPr>
+                    <p:blipFill>
+                      <a:blip r:embed="rId7"/>
+                      <a:srcRect/>
+                      <a:stretch>
+                        <a:fillRect/>
+                      </a:stretch>
+                    </p:blipFill>
+                    <p:spPr bwMode="auto">
+                      <a:xfrm>
+                        <a:off x="6821488" y="4381500"/>
+                        <a:ext cx="2282825" cy="1963738"/>
+                      </a:xfrm>
+                      <a:prstGeom prst="rect">
+                        <a:avLst/>
+                      </a:prstGeom>
+                      <a:noFill/>
+                      <a:extLst>
+                        <a:ext uri="{909E8E84-426E-40dd-AFC4-6F175D3DCCD1}">
+                          <a14:hiddenFill xmlns:a14="http://schemas.microsoft.com/office/drawing/2010/main">
+                            <a:solidFill>
+                              <a:srgbClr val="FFFFFF"/>
+                            </a:solidFill>
+                          </a14:hiddenFill>
+                        </a:ext>
+                      </a:extLst>
+                    </p:spPr>
+                  </p:pic>
+                </p:oleObj>
+              </mc:Fallback>
+            </mc:AlternateContent>
+          </a:graphicData>
+        </a:graphic>
+      </p:graphicFrame>
       <p:sp>
         <p:nvSpPr>
           <p:cNvPr id="9" name="Rectangle 2"/>
@@ -6556,9 +7081,6 @@
                     <p:cTn id="3" fill="hold">
                       <p:stCondLst>
                         <p:cond delay="indefinite"/>
-                        <p:cond evt="onBegin" delay="0">
-                          <p:tn val="2"/>
-                        </p:cond>
                       </p:stCondLst>
                       <p:childTnLst>
                         <p:par>
@@ -6568,7 +7090,7 @@
                             </p:stCondLst>
                             <p:childTnLst>
                               <p:par>
-                                <p:cTn id="5" presetID="22" presetClass="entr" presetSubtype="8" fill="hold" nodeType="afterEffect">
+                                <p:cTn id="5" presetID="22" presetClass="entr" presetSubtype="8" fill="hold" nodeType="clickEffect">
                                   <p:stCondLst>
                                     <p:cond delay="0"/>
                                   </p:stCondLst>
@@ -6581,11 +7103,7 @@
                                           </p:stCondLst>
                                         </p:cTn>
                                         <p:tgtEl>
-                                          <p:spTgt spid="18436">
-                                            <p:txEl>
-                                              <p:pRg st="0" end="0"/>
-                                            </p:txEl>
-                                          </p:spTgt>
+                                          <p:spTgt spid="10"/>
                                         </p:tgtEl>
                                         <p:attrNameLst>
                                           <p:attrName>style.visibility</p:attrName>
@@ -6597,13 +7115,9 @@
                                     </p:set>
                                     <p:animEffect transition="in" filter="wipe(left)">
                                       <p:cBhvr>
-                                        <p:cTn id="7" dur="1000"/>
+                                        <p:cTn id="7" dur="2000"/>
                                         <p:tgtEl>
-                                          <p:spTgt spid="18436">
-                                            <p:txEl>
-                                              <p:pRg st="0" end="0"/>
-                                            </p:txEl>
-                                          </p:spTgt>
+                                          <p:spTgt spid="10"/>
                                         </p:tgtEl>
                                       </p:cBhvr>
                                     </p:animEffect>
@@ -6613,21 +7127,30 @@
                             </p:childTnLst>
                           </p:cTn>
                         </p:par>
+                      </p:childTnLst>
+                    </p:cTn>
+                  </p:par>
+                  <p:par>
+                    <p:cTn id="8" fill="hold">
+                      <p:stCondLst>
+                        <p:cond delay="indefinite"/>
+                      </p:stCondLst>
+                      <p:childTnLst>
                         <p:par>
-                          <p:cTn id="8" fill="hold">
+                          <p:cTn id="9" fill="hold">
                             <p:stCondLst>
-                              <p:cond delay="1000"/>
+                              <p:cond delay="0"/>
                             </p:stCondLst>
                             <p:childTnLst>
                               <p:par>
-                                <p:cTn id="9" presetID="9" presetClass="entr" presetSubtype="0" fill="hold" grpId="0" nodeType="afterEffect">
+                                <p:cTn id="10" presetID="9" presetClass="entr" presetSubtype="0" fill="hold" grpId="0" nodeType="clickEffect">
                                   <p:stCondLst>
                                     <p:cond delay="0"/>
                                   </p:stCondLst>
                                   <p:childTnLst>
                                     <p:set>
                                       <p:cBhvr>
-                                        <p:cTn id="10" dur="1" fill="hold">
+                                        <p:cTn id="11" dur="1" fill="hold">
                                           <p:stCondLst>
                                             <p:cond delay="0"/>
                                           </p:stCondLst>
@@ -6645,7 +7168,7 @@
                                     </p:set>
                                     <p:animEffect transition="in" filter="dissolve">
                                       <p:cBhvr>
-                                        <p:cTn id="11" dur="500"/>
+                                        <p:cTn id="12" dur="500"/>
                                         <p:tgtEl>
                                           <p:spTgt spid="6"/>
                                         </p:tgtEl>
@@ -6661,26 +7184,26 @@
                     </p:cTn>
                   </p:par>
                   <p:par>
-                    <p:cTn id="12" fill="hold">
+                    <p:cTn id="13" fill="hold">
                       <p:stCondLst>
                         <p:cond delay="indefinite"/>
                       </p:stCondLst>
                       <p:childTnLst>
                         <p:par>
-                          <p:cTn id="13" fill="hold">
+                          <p:cTn id="14" fill="hold">
                             <p:stCondLst>
                               <p:cond delay="0"/>
                             </p:stCondLst>
                             <p:childTnLst>
                               <p:par>
-                                <p:cTn id="14" presetID="9" presetClass="entr" presetSubtype="0" fill="hold" nodeType="clickEffect">
+                                <p:cTn id="15" presetID="9" presetClass="entr" presetSubtype="0" fill="hold" nodeType="clickEffect">
                                   <p:stCondLst>
                                     <p:cond delay="0"/>
                                   </p:stCondLst>
                                   <p:childTnLst>
                                     <p:set>
                                       <p:cBhvr>
-                                        <p:cTn id="15" dur="1" fill="hold">
+                                        <p:cTn id="16" dur="1" fill="hold">
                                           <p:stCondLst>
                                             <p:cond delay="0"/>
                                           </p:stCondLst>
@@ -6702,7 +7225,7 @@
                                     </p:set>
                                     <p:animEffect transition="in" filter="dissolve">
                                       <p:cBhvr>
-                                        <p:cTn id="16" dur="500"/>
+                                        <p:cTn id="17" dur="500"/>
                                         <p:tgtEl>
                                           <p:spTgt spid="18436">
                                             <p:txEl>
@@ -6719,20 +7242,20 @@
                           </p:cTn>
                         </p:par>
                         <p:par>
-                          <p:cTn id="17" fill="hold">
+                          <p:cTn id="18" fill="hold">
                             <p:stCondLst>
                               <p:cond delay="500"/>
                             </p:stCondLst>
                             <p:childTnLst>
                               <p:par>
-                                <p:cTn id="18" presetID="22" presetClass="entr" presetSubtype="8" fill="hold" nodeType="afterEffect">
+                                <p:cTn id="19" presetID="22" presetClass="entr" presetSubtype="8" fill="hold" nodeType="afterEffect">
                                   <p:stCondLst>
                                     <p:cond delay="0"/>
                                   </p:stCondLst>
                                   <p:childTnLst>
                                     <p:set>
                                       <p:cBhvr>
-                                        <p:cTn id="19" dur="1" fill="hold">
+                                        <p:cTn id="20" dur="1" fill="hold">
                                           <p:stCondLst>
                                             <p:cond delay="0"/>
                                           </p:stCondLst>
@@ -6750,7 +7273,7 @@
                                     </p:set>
                                     <p:animEffect transition="in" filter="wipe(left)">
                                       <p:cBhvr>
-                                        <p:cTn id="20" dur="500"/>
+                                        <p:cTn id="21" dur="500"/>
                                         <p:tgtEl>
                                           <p:spTgt spid="5"/>
                                         </p:tgtEl>
@@ -6832,7 +7355,7 @@
           <a:graphicData uri="http://schemas.openxmlformats.org/presentationml/2006/ole">
             <mc:AlternateContent xmlns:mc="http://schemas.openxmlformats.org/markup-compatibility/2006">
               <mc:Choice xmlns:v="urn:schemas-microsoft-com:vml" Requires="v">
-                <p:oleObj spid="_x0000_s184373" name="Equation" r:id="rId4" imgW="1485900" imgH="406400" progId="Equation.DSMT4">
+                <p:oleObj spid="_x0000_s184375" name="Equation" r:id="rId4" imgW="1485900" imgH="406400" progId="Equation.DSMT4">
                   <p:embed/>
                 </p:oleObj>
               </mc:Choice>
@@ -7214,7 +7737,7 @@
           <a:graphicData uri="http://schemas.openxmlformats.org/presentationml/2006/ole">
             <mc:AlternateContent xmlns:mc="http://schemas.openxmlformats.org/markup-compatibility/2006">
               <mc:Choice xmlns:v="urn:schemas-microsoft-com:vml" Requires="v">
-                <p:oleObj spid="_x0000_s572448" name="Equation" r:id="rId4" imgW="1485900" imgH="406400" progId="Equation.DSMT4">
+                <p:oleObj spid="_x0000_s572454" name="Equation" r:id="rId4" imgW="1485900" imgH="406400" progId="Equation.DSMT4">
                   <p:embed/>
                 </p:oleObj>
               </mc:Choice>
@@ -7432,7 +7955,7 @@
           <a:graphicData uri="http://schemas.openxmlformats.org/presentationml/2006/ole">
             <mc:AlternateContent xmlns:mc="http://schemas.openxmlformats.org/markup-compatibility/2006">
               <mc:Choice xmlns:v="urn:schemas-microsoft-com:vml" Requires="v">
-                <p:oleObj spid="_x0000_s572449" name="Equation" r:id="rId6" imgW="1714500" imgH="241300" progId="Equation.DSMT4">
+                <p:oleObj spid="_x0000_s572455" name="Equation" r:id="rId6" imgW="1714500" imgH="241300" progId="Equation.DSMT4">
                   <p:embed/>
                 </p:oleObj>
               </mc:Choice>
@@ -7494,7 +8017,7 @@
           <a:graphicData uri="http://schemas.openxmlformats.org/presentationml/2006/ole">
             <mc:AlternateContent xmlns:mc="http://schemas.openxmlformats.org/markup-compatibility/2006">
               <mc:Choice xmlns:v="urn:schemas-microsoft-com:vml" Requires="v">
-                <p:oleObj spid="_x0000_s572450" name="Equation" r:id="rId8" imgW="1739900" imgH="406400" progId="Equation.DSMT4">
+                <p:oleObj spid="_x0000_s572456" name="Equation" r:id="rId8" imgW="1739900" imgH="406400" progId="Equation.DSMT4">
                   <p:embed/>
                 </p:oleObj>
               </mc:Choice>
@@ -7742,487 +8265,6 @@
 </file>
 
 <file path=ppt/slides/slide16.xml><?xml version="1.0" encoding="utf-8"?>
-<p:sld xmlns:a="http://schemas.openxmlformats.org/drawingml/2006/main" xmlns:r="http://schemas.openxmlformats.org/officeDocument/2006/relationships" xmlns:p="http://schemas.openxmlformats.org/presentationml/2006/main" show="0">
-  <p:cSld>
-    <p:spTree>
-      <p:nvGrpSpPr>
-        <p:cNvPr id="1" name=""/>
-        <p:cNvGrpSpPr/>
-        <p:nvPr/>
-      </p:nvGrpSpPr>
-      <p:grpSpPr>
-        <a:xfrm>
-          <a:off x="0" y="0"/>
-          <a:ext cx="0" cy="0"/>
-          <a:chOff x="0" y="0"/>
-          <a:chExt cx="0" cy="0"/>
-        </a:xfrm>
-      </p:grpSpPr>
-      <p:sp>
-        <p:nvSpPr>
-          <p:cNvPr id="19" name="TextBox 18"/>
-          <p:cNvSpPr txBox="1"/>
-          <p:nvPr/>
-        </p:nvSpPr>
-        <p:spPr>
-          <a:xfrm>
-            <a:off x="668282" y="1295400"/>
-            <a:ext cx="7846093" cy="923330"/>
-          </a:xfrm>
-          <a:prstGeom prst="rect">
-            <a:avLst/>
-          </a:prstGeom>
-          <a:noFill/>
-        </p:spPr>
-        <p:txBody>
-          <a:bodyPr wrap="none">
-            <a:spAutoFit/>
-          </a:bodyPr>
-          <a:lstStyle/>
-          <a:p>
-            <a:pPr>
-              <a:defRPr/>
-            </a:pPr>
-            <a:r>
-              <a:rPr lang="en-US" sz="5400" i="0" dirty="0" smtClean="0">
-                <a:latin typeface="+mj-lt"/>
-              </a:rPr>
-              <a:t>An equivalent definition</a:t>
-            </a:r>
-            <a:endParaRPr lang="en-US" sz="5400" i="0" dirty="0">
-              <a:latin typeface="+mj-lt"/>
-            </a:endParaRPr>
-          </a:p>
-        </p:txBody>
-      </p:sp>
-      <p:graphicFrame>
-        <p:nvGraphicFramePr>
-          <p:cNvPr id="9" name="Object 8"/>
-          <p:cNvGraphicFramePr>
-            <a:graphicFrameLocks noChangeAspect="1"/>
-          </p:cNvGraphicFramePr>
-          <p:nvPr>
-            <p:extLst>
-              <p:ext uri="{D42A27DB-BD31-4B8C-83A1-F6EECF244321}">
-                <p14:modId xmlns:p14="http://schemas.microsoft.com/office/powerpoint/2010/main" val="738681060"/>
-              </p:ext>
-            </p:extLst>
-          </p:nvPr>
-        </p:nvGraphicFramePr>
-        <p:xfrm>
-          <a:off x="884238" y="2343150"/>
-          <a:ext cx="7375525" cy="2017713"/>
-        </p:xfrm>
-        <a:graphic>
-          <a:graphicData uri="http://schemas.openxmlformats.org/presentationml/2006/ole">
-            <mc:AlternateContent xmlns:mc="http://schemas.openxmlformats.org/markup-compatibility/2006">
-              <mc:Choice xmlns:v="urn:schemas-microsoft-com:vml" Requires="v">
-                <p:oleObj spid="_x0000_s1033" name="Equation" r:id="rId4" imgW="1485900" imgH="406400" progId="Equation.DSMT4">
-                  <p:embed/>
-                </p:oleObj>
-              </mc:Choice>
-              <mc:Fallback>
-                <p:oleObj name="Equation" r:id="rId4" imgW="1485900" imgH="406400" progId="Equation.DSMT4">
-                  <p:embed/>
-                  <p:pic>
-                    <p:nvPicPr>
-                      <p:cNvPr id="0" name=""/>
-                      <p:cNvPicPr>
-                        <a:picLocks noChangeAspect="1" noChangeArrowheads="1"/>
-                      </p:cNvPicPr>
-                      <p:nvPr/>
-                    </p:nvPicPr>
-                    <p:blipFill>
-                      <a:blip r:embed="rId5"/>
-                      <a:srcRect/>
-                      <a:stretch>
-                        <a:fillRect/>
-                      </a:stretch>
-                    </p:blipFill>
-                    <p:spPr bwMode="auto">
-                      <a:xfrm>
-                        <a:off x="884238" y="2343150"/>
-                        <a:ext cx="7375525" cy="2017713"/>
-                      </a:xfrm>
-                      <a:prstGeom prst="rect">
-                        <a:avLst/>
-                      </a:prstGeom>
-                      <a:noFill/>
-                      <a:extLst>
-                        <a:ext uri="{909E8E84-426E-40dd-AFC4-6F175D3DCCD1}">
-                          <a14:hiddenFill xmlns:a14="http://schemas.microsoft.com/office/drawing/2010/main">
-                            <a:solidFill>
-                              <a:srgbClr val="FFFFFF"/>
-                            </a:solidFill>
-                          </a14:hiddenFill>
-                        </a:ext>
-                      </a:extLst>
-                    </p:spPr>
-                  </p:pic>
-                </p:oleObj>
-              </mc:Fallback>
-            </mc:AlternateContent>
-          </a:graphicData>
-        </a:graphic>
-      </p:graphicFrame>
-      <p:sp>
-        <p:nvSpPr>
-          <p:cNvPr id="8" name="TextBox 7"/>
-          <p:cNvSpPr txBox="1"/>
-          <p:nvPr/>
-        </p:nvSpPr>
-        <p:spPr>
-          <a:xfrm>
-            <a:off x="547174" y="4343400"/>
-            <a:ext cx="8063426" cy="1015663"/>
-          </a:xfrm>
-          <a:prstGeom prst="rect">
-            <a:avLst/>
-          </a:prstGeom>
-          <a:noFill/>
-        </p:spPr>
-        <p:txBody>
-          <a:bodyPr wrap="none">
-            <a:spAutoFit/>
-          </a:bodyPr>
-          <a:lstStyle/>
-          <a:p>
-            <a:pPr>
-              <a:defRPr/>
-            </a:pPr>
-            <a:r>
-              <a:rPr lang="en-US" sz="6000" i="0" dirty="0">
-                <a:latin typeface="+mj-lt"/>
-              </a:rPr>
-              <a:t>b</a:t>
-            </a:r>
-            <a:r>
-              <a:rPr lang="en-US" sz="6000" i="0" dirty="0" smtClean="0">
-                <a:latin typeface="+mj-lt"/>
-              </a:rPr>
-              <a:t>oth </a:t>
-            </a:r>
-            <a:r>
-              <a:rPr lang="en-US" sz="6000" i="0" dirty="0">
-                <a:latin typeface="+mj-lt"/>
-              </a:rPr>
-              <a:t>forms are useful</a:t>
-            </a:r>
-          </a:p>
-        </p:txBody>
-      </p:sp>
-      <p:sp>
-        <p:nvSpPr>
-          <p:cNvPr id="12" name="Rectangle 11"/>
-          <p:cNvSpPr/>
-          <p:nvPr/>
-        </p:nvSpPr>
-        <p:spPr bwMode="auto">
-          <a:xfrm>
-            <a:off x="527538" y="2285999"/>
-            <a:ext cx="8083062" cy="2022231"/>
-          </a:xfrm>
-          <a:prstGeom prst="rect">
-            <a:avLst/>
-          </a:prstGeom>
-          <a:noFill/>
-          <a:ln w="34925" cap="flat" cmpd="sng" algn="ctr">
-            <a:solidFill>
-              <a:srgbClr val="FF00FF"/>
-            </a:solidFill>
-            <a:prstDash val="sysDash"/>
-            <a:round/>
-            <a:headEnd type="none" w="med" len="med"/>
-            <a:tailEnd type="arrow" w="lg" len="lg"/>
-          </a:ln>
-          <a:effectLst/>
-        </p:spPr>
-        <p:txBody>
-          <a:bodyPr vert="horz" wrap="square" lIns="91440" tIns="45720" rIns="91440" bIns="45720" numCol="1" rtlCol="0" anchor="t" anchorCtr="0" compatLnSpc="1">
-            <a:prstTxWarp prst="textNoShape">
-              <a:avLst/>
-            </a:prstTxWarp>
-          </a:bodyPr>
-          <a:lstStyle/>
-          <a:p>
-            <a:pPr marL="0" marR="0" indent="0" algn="l" defTabSz="914400" rtl="0" eaLnBrk="1" fontAlgn="base" latinLnBrk="0" hangingPunct="1">
-              <a:lnSpc>
-                <a:spcPct val="100000"/>
-              </a:lnSpc>
-              <a:spcBef>
-                <a:spcPct val="0"/>
-              </a:spcBef>
-              <a:spcAft>
-                <a:spcPct val="0"/>
-              </a:spcAft>
-              <a:buClrTx/>
-              <a:buSzTx/>
-              <a:buFontTx/>
-              <a:buNone/>
-              <a:tabLst/>
-            </a:pPr>
-            <a:endParaRPr kumimoji="0" lang="en-US" sz="3600" b="0" i="1" u="none" strike="noStrike" cap="none" normalizeH="0" baseline="0" smtClean="0">
-              <a:ln>
-                <a:noFill/>
-              </a:ln>
-              <a:solidFill>
-                <a:schemeClr val="tx1"/>
-              </a:solidFill>
-              <a:effectLst/>
-              <a:latin typeface="Times New Roman" pitchFamily="18" charset="0"/>
-            </a:endParaRPr>
-          </a:p>
-        </p:txBody>
-      </p:sp>
-      <p:sp>
-        <p:nvSpPr>
-          <p:cNvPr id="11" name="Rectangle 2"/>
-          <p:cNvSpPr>
-            <a:spLocks noGrp="1" noChangeArrowheads="1"/>
-          </p:cNvSpPr>
-          <p:nvPr>
-            <p:ph type="title"/>
-          </p:nvPr>
-        </p:nvSpPr>
-        <p:spPr>
-          <a:xfrm>
-            <a:off x="1828800" y="228600"/>
-            <a:ext cx="5486400" cy="1066800"/>
-          </a:xfrm>
-        </p:spPr>
-        <p:txBody>
-          <a:bodyPr/>
-          <a:lstStyle/>
-          <a:p>
-            <a:pPr eaLnBrk="1" hangingPunct="1"/>
-            <a:r>
-              <a:rPr lang="en-US" sz="4800" dirty="0" smtClean="0">
-                <a:solidFill>
-                  <a:schemeClr val="tx1"/>
-                </a:solidFill>
-              </a:rPr>
-              <a:t>Expected Value</a:t>
-            </a:r>
-          </a:p>
-        </p:txBody>
-      </p:sp>
-      <p:sp>
-        <p:nvSpPr>
-          <p:cNvPr id="7" name="Slide Number Placeholder 3"/>
-          <p:cNvSpPr>
-            <a:spLocks noGrp="1"/>
-          </p:cNvSpPr>
-          <p:nvPr>
-            <p:ph type="sldNum" sz="quarter" idx="4294967295"/>
-          </p:nvPr>
-        </p:nvSpPr>
-        <p:spPr>
-          <a:xfrm>
-            <a:off x="7554913" y="6577965"/>
-            <a:ext cx="1527175" cy="244475"/>
-          </a:xfrm>
-          <a:prstGeom prst="rect">
-            <a:avLst/>
-          </a:prstGeom>
-        </p:spPr>
-        <p:txBody>
-          <a:bodyPr/>
-          <a:lstStyle/>
-          <a:p>
-            <a:pPr>
-              <a:defRPr/>
-            </a:pPr>
-            <a:r>
-              <a:rPr lang="en-US" sz="1200" dirty="0" err="1" smtClean="0">
-                <a:latin typeface="Comic Sans MS"/>
-                <a:cs typeface="Comic Sans MS"/>
-              </a:rPr>
-              <a:t>expect_intro</a:t>
-            </a:r>
-            <a:r>
-              <a:rPr lang="en-US" sz="1200" dirty="0" smtClean="0">
-                <a:latin typeface="Comic Sans MS"/>
-                <a:cs typeface="Comic Sans MS"/>
-              </a:rPr>
-              <a:t>.</a:t>
-            </a:r>
-            <a:fld id="{93DA0692-DAF7-4AFE-9BE7-E02439D3694A}" type="slidenum">
-              <a:rPr lang="en-US" sz="1200" smtClean="0">
-                <a:latin typeface="Comic Sans MS"/>
-                <a:cs typeface="Comic Sans MS"/>
-              </a:rPr>
-              <a:pPr>
-                <a:defRPr/>
-              </a:pPr>
-              <a:t>16</a:t>
-            </a:fld>
-            <a:endParaRPr lang="en-US" sz="1200" dirty="0">
-              <a:latin typeface="Comic Sans MS"/>
-              <a:cs typeface="Comic Sans MS"/>
-            </a:endParaRPr>
-          </a:p>
-        </p:txBody>
-      </p:sp>
-    </p:spTree>
-    <p:extLst>
-      <p:ext uri="{BB962C8B-B14F-4D97-AF65-F5344CB8AC3E}">
-        <p14:creationId xmlns:p14="http://schemas.microsoft.com/office/powerpoint/2010/main" val="3058019615"/>
-      </p:ext>
-    </p:extLst>
-  </p:cSld>
-  <p:clrMapOvr>
-    <a:masterClrMapping/>
-  </p:clrMapOvr>
-  <p:transition xmlns:p14="http://schemas.microsoft.com/office/powerpoint/2010/main" spd="slow" advClick="0">
-    <p:fade/>
-  </p:transition>
-  <p:timing>
-    <p:tnLst>
-      <p:par>
-        <p:cTn xmlns:p14="http://schemas.microsoft.com/office/powerpoint/2010/main" id="1" dur="indefinite" restart="never" nodeType="tmRoot">
-          <p:childTnLst>
-            <p:seq concurrent="1" nextAc="seek">
-              <p:cTn id="2" dur="indefinite" nodeType="mainSeq">
-                <p:childTnLst>
-                  <p:par>
-                    <p:cTn id="3" fill="hold">
-                      <p:stCondLst>
-                        <p:cond delay="indefinite"/>
-                        <p:cond evt="onBegin" delay="0">
-                          <p:tn val="2"/>
-                        </p:cond>
-                      </p:stCondLst>
-                      <p:childTnLst>
-                        <p:par>
-                          <p:cTn id="4" fill="hold">
-                            <p:stCondLst>
-                              <p:cond delay="0"/>
-                            </p:stCondLst>
-                            <p:childTnLst>
-                              <p:par>
-                                <p:cTn id="5" presetID="9" presetClass="entr" presetSubtype="0" fill="hold" grpId="0" nodeType="withEffect">
-                                  <p:stCondLst>
-                                    <p:cond delay="0"/>
-                                  </p:stCondLst>
-                                  <p:childTnLst>
-                                    <p:set>
-                                      <p:cBhvr>
-                                        <p:cTn id="6" dur="1" fill="hold">
-                                          <p:stCondLst>
-                                            <p:cond delay="0"/>
-                                          </p:stCondLst>
-                                        </p:cTn>
-                                        <p:tgtEl>
-                                          <p:spTgt spid="12"/>
-                                        </p:tgtEl>
-                                        <p:attrNameLst>
-                                          <p:attrName>style.visibility</p:attrName>
-                                        </p:attrNameLst>
-                                      </p:cBhvr>
-                                      <p:to>
-                                        <p:strVal val="visible"/>
-                                      </p:to>
-                                    </p:set>
-                                    <p:animEffect transition="in" filter="dissolve">
-                                      <p:cBhvr>
-                                        <p:cTn id="7" dur="500"/>
-                                        <p:tgtEl>
-                                          <p:spTgt spid="12"/>
-                                        </p:tgtEl>
-                                      </p:cBhvr>
-                                    </p:animEffect>
-                                  </p:childTnLst>
-                                </p:cTn>
-                              </p:par>
-                            </p:childTnLst>
-                          </p:cTn>
-                        </p:par>
-                      </p:childTnLst>
-                    </p:cTn>
-                  </p:par>
-                  <p:par>
-                    <p:cTn id="8" fill="hold">
-                      <p:stCondLst>
-                        <p:cond delay="indefinite"/>
-                      </p:stCondLst>
-                      <p:childTnLst>
-                        <p:par>
-                          <p:cTn id="9" fill="hold">
-                            <p:stCondLst>
-                              <p:cond delay="0"/>
-                            </p:stCondLst>
-                            <p:childTnLst>
-                              <p:par>
-                                <p:cTn id="10" presetID="9" presetClass="entr" presetSubtype="0" fill="hold" grpId="0" nodeType="clickEffect">
-                                  <p:stCondLst>
-                                    <p:cond delay="0"/>
-                                  </p:stCondLst>
-                                  <p:childTnLst>
-                                    <p:set>
-                                      <p:cBhvr>
-                                        <p:cTn id="11" dur="1" fill="hold">
-                                          <p:stCondLst>
-                                            <p:cond delay="0"/>
-                                          </p:stCondLst>
-                                        </p:cTn>
-                                        <p:tgtEl>
-                                          <p:spTgt spid="8"/>
-                                        </p:tgtEl>
-                                        <p:attrNameLst>
-                                          <p:attrName>style.visibility</p:attrName>
-                                        </p:attrNameLst>
-                                      </p:cBhvr>
-                                      <p:to>
-                                        <p:strVal val="visible"/>
-                                      </p:to>
-                                    </p:set>
-                                    <p:animEffect transition="in" filter="dissolve">
-                                      <p:cBhvr>
-                                        <p:cTn id="12" dur="500"/>
-                                        <p:tgtEl>
-                                          <p:spTgt spid="8"/>
-                                        </p:tgtEl>
-                                      </p:cBhvr>
-                                    </p:animEffect>
-                                  </p:childTnLst>
-                                </p:cTn>
-                              </p:par>
-                            </p:childTnLst>
-                          </p:cTn>
-                        </p:par>
-                      </p:childTnLst>
-                    </p:cTn>
-                  </p:par>
-                </p:childTnLst>
-              </p:cTn>
-              <p:prevCondLst>
-                <p:cond evt="onPrev" delay="0">
-                  <p:tgtEl>
-                    <p:sldTgt/>
-                  </p:tgtEl>
-                </p:cond>
-              </p:prevCondLst>
-              <p:nextCondLst>
-                <p:cond evt="onNext" delay="0">
-                  <p:tgtEl>
-                    <p:sldTgt/>
-                  </p:tgtEl>
-                </p:cond>
-              </p:nextCondLst>
-            </p:seq>
-          </p:childTnLst>
-        </p:cTn>
-      </p:par>
-    </p:tnLst>
-    <p:bldLst>
-      <p:bldP spid="8" grpId="0"/>
-      <p:bldP spid="12" grpId="0" animBg="1"/>
-    </p:bldLst>
-  </p:timing>
-</p:sld>
-</file>
-
-<file path=ppt/slides/slide17.xml><?xml version="1.0" encoding="utf-8"?>
 <p:sld xmlns:a="http://schemas.openxmlformats.org/drawingml/2006/main" xmlns:r="http://schemas.openxmlformats.org/officeDocument/2006/relationships" xmlns:p="http://schemas.openxmlformats.org/presentationml/2006/main">
   <p:cSld>
     <p:spTree>
@@ -8295,7 +8337,7 @@
           <a:graphicData uri="http://schemas.openxmlformats.org/presentationml/2006/ole">
             <mc:AlternateContent xmlns:mc="http://schemas.openxmlformats.org/markup-compatibility/2006">
               <mc:Choice xmlns:v="urn:schemas-microsoft-com:vml" Requires="v">
-                <p:oleObj spid="_x0000_s575498" name="Equation" r:id="rId4" imgW="1816100" imgH="406400" progId="Equation.DSMT4">
+                <p:oleObj spid="_x0000_s575500" name="Equation" r:id="rId4" imgW="1816100" imgH="406400" progId="Equation.DSMT4">
                   <p:embed/>
                 </p:oleObj>
               </mc:Choice>
@@ -8383,7 +8425,7 @@
               <a:pPr>
                 <a:defRPr/>
               </a:pPr>
-              <a:t>17</a:t>
+              <a:t>16</a:t>
             </a:fld>
             <a:endParaRPr lang="en-US" sz="1200" dirty="0">
               <a:latin typeface="Comic Sans MS"/>
@@ -8527,7 +8569,7 @@
 </p:sld>
 </file>
 
-<file path=ppt/slides/slide18.xml><?xml version="1.0" encoding="utf-8"?>
+<file path=ppt/slides/slide17.xml><?xml version="1.0" encoding="utf-8"?>
 <p:sld xmlns:a="http://schemas.openxmlformats.org/drawingml/2006/main" xmlns:r="http://schemas.openxmlformats.org/officeDocument/2006/relationships" xmlns:p="http://schemas.openxmlformats.org/presentationml/2006/main">
   <p:cSld>
     <p:spTree>
@@ -8600,7 +8642,7 @@
           <a:graphicData uri="http://schemas.openxmlformats.org/presentationml/2006/ole">
             <mc:AlternateContent xmlns:mc="http://schemas.openxmlformats.org/markup-compatibility/2006">
               <mc:Choice xmlns:v="urn:schemas-microsoft-com:vml" Requires="v">
-                <p:oleObj spid="_x0000_s583682" name="Equation" r:id="rId4" imgW="1816100" imgH="406400" progId="Equation.DSMT4">
+                <p:oleObj spid="_x0000_s583684" name="Equation" r:id="rId4" imgW="1816100" imgH="406400" progId="Equation.DSMT4">
                   <p:embed/>
                 </p:oleObj>
               </mc:Choice>
@@ -8688,7 +8730,7 @@
               <a:pPr>
                 <a:defRPr/>
               </a:pPr>
-              <a:t>18</a:t>
+              <a:t>17</a:t>
             </a:fld>
             <a:endParaRPr lang="en-US" sz="1200" dirty="0">
               <a:latin typeface="Comic Sans MS"/>
@@ -8753,7 +8795,7 @@
 </p:sld>
 </file>
 
-<file path=ppt/slides/slide19.xml><?xml version="1.0" encoding="utf-8"?>
+<file path=ppt/slides/slide18.xml><?xml version="1.0" encoding="utf-8"?>
 <p:sld xmlns:a="http://schemas.openxmlformats.org/drawingml/2006/main" xmlns:r="http://schemas.openxmlformats.org/officeDocument/2006/relationships" xmlns:p="http://schemas.openxmlformats.org/presentationml/2006/main">
   <p:cSld>
     <p:spTree>
@@ -8826,7 +8868,7 @@
           <a:graphicData uri="http://schemas.openxmlformats.org/presentationml/2006/ole">
             <mc:AlternateContent xmlns:mc="http://schemas.openxmlformats.org/markup-compatibility/2006">
               <mc:Choice xmlns:v="urn:schemas-microsoft-com:vml" Requires="v">
-                <p:oleObj spid="_x0000_s574489" name="Equation" r:id="rId4" imgW="1955800" imgH="406400" progId="Equation.DSMT4">
+                <p:oleObj spid="_x0000_s574491" name="Equation" r:id="rId4" imgW="1955800" imgH="406400" progId="Equation.DSMT4">
                   <p:embed/>
                 </p:oleObj>
               </mc:Choice>
@@ -8914,7 +8956,7 @@
               <a:pPr>
                 <a:defRPr/>
               </a:pPr>
-              <a:t>19</a:t>
+              <a:t>18</a:t>
             </a:fld>
             <a:endParaRPr lang="en-US" sz="1200" dirty="0">
               <a:latin typeface="Comic Sans MS"/>
@@ -8988,147 +9030,7 @@
 </p:sld>
 </file>
 
-<file path=ppt/slides/slide2.xml><?xml version="1.0" encoding="utf-8"?>
-<p:sld xmlns:a="http://schemas.openxmlformats.org/drawingml/2006/main" xmlns:r="http://schemas.openxmlformats.org/officeDocument/2006/relationships" xmlns:p="http://schemas.openxmlformats.org/presentationml/2006/main" show="0">
-  <p:cSld>
-    <p:spTree>
-      <p:nvGrpSpPr>
-        <p:cNvPr id="1" name=""/>
-        <p:cNvGrpSpPr/>
-        <p:nvPr/>
-      </p:nvGrpSpPr>
-      <p:grpSpPr>
-        <a:xfrm>
-          <a:off x="0" y="0"/>
-          <a:ext cx="0" cy="0"/>
-          <a:chOff x="0" y="0"/>
-          <a:chExt cx="0" cy="0"/>
-        </a:xfrm>
-      </p:grpSpPr>
-      <p:sp>
-        <p:nvSpPr>
-          <p:cNvPr id="3074" name="Rectangle 4"/>
-          <p:cNvSpPr>
-            <a:spLocks noGrp="1" noChangeArrowheads="1"/>
-          </p:cNvSpPr>
-          <p:nvPr>
-            <p:ph type="ctrTitle"/>
-          </p:nvPr>
-        </p:nvSpPr>
-        <p:spPr>
-          <a:xfrm>
-            <a:off x="685800" y="2133600"/>
-            <a:ext cx="7924800" cy="2667000"/>
-          </a:xfrm>
-        </p:spPr>
-        <p:txBody>
-          <a:bodyPr/>
-          <a:lstStyle/>
-          <a:p>
-            <a:pPr eaLnBrk="1" hangingPunct="1"/>
-            <a:r>
-              <a:rPr lang="en-US" sz="5400" b="0" smtClean="0"/>
-              <a:t>Prediction is difficult,</a:t>
-            </a:r>
-            <a:br>
-              <a:rPr lang="en-US" sz="5400" b="0" smtClean="0"/>
-            </a:br>
-            <a:r>
-              <a:rPr lang="en-US" sz="5400" b="0" smtClean="0"/>
-              <a:t>especially of the future</a:t>
-            </a:r>
-          </a:p>
-        </p:txBody>
-      </p:sp>
-      <p:sp>
-        <p:nvSpPr>
-          <p:cNvPr id="3075" name="Rectangle 5"/>
-          <p:cNvSpPr>
-            <a:spLocks noGrp="1" noChangeArrowheads="1"/>
-          </p:cNvSpPr>
-          <p:nvPr>
-            <p:ph type="subTitle" idx="1"/>
-          </p:nvPr>
-        </p:nvSpPr>
-        <p:spPr>
-          <a:xfrm>
-            <a:off x="2971800" y="4724400"/>
-            <a:ext cx="5181600" cy="762000"/>
-          </a:xfrm>
-        </p:spPr>
-        <p:txBody>
-          <a:bodyPr/>
-          <a:lstStyle/>
-          <a:p>
-            <a:pPr eaLnBrk="1" hangingPunct="1"/>
-            <a:r>
-              <a:rPr lang="en-US" sz="4000" i="1" smtClean="0"/>
-              <a:t>--- Niels Bohr</a:t>
-            </a:r>
-          </a:p>
-        </p:txBody>
-      </p:sp>
-      <p:sp>
-        <p:nvSpPr>
-          <p:cNvPr id="4" name="Slide Number Placeholder 3"/>
-          <p:cNvSpPr>
-            <a:spLocks noGrp="1"/>
-          </p:cNvSpPr>
-          <p:nvPr>
-            <p:ph type="sldNum" sz="quarter" idx="11"/>
-          </p:nvPr>
-        </p:nvSpPr>
-        <p:spPr>
-          <a:xfrm>
-            <a:off x="7554913" y="6577965"/>
-            <a:ext cx="1527175" cy="244475"/>
-          </a:xfrm>
-        </p:spPr>
-        <p:txBody>
-          <a:bodyPr/>
-          <a:lstStyle/>
-          <a:p>
-            <a:pPr>
-              <a:defRPr/>
-            </a:pPr>
-            <a:r>
-              <a:rPr lang="en-US" dirty="0" err="1" smtClean="0"/>
-              <a:t>expect_intro</a:t>
-            </a:r>
-            <a:r>
-              <a:rPr lang="en-US" dirty="0" smtClean="0"/>
-              <a:t>.</a:t>
-            </a:r>
-            <a:fld id="{93DA0692-DAF7-4AFE-9BE7-E02439D3694A}" type="slidenum">
-              <a:rPr lang="en-US" smtClean="0"/>
-              <a:pPr>
-                <a:defRPr/>
-              </a:pPr>
-              <a:t>2</a:t>
-            </a:fld>
-            <a:endParaRPr lang="en-US" dirty="0"/>
-          </a:p>
-        </p:txBody>
-      </p:sp>
-    </p:spTree>
-  </p:cSld>
-  <p:clrMapOvr>
-    <a:masterClrMapping/>
-  </p:clrMapOvr>
-  <p:transition xmlns:p14="http://schemas.microsoft.com/office/powerpoint/2010/main" spd="slow" advClick="0">
-    <p:fade/>
-  </p:transition>
-  <p:timing>
-    <p:tnLst>
-      <p:par>
-        <p:cTn xmlns:p14="http://schemas.microsoft.com/office/powerpoint/2010/main" id="1" dur="indefinite" restart="never" nodeType="tmRoot"/>
-      </p:par>
-    </p:tnLst>
-  </p:timing>
-</p:sld>
-</file>
-
-<file path=ppt/slides/slide20.xml><?xml version="1.0" encoding="utf-8"?>
+<file path=ppt/slides/slide19.xml><?xml version="1.0" encoding="utf-8"?>
 <p:sld xmlns:a="http://schemas.openxmlformats.org/drawingml/2006/main" xmlns:r="http://schemas.openxmlformats.org/officeDocument/2006/relationships" xmlns:p="http://schemas.openxmlformats.org/presentationml/2006/main">
   <p:cSld>
     <p:spTree>
@@ -9201,7 +9103,7 @@
           <a:graphicData uri="http://schemas.openxmlformats.org/presentationml/2006/ole">
             <mc:AlternateContent xmlns:mc="http://schemas.openxmlformats.org/markup-compatibility/2006">
               <mc:Choice xmlns:v="urn:schemas-microsoft-com:vml" Requires="v">
-                <p:oleObj spid="_x0000_s584707" name="Equation" r:id="rId4" imgW="1955800" imgH="406400" progId="Equation.DSMT4">
+                <p:oleObj spid="_x0000_s584711" name="Equation" r:id="rId4" imgW="1955800" imgH="406400" progId="Equation.DSMT4">
                   <p:embed/>
                 </p:oleObj>
               </mc:Choice>
@@ -9263,7 +9165,7 @@
           <a:graphicData uri="http://schemas.openxmlformats.org/presentationml/2006/ole">
             <mc:AlternateContent xmlns:mc="http://schemas.openxmlformats.org/markup-compatibility/2006">
               <mc:Choice xmlns:v="urn:schemas-microsoft-com:vml" Requires="v">
-                <p:oleObj spid="_x0000_s584708" name="Equation" r:id="rId6" imgW="1778000" imgH="406400" progId="Equation.DSMT4">
+                <p:oleObj spid="_x0000_s584712" name="Equation" r:id="rId6" imgW="1778000" imgH="406400" progId="Equation.DSMT4">
                   <p:embed/>
                 </p:oleObj>
               </mc:Choice>
@@ -9351,7 +9253,7 @@
               <a:pPr>
                 <a:defRPr/>
               </a:pPr>
-              <a:t>20</a:t>
+              <a:t>19</a:t>
             </a:fld>
             <a:endParaRPr lang="en-US" sz="1200" dirty="0">
               <a:latin typeface="Comic Sans MS"/>
@@ -9501,7 +9403,147 @@
 </p:sld>
 </file>
 
-<file path=ppt/slides/slide21.xml><?xml version="1.0" encoding="utf-8"?>
+<file path=ppt/slides/slide2.xml><?xml version="1.0" encoding="utf-8"?>
+<p:sld xmlns:a="http://schemas.openxmlformats.org/drawingml/2006/main" xmlns:r="http://schemas.openxmlformats.org/officeDocument/2006/relationships" xmlns:p="http://schemas.openxmlformats.org/presentationml/2006/main" show="0">
+  <p:cSld>
+    <p:spTree>
+      <p:nvGrpSpPr>
+        <p:cNvPr id="1" name=""/>
+        <p:cNvGrpSpPr/>
+        <p:nvPr/>
+      </p:nvGrpSpPr>
+      <p:grpSpPr>
+        <a:xfrm>
+          <a:off x="0" y="0"/>
+          <a:ext cx="0" cy="0"/>
+          <a:chOff x="0" y="0"/>
+          <a:chExt cx="0" cy="0"/>
+        </a:xfrm>
+      </p:grpSpPr>
+      <p:sp>
+        <p:nvSpPr>
+          <p:cNvPr id="3074" name="Rectangle 4"/>
+          <p:cNvSpPr>
+            <a:spLocks noGrp="1" noChangeArrowheads="1"/>
+          </p:cNvSpPr>
+          <p:nvPr>
+            <p:ph type="ctrTitle"/>
+          </p:nvPr>
+        </p:nvSpPr>
+        <p:spPr>
+          <a:xfrm>
+            <a:off x="685800" y="2133600"/>
+            <a:ext cx="7924800" cy="2667000"/>
+          </a:xfrm>
+        </p:spPr>
+        <p:txBody>
+          <a:bodyPr/>
+          <a:lstStyle/>
+          <a:p>
+            <a:pPr eaLnBrk="1" hangingPunct="1"/>
+            <a:r>
+              <a:rPr lang="en-US" sz="5400" b="0" smtClean="0"/>
+              <a:t>Prediction is difficult,</a:t>
+            </a:r>
+            <a:br>
+              <a:rPr lang="en-US" sz="5400" b="0" smtClean="0"/>
+            </a:br>
+            <a:r>
+              <a:rPr lang="en-US" sz="5400" b="0" smtClean="0"/>
+              <a:t>especially of the future</a:t>
+            </a:r>
+          </a:p>
+        </p:txBody>
+      </p:sp>
+      <p:sp>
+        <p:nvSpPr>
+          <p:cNvPr id="3075" name="Rectangle 5"/>
+          <p:cNvSpPr>
+            <a:spLocks noGrp="1" noChangeArrowheads="1"/>
+          </p:cNvSpPr>
+          <p:nvPr>
+            <p:ph type="subTitle" idx="1"/>
+          </p:nvPr>
+        </p:nvSpPr>
+        <p:spPr>
+          <a:xfrm>
+            <a:off x="2971800" y="4724400"/>
+            <a:ext cx="5181600" cy="762000"/>
+          </a:xfrm>
+        </p:spPr>
+        <p:txBody>
+          <a:bodyPr/>
+          <a:lstStyle/>
+          <a:p>
+            <a:pPr eaLnBrk="1" hangingPunct="1"/>
+            <a:r>
+              <a:rPr lang="en-US" sz="4000" i="1" smtClean="0"/>
+              <a:t>--- Niels Bohr</a:t>
+            </a:r>
+          </a:p>
+        </p:txBody>
+      </p:sp>
+      <p:sp>
+        <p:nvSpPr>
+          <p:cNvPr id="4" name="Slide Number Placeholder 3"/>
+          <p:cNvSpPr>
+            <a:spLocks noGrp="1"/>
+          </p:cNvSpPr>
+          <p:nvPr>
+            <p:ph type="sldNum" sz="quarter" idx="11"/>
+          </p:nvPr>
+        </p:nvSpPr>
+        <p:spPr>
+          <a:xfrm>
+            <a:off x="7554913" y="6577965"/>
+            <a:ext cx="1527175" cy="244475"/>
+          </a:xfrm>
+        </p:spPr>
+        <p:txBody>
+          <a:bodyPr/>
+          <a:lstStyle/>
+          <a:p>
+            <a:pPr>
+              <a:defRPr/>
+            </a:pPr>
+            <a:r>
+              <a:rPr lang="en-US" dirty="0" err="1" smtClean="0"/>
+              <a:t>expect_intro</a:t>
+            </a:r>
+            <a:r>
+              <a:rPr lang="en-US" dirty="0" smtClean="0"/>
+              <a:t>.</a:t>
+            </a:r>
+            <a:fld id="{93DA0692-DAF7-4AFE-9BE7-E02439D3694A}" type="slidenum">
+              <a:rPr lang="en-US" smtClean="0"/>
+              <a:pPr>
+                <a:defRPr/>
+              </a:pPr>
+              <a:t>2</a:t>
+            </a:fld>
+            <a:endParaRPr lang="en-US" dirty="0"/>
+          </a:p>
+        </p:txBody>
+      </p:sp>
+    </p:spTree>
+  </p:cSld>
+  <p:clrMapOvr>
+    <a:masterClrMapping/>
+  </p:clrMapOvr>
+  <p:transition xmlns:p14="http://schemas.microsoft.com/office/powerpoint/2010/main" spd="slow" advClick="0">
+    <p:fade/>
+  </p:transition>
+  <p:timing>
+    <p:tnLst>
+      <p:par>
+        <p:cTn xmlns:p14="http://schemas.microsoft.com/office/powerpoint/2010/main" id="1" dur="indefinite" restart="never" nodeType="tmRoot"/>
+      </p:par>
+    </p:tnLst>
+  </p:timing>
+</p:sld>
+</file>
+
+<file path=ppt/slides/slide20.xml><?xml version="1.0" encoding="utf-8"?>
 <p:sld xmlns:a="http://schemas.openxmlformats.org/drawingml/2006/main" xmlns:r="http://schemas.openxmlformats.org/officeDocument/2006/relationships" xmlns:p="http://schemas.openxmlformats.org/presentationml/2006/main">
   <p:cSld>
     <p:spTree>
@@ -9574,7 +9616,7 @@
           <a:graphicData uri="http://schemas.openxmlformats.org/presentationml/2006/ole">
             <mc:AlternateContent xmlns:mc="http://schemas.openxmlformats.org/markup-compatibility/2006">
               <mc:Choice xmlns:v="urn:schemas-microsoft-com:vml" Requires="v">
-                <p:oleObj spid="_x0000_s578577" name="Equation" r:id="rId4" imgW="1955800" imgH="406400" progId="Equation.DSMT4">
+                <p:oleObj spid="_x0000_s578581" name="Equation" r:id="rId4" imgW="1955800" imgH="406400" progId="Equation.DSMT4">
                   <p:embed/>
                 </p:oleObj>
               </mc:Choice>
@@ -9636,7 +9678,7 @@
           <a:graphicData uri="http://schemas.openxmlformats.org/presentationml/2006/ole">
             <mc:AlternateContent xmlns:mc="http://schemas.openxmlformats.org/markup-compatibility/2006">
               <mc:Choice xmlns:v="urn:schemas-microsoft-com:vml" Requires="v">
-                <p:oleObj spid="_x0000_s578578" name="Equation" r:id="rId6" imgW="1778000" imgH="406400" progId="Equation.DSMT4">
+                <p:oleObj spid="_x0000_s578582" name="Equation" r:id="rId6" imgW="1778000" imgH="406400" progId="Equation.DSMT4">
                   <p:embed/>
                 </p:oleObj>
               </mc:Choice>
@@ -9724,7 +9766,7 @@
               <a:pPr>
                 <a:defRPr/>
               </a:pPr>
-              <a:t>21</a:t>
+              <a:t>20</a:t>
             </a:fld>
             <a:endParaRPr lang="en-US" sz="1200" dirty="0">
               <a:latin typeface="Comic Sans MS"/>
@@ -9789,7 +9831,7 @@
 </p:sld>
 </file>
 
-<file path=ppt/slides/slide22.xml><?xml version="1.0" encoding="utf-8"?>
+<file path=ppt/slides/slide21.xml><?xml version="1.0" encoding="utf-8"?>
 <p:sld xmlns:a="http://schemas.openxmlformats.org/drawingml/2006/main" xmlns:r="http://schemas.openxmlformats.org/officeDocument/2006/relationships" xmlns:p="http://schemas.openxmlformats.org/presentationml/2006/main">
   <p:cSld>
     <p:spTree>
@@ -9862,7 +9904,7 @@
           <a:graphicData uri="http://schemas.openxmlformats.org/presentationml/2006/ole">
             <mc:AlternateContent xmlns:mc="http://schemas.openxmlformats.org/markup-compatibility/2006">
               <mc:Choice xmlns:v="urn:schemas-microsoft-com:vml" Requires="v">
-                <p:oleObj spid="_x0000_s579608" name="Equation" r:id="rId4" imgW="1955800" imgH="406400" progId="Equation.DSMT4">
+                <p:oleObj spid="_x0000_s579614" name="Equation" r:id="rId4" imgW="1955800" imgH="406400" progId="Equation.DSMT4">
                   <p:embed/>
                 </p:oleObj>
               </mc:Choice>
@@ -9924,7 +9966,7 @@
           <a:graphicData uri="http://schemas.openxmlformats.org/presentationml/2006/ole">
             <mc:AlternateContent xmlns:mc="http://schemas.openxmlformats.org/markup-compatibility/2006">
               <mc:Choice xmlns:v="urn:schemas-microsoft-com:vml" Requires="v">
-                <p:oleObj spid="_x0000_s579609" name="Equation" r:id="rId6" imgW="1663700" imgH="406400" progId="Equation.DSMT4">
+                <p:oleObj spid="_x0000_s579615" name="Equation" r:id="rId6" imgW="1663700" imgH="406400" progId="Equation.DSMT4">
                   <p:embed/>
                 </p:oleObj>
               </mc:Choice>
@@ -10012,7 +10054,7 @@
               <a:pPr>
                 <a:defRPr/>
               </a:pPr>
-              <a:t>22</a:t>
+              <a:t>21</a:t>
             </a:fld>
             <a:endParaRPr lang="en-US" sz="1200" dirty="0">
               <a:latin typeface="Comic Sans MS"/>
@@ -10043,7 +10085,7 @@
           <a:graphicData uri="http://schemas.openxmlformats.org/presentationml/2006/ole">
             <mc:AlternateContent xmlns:mc="http://schemas.openxmlformats.org/markup-compatibility/2006">
               <mc:Choice xmlns:v="urn:schemas-microsoft-com:vml" Requires="v">
-                <p:oleObj spid="_x0000_s579610" name="Equation" r:id="rId8" imgW="1638300" imgH="406400" progId="Equation.DSMT4">
+                <p:oleObj spid="_x0000_s579616" name="Equation" r:id="rId8" imgW="1638300" imgH="406400" progId="Equation.DSMT4">
                   <p:embed/>
                 </p:oleObj>
               </mc:Choice>
@@ -10420,518 +10462,7 @@
 </p:sld>
 </file>
 
-<file path=ppt/slides/slide23.xml><?xml version="1.0" encoding="utf-8"?>
-<p:sld xmlns:a="http://schemas.openxmlformats.org/drawingml/2006/main" xmlns:r="http://schemas.openxmlformats.org/officeDocument/2006/relationships" xmlns:p="http://schemas.openxmlformats.org/presentationml/2006/main" show="0">
-  <p:cSld>
-    <p:spTree>
-      <p:nvGrpSpPr>
-        <p:cNvPr id="1" name=""/>
-        <p:cNvGrpSpPr/>
-        <p:nvPr/>
-      </p:nvGrpSpPr>
-      <p:grpSpPr>
-        <a:xfrm>
-          <a:off x="0" y="0"/>
-          <a:ext cx="0" cy="0"/>
-          <a:chOff x="0" y="0"/>
-          <a:chExt cx="0" cy="0"/>
-        </a:xfrm>
-      </p:grpSpPr>
-      <p:sp>
-        <p:nvSpPr>
-          <p:cNvPr id="19" name="TextBox 18"/>
-          <p:cNvSpPr txBox="1"/>
-          <p:nvPr/>
-        </p:nvSpPr>
-        <p:spPr>
-          <a:xfrm>
-            <a:off x="304800" y="864480"/>
-            <a:ext cx="1317625" cy="769938"/>
-          </a:xfrm>
-          <a:prstGeom prst="rect">
-            <a:avLst/>
-          </a:prstGeom>
-          <a:noFill/>
-        </p:spPr>
-        <p:txBody>
-          <a:bodyPr wrap="none">
-            <a:spAutoFit/>
-          </a:bodyPr>
-          <a:lstStyle/>
-          <a:p>
-            <a:pPr>
-              <a:defRPr/>
-            </a:pPr>
-            <a:r>
-              <a:rPr lang="en-US" sz="4400" i="0" dirty="0">
-                <a:latin typeface="+mj-lt"/>
-              </a:rPr>
-              <a:t>Now</a:t>
-            </a:r>
-          </a:p>
-        </p:txBody>
-      </p:sp>
-      <p:graphicFrame>
-        <p:nvGraphicFramePr>
-          <p:cNvPr id="9" name="Object 8"/>
-          <p:cNvGraphicFramePr>
-            <a:graphicFrameLocks noChangeAspect="1"/>
-          </p:cNvGraphicFramePr>
-          <p:nvPr>
-            <p:extLst>
-              <p:ext uri="{D42A27DB-BD31-4B8C-83A1-F6EECF244321}">
-                <p14:modId xmlns:p14="http://schemas.microsoft.com/office/powerpoint/2010/main" val="1902005388"/>
-              </p:ext>
-            </p:extLst>
-          </p:nvPr>
-        </p:nvGraphicFramePr>
-        <p:xfrm>
-          <a:off x="365125" y="1276350"/>
-          <a:ext cx="7351713" cy="1646238"/>
-        </p:xfrm>
-        <a:graphic>
-          <a:graphicData uri="http://schemas.openxmlformats.org/presentationml/2006/ole">
-            <mc:AlternateContent xmlns:mc="http://schemas.openxmlformats.org/markup-compatibility/2006">
-              <mc:Choice xmlns:v="urn:schemas-microsoft-com:vml" Requires="v">
-                <p:oleObj spid="_x0000_s571494" name="Equation" r:id="rId4" imgW="1816100" imgH="406400" progId="Equation.DSMT4">
-                  <p:embed/>
-                </p:oleObj>
-              </mc:Choice>
-              <mc:Fallback>
-                <p:oleObj name="Equation" r:id="rId4" imgW="1816100" imgH="406400" progId="Equation.DSMT4">
-                  <p:embed/>
-                  <p:pic>
-                    <p:nvPicPr>
-                      <p:cNvPr id="0" name=""/>
-                      <p:cNvPicPr>
-                        <a:picLocks noChangeAspect="1" noChangeArrowheads="1"/>
-                      </p:cNvPicPr>
-                      <p:nvPr/>
-                    </p:nvPicPr>
-                    <p:blipFill>
-                      <a:blip r:embed="rId5"/>
-                      <a:srcRect/>
-                      <a:stretch>
-                        <a:fillRect/>
-                      </a:stretch>
-                    </p:blipFill>
-                    <p:spPr bwMode="auto">
-                      <a:xfrm>
-                        <a:off x="365125" y="1276350"/>
-                        <a:ext cx="7351713" cy="1646238"/>
-                      </a:xfrm>
-                      <a:prstGeom prst="rect">
-                        <a:avLst/>
-                      </a:prstGeom>
-                      <a:noFill/>
-                      <a:extLst/>
-                    </p:spPr>
-                  </p:pic>
-                </p:oleObj>
-              </mc:Fallback>
-            </mc:AlternateContent>
-          </a:graphicData>
-        </a:graphic>
-      </p:graphicFrame>
-      <p:graphicFrame>
-        <p:nvGraphicFramePr>
-          <p:cNvPr id="10" name="Object 9"/>
-          <p:cNvGraphicFramePr>
-            <a:graphicFrameLocks noChangeAspect="1"/>
-          </p:cNvGraphicFramePr>
-          <p:nvPr>
-            <p:extLst>
-              <p:ext uri="{D42A27DB-BD31-4B8C-83A1-F6EECF244321}">
-                <p14:modId xmlns:p14="http://schemas.microsoft.com/office/powerpoint/2010/main" val="3612852367"/>
-              </p:ext>
-            </p:extLst>
-          </p:nvPr>
-        </p:nvGraphicFramePr>
-        <p:xfrm>
-          <a:off x="2928938" y="5116513"/>
-          <a:ext cx="4354512" cy="1547812"/>
-        </p:xfrm>
-        <a:graphic>
-          <a:graphicData uri="http://schemas.openxmlformats.org/presentationml/2006/ole">
-            <mc:AlternateContent xmlns:mc="http://schemas.openxmlformats.org/markup-compatibility/2006">
-              <mc:Choice xmlns:v="urn:schemas-microsoft-com:vml" Requires="v">
-                <p:oleObj spid="_x0000_s571495" name="Equation" r:id="rId6" imgW="1143000" imgH="406400" progId="Equation.DSMT4">
-                  <p:embed/>
-                </p:oleObj>
-              </mc:Choice>
-              <mc:Fallback>
-                <p:oleObj name="Equation" r:id="rId6" imgW="1143000" imgH="406400" progId="Equation.DSMT4">
-                  <p:embed/>
-                  <p:pic>
-                    <p:nvPicPr>
-                      <p:cNvPr id="0" name=""/>
-                      <p:cNvPicPr>
-                        <a:picLocks noChangeAspect="1" noChangeArrowheads="1"/>
-                      </p:cNvPicPr>
-                      <p:nvPr/>
-                    </p:nvPicPr>
-                    <p:blipFill>
-                      <a:blip r:embed="rId7"/>
-                      <a:srcRect/>
-                      <a:stretch>
-                        <a:fillRect/>
-                      </a:stretch>
-                    </p:blipFill>
-                    <p:spPr bwMode="auto">
-                      <a:xfrm>
-                        <a:off x="2928938" y="5116513"/>
-                        <a:ext cx="4354512" cy="1547812"/>
-                      </a:xfrm>
-                      <a:prstGeom prst="rect">
-                        <a:avLst/>
-                      </a:prstGeom>
-                      <a:noFill/>
-                      <a:extLst>
-                        <a:ext uri="{909E8E84-426E-40dd-AFC4-6F175D3DCCD1}">
-                          <a14:hiddenFill xmlns:a14="http://schemas.microsoft.com/office/drawing/2010/main">
-                            <a:solidFill>
-                              <a:srgbClr val="FFFFFF"/>
-                            </a:solidFill>
-                          </a14:hiddenFill>
-                        </a:ext>
-                      </a:extLst>
-                    </p:spPr>
-                  </p:pic>
-                </p:oleObj>
-              </mc:Fallback>
-            </mc:AlternateContent>
-          </a:graphicData>
-        </a:graphic>
-      </p:graphicFrame>
-      <p:graphicFrame>
-        <p:nvGraphicFramePr>
-          <p:cNvPr id="11" name="Object 10"/>
-          <p:cNvGraphicFramePr>
-            <a:graphicFrameLocks noChangeAspect="1"/>
-          </p:cNvGraphicFramePr>
-          <p:nvPr>
-            <p:extLst>
-              <p:ext uri="{D42A27DB-BD31-4B8C-83A1-F6EECF244321}">
-                <p14:modId xmlns:p14="http://schemas.microsoft.com/office/powerpoint/2010/main" val="3313452382"/>
-              </p:ext>
-            </p:extLst>
-          </p:nvPr>
-        </p:nvGraphicFramePr>
-        <p:xfrm>
-          <a:off x="2879725" y="2316163"/>
-          <a:ext cx="4954588" cy="1874837"/>
-        </p:xfrm>
-        <a:graphic>
-          <a:graphicData uri="http://schemas.openxmlformats.org/presentationml/2006/ole">
-            <mc:AlternateContent xmlns:mc="http://schemas.openxmlformats.org/markup-compatibility/2006">
-              <mc:Choice xmlns:v="urn:schemas-microsoft-com:vml" Requires="v">
-                <p:oleObj spid="_x0000_s571496" name="Equation" r:id="rId8" imgW="1409700" imgH="533400" progId="Equation.DSMT4">
-                  <p:embed/>
-                </p:oleObj>
-              </mc:Choice>
-              <mc:Fallback>
-                <p:oleObj name="Equation" r:id="rId8" imgW="1409700" imgH="533400" progId="Equation.DSMT4">
-                  <p:embed/>
-                  <p:pic>
-                    <p:nvPicPr>
-                      <p:cNvPr id="0" name=""/>
-                      <p:cNvPicPr>
-                        <a:picLocks noChangeAspect="1" noChangeArrowheads="1"/>
-                      </p:cNvPicPr>
-                      <p:nvPr/>
-                    </p:nvPicPr>
-                    <p:blipFill>
-                      <a:blip r:embed="rId9"/>
-                      <a:srcRect/>
-                      <a:stretch>
-                        <a:fillRect/>
-                      </a:stretch>
-                    </p:blipFill>
-                    <p:spPr bwMode="auto">
-                      <a:xfrm>
-                        <a:off x="2879725" y="2316163"/>
-                        <a:ext cx="4954588" cy="1874837"/>
-                      </a:xfrm>
-                      <a:prstGeom prst="rect">
-                        <a:avLst/>
-                      </a:prstGeom>
-                      <a:noFill/>
-                      <a:extLst>
-                        <a:ext uri="{909E8E84-426E-40dd-AFC4-6F175D3DCCD1}">
-                          <a14:hiddenFill xmlns:a14="http://schemas.microsoft.com/office/drawing/2010/main">
-                            <a:solidFill>
-                              <a:srgbClr val="FFFFFF"/>
-                            </a:solidFill>
-                          </a14:hiddenFill>
-                        </a:ext>
-                      </a:extLst>
-                    </p:spPr>
-                  </p:pic>
-                </p:oleObj>
-              </mc:Fallback>
-            </mc:AlternateContent>
-          </a:graphicData>
-        </a:graphic>
-      </p:graphicFrame>
-      <p:sp>
-        <p:nvSpPr>
-          <p:cNvPr id="13" name="Rectangle 2"/>
-          <p:cNvSpPr>
-            <a:spLocks noGrp="1" noChangeArrowheads="1"/>
-          </p:cNvSpPr>
-          <p:nvPr>
-            <p:ph type="title"/>
-          </p:nvPr>
-        </p:nvSpPr>
-        <p:spPr>
-          <a:xfrm>
-            <a:off x="1828800" y="228600"/>
-            <a:ext cx="5486400" cy="1066800"/>
-          </a:xfrm>
-        </p:spPr>
-        <p:txBody>
-          <a:bodyPr/>
-          <a:lstStyle/>
-          <a:p>
-            <a:pPr eaLnBrk="1" hangingPunct="1"/>
-            <a:r>
-              <a:rPr lang="en-US" sz="4800" dirty="0" smtClean="0">
-                <a:solidFill>
-                  <a:schemeClr val="tx1"/>
-                </a:solidFill>
-              </a:rPr>
-              <a:t>Expected Value</a:t>
-            </a:r>
-          </a:p>
-        </p:txBody>
-      </p:sp>
-      <p:sp>
-        <p:nvSpPr>
-          <p:cNvPr id="8" name="Slide Number Placeholder 3"/>
-          <p:cNvSpPr>
-            <a:spLocks noGrp="1"/>
-          </p:cNvSpPr>
-          <p:nvPr>
-            <p:ph type="sldNum" sz="quarter" idx="4294967295"/>
-          </p:nvPr>
-        </p:nvSpPr>
-        <p:spPr>
-          <a:xfrm>
-            <a:off x="7554913" y="6577965"/>
-            <a:ext cx="1527175" cy="244475"/>
-          </a:xfrm>
-          <a:prstGeom prst="rect">
-            <a:avLst/>
-          </a:prstGeom>
-        </p:spPr>
-        <p:txBody>
-          <a:bodyPr/>
-          <a:lstStyle/>
-          <a:p>
-            <a:pPr>
-              <a:defRPr/>
-            </a:pPr>
-            <a:r>
-              <a:rPr lang="en-US" sz="1200" dirty="0" err="1" smtClean="0">
-                <a:latin typeface="Comic Sans MS"/>
-                <a:cs typeface="Comic Sans MS"/>
-              </a:rPr>
-              <a:t>expect_intro</a:t>
-            </a:r>
-            <a:r>
-              <a:rPr lang="en-US" sz="1200" dirty="0" smtClean="0">
-                <a:latin typeface="Comic Sans MS"/>
-                <a:cs typeface="Comic Sans MS"/>
-              </a:rPr>
-              <a:t>.</a:t>
-            </a:r>
-            <a:fld id="{93DA0692-DAF7-4AFE-9BE7-E02439D3694A}" type="slidenum">
-              <a:rPr lang="en-US" sz="1200" smtClean="0">
-                <a:latin typeface="Comic Sans MS"/>
-                <a:cs typeface="Comic Sans MS"/>
-              </a:rPr>
-              <a:pPr>
-                <a:defRPr/>
-              </a:pPr>
-              <a:t>23</a:t>
-            </a:fld>
-            <a:endParaRPr lang="en-US" sz="1200" dirty="0">
-              <a:latin typeface="Comic Sans MS"/>
-              <a:cs typeface="Comic Sans MS"/>
-            </a:endParaRPr>
-          </a:p>
-        </p:txBody>
-      </p:sp>
-      <p:graphicFrame>
-        <p:nvGraphicFramePr>
-          <p:cNvPr id="14" name="Object 6"/>
-          <p:cNvGraphicFramePr>
-            <a:graphicFrameLocks noChangeAspect="1"/>
-          </p:cNvGraphicFramePr>
-          <p:nvPr>
-            <p:extLst>
-              <p:ext uri="{D42A27DB-BD31-4B8C-83A1-F6EECF244321}">
-                <p14:modId xmlns:p14="http://schemas.microsoft.com/office/powerpoint/2010/main" val="931292016"/>
-              </p:ext>
-            </p:extLst>
-          </p:nvPr>
-        </p:nvGraphicFramePr>
-        <p:xfrm>
-          <a:off x="2921000" y="3902075"/>
-          <a:ext cx="5221288" cy="1428750"/>
-        </p:xfrm>
-        <a:graphic>
-          <a:graphicData uri="http://schemas.openxmlformats.org/presentationml/2006/ole">
-            <mc:AlternateContent xmlns:mc="http://schemas.openxmlformats.org/markup-compatibility/2006">
-              <mc:Choice xmlns:v="urn:schemas-microsoft-com:vml" Requires="v">
-                <p:oleObj spid="_x0000_s571497" name="Equation" r:id="rId10" imgW="1485900" imgH="406400" progId="Equation.DSMT4">
-                  <p:embed/>
-                </p:oleObj>
-              </mc:Choice>
-              <mc:Fallback>
-                <p:oleObj name="Equation" r:id="rId10" imgW="1485900" imgH="406400" progId="Equation.DSMT4">
-                  <p:embed/>
-                  <p:pic>
-                    <p:nvPicPr>
-                      <p:cNvPr id="0" name=""/>
-                      <p:cNvPicPr>
-                        <a:picLocks noChangeAspect="1" noChangeArrowheads="1"/>
-                      </p:cNvPicPr>
-                      <p:nvPr/>
-                    </p:nvPicPr>
-                    <p:blipFill>
-                      <a:blip r:embed="rId11"/>
-                      <a:srcRect/>
-                      <a:stretch>
-                        <a:fillRect/>
-                      </a:stretch>
-                    </p:blipFill>
-                    <p:spPr bwMode="auto">
-                      <a:xfrm>
-                        <a:off x="2921000" y="3902075"/>
-                        <a:ext cx="5221288" cy="1428750"/>
-                      </a:xfrm>
-                      <a:prstGeom prst="rect">
-                        <a:avLst/>
-                      </a:prstGeom>
-                      <a:noFill/>
-                      <a:extLst>
-                        <a:ext uri="{909E8E84-426E-40dd-AFC4-6F175D3DCCD1}">
-                          <a14:hiddenFill xmlns:a14="http://schemas.microsoft.com/office/drawing/2010/main">
-                            <a:solidFill>
-                              <a:srgbClr val="FFFFFF"/>
-                            </a:solidFill>
-                          </a14:hiddenFill>
-                        </a:ext>
-                      </a:extLst>
-                    </p:spPr>
-                  </p:pic>
-                </p:oleObj>
-              </mc:Fallback>
-            </mc:AlternateContent>
-          </a:graphicData>
-        </a:graphic>
-      </p:graphicFrame>
-    </p:spTree>
-    <p:extLst>
-      <p:ext uri="{BB962C8B-B14F-4D97-AF65-F5344CB8AC3E}">
-        <p14:creationId xmlns:p14="http://schemas.microsoft.com/office/powerpoint/2010/main" val="3941111006"/>
-      </p:ext>
-    </p:extLst>
-  </p:cSld>
-  <p:clrMapOvr>
-    <a:masterClrMapping/>
-  </p:clrMapOvr>
-  <p:transition xmlns:p14="http://schemas.microsoft.com/office/powerpoint/2010/main" spd="slow" advClick="0">
-    <p:fade/>
-  </p:transition>
-  <p:timing>
-    <p:tnLst>
-      <p:par>
-        <p:cTn xmlns:p14="http://schemas.microsoft.com/office/powerpoint/2010/main" id="1" dur="indefinite" restart="never" nodeType="tmRoot">
-          <p:childTnLst>
-            <p:seq concurrent="1" nextAc="seek">
-              <p:cTn id="2" dur="indefinite" nodeType="mainSeq">
-                <p:childTnLst>
-                  <p:par>
-                    <p:cTn id="3" fill="hold">
-                      <p:stCondLst>
-                        <p:cond delay="indefinite"/>
-                      </p:stCondLst>
-                      <p:childTnLst>
-                        <p:par>
-                          <p:cTn id="4" fill="hold">
-                            <p:stCondLst>
-                              <p:cond delay="0"/>
-                            </p:stCondLst>
-                            <p:childTnLst>
-                              <p:par>
-                                <p:cTn id="5" presetID="22" presetClass="entr" presetSubtype="8" fill="hold" nodeType="clickEffect">
-                                  <p:stCondLst>
-                                    <p:cond delay="0"/>
-                                  </p:stCondLst>
-                                  <p:childTnLst>
-                                    <p:set>
-                                      <p:cBhvr>
-                                        <p:cTn id="6" dur="1" fill="hold">
-                                          <p:stCondLst>
-                                            <p:cond delay="0"/>
-                                          </p:stCondLst>
-                                        </p:cTn>
-                                        <p:tgtEl>
-                                          <p:spTgt spid="10"/>
-                                        </p:tgtEl>
-                                        <p:attrNameLst>
-                                          <p:attrName>style.visibility</p:attrName>
-                                        </p:attrNameLst>
-                                      </p:cBhvr>
-                                      <p:to>
-                                        <p:strVal val="visible"/>
-                                      </p:to>
-                                    </p:set>
-                                    <p:animEffect transition="in" filter="wipe(left)">
-                                      <p:cBhvr>
-                                        <p:cTn id="7" dur="1000"/>
-                                        <p:tgtEl>
-                                          <p:spTgt spid="10"/>
-                                        </p:tgtEl>
-                                      </p:cBhvr>
-                                    </p:animEffect>
-                                  </p:childTnLst>
-                                </p:cTn>
-                              </p:par>
-                            </p:childTnLst>
-                          </p:cTn>
-                        </p:par>
-                      </p:childTnLst>
-                    </p:cTn>
-                  </p:par>
-                </p:childTnLst>
-              </p:cTn>
-              <p:prevCondLst>
-                <p:cond evt="onPrev" delay="0">
-                  <p:tgtEl>
-                    <p:sldTgt/>
-                  </p:tgtEl>
-                </p:cond>
-              </p:prevCondLst>
-              <p:nextCondLst>
-                <p:cond evt="onNext" delay="0">
-                  <p:tgtEl>
-                    <p:sldTgt/>
-                  </p:tgtEl>
-                </p:cond>
-              </p:nextCondLst>
-            </p:seq>
-          </p:childTnLst>
-        </p:cTn>
-      </p:par>
-    </p:tnLst>
-  </p:timing>
-</p:sld>
-</file>
-
-<file path=ppt/slides/slide24.xml><?xml version="1.0" encoding="utf-8"?>
+<file path=ppt/slides/slide22.xml><?xml version="1.0" encoding="utf-8"?>
 <p:sld xmlns:a="http://schemas.openxmlformats.org/drawingml/2006/main" xmlns:r="http://schemas.openxmlformats.org/officeDocument/2006/relationships" xmlns:p="http://schemas.openxmlformats.org/presentationml/2006/main">
   <p:cSld>
     <p:spTree>
@@ -11077,7 +10608,7 @@
           <a:graphicData uri="http://schemas.openxmlformats.org/presentationml/2006/ole">
             <mc:AlternateContent xmlns:mc="http://schemas.openxmlformats.org/markup-compatibility/2006">
               <mc:Choice xmlns:v="urn:schemas-microsoft-com:vml" Requires="v">
-                <p:oleObj spid="_x0000_s190515" name="Equation" r:id="rId4" imgW="914400" imgH="220320" progId="Equation.DSMT4">
+                <p:oleObj spid="_x0000_s190517" name="Equation" r:id="rId4" imgW="914400" imgH="220320" progId="Equation.DSMT4">
                   <p:embed/>
                 </p:oleObj>
               </mc:Choice>
@@ -11364,7 +10895,7 @@
               <a:pPr>
                 <a:defRPr/>
               </a:pPr>
-              <a:t>24</a:t>
+              <a:t>22</a:t>
             </a:fld>
             <a:endParaRPr lang="en-US" sz="1200" dirty="0">
               <a:latin typeface="Comic Sans MS"/>
@@ -11385,6 +10916,417 @@
     <p:tnLst>
       <p:par>
         <p:cTn xmlns:p14="http://schemas.microsoft.com/office/powerpoint/2010/main" id="1" dur="indefinite" restart="never" nodeType="tmRoot"/>
+      </p:par>
+    </p:tnLst>
+  </p:timing>
+</p:sld>
+</file>
+
+<file path=ppt/slides/slide23.xml><?xml version="1.0" encoding="utf-8"?>
+<p:sld xmlns:a="http://schemas.openxmlformats.org/drawingml/2006/main" xmlns:r="http://schemas.openxmlformats.org/officeDocument/2006/relationships" xmlns:p="http://schemas.openxmlformats.org/presentationml/2006/main">
+  <p:cSld>
+    <p:spTree>
+      <p:nvGrpSpPr>
+        <p:cNvPr id="1" name=""/>
+        <p:cNvGrpSpPr/>
+        <p:nvPr/>
+      </p:nvGrpSpPr>
+      <p:grpSpPr>
+        <a:xfrm>
+          <a:off x="0" y="0"/>
+          <a:ext cx="0" cy="0"/>
+          <a:chOff x="0" y="0"/>
+          <a:chExt cx="0" cy="0"/>
+        </a:xfrm>
+      </p:grpSpPr>
+      <p:sp>
+        <p:nvSpPr>
+          <p:cNvPr id="2" name="Title 1"/>
+          <p:cNvSpPr>
+            <a:spLocks noGrp="1"/>
+          </p:cNvSpPr>
+          <p:nvPr>
+            <p:ph type="title"/>
+          </p:nvPr>
+        </p:nvSpPr>
+        <p:spPr/>
+        <p:txBody>
+          <a:bodyPr/>
+          <a:lstStyle/>
+          <a:p>
+            <a:r>
+              <a:rPr lang="en-US" dirty="0" smtClean="0"/>
+              <a:t>Rearranging Terms</a:t>
+            </a:r>
+            <a:endParaRPr lang="en-US" dirty="0"/>
+          </a:p>
+        </p:txBody>
+      </p:sp>
+      <p:sp>
+        <p:nvSpPr>
+          <p:cNvPr id="3" name="Content Placeholder 2"/>
+          <p:cNvSpPr>
+            <a:spLocks noGrp="1"/>
+          </p:cNvSpPr>
+          <p:nvPr>
+            <p:ph idx="1"/>
+          </p:nvPr>
+        </p:nvSpPr>
+        <p:spPr>
+          <a:xfrm>
+            <a:off x="438150" y="1041722"/>
+            <a:ext cx="8511138" cy="4752233"/>
+          </a:xfrm>
+        </p:spPr>
+        <p:txBody>
+          <a:bodyPr/>
+          <a:lstStyle/>
+          <a:p>
+            <a:r>
+              <a:rPr lang="en-US" sz="4800" dirty="0" smtClean="0"/>
+              <a:t>It’s safe to rearrange terms</a:t>
+            </a:r>
+          </a:p>
+          <a:p>
+            <a:r>
+              <a:rPr lang="en-US" sz="4800" dirty="0" smtClean="0"/>
+              <a:t>in sums because</a:t>
+            </a:r>
+            <a:endParaRPr lang="en-US" sz="4800" dirty="0">
+              <a:solidFill>
+                <a:srgbClr val="9B2894"/>
+              </a:solidFill>
+            </a:endParaRPr>
+          </a:p>
+        </p:txBody>
+      </p:sp>
+      <p:sp>
+        <p:nvSpPr>
+          <p:cNvPr id="4" name="Slide Number Placeholder 3"/>
+          <p:cNvSpPr>
+            <a:spLocks noGrp="1"/>
+          </p:cNvSpPr>
+          <p:nvPr>
+            <p:ph type="sldNum" sz="quarter" idx="4"/>
+          </p:nvPr>
+        </p:nvSpPr>
+        <p:spPr/>
+        <p:txBody>
+          <a:bodyPr/>
+          <a:lstStyle/>
+          <a:p>
+            <a:pPr>
+              <a:defRPr/>
+            </a:pPr>
+            <a:r>
+              <a:rPr lang="en-US" smtClean="0"/>
+              <a:t>expect_intro.</a:t>
+            </a:r>
+            <a:fld id="{7886A709-CED2-48A3-8616-B2655C008ECB}" type="slidenum">
+              <a:rPr lang="en-US" smtClean="0"/>
+              <a:pPr>
+                <a:defRPr/>
+              </a:pPr>
+              <a:t>23</a:t>
+            </a:fld>
+            <a:endParaRPr lang="en-US" dirty="0"/>
+          </a:p>
+        </p:txBody>
+      </p:sp>
+    </p:spTree>
+    <p:extLst>
+      <p:ext uri="{BB962C8B-B14F-4D97-AF65-F5344CB8AC3E}">
+        <p14:creationId xmlns:p14="http://schemas.microsoft.com/office/powerpoint/2010/main" val="2179449660"/>
+      </p:ext>
+    </p:extLst>
+  </p:cSld>
+  <p:clrMapOvr>
+    <a:masterClrMapping/>
+  </p:clrMapOvr>
+  <mc:AlternateContent xmlns:mc="http://schemas.openxmlformats.org/markup-compatibility/2006">
+    <mc:Choice xmlns:p14="http://schemas.microsoft.com/office/powerpoint/2010/main" Requires="p14">
+      <p:transition spd="slow" p14:dur="800" advClick="0">
+        <p:fade thruBlk="1"/>
+      </p:transition>
+    </mc:Choice>
+    <mc:Fallback>
+      <p:transition xmlns:p14="http://schemas.microsoft.com/office/powerpoint/2010/main" spd="slow" advClick="0">
+        <p:fade thruBlk="1"/>
+      </p:transition>
+    </mc:Fallback>
+  </mc:AlternateContent>
+  <p:timing>
+    <p:tnLst>
+      <p:par>
+        <p:cTn xmlns:p14="http://schemas.microsoft.com/office/powerpoint/2010/main" id="1" dur="indefinite" restart="never" nodeType="tmRoot"/>
+      </p:par>
+    </p:tnLst>
+  </p:timing>
+</p:sld>
+</file>
+
+<file path=ppt/slides/slide24.xml><?xml version="1.0" encoding="utf-8"?>
+<p:sld xmlns:a="http://schemas.openxmlformats.org/drawingml/2006/main" xmlns:r="http://schemas.openxmlformats.org/officeDocument/2006/relationships" xmlns:p="http://schemas.openxmlformats.org/presentationml/2006/main">
+  <p:cSld>
+    <p:spTree>
+      <p:nvGrpSpPr>
+        <p:cNvPr id="1" name=""/>
+        <p:cNvGrpSpPr/>
+        <p:nvPr/>
+      </p:nvGrpSpPr>
+      <p:grpSpPr>
+        <a:xfrm>
+          <a:off x="0" y="0"/>
+          <a:ext cx="0" cy="0"/>
+          <a:chOff x="0" y="0"/>
+          <a:chExt cx="0" cy="0"/>
+        </a:xfrm>
+      </p:grpSpPr>
+      <p:sp>
+        <p:nvSpPr>
+          <p:cNvPr id="2" name="Title 1"/>
+          <p:cNvSpPr>
+            <a:spLocks noGrp="1"/>
+          </p:cNvSpPr>
+          <p:nvPr>
+            <p:ph type="title"/>
+          </p:nvPr>
+        </p:nvSpPr>
+        <p:spPr/>
+        <p:txBody>
+          <a:bodyPr/>
+          <a:lstStyle/>
+          <a:p>
+            <a:r>
+              <a:rPr lang="en-US" dirty="0" smtClean="0"/>
+              <a:t>Rearranging Terms</a:t>
+            </a:r>
+            <a:endParaRPr lang="en-US" dirty="0"/>
+          </a:p>
+        </p:txBody>
+      </p:sp>
+      <p:sp>
+        <p:nvSpPr>
+          <p:cNvPr id="3" name="Content Placeholder 2"/>
+          <p:cNvSpPr>
+            <a:spLocks noGrp="1"/>
+          </p:cNvSpPr>
+          <p:nvPr>
+            <p:ph idx="1"/>
+          </p:nvPr>
+        </p:nvSpPr>
+        <p:spPr>
+          <a:xfrm>
+            <a:off x="438150" y="1041722"/>
+            <a:ext cx="8511138" cy="4752233"/>
+          </a:xfrm>
+        </p:spPr>
+        <p:txBody>
+          <a:bodyPr/>
+          <a:lstStyle/>
+          <a:p>
+            <a:r>
+              <a:rPr lang="en-US" sz="4800" dirty="0" smtClean="0"/>
+              <a:t>It’s safe to rearrange terms</a:t>
+            </a:r>
+          </a:p>
+          <a:p>
+            <a:r>
+              <a:rPr lang="en-US" sz="4800" dirty="0" smtClean="0"/>
+              <a:t>in sums because </a:t>
+            </a:r>
+            <a:r>
+              <a:rPr lang="en-US" sz="4800" dirty="0"/>
+              <a:t>we implicitly </a:t>
+            </a:r>
+            <a:endParaRPr lang="en-US" sz="4800" dirty="0" smtClean="0"/>
+          </a:p>
+          <a:p>
+            <a:r>
+              <a:rPr lang="en-US" sz="4800" dirty="0" smtClean="0"/>
+              <a:t>assume </a:t>
+            </a:r>
+            <a:r>
+              <a:rPr lang="en-US" sz="4800" dirty="0"/>
+              <a:t>that the defining </a:t>
+            </a:r>
+            <a:endParaRPr lang="en-US" sz="4800" dirty="0" smtClean="0"/>
+          </a:p>
+          <a:p>
+            <a:r>
+              <a:rPr lang="en-US" sz="4800" dirty="0" smtClean="0"/>
+              <a:t>sum </a:t>
+            </a:r>
+            <a:r>
+              <a:rPr lang="en-US" sz="4800" dirty="0"/>
+              <a:t>for the expectation </a:t>
+            </a:r>
+            <a:r>
+              <a:rPr lang="en-US" sz="4800" dirty="0" smtClean="0"/>
+              <a:t>is</a:t>
+            </a:r>
+          </a:p>
+          <a:p>
+            <a:pPr algn="ctr"/>
+            <a:r>
+              <a:rPr lang="en-US" sz="4800" dirty="0" smtClean="0">
+                <a:solidFill>
+                  <a:srgbClr val="9B2894"/>
+                </a:solidFill>
+              </a:rPr>
+              <a:t>absolutely convergent</a:t>
+            </a:r>
+            <a:endParaRPr lang="en-US" sz="4800" dirty="0">
+              <a:solidFill>
+                <a:srgbClr val="9B2894"/>
+              </a:solidFill>
+            </a:endParaRPr>
+          </a:p>
+        </p:txBody>
+      </p:sp>
+      <p:sp>
+        <p:nvSpPr>
+          <p:cNvPr id="4" name="Slide Number Placeholder 3"/>
+          <p:cNvSpPr>
+            <a:spLocks noGrp="1"/>
+          </p:cNvSpPr>
+          <p:nvPr>
+            <p:ph type="sldNum" sz="quarter" idx="4"/>
+          </p:nvPr>
+        </p:nvSpPr>
+        <p:spPr/>
+        <p:txBody>
+          <a:bodyPr/>
+          <a:lstStyle/>
+          <a:p>
+            <a:pPr>
+              <a:defRPr/>
+            </a:pPr>
+            <a:r>
+              <a:rPr lang="en-US" smtClean="0"/>
+              <a:t>expect_intro.</a:t>
+            </a:r>
+            <a:fld id="{7886A709-CED2-48A3-8616-B2655C008ECB}" type="slidenum">
+              <a:rPr lang="en-US" smtClean="0"/>
+              <a:pPr>
+                <a:defRPr/>
+              </a:pPr>
+              <a:t>24</a:t>
+            </a:fld>
+            <a:endParaRPr lang="en-US" dirty="0"/>
+          </a:p>
+        </p:txBody>
+      </p:sp>
+    </p:spTree>
+    <p:extLst>
+      <p:ext uri="{BB962C8B-B14F-4D97-AF65-F5344CB8AC3E}">
+        <p14:creationId xmlns:p14="http://schemas.microsoft.com/office/powerpoint/2010/main" val="419675970"/>
+      </p:ext>
+    </p:extLst>
+  </p:cSld>
+  <p:clrMapOvr>
+    <a:masterClrMapping/>
+  </p:clrMapOvr>
+  <mc:AlternateContent xmlns:mc="http://schemas.openxmlformats.org/markup-compatibility/2006">
+    <mc:Choice xmlns:p14="http://schemas.microsoft.com/office/powerpoint/2010/main" Requires="p14">
+      <p:transition spd="med" p14:dur="600" advClick="0">
+        <p:fade/>
+      </p:transition>
+    </mc:Choice>
+    <mc:Fallback>
+      <p:transition xmlns:p14="http://schemas.microsoft.com/office/powerpoint/2010/main" spd="med" advClick="0">
+        <p:fade/>
+      </p:transition>
+    </mc:Fallback>
+  </mc:AlternateContent>
+  <p:timing>
+    <p:tnLst>
+      <p:par>
+        <p:cTn xmlns:p14="http://schemas.microsoft.com/office/powerpoint/2010/main" id="1" dur="indefinite" restart="never" nodeType="tmRoot">
+          <p:childTnLst>
+            <p:seq concurrent="1" nextAc="seek">
+              <p:cTn id="2" dur="indefinite" nodeType="mainSeq">
+                <p:childTnLst>
+                  <p:par>
+                    <p:cTn id="3" fill="hold">
+                      <p:stCondLst>
+                        <p:cond delay="indefinite"/>
+                      </p:stCondLst>
+                      <p:childTnLst>
+                        <p:par>
+                          <p:cTn id="4" fill="hold">
+                            <p:stCondLst>
+                              <p:cond delay="0"/>
+                            </p:stCondLst>
+                            <p:childTnLst>
+                              <p:par>
+                                <p:cTn id="5" presetID="10" presetClass="entr" presetSubtype="0" fill="hold" nodeType="clickEffect">
+                                  <p:stCondLst>
+                                    <p:cond delay="0"/>
+                                  </p:stCondLst>
+                                  <p:childTnLst>
+                                    <p:set>
+                                      <p:cBhvr>
+                                        <p:cTn id="6" dur="1" fill="hold">
+                                          <p:stCondLst>
+                                            <p:cond delay="0"/>
+                                          </p:stCondLst>
+                                        </p:cTn>
+                                        <p:tgtEl>
+                                          <p:spTgt spid="3">
+                                            <p:txEl>
+                                              <p:pRg st="4" end="4"/>
+                                            </p:txEl>
+                                          </p:spTgt>
+                                        </p:tgtEl>
+                                        <p:attrNameLst>
+                                          <p:attrName>style.visibility</p:attrName>
+                                        </p:attrNameLst>
+                                      </p:cBhvr>
+                                      <p:to>
+                                        <p:strVal val="visible"/>
+                                      </p:to>
+                                    </p:set>
+                                    <p:animEffect transition="in" filter="fade">
+                                      <p:cBhvr>
+                                        <p:cTn id="7" dur="500"/>
+                                        <p:tgtEl>
+                                          <p:spTgt spid="3">
+                                            <p:txEl>
+                                              <p:pRg st="4" end="4"/>
+                                            </p:txEl>
+                                          </p:spTgt>
+                                        </p:tgtEl>
+                                      </p:cBhvr>
+                                    </p:animEffect>
+                                  </p:childTnLst>
+                                </p:cTn>
+                              </p:par>
+                            </p:childTnLst>
+                          </p:cTn>
+                        </p:par>
+                      </p:childTnLst>
+                    </p:cTn>
+                  </p:par>
+                </p:childTnLst>
+              </p:cTn>
+              <p:prevCondLst>
+                <p:cond evt="onPrev" delay="0">
+                  <p:tgtEl>
+                    <p:sldTgt/>
+                  </p:tgtEl>
+                </p:cond>
+              </p:prevCondLst>
+              <p:nextCondLst>
+                <p:cond evt="onNext" delay="0">
+                  <p:tgtEl>
+                    <p:sldTgt/>
+                  </p:tgtEl>
+                </p:cond>
+              </p:nextCondLst>
+            </p:seq>
+          </p:childTnLst>
+        </p:cTn>
       </p:par>
     </p:tnLst>
   </p:timing>
@@ -11410,6 +11352,324 @@
       </p:grpSpPr>
       <p:sp>
         <p:nvSpPr>
+          <p:cNvPr id="2" name="Title 1"/>
+          <p:cNvSpPr>
+            <a:spLocks noGrp="1"/>
+          </p:cNvSpPr>
+          <p:nvPr>
+            <p:ph type="title"/>
+          </p:nvPr>
+        </p:nvSpPr>
+        <p:spPr/>
+        <p:txBody>
+          <a:bodyPr/>
+          <a:lstStyle/>
+          <a:p>
+            <a:r>
+              <a:rPr lang="en-US" dirty="0" smtClean="0"/>
+              <a:t>Absolute convergence</a:t>
+            </a:r>
+            <a:endParaRPr lang="en-US" dirty="0"/>
+          </a:p>
+        </p:txBody>
+      </p:sp>
+      <p:sp>
+        <p:nvSpPr>
+          <p:cNvPr id="4" name="Slide Number Placeholder 3"/>
+          <p:cNvSpPr>
+            <a:spLocks noGrp="1"/>
+          </p:cNvSpPr>
+          <p:nvPr>
+            <p:ph type="sldNum" sz="quarter" idx="4"/>
+          </p:nvPr>
+        </p:nvSpPr>
+        <p:spPr/>
+        <p:txBody>
+          <a:bodyPr/>
+          <a:lstStyle/>
+          <a:p>
+            <a:pPr>
+              <a:defRPr/>
+            </a:pPr>
+            <a:r>
+              <a:rPr lang="en-US" smtClean="0"/>
+              <a:t>expect_intro.</a:t>
+            </a:r>
+            <a:fld id="{7886A709-CED2-48A3-8616-B2655C008ECB}" type="slidenum">
+              <a:rPr lang="en-US" smtClean="0"/>
+              <a:pPr>
+                <a:defRPr/>
+              </a:pPr>
+              <a:t>25</a:t>
+            </a:fld>
+            <a:endParaRPr lang="en-US" dirty="0"/>
+          </a:p>
+        </p:txBody>
+      </p:sp>
+      <p:graphicFrame>
+        <p:nvGraphicFramePr>
+          <p:cNvPr id="5" name="Content Placeholder 4"/>
+          <p:cNvGraphicFramePr>
+            <a:graphicFrameLocks noGrp="1" noChangeAspect="1"/>
+          </p:cNvGraphicFramePr>
+          <p:nvPr>
+            <p:ph idx="1"/>
+            <p:extLst>
+              <p:ext uri="{D42A27DB-BD31-4B8C-83A1-F6EECF244321}">
+                <p14:modId xmlns:p14="http://schemas.microsoft.com/office/powerpoint/2010/main" val="3907906578"/>
+              </p:ext>
+            </p:extLst>
+          </p:nvPr>
+        </p:nvGraphicFramePr>
+        <p:xfrm>
+          <a:off x="527113" y="1060242"/>
+          <a:ext cx="8015386" cy="1793653"/>
+        </p:xfrm>
+        <a:graphic>
+          <a:graphicData uri="http://schemas.openxmlformats.org/presentationml/2006/ole">
+            <mc:AlternateContent xmlns:mc="http://schemas.openxmlformats.org/markup-compatibility/2006">
+              <mc:Choice xmlns:v="urn:schemas-microsoft-com:vml" Requires="v">
+                <p:oleObj spid="_x0000_s1028" name="Equation" r:id="rId4" imgW="1816100" imgH="406400" progId="Equation.DSMT4">
+                  <p:embed/>
+                </p:oleObj>
+              </mc:Choice>
+              <mc:Fallback>
+                <p:oleObj name="Equation" r:id="rId4" imgW="1816100" imgH="406400" progId="Equation.DSMT4">
+                  <p:embed/>
+                  <p:pic>
+                    <p:nvPicPr>
+                      <p:cNvPr id="0" name=""/>
+                      <p:cNvPicPr>
+                        <a:picLocks noChangeAspect="1" noChangeArrowheads="1"/>
+                      </p:cNvPicPr>
+                      <p:nvPr/>
+                    </p:nvPicPr>
+                    <p:blipFill>
+                      <a:blip r:embed="rId5"/>
+                      <a:srcRect/>
+                      <a:stretch>
+                        <a:fillRect/>
+                      </a:stretch>
+                    </p:blipFill>
+                    <p:spPr bwMode="auto">
+                      <a:xfrm>
+                        <a:off x="527113" y="1060242"/>
+                        <a:ext cx="8015386" cy="1793653"/>
+                      </a:xfrm>
+                      <a:prstGeom prst="rect">
+                        <a:avLst/>
+                      </a:prstGeom>
+                      <a:noFill/>
+                      <a:extLst/>
+                    </p:spPr>
+                  </p:pic>
+                </p:oleObj>
+              </mc:Fallback>
+            </mc:AlternateContent>
+          </a:graphicData>
+        </a:graphic>
+      </p:graphicFrame>
+      <p:sp>
+        <p:nvSpPr>
+          <p:cNvPr id="6" name="TextBox 5"/>
+          <p:cNvSpPr txBox="1"/>
+          <p:nvPr/>
+        </p:nvSpPr>
+        <p:spPr>
+          <a:xfrm>
+            <a:off x="366460" y="2701403"/>
+            <a:ext cx="8347658" cy="3046988"/>
+          </a:xfrm>
+          <a:prstGeom prst="rect">
+            <a:avLst/>
+          </a:prstGeom>
+          <a:noFill/>
+        </p:spPr>
+        <p:txBody>
+          <a:bodyPr wrap="none" rtlCol="0">
+            <a:spAutoFit/>
+          </a:bodyPr>
+          <a:lstStyle/>
+          <a:p>
+            <a:r>
+              <a:rPr lang="en-US" sz="4800" dirty="0" smtClean="0">
+                <a:latin typeface="Comic Sans MS"/>
+                <a:cs typeface="Comic Sans MS"/>
+              </a:rPr>
+              <a:t>the terms on the right could</a:t>
+            </a:r>
+          </a:p>
+          <a:p>
+            <a:r>
+              <a:rPr lang="en-US" sz="4800" dirty="0" smtClean="0">
+                <a:latin typeface="Comic Sans MS"/>
+                <a:cs typeface="Comic Sans MS"/>
+              </a:rPr>
+              <a:t>be rearranged to equal</a:t>
+            </a:r>
+          </a:p>
+          <a:p>
+            <a:r>
+              <a:rPr lang="en-US" sz="4800" dirty="0" smtClean="0">
+                <a:latin typeface="Comic Sans MS"/>
+                <a:cs typeface="Comic Sans MS"/>
+              </a:rPr>
+              <a:t>anything at all when the sum</a:t>
+            </a:r>
+          </a:p>
+          <a:p>
+            <a:r>
+              <a:rPr lang="en-US" sz="4800" dirty="0" smtClean="0">
+                <a:latin typeface="Comic Sans MS"/>
+                <a:cs typeface="Comic Sans MS"/>
+              </a:rPr>
+              <a:t>is </a:t>
+            </a:r>
+            <a:r>
+              <a:rPr lang="en-US" sz="4800" dirty="0" smtClean="0">
+                <a:solidFill>
+                  <a:srgbClr val="FF0000"/>
+                </a:solidFill>
+                <a:latin typeface="Comic Sans MS"/>
+                <a:cs typeface="Comic Sans MS"/>
+              </a:rPr>
+              <a:t>not</a:t>
+            </a:r>
+            <a:r>
+              <a:rPr lang="en-US" sz="4800" dirty="0" smtClean="0">
+                <a:latin typeface="Comic Sans MS"/>
+                <a:cs typeface="Comic Sans MS"/>
+              </a:rPr>
+              <a:t> absolutely convergent</a:t>
+            </a:r>
+            <a:endParaRPr lang="en-US" sz="4800" dirty="0">
+              <a:latin typeface="Comic Sans MS"/>
+              <a:cs typeface="Comic Sans MS"/>
+            </a:endParaRPr>
+          </a:p>
+        </p:txBody>
+      </p:sp>
+    </p:spTree>
+    <p:extLst>
+      <p:ext uri="{BB962C8B-B14F-4D97-AF65-F5344CB8AC3E}">
+        <p14:creationId xmlns:p14="http://schemas.microsoft.com/office/powerpoint/2010/main" val="996555482"/>
+      </p:ext>
+    </p:extLst>
+  </p:cSld>
+  <p:clrMapOvr>
+    <a:masterClrMapping/>
+  </p:clrMapOvr>
+  <p:transition xmlns:p14="http://schemas.microsoft.com/office/powerpoint/2010/main" spd="slow" advClick="0">
+    <p:fade/>
+  </p:transition>
+  <p:timing>
+    <p:tnLst>
+      <p:par>
+        <p:cTn xmlns:p14="http://schemas.microsoft.com/office/powerpoint/2010/main" id="1" dur="indefinite" restart="never" nodeType="tmRoot">
+          <p:childTnLst>
+            <p:seq concurrent="1" nextAc="seek">
+              <p:cTn id="2" dur="indefinite" nodeType="mainSeq">
+                <p:childTnLst>
+                  <p:par>
+                    <p:cTn id="3" fill="hold">
+                      <p:stCondLst>
+                        <p:cond delay="indefinite"/>
+                      </p:stCondLst>
+                      <p:childTnLst>
+                        <p:par>
+                          <p:cTn id="4" fill="hold">
+                            <p:stCondLst>
+                              <p:cond delay="0"/>
+                            </p:stCondLst>
+                            <p:childTnLst>
+                              <p:par>
+                                <p:cTn id="5" presetID="10" presetClass="entr" presetSubtype="0" fill="hold" grpId="0" nodeType="clickEffect">
+                                  <p:stCondLst>
+                                    <p:cond delay="0"/>
+                                  </p:stCondLst>
+                                  <p:childTnLst>
+                                    <p:set>
+                                      <p:cBhvr>
+                                        <p:cTn id="6" dur="1" fill="hold">
+                                          <p:stCondLst>
+                                            <p:cond delay="0"/>
+                                          </p:stCondLst>
+                                        </p:cTn>
+                                        <p:tgtEl>
+                                          <p:spTgt spid="6"/>
+                                        </p:tgtEl>
+                                        <p:attrNameLst>
+                                          <p:attrName>style.visibility</p:attrName>
+                                        </p:attrNameLst>
+                                      </p:cBhvr>
+                                      <p:to>
+                                        <p:strVal val="visible"/>
+                                      </p:to>
+                                    </p:set>
+                                    <p:animEffect transition="in" filter="fade">
+                                      <p:cBhvr>
+                                        <p:cTn id="7" dur="500"/>
+                                        <p:tgtEl>
+                                          <p:spTgt spid="6"/>
+                                        </p:tgtEl>
+                                      </p:cBhvr>
+                                    </p:animEffect>
+                                  </p:childTnLst>
+                                </p:cTn>
+                              </p:par>
+                            </p:childTnLst>
+                          </p:cTn>
+                        </p:par>
+                      </p:childTnLst>
+                    </p:cTn>
+                  </p:par>
+                </p:childTnLst>
+              </p:cTn>
+              <p:prevCondLst>
+                <p:cond evt="onPrev" delay="0">
+                  <p:tgtEl>
+                    <p:sldTgt/>
+                  </p:tgtEl>
+                </p:cond>
+              </p:prevCondLst>
+              <p:nextCondLst>
+                <p:cond evt="onNext" delay="0">
+                  <p:tgtEl>
+                    <p:sldTgt/>
+                  </p:tgtEl>
+                </p:cond>
+              </p:nextCondLst>
+            </p:seq>
+          </p:childTnLst>
+        </p:cTn>
+      </p:par>
+    </p:tnLst>
+    <p:bldLst>
+      <p:bldP spid="6" grpId="0"/>
+    </p:bldLst>
+  </p:timing>
+</p:sld>
+</file>
+
+<file path=ppt/slides/slide26.xml><?xml version="1.0" encoding="utf-8"?>
+<p:sld xmlns:a="http://schemas.openxmlformats.org/drawingml/2006/main" xmlns:r="http://schemas.openxmlformats.org/officeDocument/2006/relationships" xmlns:p="http://schemas.openxmlformats.org/presentationml/2006/main">
+  <p:cSld>
+    <p:spTree>
+      <p:nvGrpSpPr>
+        <p:cNvPr id="1" name=""/>
+        <p:cNvGrpSpPr/>
+        <p:nvPr/>
+      </p:nvGrpSpPr>
+      <p:grpSpPr>
+        <a:xfrm>
+          <a:off x="0" y="0"/>
+          <a:ext cx="0" cy="0"/>
+          <a:chOff x="0" y="0"/>
+          <a:chExt cx="0" cy="0"/>
+        </a:xfrm>
+      </p:grpSpPr>
+      <p:sp>
+        <p:nvSpPr>
           <p:cNvPr id="17411" name="Rectangle 3"/>
           <p:cNvSpPr>
             <a:spLocks noGrp="1" noChangeArrowheads="1"/>
@@ -11563,7 +11823,7 @@
               <a:pPr>
                 <a:defRPr/>
               </a:pPr>
-              <a:t>25</a:t>
+              <a:t>26</a:t>
             </a:fld>
             <a:endParaRPr lang="en-US" sz="1200" dirty="0">
               <a:latin typeface="Comic Sans MS"/>
@@ -11599,7 +11859,7 @@
 </p:sld>
 </file>
 
-<file path=ppt/slides/slide26.xml><?xml version="1.0" encoding="utf-8"?>
+<file path=ppt/slides/slide27.xml><?xml version="1.0" encoding="utf-8"?>
 <p:sld xmlns:a="http://schemas.openxmlformats.org/drawingml/2006/main" xmlns:r="http://schemas.openxmlformats.org/officeDocument/2006/relationships" xmlns:p="http://schemas.openxmlformats.org/presentationml/2006/main">
   <p:cSld>
     <p:spTree>
@@ -11718,7 +11978,7 @@
               <a:pPr>
                 <a:defRPr/>
               </a:pPr>
-              <a:t>26</a:t>
+              <a:t>27</a:t>
             </a:fld>
             <a:endParaRPr lang="en-US" dirty="0"/>
           </a:p>
@@ -11756,7 +12016,7 @@
 </p:sld>
 </file>
 
-<file path=ppt/slides/slide27.xml><?xml version="1.0" encoding="utf-8"?>
+<file path=ppt/slides/slide28.xml><?xml version="1.0" encoding="utf-8"?>
 <p:sld xmlns:a="http://schemas.openxmlformats.org/drawingml/2006/main" xmlns:r="http://schemas.openxmlformats.org/officeDocument/2006/relationships" xmlns:p="http://schemas.openxmlformats.org/presentationml/2006/main">
   <p:cSld>
     <p:spTree>
@@ -11885,7 +12145,7 @@
               <a:pPr>
                 <a:defRPr/>
               </a:pPr>
-              <a:t>27</a:t>
+              <a:t>28</a:t>
             </a:fld>
             <a:endParaRPr lang="en-US" dirty="0"/>
           </a:p>
@@ -12083,7 +12343,7 @@
 </p:sld>
 </file>
 
-<file path=ppt/slides/slide28.xml><?xml version="1.0" encoding="utf-8"?>
+<file path=ppt/slides/slide29.xml><?xml version="1.0" encoding="utf-8"?>
 <p:sld xmlns:a="http://schemas.openxmlformats.org/drawingml/2006/main" xmlns:r="http://schemas.openxmlformats.org/officeDocument/2006/relationships" xmlns:p="http://schemas.openxmlformats.org/presentationml/2006/main">
   <p:cSld>
     <p:spTree>
@@ -12182,7 +12442,7 @@
               <a:pPr>
                 <a:defRPr/>
               </a:pPr>
-              <a:t>28</a:t>
+              <a:t>29</a:t>
             </a:fld>
             <a:endParaRPr lang="en-US" dirty="0"/>
           </a:p>
@@ -12332,348 +12592,6 @@
                                         </p:tgtEl>
                                       </p:cBhvr>
                                     </p:animEffect>
-                                  </p:childTnLst>
-                                </p:cTn>
-                              </p:par>
-                            </p:childTnLst>
-                          </p:cTn>
-                        </p:par>
-                      </p:childTnLst>
-                    </p:cTn>
-                  </p:par>
-                </p:childTnLst>
-              </p:cTn>
-              <p:prevCondLst>
-                <p:cond evt="onPrev" delay="0">
-                  <p:tgtEl>
-                    <p:sldTgt/>
-                  </p:tgtEl>
-                </p:cond>
-              </p:prevCondLst>
-              <p:nextCondLst>
-                <p:cond evt="onNext" delay="0">
-                  <p:tgtEl>
-                    <p:sldTgt/>
-                  </p:tgtEl>
-                </p:cond>
-              </p:nextCondLst>
-            </p:seq>
-          </p:childTnLst>
-        </p:cTn>
-      </p:par>
-    </p:tnLst>
-  </p:timing>
-</p:sld>
-</file>
-
-<file path=ppt/slides/slide29.xml><?xml version="1.0" encoding="utf-8"?>
-<p:sld xmlns:a="http://schemas.openxmlformats.org/drawingml/2006/main" xmlns:r="http://schemas.openxmlformats.org/officeDocument/2006/relationships" xmlns:p="http://schemas.openxmlformats.org/presentationml/2006/main">
-  <p:cSld>
-    <p:spTree>
-      <p:nvGrpSpPr>
-        <p:cNvPr id="1" name=""/>
-        <p:cNvGrpSpPr/>
-        <p:nvPr/>
-      </p:nvGrpSpPr>
-      <p:grpSpPr>
-        <a:xfrm>
-          <a:off x="0" y="0"/>
-          <a:ext cx="0" cy="0"/>
-          <a:chOff x="0" y="0"/>
-          <a:chExt cx="0" cy="0"/>
-        </a:xfrm>
-      </p:grpSpPr>
-      <p:sp>
-        <p:nvSpPr>
-          <p:cNvPr id="3" name="Content Placeholder 2"/>
-          <p:cNvSpPr>
-            <a:spLocks noGrp="1"/>
-          </p:cNvSpPr>
-          <p:nvPr>
-            <p:ph idx="1"/>
-          </p:nvPr>
-        </p:nvSpPr>
-        <p:spPr>
-          <a:xfrm>
-            <a:off x="277805" y="1230224"/>
-            <a:ext cx="8671483" cy="4905347"/>
-          </a:xfrm>
-        </p:spPr>
-        <p:txBody>
-          <a:bodyPr/>
-          <a:lstStyle/>
-          <a:p>
-            <a:r>
-              <a:rPr lang="en-US" sz="4800" dirty="0" smtClean="0"/>
-              <a:t>We can estimate </a:t>
-            </a:r>
-            <a:r>
-              <a:rPr lang="en-US" sz="4800" dirty="0" smtClean="0">
-                <a:solidFill>
-                  <a:srgbClr val="9B2894"/>
-                </a:solidFill>
-              </a:rPr>
-              <a:t>averages</a:t>
-            </a:r>
-          </a:p>
-          <a:p>
-            <a:r>
-              <a:rPr lang="en-US" sz="4800" dirty="0" smtClean="0"/>
-              <a:t>by estimating </a:t>
-            </a:r>
-            <a:r>
-              <a:rPr lang="en-US" sz="4800" dirty="0" smtClean="0">
-                <a:solidFill>
-                  <a:srgbClr val="9B2894"/>
-                </a:solidFill>
-              </a:rPr>
-              <a:t>expectations</a:t>
-            </a:r>
-          </a:p>
-          <a:p>
-            <a:r>
-              <a:rPr lang="en-US" sz="4800" dirty="0" smtClean="0"/>
-              <a:t>of random variables based</a:t>
-            </a:r>
-          </a:p>
-          <a:p>
-            <a:r>
-              <a:rPr lang="en-US" sz="4800" dirty="0" smtClean="0"/>
-              <a:t>on picking random elements</a:t>
-            </a:r>
-          </a:p>
-        </p:txBody>
-      </p:sp>
-      <p:sp>
-        <p:nvSpPr>
-          <p:cNvPr id="4" name="Slide Number Placeholder 3"/>
-          <p:cNvSpPr>
-            <a:spLocks noGrp="1"/>
-          </p:cNvSpPr>
-          <p:nvPr>
-            <p:ph type="sldNum" sz="quarter" idx="4"/>
-          </p:nvPr>
-        </p:nvSpPr>
-        <p:spPr/>
-        <p:txBody>
-          <a:bodyPr/>
-          <a:lstStyle/>
-          <a:p>
-            <a:pPr>
-              <a:defRPr/>
-            </a:pPr>
-            <a:r>
-              <a:rPr lang="en-US" smtClean="0"/>
-              <a:t>expect_intro.</a:t>
-            </a:r>
-            <a:fld id="{7886A709-CED2-48A3-8616-B2655C008ECB}" type="slidenum">
-              <a:rPr lang="en-US" smtClean="0"/>
-              <a:pPr>
-                <a:defRPr/>
-              </a:pPr>
-              <a:t>29</a:t>
-            </a:fld>
-            <a:endParaRPr lang="en-US" dirty="0"/>
-          </a:p>
-        </p:txBody>
-      </p:sp>
-      <p:graphicFrame>
-        <p:nvGraphicFramePr>
-          <p:cNvPr id="5" name="Object 4"/>
-          <p:cNvGraphicFramePr>
-            <a:graphicFrameLocks noChangeAspect="1"/>
-          </p:cNvGraphicFramePr>
-          <p:nvPr>
-            <p:extLst>
-              <p:ext uri="{D42A27DB-BD31-4B8C-83A1-F6EECF244321}">
-                <p14:modId xmlns:p14="http://schemas.microsoft.com/office/powerpoint/2010/main" val="641553344"/>
-              </p:ext>
-            </p:extLst>
-          </p:nvPr>
-        </p:nvGraphicFramePr>
-        <p:xfrm>
-          <a:off x="1166842" y="3713619"/>
-          <a:ext cx="6966761" cy="2357134"/>
-        </p:xfrm>
-        <a:graphic>
-          <a:graphicData uri="http://schemas.openxmlformats.org/presentationml/2006/ole">
-            <mc:AlternateContent xmlns:mc="http://schemas.openxmlformats.org/markup-compatibility/2006">
-              <mc:Choice xmlns:v="urn:schemas-microsoft-com:vml" Requires="v">
-                <p:oleObj spid="_x0000_s585729" name="Equation" r:id="rId3" imgW="1651000" imgH="558800" progId="Equation.DSMT4">
-                  <p:embed/>
-                </p:oleObj>
-              </mc:Choice>
-              <mc:Fallback>
-                <p:oleObj name="Equation" r:id="rId3" imgW="1651000" imgH="558800" progId="Equation.DSMT4">
-                  <p:embed/>
-                  <p:pic>
-                    <p:nvPicPr>
-                      <p:cNvPr id="0" name=""/>
-                      <p:cNvPicPr/>
-                      <p:nvPr/>
-                    </p:nvPicPr>
-                    <p:blipFill>
-                      <a:blip r:embed="rId4"/>
-                      <a:stretch>
-                        <a:fillRect/>
-                      </a:stretch>
-                    </p:blipFill>
-                    <p:spPr>
-                      <a:xfrm>
-                        <a:off x="1166842" y="3713619"/>
-                        <a:ext cx="6966761" cy="2357134"/>
-                      </a:xfrm>
-                      <a:prstGeom prst="rect">
-                        <a:avLst/>
-                      </a:prstGeom>
-                    </p:spPr>
-                  </p:pic>
-                </p:oleObj>
-              </mc:Fallback>
-            </mc:AlternateContent>
-          </a:graphicData>
-        </a:graphic>
-      </p:graphicFrame>
-      <p:sp>
-        <p:nvSpPr>
-          <p:cNvPr id="7" name="Title 1"/>
-          <p:cNvSpPr>
-            <a:spLocks noGrp="1"/>
-          </p:cNvSpPr>
-          <p:nvPr>
-            <p:ph type="title"/>
-          </p:nvPr>
-        </p:nvSpPr>
-        <p:spPr>
-          <a:xfrm>
-            <a:off x="1072352" y="225425"/>
-            <a:ext cx="7270750" cy="684213"/>
-          </a:xfrm>
-        </p:spPr>
-        <p:txBody>
-          <a:bodyPr/>
-          <a:lstStyle/>
-          <a:p>
-            <a:r>
-              <a:rPr lang="en-US" dirty="0" smtClean="0"/>
-              <a:t>Expectations &amp; Averages</a:t>
-            </a:r>
-            <a:endParaRPr lang="en-US" dirty="0"/>
-          </a:p>
-        </p:txBody>
-      </p:sp>
-    </p:spTree>
-    <p:extLst>
-      <p:ext uri="{BB962C8B-B14F-4D97-AF65-F5344CB8AC3E}">
-        <p14:creationId xmlns:p14="http://schemas.microsoft.com/office/powerpoint/2010/main" val="196683073"/>
-      </p:ext>
-    </p:extLst>
-  </p:cSld>
-  <p:clrMapOvr>
-    <a:masterClrMapping/>
-  </p:clrMapOvr>
-  <mc:AlternateContent xmlns:mc="http://schemas.openxmlformats.org/markup-compatibility/2006">
-    <mc:Choice xmlns:p14="http://schemas.microsoft.com/office/powerpoint/2010/main" Requires="p14">
-      <p:transition spd="med" p14:dur="600" advClick="0">
-        <p:fade/>
-      </p:transition>
-    </mc:Choice>
-    <mc:Fallback>
-      <p:transition xmlns:p14="http://schemas.microsoft.com/office/powerpoint/2010/main" spd="med" advClick="0">
-        <p:fade/>
-      </p:transition>
-    </mc:Fallback>
-  </mc:AlternateContent>
-  <p:timing>
-    <p:tnLst>
-      <p:par>
-        <p:cTn xmlns:p14="http://schemas.microsoft.com/office/powerpoint/2010/main" id="1" dur="indefinite" restart="never" nodeType="tmRoot">
-          <p:childTnLst>
-            <p:seq concurrent="1" nextAc="seek">
-              <p:cTn id="2" dur="indefinite" nodeType="mainSeq">
-                <p:childTnLst>
-                  <p:par>
-                    <p:cTn id="3" fill="hold">
-                      <p:stCondLst>
-                        <p:cond delay="indefinite"/>
-                      </p:stCondLst>
-                      <p:childTnLst>
-                        <p:par>
-                          <p:cTn id="4" fill="hold">
-                            <p:stCondLst>
-                              <p:cond delay="0"/>
-                            </p:stCondLst>
-                            <p:childTnLst>
-                              <p:par>
-                                <p:cTn id="5" presetID="2" presetClass="entr" presetSubtype="4" fill="hold" nodeType="clickEffect">
-                                  <p:stCondLst>
-                                    <p:cond delay="0"/>
-                                  </p:stCondLst>
-                                  <p:childTnLst>
-                                    <p:set>
-                                      <p:cBhvr>
-                                        <p:cTn id="6" dur="1" fill="hold">
-                                          <p:stCondLst>
-                                            <p:cond delay="0"/>
-                                          </p:stCondLst>
-                                        </p:cTn>
-                                        <p:tgtEl>
-                                          <p:spTgt spid="5"/>
-                                        </p:tgtEl>
-                                        <p:attrNameLst>
-                                          <p:attrName>style.visibility</p:attrName>
-                                        </p:attrNameLst>
-                                      </p:cBhvr>
-                                      <p:to>
-                                        <p:strVal val="visible"/>
-                                      </p:to>
-                                    </p:set>
-                                    <p:anim calcmode="lin" valueType="num">
-                                      <p:cBhvr additive="base">
-                                        <p:cTn id="7" dur="1000" fill="hold"/>
-                                        <p:tgtEl>
-                                          <p:spTgt spid="5"/>
-                                        </p:tgtEl>
-                                        <p:attrNameLst>
-                                          <p:attrName>ppt_x</p:attrName>
-                                        </p:attrNameLst>
-                                      </p:cBhvr>
-                                      <p:tavLst>
-                                        <p:tav tm="0">
-                                          <p:val>
-                                            <p:strVal val="#ppt_x"/>
-                                          </p:val>
-                                        </p:tav>
-                                        <p:tav tm="100000">
-                                          <p:val>
-                                            <p:strVal val="#ppt_x"/>
-                                          </p:val>
-                                        </p:tav>
-                                      </p:tavLst>
-                                    </p:anim>
-                                    <p:anim calcmode="lin" valueType="num">
-                                      <p:cBhvr additive="base">
-                                        <p:cTn id="8" dur="1000" fill="hold"/>
-                                        <p:tgtEl>
-                                          <p:spTgt spid="5"/>
-                                        </p:tgtEl>
-                                        <p:attrNameLst>
-                                          <p:attrName>ppt_y</p:attrName>
-                                        </p:attrNameLst>
-                                      </p:cBhvr>
-                                      <p:tavLst>
-                                        <p:tav tm="0">
-                                          <p:val>
-                                            <p:strVal val="1+#ppt_h/2"/>
-                                          </p:val>
-                                        </p:tav>
-                                        <p:tav tm="100000">
-                                          <p:val>
-                                            <p:strVal val="#ppt_y"/>
-                                          </p:val>
-                                        </p:tav>
-                                      </p:tavLst>
-                                    </p:anim>
                                   </p:childTnLst>
                                 </p:cTn>
                               </p:par>
@@ -13158,8 +13076,8 @@
         </p:nvSpPr>
         <p:spPr>
           <a:xfrm>
-            <a:off x="457200" y="1034189"/>
-            <a:ext cx="8229600" cy="4525963"/>
+            <a:off x="277805" y="1230224"/>
+            <a:ext cx="8671483" cy="4905347"/>
           </a:xfrm>
         </p:spPr>
         <p:txBody>
@@ -13167,30 +13085,43 @@
           <a:lstStyle/>
           <a:p>
             <a:r>
-              <a:rPr lang="en-US" dirty="0" smtClean="0"/>
-              <a:t>For example, it is impossible for </a:t>
-            </a:r>
-          </a:p>
-          <a:p>
-            <a:r>
-              <a:rPr lang="en-US" dirty="0" smtClean="0"/>
-              <a:t>all exams to be above average</a:t>
-            </a:r>
-          </a:p>
-          <a:p>
-            <a:r>
-              <a:rPr lang="en-US" dirty="0" smtClean="0"/>
-              <a:t>(no matter what the townspeople </a:t>
-            </a:r>
-          </a:p>
-          <a:p>
-            <a:r>
-              <a:rPr lang="en-US" dirty="0" smtClean="0"/>
-              <a:t>  of Lake Woebegone say):</a:t>
-            </a:r>
-          </a:p>
-          <a:p>
-            <a:endParaRPr lang="en-US" dirty="0"/>
+              <a:rPr lang="en-US" sz="4800" dirty="0" smtClean="0"/>
+              <a:t>We can estimate </a:t>
+            </a:r>
+            <a:r>
+              <a:rPr lang="en-US" sz="4800" dirty="0" smtClean="0">
+                <a:solidFill>
+                  <a:srgbClr val="9B2894"/>
+                </a:solidFill>
+              </a:rPr>
+              <a:t>averages</a:t>
+            </a:r>
+          </a:p>
+          <a:p>
+            <a:r>
+              <a:rPr lang="en-US" sz="4800" dirty="0" smtClean="0"/>
+              <a:t>by estimating </a:t>
+            </a:r>
+            <a:r>
+              <a:rPr lang="en-US" sz="4800" dirty="0" smtClean="0">
+                <a:solidFill>
+                  <a:srgbClr val="9B2894"/>
+                </a:solidFill>
+              </a:rPr>
+              <a:t>expectations</a:t>
+            </a:r>
+          </a:p>
+          <a:p>
+            <a:r>
+              <a:rPr lang="en-US" sz="4800" dirty="0" smtClean="0"/>
+              <a:t>of random variables based</a:t>
+            </a:r>
+          </a:p>
+          <a:p>
+            <a:r>
+              <a:rPr lang="en-US" sz="4800" dirty="0" smtClean="0"/>
+              <a:t>on picking random elements</a:t>
+            </a:r>
           </a:p>
         </p:txBody>
       </p:sp>
@@ -13227,9 +13158,66 @@
           </a:p>
         </p:txBody>
       </p:sp>
-      <p:sp>
-        <p:nvSpPr>
-          <p:cNvPr id="5" name="Title 1"/>
+      <p:graphicFrame>
+        <p:nvGraphicFramePr>
+          <p:cNvPr id="5" name="Object 4"/>
+          <p:cNvGraphicFramePr>
+            <a:graphicFrameLocks noChangeAspect="1"/>
+          </p:cNvGraphicFramePr>
+          <p:nvPr>
+            <p:extLst>
+              <p:ext uri="{D42A27DB-BD31-4B8C-83A1-F6EECF244321}">
+                <p14:modId xmlns:p14="http://schemas.microsoft.com/office/powerpoint/2010/main" val="641553344"/>
+              </p:ext>
+            </p:extLst>
+          </p:nvPr>
+        </p:nvGraphicFramePr>
+        <p:xfrm>
+          <a:off x="1166842" y="3713619"/>
+          <a:ext cx="6966761" cy="2357134"/>
+        </p:xfrm>
+        <a:graphic>
+          <a:graphicData uri="http://schemas.openxmlformats.org/presentationml/2006/ole">
+            <mc:AlternateContent xmlns:mc="http://schemas.openxmlformats.org/markup-compatibility/2006">
+              <mc:Choice xmlns:v="urn:schemas-microsoft-com:vml" Requires="v">
+                <p:oleObj spid="_x0000_s585733" name="Equation" r:id="rId4" imgW="1651000" imgH="558800" progId="Equation.DSMT4">
+                  <p:embed/>
+                </p:oleObj>
+              </mc:Choice>
+              <mc:Fallback>
+                <p:oleObj name="Equation" r:id="rId4" imgW="1651000" imgH="558800" progId="Equation.DSMT4">
+                  <p:embed/>
+                  <p:pic>
+                    <p:nvPicPr>
+                      <p:cNvPr id="0" name=""/>
+                      <p:cNvPicPr/>
+                      <p:nvPr/>
+                    </p:nvPicPr>
+                    <p:blipFill>
+                      <a:blip r:embed="rId5"/>
+                      <a:stretch>
+                        <a:fillRect/>
+                      </a:stretch>
+                    </p:blipFill>
+                    <p:spPr>
+                      <a:xfrm>
+                        <a:off x="1166842" y="3713619"/>
+                        <a:ext cx="6966761" cy="2357134"/>
+                      </a:xfrm>
+                      <a:prstGeom prst="rect">
+                        <a:avLst/>
+                      </a:prstGeom>
+                    </p:spPr>
+                  </p:pic>
+                </p:oleObj>
+              </mc:Fallback>
+            </mc:AlternateContent>
+          </a:graphicData>
+        </a:graphic>
+      </p:graphicFrame>
+      <p:sp>
+        <p:nvSpPr>
+          <p:cNvPr id="7" name="Title 1"/>
           <p:cNvSpPr>
             <a:spLocks noGrp="1"/>
           </p:cNvSpPr>
@@ -13255,6 +13243,278 @@
           </a:p>
         </p:txBody>
       </p:sp>
+    </p:spTree>
+    <p:extLst>
+      <p:ext uri="{BB962C8B-B14F-4D97-AF65-F5344CB8AC3E}">
+        <p14:creationId xmlns:p14="http://schemas.microsoft.com/office/powerpoint/2010/main" val="196683073"/>
+      </p:ext>
+    </p:extLst>
+  </p:cSld>
+  <p:clrMapOvr>
+    <a:masterClrMapping/>
+  </p:clrMapOvr>
+  <mc:AlternateContent xmlns:mc="http://schemas.openxmlformats.org/markup-compatibility/2006">
+    <mc:Choice xmlns:p14="http://schemas.microsoft.com/office/powerpoint/2010/main" Requires="p14">
+      <p:transition spd="med" p14:dur="600" advClick="0">
+        <p:fade/>
+      </p:transition>
+    </mc:Choice>
+    <mc:Fallback>
+      <p:transition xmlns:p14="http://schemas.microsoft.com/office/powerpoint/2010/main" spd="med" advClick="0">
+        <p:fade/>
+      </p:transition>
+    </mc:Fallback>
+  </mc:AlternateContent>
+  <p:timing>
+    <p:tnLst>
+      <p:par>
+        <p:cTn xmlns:p14="http://schemas.microsoft.com/office/powerpoint/2010/main" id="1" dur="indefinite" restart="never" nodeType="tmRoot">
+          <p:childTnLst>
+            <p:seq concurrent="1" nextAc="seek">
+              <p:cTn id="2" dur="indefinite" nodeType="mainSeq">
+                <p:childTnLst>
+                  <p:par>
+                    <p:cTn id="3" fill="hold">
+                      <p:stCondLst>
+                        <p:cond delay="indefinite"/>
+                      </p:stCondLst>
+                      <p:childTnLst>
+                        <p:par>
+                          <p:cTn id="4" fill="hold">
+                            <p:stCondLst>
+                              <p:cond delay="0"/>
+                            </p:stCondLst>
+                            <p:childTnLst>
+                              <p:par>
+                                <p:cTn id="5" presetID="2" presetClass="entr" presetSubtype="4" fill="hold" nodeType="clickEffect">
+                                  <p:stCondLst>
+                                    <p:cond delay="0"/>
+                                  </p:stCondLst>
+                                  <p:childTnLst>
+                                    <p:set>
+                                      <p:cBhvr>
+                                        <p:cTn id="6" dur="1" fill="hold">
+                                          <p:stCondLst>
+                                            <p:cond delay="0"/>
+                                          </p:stCondLst>
+                                        </p:cTn>
+                                        <p:tgtEl>
+                                          <p:spTgt spid="5"/>
+                                        </p:tgtEl>
+                                        <p:attrNameLst>
+                                          <p:attrName>style.visibility</p:attrName>
+                                        </p:attrNameLst>
+                                      </p:cBhvr>
+                                      <p:to>
+                                        <p:strVal val="visible"/>
+                                      </p:to>
+                                    </p:set>
+                                    <p:anim calcmode="lin" valueType="num">
+                                      <p:cBhvr additive="base">
+                                        <p:cTn id="7" dur="1000" fill="hold"/>
+                                        <p:tgtEl>
+                                          <p:spTgt spid="5"/>
+                                        </p:tgtEl>
+                                        <p:attrNameLst>
+                                          <p:attrName>ppt_x</p:attrName>
+                                        </p:attrNameLst>
+                                      </p:cBhvr>
+                                      <p:tavLst>
+                                        <p:tav tm="0">
+                                          <p:val>
+                                            <p:strVal val="#ppt_x"/>
+                                          </p:val>
+                                        </p:tav>
+                                        <p:tav tm="100000">
+                                          <p:val>
+                                            <p:strVal val="#ppt_x"/>
+                                          </p:val>
+                                        </p:tav>
+                                      </p:tavLst>
+                                    </p:anim>
+                                    <p:anim calcmode="lin" valueType="num">
+                                      <p:cBhvr additive="base">
+                                        <p:cTn id="8" dur="1000" fill="hold"/>
+                                        <p:tgtEl>
+                                          <p:spTgt spid="5"/>
+                                        </p:tgtEl>
+                                        <p:attrNameLst>
+                                          <p:attrName>ppt_y</p:attrName>
+                                        </p:attrNameLst>
+                                      </p:cBhvr>
+                                      <p:tavLst>
+                                        <p:tav tm="0">
+                                          <p:val>
+                                            <p:strVal val="1+#ppt_h/2"/>
+                                          </p:val>
+                                        </p:tav>
+                                        <p:tav tm="100000">
+                                          <p:val>
+                                            <p:strVal val="#ppt_y"/>
+                                          </p:val>
+                                        </p:tav>
+                                      </p:tavLst>
+                                    </p:anim>
+                                  </p:childTnLst>
+                                </p:cTn>
+                              </p:par>
+                            </p:childTnLst>
+                          </p:cTn>
+                        </p:par>
+                      </p:childTnLst>
+                    </p:cTn>
+                  </p:par>
+                </p:childTnLst>
+              </p:cTn>
+              <p:prevCondLst>
+                <p:cond evt="onPrev" delay="0">
+                  <p:tgtEl>
+                    <p:sldTgt/>
+                  </p:tgtEl>
+                </p:cond>
+              </p:prevCondLst>
+              <p:nextCondLst>
+                <p:cond evt="onNext" delay="0">
+                  <p:tgtEl>
+                    <p:sldTgt/>
+                  </p:tgtEl>
+                </p:cond>
+              </p:nextCondLst>
+            </p:seq>
+          </p:childTnLst>
+        </p:cTn>
+      </p:par>
+    </p:tnLst>
+  </p:timing>
+</p:sld>
+</file>
+
+<file path=ppt/slides/slide31.xml><?xml version="1.0" encoding="utf-8"?>
+<p:sld xmlns:a="http://schemas.openxmlformats.org/drawingml/2006/main" xmlns:r="http://schemas.openxmlformats.org/officeDocument/2006/relationships" xmlns:p="http://schemas.openxmlformats.org/presentationml/2006/main">
+  <p:cSld>
+    <p:spTree>
+      <p:nvGrpSpPr>
+        <p:cNvPr id="1" name=""/>
+        <p:cNvGrpSpPr/>
+        <p:nvPr/>
+      </p:nvGrpSpPr>
+      <p:grpSpPr>
+        <a:xfrm>
+          <a:off x="0" y="0"/>
+          <a:ext cx="0" cy="0"/>
+          <a:chOff x="0" y="0"/>
+          <a:chExt cx="0" cy="0"/>
+        </a:xfrm>
+      </p:grpSpPr>
+      <p:sp>
+        <p:nvSpPr>
+          <p:cNvPr id="3" name="Content Placeholder 2"/>
+          <p:cNvSpPr>
+            <a:spLocks noGrp="1"/>
+          </p:cNvSpPr>
+          <p:nvPr>
+            <p:ph idx="1"/>
+          </p:nvPr>
+        </p:nvSpPr>
+        <p:spPr>
+          <a:xfrm>
+            <a:off x="457200" y="1034189"/>
+            <a:ext cx="8229600" cy="4525963"/>
+          </a:xfrm>
+        </p:spPr>
+        <p:txBody>
+          <a:bodyPr/>
+          <a:lstStyle/>
+          <a:p>
+            <a:r>
+              <a:rPr lang="en-US" dirty="0" smtClean="0"/>
+              <a:t>For example, it is impossible for </a:t>
+            </a:r>
+          </a:p>
+          <a:p>
+            <a:r>
+              <a:rPr lang="en-US" dirty="0" smtClean="0"/>
+              <a:t>all exams to be above average</a:t>
+            </a:r>
+          </a:p>
+          <a:p>
+            <a:r>
+              <a:rPr lang="en-US" dirty="0" smtClean="0"/>
+              <a:t>(no matter what the townspeople </a:t>
+            </a:r>
+          </a:p>
+          <a:p>
+            <a:r>
+              <a:rPr lang="en-US" dirty="0" smtClean="0"/>
+              <a:t>  of Lake Woebegone say):</a:t>
+            </a:r>
+          </a:p>
+          <a:p>
+            <a:endParaRPr lang="en-US" dirty="0"/>
+          </a:p>
+        </p:txBody>
+      </p:sp>
+      <p:sp>
+        <p:nvSpPr>
+          <p:cNvPr id="4" name="Slide Number Placeholder 3"/>
+          <p:cNvSpPr>
+            <a:spLocks noGrp="1"/>
+          </p:cNvSpPr>
+          <p:nvPr>
+            <p:ph type="sldNum" sz="quarter" idx="4"/>
+          </p:nvPr>
+        </p:nvSpPr>
+        <p:spPr/>
+        <p:txBody>
+          <a:bodyPr/>
+          <a:lstStyle/>
+          <a:p>
+            <a:pPr>
+              <a:defRPr/>
+            </a:pPr>
+            <a:r>
+              <a:rPr lang="en-US" smtClean="0"/>
+              <a:t>expect_intro.</a:t>
+            </a:r>
+            <a:fld id="{7886A709-CED2-48A3-8616-B2655C008ECB}" type="slidenum">
+              <a:rPr lang="en-US" smtClean="0"/>
+              <a:pPr>
+                <a:defRPr/>
+              </a:pPr>
+              <a:t>31</a:t>
+            </a:fld>
+            <a:endParaRPr lang="en-US" dirty="0"/>
+          </a:p>
+        </p:txBody>
+      </p:sp>
+      <p:sp>
+        <p:nvSpPr>
+          <p:cNvPr id="5" name="Title 1"/>
+          <p:cNvSpPr>
+            <a:spLocks noGrp="1"/>
+          </p:cNvSpPr>
+          <p:nvPr>
+            <p:ph type="title"/>
+          </p:nvPr>
+        </p:nvSpPr>
+        <p:spPr>
+          <a:xfrm>
+            <a:off x="1072352" y="225425"/>
+            <a:ext cx="7270750" cy="684213"/>
+          </a:xfrm>
+        </p:spPr>
+        <p:txBody>
+          <a:bodyPr/>
+          <a:lstStyle/>
+          <a:p>
+            <a:r>
+              <a:rPr lang="en-US" dirty="0" smtClean="0"/>
+              <a:t>Expectations &amp; Averages</a:t>
+            </a:r>
+            <a:endParaRPr lang="en-US" dirty="0"/>
+          </a:p>
+        </p:txBody>
+      </p:sp>
       <p:graphicFrame>
         <p:nvGraphicFramePr>
           <p:cNvPr id="6" name="Object 5"/>
@@ -13277,7 +13537,7 @@
           <a:graphicData uri="http://schemas.openxmlformats.org/presentationml/2006/ole">
             <mc:AlternateContent xmlns:mc="http://schemas.openxmlformats.org/markup-compatibility/2006">
               <mc:Choice xmlns:v="urn:schemas-microsoft-com:vml" Requires="v">
-                <p:oleObj spid="_x0000_s581638" name="Equation" r:id="rId3" imgW="1295400" imgH="228600" progId="Equation.DSMT4">
+                <p:oleObj spid="_x0000_s581641" name="Equation" r:id="rId3" imgW="1295400" imgH="228600" progId="Equation.DSMT4">
                   <p:embed/>
                 </p:oleObj>
               </mc:Choice>
@@ -13515,7 +13775,7 @@
 </p:sld>
 </file>
 
-<file path=ppt/slides/slide31.xml><?xml version="1.0" encoding="utf-8"?>
+<file path=ppt/slides/slide32.xml><?xml version="1.0" encoding="utf-8"?>
 <p:sld xmlns:a="http://schemas.openxmlformats.org/drawingml/2006/main" xmlns:r="http://schemas.openxmlformats.org/officeDocument/2006/relationships" xmlns:p="http://schemas.openxmlformats.org/presentationml/2006/main">
   <p:cSld>
     <p:spTree>
@@ -13587,7 +13847,7 @@
               <a:pPr>
                 <a:defRPr/>
               </a:pPr>
-              <a:t>31</a:t>
+              <a:t>32</a:t>
             </a:fld>
             <a:endParaRPr lang="en-US" dirty="0"/>
           </a:p>
@@ -13643,7 +13903,7 @@
           <a:graphicData uri="http://schemas.openxmlformats.org/presentationml/2006/ole">
             <mc:AlternateContent xmlns:mc="http://schemas.openxmlformats.org/markup-compatibility/2006">
               <mc:Choice xmlns:v="urn:schemas-microsoft-com:vml" Requires="v">
-                <p:oleObj spid="_x0000_s582663" name="Equation" r:id="rId3" imgW="1536700" imgH="228600" progId="Equation.DSMT4">
+                <p:oleObj spid="_x0000_s582665" name="Equation" r:id="rId3" imgW="1536700" imgH="228600" progId="Equation.DSMT4">
                   <p:embed/>
                 </p:oleObj>
               </mc:Choice>
@@ -14098,6 +14358,517 @@
     <p:bldLst>
       <p:bldP spid="2" grpId="0" build="p"/>
     </p:bldLst>
+  </p:timing>
+</p:sld>
+</file>
+
+<file path=ppt/slides/slide33.xml><?xml version="1.0" encoding="utf-8"?>
+<p:sld xmlns:a="http://schemas.openxmlformats.org/drawingml/2006/main" xmlns:r="http://schemas.openxmlformats.org/officeDocument/2006/relationships" xmlns:p="http://schemas.openxmlformats.org/presentationml/2006/main" show="0">
+  <p:cSld>
+    <p:spTree>
+      <p:nvGrpSpPr>
+        <p:cNvPr id="1" name=""/>
+        <p:cNvGrpSpPr/>
+        <p:nvPr/>
+      </p:nvGrpSpPr>
+      <p:grpSpPr>
+        <a:xfrm>
+          <a:off x="0" y="0"/>
+          <a:ext cx="0" cy="0"/>
+          <a:chOff x="0" y="0"/>
+          <a:chExt cx="0" cy="0"/>
+        </a:xfrm>
+      </p:grpSpPr>
+      <p:sp>
+        <p:nvSpPr>
+          <p:cNvPr id="19" name="TextBox 18"/>
+          <p:cNvSpPr txBox="1"/>
+          <p:nvPr/>
+        </p:nvSpPr>
+        <p:spPr>
+          <a:xfrm>
+            <a:off x="304800" y="864480"/>
+            <a:ext cx="1317625" cy="769938"/>
+          </a:xfrm>
+          <a:prstGeom prst="rect">
+            <a:avLst/>
+          </a:prstGeom>
+          <a:noFill/>
+        </p:spPr>
+        <p:txBody>
+          <a:bodyPr wrap="none">
+            <a:spAutoFit/>
+          </a:bodyPr>
+          <a:lstStyle/>
+          <a:p>
+            <a:pPr>
+              <a:defRPr/>
+            </a:pPr>
+            <a:r>
+              <a:rPr lang="en-US" sz="4400" i="0" dirty="0">
+                <a:latin typeface="+mj-lt"/>
+              </a:rPr>
+              <a:t>Now</a:t>
+            </a:r>
+          </a:p>
+        </p:txBody>
+      </p:sp>
+      <p:graphicFrame>
+        <p:nvGraphicFramePr>
+          <p:cNvPr id="9" name="Object 8"/>
+          <p:cNvGraphicFramePr>
+            <a:graphicFrameLocks noChangeAspect="1"/>
+          </p:cNvGraphicFramePr>
+          <p:nvPr>
+            <p:extLst>
+              <p:ext uri="{D42A27DB-BD31-4B8C-83A1-F6EECF244321}">
+                <p14:modId xmlns:p14="http://schemas.microsoft.com/office/powerpoint/2010/main" val="1902005388"/>
+              </p:ext>
+            </p:extLst>
+          </p:nvPr>
+        </p:nvGraphicFramePr>
+        <p:xfrm>
+          <a:off x="365125" y="1276350"/>
+          <a:ext cx="7351713" cy="1646238"/>
+        </p:xfrm>
+        <a:graphic>
+          <a:graphicData uri="http://schemas.openxmlformats.org/presentationml/2006/ole">
+            <mc:AlternateContent xmlns:mc="http://schemas.openxmlformats.org/markup-compatibility/2006">
+              <mc:Choice xmlns:v="urn:schemas-microsoft-com:vml" Requires="v">
+                <p:oleObj spid="_x0000_s571506" name="Equation" r:id="rId4" imgW="1816100" imgH="406400" progId="Equation.DSMT4">
+                  <p:embed/>
+                </p:oleObj>
+              </mc:Choice>
+              <mc:Fallback>
+                <p:oleObj name="Equation" r:id="rId4" imgW="1816100" imgH="406400" progId="Equation.DSMT4">
+                  <p:embed/>
+                  <p:pic>
+                    <p:nvPicPr>
+                      <p:cNvPr id="0" name=""/>
+                      <p:cNvPicPr>
+                        <a:picLocks noChangeAspect="1" noChangeArrowheads="1"/>
+                      </p:cNvPicPr>
+                      <p:nvPr/>
+                    </p:nvPicPr>
+                    <p:blipFill>
+                      <a:blip r:embed="rId5"/>
+                      <a:srcRect/>
+                      <a:stretch>
+                        <a:fillRect/>
+                      </a:stretch>
+                    </p:blipFill>
+                    <p:spPr bwMode="auto">
+                      <a:xfrm>
+                        <a:off x="365125" y="1276350"/>
+                        <a:ext cx="7351713" cy="1646238"/>
+                      </a:xfrm>
+                      <a:prstGeom prst="rect">
+                        <a:avLst/>
+                      </a:prstGeom>
+                      <a:noFill/>
+                      <a:extLst/>
+                    </p:spPr>
+                  </p:pic>
+                </p:oleObj>
+              </mc:Fallback>
+            </mc:AlternateContent>
+          </a:graphicData>
+        </a:graphic>
+      </p:graphicFrame>
+      <p:graphicFrame>
+        <p:nvGraphicFramePr>
+          <p:cNvPr id="10" name="Object 9"/>
+          <p:cNvGraphicFramePr>
+            <a:graphicFrameLocks noChangeAspect="1"/>
+          </p:cNvGraphicFramePr>
+          <p:nvPr>
+            <p:extLst>
+              <p:ext uri="{D42A27DB-BD31-4B8C-83A1-F6EECF244321}">
+                <p14:modId xmlns:p14="http://schemas.microsoft.com/office/powerpoint/2010/main" val="3612852367"/>
+              </p:ext>
+            </p:extLst>
+          </p:nvPr>
+        </p:nvGraphicFramePr>
+        <p:xfrm>
+          <a:off x="2928938" y="5116513"/>
+          <a:ext cx="4354512" cy="1547812"/>
+        </p:xfrm>
+        <a:graphic>
+          <a:graphicData uri="http://schemas.openxmlformats.org/presentationml/2006/ole">
+            <mc:AlternateContent xmlns:mc="http://schemas.openxmlformats.org/markup-compatibility/2006">
+              <mc:Choice xmlns:v="urn:schemas-microsoft-com:vml" Requires="v">
+                <p:oleObj spid="_x0000_s571507" name="Equation" r:id="rId6" imgW="1143000" imgH="406400" progId="Equation.DSMT4">
+                  <p:embed/>
+                </p:oleObj>
+              </mc:Choice>
+              <mc:Fallback>
+                <p:oleObj name="Equation" r:id="rId6" imgW="1143000" imgH="406400" progId="Equation.DSMT4">
+                  <p:embed/>
+                  <p:pic>
+                    <p:nvPicPr>
+                      <p:cNvPr id="0" name=""/>
+                      <p:cNvPicPr>
+                        <a:picLocks noChangeAspect="1" noChangeArrowheads="1"/>
+                      </p:cNvPicPr>
+                      <p:nvPr/>
+                    </p:nvPicPr>
+                    <p:blipFill>
+                      <a:blip r:embed="rId7"/>
+                      <a:srcRect/>
+                      <a:stretch>
+                        <a:fillRect/>
+                      </a:stretch>
+                    </p:blipFill>
+                    <p:spPr bwMode="auto">
+                      <a:xfrm>
+                        <a:off x="2928938" y="5116513"/>
+                        <a:ext cx="4354512" cy="1547812"/>
+                      </a:xfrm>
+                      <a:prstGeom prst="rect">
+                        <a:avLst/>
+                      </a:prstGeom>
+                      <a:noFill/>
+                      <a:extLst>
+                        <a:ext uri="{909E8E84-426E-40dd-AFC4-6F175D3DCCD1}">
+                          <a14:hiddenFill xmlns:a14="http://schemas.microsoft.com/office/drawing/2010/main">
+                            <a:solidFill>
+                              <a:srgbClr val="FFFFFF"/>
+                            </a:solidFill>
+                          </a14:hiddenFill>
+                        </a:ext>
+                      </a:extLst>
+                    </p:spPr>
+                  </p:pic>
+                </p:oleObj>
+              </mc:Fallback>
+            </mc:AlternateContent>
+          </a:graphicData>
+        </a:graphic>
+      </p:graphicFrame>
+      <p:graphicFrame>
+        <p:nvGraphicFramePr>
+          <p:cNvPr id="11" name="Object 10"/>
+          <p:cNvGraphicFramePr>
+            <a:graphicFrameLocks noChangeAspect="1"/>
+          </p:cNvGraphicFramePr>
+          <p:nvPr>
+            <p:extLst>
+              <p:ext uri="{D42A27DB-BD31-4B8C-83A1-F6EECF244321}">
+                <p14:modId xmlns:p14="http://schemas.microsoft.com/office/powerpoint/2010/main" val="3313452382"/>
+              </p:ext>
+            </p:extLst>
+          </p:nvPr>
+        </p:nvGraphicFramePr>
+        <p:xfrm>
+          <a:off x="2879725" y="2316163"/>
+          <a:ext cx="4954588" cy="1874837"/>
+        </p:xfrm>
+        <a:graphic>
+          <a:graphicData uri="http://schemas.openxmlformats.org/presentationml/2006/ole">
+            <mc:AlternateContent xmlns:mc="http://schemas.openxmlformats.org/markup-compatibility/2006">
+              <mc:Choice xmlns:v="urn:schemas-microsoft-com:vml" Requires="v">
+                <p:oleObj spid="_x0000_s571508" name="Equation" r:id="rId8" imgW="1409700" imgH="533400" progId="Equation.DSMT4">
+                  <p:embed/>
+                </p:oleObj>
+              </mc:Choice>
+              <mc:Fallback>
+                <p:oleObj name="Equation" r:id="rId8" imgW="1409700" imgH="533400" progId="Equation.DSMT4">
+                  <p:embed/>
+                  <p:pic>
+                    <p:nvPicPr>
+                      <p:cNvPr id="0" name=""/>
+                      <p:cNvPicPr>
+                        <a:picLocks noChangeAspect="1" noChangeArrowheads="1"/>
+                      </p:cNvPicPr>
+                      <p:nvPr/>
+                    </p:nvPicPr>
+                    <p:blipFill>
+                      <a:blip r:embed="rId9"/>
+                      <a:srcRect/>
+                      <a:stretch>
+                        <a:fillRect/>
+                      </a:stretch>
+                    </p:blipFill>
+                    <p:spPr bwMode="auto">
+                      <a:xfrm>
+                        <a:off x="2879725" y="2316163"/>
+                        <a:ext cx="4954588" cy="1874837"/>
+                      </a:xfrm>
+                      <a:prstGeom prst="rect">
+                        <a:avLst/>
+                      </a:prstGeom>
+                      <a:noFill/>
+                      <a:extLst>
+                        <a:ext uri="{909E8E84-426E-40dd-AFC4-6F175D3DCCD1}">
+                          <a14:hiddenFill xmlns:a14="http://schemas.microsoft.com/office/drawing/2010/main">
+                            <a:solidFill>
+                              <a:srgbClr val="FFFFFF"/>
+                            </a:solidFill>
+                          </a14:hiddenFill>
+                        </a:ext>
+                      </a:extLst>
+                    </p:spPr>
+                  </p:pic>
+                </p:oleObj>
+              </mc:Fallback>
+            </mc:AlternateContent>
+          </a:graphicData>
+        </a:graphic>
+      </p:graphicFrame>
+      <p:sp>
+        <p:nvSpPr>
+          <p:cNvPr id="13" name="Rectangle 2"/>
+          <p:cNvSpPr>
+            <a:spLocks noGrp="1" noChangeArrowheads="1"/>
+          </p:cNvSpPr>
+          <p:nvPr>
+            <p:ph type="title"/>
+          </p:nvPr>
+        </p:nvSpPr>
+        <p:spPr>
+          <a:xfrm>
+            <a:off x="1828800" y="228600"/>
+            <a:ext cx="5486400" cy="1066800"/>
+          </a:xfrm>
+        </p:spPr>
+        <p:txBody>
+          <a:bodyPr/>
+          <a:lstStyle/>
+          <a:p>
+            <a:pPr eaLnBrk="1" hangingPunct="1"/>
+            <a:r>
+              <a:rPr lang="en-US" sz="4800" dirty="0" smtClean="0">
+                <a:solidFill>
+                  <a:schemeClr val="tx1"/>
+                </a:solidFill>
+              </a:rPr>
+              <a:t>Expected Value</a:t>
+            </a:r>
+          </a:p>
+        </p:txBody>
+      </p:sp>
+      <p:sp>
+        <p:nvSpPr>
+          <p:cNvPr id="8" name="Slide Number Placeholder 3"/>
+          <p:cNvSpPr>
+            <a:spLocks noGrp="1"/>
+          </p:cNvSpPr>
+          <p:nvPr>
+            <p:ph type="sldNum" sz="quarter" idx="4294967295"/>
+          </p:nvPr>
+        </p:nvSpPr>
+        <p:spPr>
+          <a:xfrm>
+            <a:off x="7554913" y="6577965"/>
+            <a:ext cx="1527175" cy="244475"/>
+          </a:xfrm>
+          <a:prstGeom prst="rect">
+            <a:avLst/>
+          </a:prstGeom>
+        </p:spPr>
+        <p:txBody>
+          <a:bodyPr/>
+          <a:lstStyle/>
+          <a:p>
+            <a:pPr>
+              <a:defRPr/>
+            </a:pPr>
+            <a:r>
+              <a:rPr lang="en-US" sz="1200" dirty="0" err="1" smtClean="0">
+                <a:latin typeface="Comic Sans MS"/>
+                <a:cs typeface="Comic Sans MS"/>
+              </a:rPr>
+              <a:t>expect_intro</a:t>
+            </a:r>
+            <a:r>
+              <a:rPr lang="en-US" sz="1200" dirty="0" smtClean="0">
+                <a:latin typeface="Comic Sans MS"/>
+                <a:cs typeface="Comic Sans MS"/>
+              </a:rPr>
+              <a:t>.</a:t>
+            </a:r>
+            <a:fld id="{93DA0692-DAF7-4AFE-9BE7-E02439D3694A}" type="slidenum">
+              <a:rPr lang="en-US" sz="1200" smtClean="0">
+                <a:latin typeface="Comic Sans MS"/>
+                <a:cs typeface="Comic Sans MS"/>
+              </a:rPr>
+              <a:pPr>
+                <a:defRPr/>
+              </a:pPr>
+              <a:t>33</a:t>
+            </a:fld>
+            <a:endParaRPr lang="en-US" sz="1200" dirty="0">
+              <a:latin typeface="Comic Sans MS"/>
+              <a:cs typeface="Comic Sans MS"/>
+            </a:endParaRPr>
+          </a:p>
+        </p:txBody>
+      </p:sp>
+      <p:graphicFrame>
+        <p:nvGraphicFramePr>
+          <p:cNvPr id="14" name="Object 6"/>
+          <p:cNvGraphicFramePr>
+            <a:graphicFrameLocks noChangeAspect="1"/>
+          </p:cNvGraphicFramePr>
+          <p:nvPr>
+            <p:extLst>
+              <p:ext uri="{D42A27DB-BD31-4B8C-83A1-F6EECF244321}">
+                <p14:modId xmlns:p14="http://schemas.microsoft.com/office/powerpoint/2010/main" val="931292016"/>
+              </p:ext>
+            </p:extLst>
+          </p:nvPr>
+        </p:nvGraphicFramePr>
+        <p:xfrm>
+          <a:off x="2921000" y="3902075"/>
+          <a:ext cx="5221288" cy="1428750"/>
+        </p:xfrm>
+        <a:graphic>
+          <a:graphicData uri="http://schemas.openxmlformats.org/presentationml/2006/ole">
+            <mc:AlternateContent xmlns:mc="http://schemas.openxmlformats.org/markup-compatibility/2006">
+              <mc:Choice xmlns:v="urn:schemas-microsoft-com:vml" Requires="v">
+                <p:oleObj spid="_x0000_s571509" name="Equation" r:id="rId10" imgW="1485900" imgH="406400" progId="Equation.DSMT4">
+                  <p:embed/>
+                </p:oleObj>
+              </mc:Choice>
+              <mc:Fallback>
+                <p:oleObj name="Equation" r:id="rId10" imgW="1485900" imgH="406400" progId="Equation.DSMT4">
+                  <p:embed/>
+                  <p:pic>
+                    <p:nvPicPr>
+                      <p:cNvPr id="0" name=""/>
+                      <p:cNvPicPr>
+                        <a:picLocks noChangeAspect="1" noChangeArrowheads="1"/>
+                      </p:cNvPicPr>
+                      <p:nvPr/>
+                    </p:nvPicPr>
+                    <p:blipFill>
+                      <a:blip r:embed="rId11"/>
+                      <a:srcRect/>
+                      <a:stretch>
+                        <a:fillRect/>
+                      </a:stretch>
+                    </p:blipFill>
+                    <p:spPr bwMode="auto">
+                      <a:xfrm>
+                        <a:off x="2921000" y="3902075"/>
+                        <a:ext cx="5221288" cy="1428750"/>
+                      </a:xfrm>
+                      <a:prstGeom prst="rect">
+                        <a:avLst/>
+                      </a:prstGeom>
+                      <a:noFill/>
+                      <a:extLst>
+                        <a:ext uri="{909E8E84-426E-40dd-AFC4-6F175D3DCCD1}">
+                          <a14:hiddenFill xmlns:a14="http://schemas.microsoft.com/office/drawing/2010/main">
+                            <a:solidFill>
+                              <a:srgbClr val="FFFFFF"/>
+                            </a:solidFill>
+                          </a14:hiddenFill>
+                        </a:ext>
+                      </a:extLst>
+                    </p:spPr>
+                  </p:pic>
+                </p:oleObj>
+              </mc:Fallback>
+            </mc:AlternateContent>
+          </a:graphicData>
+        </a:graphic>
+      </p:graphicFrame>
+    </p:spTree>
+    <p:extLst>
+      <p:ext uri="{BB962C8B-B14F-4D97-AF65-F5344CB8AC3E}">
+        <p14:creationId xmlns:p14="http://schemas.microsoft.com/office/powerpoint/2010/main" val="3941111006"/>
+      </p:ext>
+    </p:extLst>
+  </p:cSld>
+  <p:clrMapOvr>
+    <a:masterClrMapping/>
+  </p:clrMapOvr>
+  <p:transition xmlns:p14="http://schemas.microsoft.com/office/powerpoint/2010/main" spd="slow" advClick="0">
+    <p:fade/>
+  </p:transition>
+  <p:timing>
+    <p:tnLst>
+      <p:par>
+        <p:cTn xmlns:p14="http://schemas.microsoft.com/office/powerpoint/2010/main" id="1" dur="indefinite" restart="never" nodeType="tmRoot">
+          <p:childTnLst>
+            <p:seq concurrent="1" nextAc="seek">
+              <p:cTn id="2" dur="indefinite" nodeType="mainSeq">
+                <p:childTnLst>
+                  <p:par>
+                    <p:cTn id="3" fill="hold">
+                      <p:stCondLst>
+                        <p:cond delay="indefinite"/>
+                      </p:stCondLst>
+                      <p:childTnLst>
+                        <p:par>
+                          <p:cTn id="4" fill="hold">
+                            <p:stCondLst>
+                              <p:cond delay="0"/>
+                            </p:stCondLst>
+                            <p:childTnLst>
+                              <p:par>
+                                <p:cTn id="5" presetID="22" presetClass="entr" presetSubtype="8" fill="hold" nodeType="clickEffect">
+                                  <p:stCondLst>
+                                    <p:cond delay="0"/>
+                                  </p:stCondLst>
+                                  <p:childTnLst>
+                                    <p:set>
+                                      <p:cBhvr>
+                                        <p:cTn id="6" dur="1" fill="hold">
+                                          <p:stCondLst>
+                                            <p:cond delay="0"/>
+                                          </p:stCondLst>
+                                        </p:cTn>
+                                        <p:tgtEl>
+                                          <p:spTgt spid="10"/>
+                                        </p:tgtEl>
+                                        <p:attrNameLst>
+                                          <p:attrName>style.visibility</p:attrName>
+                                        </p:attrNameLst>
+                                      </p:cBhvr>
+                                      <p:to>
+                                        <p:strVal val="visible"/>
+                                      </p:to>
+                                    </p:set>
+                                    <p:animEffect transition="in" filter="wipe(left)">
+                                      <p:cBhvr>
+                                        <p:cTn id="7" dur="1000"/>
+                                        <p:tgtEl>
+                                          <p:spTgt spid="10"/>
+                                        </p:tgtEl>
+                                      </p:cBhvr>
+                                    </p:animEffect>
+                                  </p:childTnLst>
+                                </p:cTn>
+                              </p:par>
+                            </p:childTnLst>
+                          </p:cTn>
+                        </p:par>
+                      </p:childTnLst>
+                    </p:cTn>
+                  </p:par>
+                </p:childTnLst>
+              </p:cTn>
+              <p:prevCondLst>
+                <p:cond evt="onPrev" delay="0">
+                  <p:tgtEl>
+                    <p:sldTgt/>
+                  </p:tgtEl>
+                </p:cond>
+              </p:prevCondLst>
+              <p:nextCondLst>
+                <p:cond evt="onNext" delay="0">
+                  <p:tgtEl>
+                    <p:sldTgt/>
+                  </p:tgtEl>
+                </p:cond>
+              </p:nextCondLst>
+            </p:seq>
+          </p:childTnLst>
+        </p:cTn>
+      </p:par>
+    </p:tnLst>
   </p:timing>
 </p:sld>
 </file>
@@ -15090,7 +15861,7 @@
           <a:graphicData uri="http://schemas.openxmlformats.org/presentationml/2006/ole">
             <mc:AlternateContent xmlns:mc="http://schemas.openxmlformats.org/markup-compatibility/2006">
               <mc:Choice xmlns:v="urn:schemas-microsoft-com:vml" Requires="v">
-                <p:oleObj spid="_x0000_s168114" name="Equation" r:id="rId4" imgW="1231900" imgH="584200" progId="Equation.DSMT4">
+                <p:oleObj spid="_x0000_s168130" name="Equation" r:id="rId4" imgW="1231900" imgH="584200" progId="Equation.DSMT4">
                   <p:embed/>
                 </p:oleObj>
               </mc:Choice>
@@ -15160,7 +15931,7 @@
           <a:graphicData uri="http://schemas.openxmlformats.org/presentationml/2006/ole">
             <mc:AlternateContent xmlns:mc="http://schemas.openxmlformats.org/markup-compatibility/2006">
               <mc:Choice xmlns:v="urn:schemas-microsoft-com:vml" Requires="v">
-                <p:oleObj spid="_x0000_s168115" name="Equation" r:id="rId6" imgW="1562100" imgH="584200" progId="Equation.DSMT4">
+                <p:oleObj spid="_x0000_s168131" name="Equation" r:id="rId6" imgW="1562100" imgH="584200" progId="Equation.DSMT4">
                   <p:embed/>
                 </p:oleObj>
               </mc:Choice>
@@ -15230,7 +16001,7 @@
           <a:graphicData uri="http://schemas.openxmlformats.org/presentationml/2006/ole">
             <mc:AlternateContent xmlns:mc="http://schemas.openxmlformats.org/markup-compatibility/2006">
               <mc:Choice xmlns:v="urn:schemas-microsoft-com:vml" Requires="v">
-                <p:oleObj spid="_x0000_s168116" name="Equation" r:id="rId8" imgW="1689100" imgH="584200" progId="Equation.DSMT4">
+                <p:oleObj spid="_x0000_s168132" name="Equation" r:id="rId8" imgW="1689100" imgH="584200" progId="Equation.DSMT4">
                   <p:embed/>
                 </p:oleObj>
               </mc:Choice>
@@ -15300,7 +16071,7 @@
           <a:graphicData uri="http://schemas.openxmlformats.org/presentationml/2006/ole">
             <mc:AlternateContent xmlns:mc="http://schemas.openxmlformats.org/markup-compatibility/2006">
               <mc:Choice xmlns:v="urn:schemas-microsoft-com:vml" Requires="v">
-                <p:oleObj spid="_x0000_s168117" name="Equation" r:id="rId10" imgW="1219200" imgH="584200" progId="Equation.DSMT4">
+                <p:oleObj spid="_x0000_s168133" name="Equation" r:id="rId10" imgW="1219200" imgH="584200" progId="Equation.DSMT4">
                   <p:embed/>
                 </p:oleObj>
               </mc:Choice>
@@ -15487,7 +16258,7 @@
           <a:graphicData uri="http://schemas.openxmlformats.org/presentationml/2006/ole">
             <mc:AlternateContent xmlns:mc="http://schemas.openxmlformats.org/markup-compatibility/2006">
               <mc:Choice xmlns:v="urn:schemas-microsoft-com:vml" Requires="v">
-                <p:oleObj spid="_x0000_s168118" name="Equation" r:id="rId13" imgW="139700" imgH="215900" progId="Equation.DSMT4">
+                <p:oleObj spid="_x0000_s168134" name="Equation" r:id="rId13" imgW="139700" imgH="215900" progId="Equation.DSMT4">
                   <p:embed/>
                 </p:oleObj>
               </mc:Choice>
@@ -15544,7 +16315,7 @@
           <a:graphicData uri="http://schemas.openxmlformats.org/presentationml/2006/ole">
             <mc:AlternateContent xmlns:mc="http://schemas.openxmlformats.org/markup-compatibility/2006">
               <mc:Choice xmlns:v="urn:schemas-microsoft-com:vml" Requires="v">
-                <p:oleObj spid="_x0000_s168119" name="Equation" r:id="rId15" imgW="139700" imgH="215900" progId="Equation.DSMT4">
+                <p:oleObj spid="_x0000_s168135" name="Equation" r:id="rId15" imgW="139700" imgH="215900" progId="Equation.DSMT4">
                   <p:embed/>
                 </p:oleObj>
               </mc:Choice>
@@ -15601,7 +16372,7 @@
           <a:graphicData uri="http://schemas.openxmlformats.org/presentationml/2006/ole">
             <mc:AlternateContent xmlns:mc="http://schemas.openxmlformats.org/markup-compatibility/2006">
               <mc:Choice xmlns:v="urn:schemas-microsoft-com:vml" Requires="v">
-                <p:oleObj spid="_x0000_s168120" name="Equation" r:id="rId16" imgW="139700" imgH="215900" progId="Equation.DSMT4">
+                <p:oleObj spid="_x0000_s168136" name="Equation" r:id="rId16" imgW="139700" imgH="215900" progId="Equation.DSMT4">
                   <p:embed/>
                 </p:oleObj>
               </mc:Choice>
@@ -15658,7 +16429,7 @@
           <a:graphicData uri="http://schemas.openxmlformats.org/presentationml/2006/ole">
             <mc:AlternateContent xmlns:mc="http://schemas.openxmlformats.org/markup-compatibility/2006">
               <mc:Choice xmlns:v="urn:schemas-microsoft-com:vml" Requires="v">
-                <p:oleObj spid="_x0000_s168121" name="Equation" r:id="rId17" imgW="457200" imgH="469900" progId="Equation.DSMT4">
+                <p:oleObj spid="_x0000_s168137" name="Equation" r:id="rId17" imgW="457200" imgH="469900" progId="Equation.DSMT4">
                   <p:embed/>
                 </p:oleObj>
               </mc:Choice>
@@ -17442,7 +18213,7 @@
           <a:graphicData uri="http://schemas.openxmlformats.org/presentationml/2006/ole">
             <mc:AlternateContent xmlns:mc="http://schemas.openxmlformats.org/markup-compatibility/2006">
               <mc:Choice xmlns:v="urn:schemas-microsoft-com:vml" Requires="v">
-                <p:oleObj spid="_x0000_s174131" name="Equation" r:id="rId4" imgW="2006280" imgH="812520" progId="Equation.DSMT4">
+                <p:oleObj spid="_x0000_s174133" name="Equation" r:id="rId4" imgW="2006280" imgH="812520" progId="Equation.DSMT4">
                   <p:embed/>
                 </p:oleObj>
               </mc:Choice>
